--- a/Documents/design/charts.pptx
+++ b/Documents/design/charts.pptx
@@ -259,7 +259,7 @@
           <a:p>
             <a:fld id="{BD674694-9742-45AE-917A-66E650B458D2}" type="datetimeFigureOut">
               <a:rPr lang="zh-CN" altLang="en-US" smtClean="0"/>
-              <a:t>2022-01-17</a:t>
+              <a:t>2022-01-24</a:t>
             </a:fld>
             <a:endParaRPr lang="zh-CN" altLang="en-US"/>
           </a:p>
@@ -457,7 +457,7 @@
           <a:p>
             <a:fld id="{BD674694-9742-45AE-917A-66E650B458D2}" type="datetimeFigureOut">
               <a:rPr lang="zh-CN" altLang="en-US" smtClean="0"/>
-              <a:t>2022-01-17</a:t>
+              <a:t>2022-01-24</a:t>
             </a:fld>
             <a:endParaRPr lang="zh-CN" altLang="en-US"/>
           </a:p>
@@ -665,7 +665,7 @@
           <a:p>
             <a:fld id="{BD674694-9742-45AE-917A-66E650B458D2}" type="datetimeFigureOut">
               <a:rPr lang="zh-CN" altLang="en-US" smtClean="0"/>
-              <a:t>2022-01-17</a:t>
+              <a:t>2022-01-24</a:t>
             </a:fld>
             <a:endParaRPr lang="zh-CN" altLang="en-US"/>
           </a:p>
@@ -863,7 +863,7 @@
           <a:p>
             <a:fld id="{BD674694-9742-45AE-917A-66E650B458D2}" type="datetimeFigureOut">
               <a:rPr lang="zh-CN" altLang="en-US" smtClean="0"/>
-              <a:t>2022-01-17</a:t>
+              <a:t>2022-01-24</a:t>
             </a:fld>
             <a:endParaRPr lang="zh-CN" altLang="en-US"/>
           </a:p>
@@ -1138,7 +1138,7 @@
           <a:p>
             <a:fld id="{BD674694-9742-45AE-917A-66E650B458D2}" type="datetimeFigureOut">
               <a:rPr lang="zh-CN" altLang="en-US" smtClean="0"/>
-              <a:t>2022-01-17</a:t>
+              <a:t>2022-01-24</a:t>
             </a:fld>
             <a:endParaRPr lang="zh-CN" altLang="en-US"/>
           </a:p>
@@ -1403,7 +1403,7 @@
           <a:p>
             <a:fld id="{BD674694-9742-45AE-917A-66E650B458D2}" type="datetimeFigureOut">
               <a:rPr lang="zh-CN" altLang="en-US" smtClean="0"/>
-              <a:t>2022-01-17</a:t>
+              <a:t>2022-01-24</a:t>
             </a:fld>
             <a:endParaRPr lang="zh-CN" altLang="en-US"/>
           </a:p>
@@ -1815,7 +1815,7 @@
           <a:p>
             <a:fld id="{BD674694-9742-45AE-917A-66E650B458D2}" type="datetimeFigureOut">
               <a:rPr lang="zh-CN" altLang="en-US" smtClean="0"/>
-              <a:t>2022-01-17</a:t>
+              <a:t>2022-01-24</a:t>
             </a:fld>
             <a:endParaRPr lang="zh-CN" altLang="en-US"/>
           </a:p>
@@ -1956,7 +1956,7 @@
           <a:p>
             <a:fld id="{BD674694-9742-45AE-917A-66E650B458D2}" type="datetimeFigureOut">
               <a:rPr lang="zh-CN" altLang="en-US" smtClean="0"/>
-              <a:t>2022-01-17</a:t>
+              <a:t>2022-01-24</a:t>
             </a:fld>
             <a:endParaRPr lang="zh-CN" altLang="en-US"/>
           </a:p>
@@ -2069,7 +2069,7 @@
           <a:p>
             <a:fld id="{BD674694-9742-45AE-917A-66E650B458D2}" type="datetimeFigureOut">
               <a:rPr lang="zh-CN" altLang="en-US" smtClean="0"/>
-              <a:t>2022-01-17</a:t>
+              <a:t>2022-01-24</a:t>
             </a:fld>
             <a:endParaRPr lang="zh-CN" altLang="en-US"/>
           </a:p>
@@ -2380,7 +2380,7 @@
           <a:p>
             <a:fld id="{BD674694-9742-45AE-917A-66E650B458D2}" type="datetimeFigureOut">
               <a:rPr lang="zh-CN" altLang="en-US" smtClean="0"/>
-              <a:t>2022-01-17</a:t>
+              <a:t>2022-01-24</a:t>
             </a:fld>
             <a:endParaRPr lang="zh-CN" altLang="en-US"/>
           </a:p>
@@ -2668,7 +2668,7 @@
           <a:p>
             <a:fld id="{BD674694-9742-45AE-917A-66E650B458D2}" type="datetimeFigureOut">
               <a:rPr lang="zh-CN" altLang="en-US" smtClean="0"/>
-              <a:t>2022-01-17</a:t>
+              <a:t>2022-01-24</a:t>
             </a:fld>
             <a:endParaRPr lang="zh-CN" altLang="en-US"/>
           </a:p>
@@ -2909,7 +2909,7 @@
           <a:p>
             <a:fld id="{BD674694-9742-45AE-917A-66E650B458D2}" type="datetimeFigureOut">
               <a:rPr lang="zh-CN" altLang="en-US" smtClean="0"/>
-              <a:t>2022-01-17</a:t>
+              <a:t>2022-01-24</a:t>
             </a:fld>
             <a:endParaRPr lang="zh-CN" altLang="en-US"/>
           </a:p>
@@ -3342,7 +3342,7 @@
         </p:nvCxnSpPr>
         <p:spPr>
           <a:xfrm>
-            <a:off x="2039112" y="1316736"/>
+            <a:off x="2322576" y="1069848"/>
             <a:ext cx="9537192" cy="0"/>
           </a:xfrm>
           <a:prstGeom prst="line">
@@ -3383,7 +3383,7 @@
         </p:nvSpPr>
         <p:spPr>
           <a:xfrm>
-            <a:off x="1006151" y="1132070"/>
+            <a:off x="1289615" y="885182"/>
             <a:ext cx="748923" cy="369332"/>
           </a:xfrm>
           <a:prstGeom prst="rect">
@@ -3425,7 +3425,7 @@
         </p:nvSpPr>
         <p:spPr>
           <a:xfrm>
-            <a:off x="63585" y="1945624"/>
+            <a:off x="347049" y="1698736"/>
             <a:ext cx="1691489" cy="369332"/>
           </a:xfrm>
           <a:prstGeom prst="rect">
@@ -3467,7 +3467,7 @@
         </p:nvSpPr>
         <p:spPr>
           <a:xfrm>
-            <a:off x="460556" y="2744962"/>
+            <a:off x="744020" y="2498074"/>
             <a:ext cx="1293944" cy="369332"/>
           </a:xfrm>
           <a:prstGeom prst="rect">
@@ -3509,7 +3509,7 @@
         </p:nvSpPr>
         <p:spPr>
           <a:xfrm>
-            <a:off x="499028" y="3544300"/>
+            <a:off x="782492" y="3297412"/>
             <a:ext cx="1255472" cy="369332"/>
           </a:xfrm>
           <a:prstGeom prst="rect">
@@ -3553,7 +3553,7 @@
         </p:nvCxnSpPr>
         <p:spPr>
           <a:xfrm>
-            <a:off x="2039112" y="2130552"/>
+            <a:off x="2322576" y="1883664"/>
             <a:ext cx="9537192" cy="0"/>
           </a:xfrm>
           <a:prstGeom prst="line">
@@ -3596,7 +3596,7 @@
         </p:nvCxnSpPr>
         <p:spPr>
           <a:xfrm>
-            <a:off x="2039112" y="2926080"/>
+            <a:off x="2322576" y="2679192"/>
             <a:ext cx="9537192" cy="0"/>
           </a:xfrm>
           <a:prstGeom prst="line">
@@ -3639,7 +3639,7 @@
         </p:nvCxnSpPr>
         <p:spPr>
           <a:xfrm>
-            <a:off x="2039112" y="3728966"/>
+            <a:off x="2322576" y="3482078"/>
             <a:ext cx="9537192" cy="0"/>
           </a:xfrm>
           <a:prstGeom prst="line">
@@ -3682,7 +3682,7 @@
         </p:nvCxnSpPr>
         <p:spPr>
           <a:xfrm>
-            <a:off x="3289386" y="1325880"/>
+            <a:off x="3572850" y="1078992"/>
             <a:ext cx="148363" cy="810244"/>
           </a:xfrm>
           <a:prstGeom prst="straightConnector1">
@@ -3724,7 +3724,7 @@
         </p:nvSpPr>
         <p:spPr>
           <a:xfrm>
-            <a:off x="2834214" y="872467"/>
+            <a:off x="3117678" y="625579"/>
             <a:ext cx="1252651" cy="369332"/>
           </a:xfrm>
           <a:prstGeom prst="rect">
@@ -3768,7 +3768,7 @@
         </p:nvCxnSpPr>
         <p:spPr>
           <a:xfrm>
-            <a:off x="4692038" y="1324418"/>
+            <a:off x="4975502" y="1077530"/>
             <a:ext cx="191340" cy="813816"/>
           </a:xfrm>
           <a:prstGeom prst="straightConnector1">
@@ -3810,7 +3810,7 @@
         </p:nvSpPr>
         <p:spPr>
           <a:xfrm>
-            <a:off x="4200723" y="872467"/>
+            <a:off x="4484187" y="625579"/>
             <a:ext cx="1672253" cy="369332"/>
           </a:xfrm>
           <a:prstGeom prst="rect">
@@ -3854,7 +3854,7 @@
         </p:nvCxnSpPr>
         <p:spPr>
           <a:xfrm>
-            <a:off x="5485001" y="5188219"/>
+            <a:off x="5768465" y="4941331"/>
             <a:ext cx="586615" cy="0"/>
           </a:xfrm>
           <a:prstGeom prst="straightConnector1">
@@ -3896,7 +3896,7 @@
         </p:nvSpPr>
         <p:spPr>
           <a:xfrm>
-            <a:off x="6159823" y="5003553"/>
+            <a:off x="6443287" y="4756665"/>
             <a:ext cx="633507" cy="369332"/>
           </a:xfrm>
           <a:prstGeom prst="rect">
@@ -3940,7 +3940,7 @@
         </p:nvCxnSpPr>
         <p:spPr>
           <a:xfrm>
-            <a:off x="5485001" y="4743950"/>
+            <a:off x="5768465" y="4497062"/>
             <a:ext cx="586615" cy="0"/>
           </a:xfrm>
           <a:prstGeom prst="straightConnector1">
@@ -3982,7 +3982,7 @@
         </p:nvSpPr>
         <p:spPr>
           <a:xfrm>
-            <a:off x="6159823" y="4559284"/>
+            <a:off x="6443287" y="4312396"/>
             <a:ext cx="1713033" cy="369332"/>
           </a:xfrm>
           <a:prstGeom prst="rect">
@@ -4026,7 +4026,7 @@
         </p:nvCxnSpPr>
         <p:spPr>
           <a:xfrm>
-            <a:off x="4788050" y="1324418"/>
+            <a:off x="5071514" y="1077530"/>
             <a:ext cx="191340" cy="813816"/>
           </a:xfrm>
           <a:prstGeom prst="straightConnector1">
@@ -4068,7 +4068,7 @@
         </p:nvSpPr>
         <p:spPr>
           <a:xfrm>
-            <a:off x="8985319" y="4546568"/>
+            <a:off x="9268783" y="4299680"/>
             <a:ext cx="1652440" cy="369332"/>
           </a:xfrm>
           <a:prstGeom prst="rect">
@@ -4110,7 +4110,7 @@
         </p:nvGrpSpPr>
         <p:grpSpPr>
           <a:xfrm>
-            <a:off x="8310497" y="4678156"/>
+            <a:off x="8593961" y="4431268"/>
             <a:ext cx="586615" cy="106156"/>
             <a:chOff x="4424297" y="4610362"/>
             <a:chExt cx="586615" cy="106156"/>
@@ -4219,7 +4219,7 @@
         </p:nvSpPr>
         <p:spPr>
           <a:xfrm>
-            <a:off x="3551297" y="4622292"/>
+            <a:off x="3834761" y="4375404"/>
             <a:ext cx="301752" cy="243316"/>
           </a:xfrm>
           <a:prstGeom prst="rect">
@@ -4265,7 +4265,7 @@
         </p:nvSpPr>
         <p:spPr>
           <a:xfrm>
-            <a:off x="3941256" y="4546568"/>
+            <a:off x="4224720" y="4299680"/>
             <a:ext cx="973343" cy="369332"/>
           </a:xfrm>
           <a:prstGeom prst="rect">
@@ -4307,7 +4307,7 @@
         </p:nvSpPr>
         <p:spPr>
           <a:xfrm>
-            <a:off x="3551297" y="5080515"/>
+            <a:off x="3834761" y="4833627"/>
             <a:ext cx="301752" cy="243316"/>
           </a:xfrm>
           <a:prstGeom prst="rect">
@@ -4355,7 +4355,7 @@
         </p:nvSpPr>
         <p:spPr>
           <a:xfrm>
-            <a:off x="3941256" y="5004791"/>
+            <a:off x="4224720" y="4757903"/>
             <a:ext cx="1063112" cy="369332"/>
           </a:xfrm>
           <a:prstGeom prst="rect">
@@ -4397,7 +4397,7 @@
         </p:nvSpPr>
         <p:spPr>
           <a:xfrm>
-            <a:off x="2262852" y="1191293"/>
+            <a:off x="2546316" y="944405"/>
             <a:ext cx="301752" cy="243316"/>
           </a:xfrm>
           <a:prstGeom prst="rect">
@@ -4445,7 +4445,7 @@
         </p:nvSpPr>
         <p:spPr>
           <a:xfrm>
-            <a:off x="2262564" y="2008894"/>
+            <a:off x="2546028" y="1762006"/>
             <a:ext cx="301752" cy="243316"/>
           </a:xfrm>
           <a:prstGeom prst="rect">
@@ -4491,7 +4491,7 @@
         </p:nvSpPr>
         <p:spPr>
           <a:xfrm>
-            <a:off x="2262564" y="2804422"/>
+            <a:off x="2546028" y="2557534"/>
             <a:ext cx="301752" cy="243316"/>
           </a:xfrm>
           <a:prstGeom prst="rect">
@@ -4537,7 +4537,7 @@
         </p:nvSpPr>
         <p:spPr>
           <a:xfrm>
-            <a:off x="2262564" y="3607308"/>
+            <a:off x="2546028" y="3360420"/>
             <a:ext cx="301752" cy="243316"/>
           </a:xfrm>
           <a:prstGeom prst="rect">
@@ -4583,7 +4583,7 @@
         </p:nvSpPr>
         <p:spPr>
           <a:xfrm>
-            <a:off x="5280300" y="2007322"/>
+            <a:off x="5563764" y="1760434"/>
             <a:ext cx="301752" cy="243316"/>
           </a:xfrm>
           <a:prstGeom prst="rect">
@@ -4633,7 +4633,7 @@
         </p:nvCxnSpPr>
         <p:spPr>
           <a:xfrm flipV="1">
-            <a:off x="3547663" y="1331345"/>
+            <a:off x="3831127" y="1084457"/>
             <a:ext cx="106227" cy="804779"/>
           </a:xfrm>
           <a:prstGeom prst="straightConnector1">
@@ -4678,7 +4678,7 @@
         </p:nvCxnSpPr>
         <p:spPr>
           <a:xfrm flipV="1">
-            <a:off x="5114302" y="1302128"/>
+            <a:off x="5397766" y="1055240"/>
             <a:ext cx="106227" cy="804779"/>
           </a:xfrm>
           <a:prstGeom prst="straightConnector1">
@@ -4721,7 +4721,7 @@
         </p:nvSpPr>
         <p:spPr>
           <a:xfrm>
-            <a:off x="6071616" y="872467"/>
+            <a:off x="6355080" y="625579"/>
             <a:ext cx="1723549" cy="369332"/>
           </a:xfrm>
           <a:prstGeom prst="rect">
@@ -4763,7 +4763,7 @@
         </p:nvSpPr>
         <p:spPr>
           <a:xfrm>
-            <a:off x="7505227" y="2803083"/>
+            <a:off x="7788691" y="2556195"/>
             <a:ext cx="301752" cy="243316"/>
           </a:xfrm>
           <a:prstGeom prst="rect">
@@ -4813,7 +4813,7 @@
         </p:nvCxnSpPr>
         <p:spPr>
           <a:xfrm>
-            <a:off x="8310497" y="5188219"/>
+            <a:off x="8593961" y="4941331"/>
             <a:ext cx="586615" cy="0"/>
           </a:xfrm>
           <a:prstGeom prst="straightConnector1">
@@ -4855,7 +4855,7 @@
         </p:nvSpPr>
         <p:spPr>
           <a:xfrm>
-            <a:off x="8985319" y="5003553"/>
+            <a:off x="9268783" y="4756665"/>
             <a:ext cx="671979" cy="369332"/>
           </a:xfrm>
           <a:prstGeom prst="rect">
@@ -4899,7 +4899,7 @@
         </p:nvCxnSpPr>
         <p:spPr>
           <a:xfrm>
-            <a:off x="6393579" y="1336132"/>
+            <a:off x="6677043" y="1089244"/>
             <a:ext cx="205848" cy="1598199"/>
           </a:xfrm>
           <a:prstGeom prst="straightConnector1">
@@ -4943,7 +4943,7 @@
         </p:nvCxnSpPr>
         <p:spPr>
           <a:xfrm>
-            <a:off x="6489591" y="1336132"/>
+            <a:off x="6773055" y="1089244"/>
             <a:ext cx="205848" cy="1588609"/>
           </a:xfrm>
           <a:prstGeom prst="straightConnector1">
@@ -4987,7 +4987,7 @@
         </p:nvCxnSpPr>
         <p:spPr>
           <a:xfrm flipV="1">
-            <a:off x="7121100" y="1314004"/>
+            <a:off x="7404564" y="1067116"/>
             <a:ext cx="127331" cy="1619756"/>
           </a:xfrm>
           <a:prstGeom prst="straightConnector1">
@@ -5032,7 +5032,7 @@
         </p:nvCxnSpPr>
         <p:spPr>
           <a:xfrm>
-            <a:off x="6695384" y="1317500"/>
+            <a:off x="6978848" y="1070612"/>
             <a:ext cx="296441" cy="2419717"/>
           </a:xfrm>
           <a:prstGeom prst="straightConnector1">
@@ -5076,7 +5076,7 @@
         </p:nvCxnSpPr>
         <p:spPr>
           <a:xfrm>
-            <a:off x="6791396" y="1317500"/>
+            <a:off x="7074860" y="1070612"/>
             <a:ext cx="296361" cy="2419717"/>
           </a:xfrm>
           <a:prstGeom prst="straightConnector1">
@@ -5120,7 +5120,7 @@
         </p:nvCxnSpPr>
         <p:spPr>
           <a:xfrm flipV="1">
-            <a:off x="7211072" y="1302128"/>
+            <a:off x="7494536" y="1055240"/>
             <a:ext cx="199313" cy="2426839"/>
           </a:xfrm>
           <a:prstGeom prst="straightConnector1">
@@ -5163,7 +5163,7 @@
         </p:nvSpPr>
         <p:spPr>
           <a:xfrm>
-            <a:off x="7502500" y="3607308"/>
+            <a:off x="7785964" y="3360420"/>
             <a:ext cx="301752" cy="243316"/>
           </a:xfrm>
           <a:prstGeom prst="rect">
@@ -5213,7 +5213,7 @@
         </p:nvCxnSpPr>
         <p:spPr>
           <a:xfrm>
-            <a:off x="8467093" y="1320308"/>
+            <a:off x="8750557" y="1073420"/>
             <a:ext cx="148363" cy="810244"/>
           </a:xfrm>
           <a:prstGeom prst="straightConnector1">
@@ -5255,7 +5255,7 @@
         </p:nvSpPr>
         <p:spPr>
           <a:xfrm>
-            <a:off x="8011921" y="866895"/>
+            <a:off x="8295385" y="620007"/>
             <a:ext cx="1457835" cy="369332"/>
           </a:xfrm>
           <a:prstGeom prst="rect">
@@ -5299,7 +5299,7 @@
         </p:nvCxnSpPr>
         <p:spPr>
           <a:xfrm flipV="1">
-            <a:off x="8725370" y="1325773"/>
+            <a:off x="9008834" y="1078885"/>
             <a:ext cx="106227" cy="804779"/>
           </a:xfrm>
           <a:prstGeom prst="straightConnector1">
@@ -5342,7 +5342,7 @@
         </p:nvSpPr>
         <p:spPr>
           <a:xfrm>
-            <a:off x="3771432" y="1997965"/>
+            <a:off x="4054896" y="1751077"/>
             <a:ext cx="301752" cy="243316"/>
           </a:xfrm>
           <a:prstGeom prst="rect">
@@ -5374,82 +5374,6 @@
           </a:p>
         </p:txBody>
       </p:sp>
-      <p:pic>
-        <p:nvPicPr>
-          <p:cNvPr id="78" name="图片 77">
-            <a:extLst>
-              <a:ext uri="{FF2B5EF4-FFF2-40B4-BE49-F238E27FC236}">
-                <a16:creationId xmlns:a16="http://schemas.microsoft.com/office/drawing/2014/main" id="{83481BE8-371F-4E03-BC5D-03D8994E857A}"/>
-              </a:ext>
-            </a:extLst>
-          </p:cNvPr>
-          <p:cNvPicPr>
-            <a:picLocks noChangeAspect="1"/>
-          </p:cNvPicPr>
-          <p:nvPr/>
-        </p:nvPicPr>
-        <p:blipFill>
-          <a:blip r:embed="rId2">
-            <a:extLst>
-              <a:ext uri="{28A0092B-C50C-407E-A947-70E740481C1C}">
-                <a14:useLocalDpi xmlns:a14="http://schemas.microsoft.com/office/drawing/2010/main" val="0"/>
-              </a:ext>
-              <a:ext uri="{96DAC541-7B7A-43D3-8B79-37D633B846F1}">
-                <asvg:svgBlip xmlns:asvg="http://schemas.microsoft.com/office/drawing/2016/SVG/main" r:embed="rId3"/>
-              </a:ext>
-            </a:extLst>
-          </a:blip>
-          <a:srcRect l="11033" r="11033"/>
-          <a:stretch/>
-        </p:blipFill>
-        <p:spPr>
-          <a:xfrm>
-            <a:off x="4142781" y="1706357"/>
-            <a:ext cx="287836" cy="369332"/>
-          </a:xfrm>
-          <a:prstGeom prst="rect">
-            <a:avLst/>
-          </a:prstGeom>
-        </p:spPr>
-      </p:pic>
-      <p:pic>
-        <p:nvPicPr>
-          <p:cNvPr id="79" name="图片 78">
-            <a:extLst>
-              <a:ext uri="{FF2B5EF4-FFF2-40B4-BE49-F238E27FC236}">
-                <a16:creationId xmlns:a16="http://schemas.microsoft.com/office/drawing/2014/main" id="{A5C26C6B-0AC6-48DE-9924-A0DD272BDB1E}"/>
-              </a:ext>
-            </a:extLst>
-          </p:cNvPr>
-          <p:cNvPicPr>
-            <a:picLocks noChangeAspect="1"/>
-          </p:cNvPicPr>
-          <p:nvPr/>
-        </p:nvPicPr>
-        <p:blipFill>
-          <a:blip r:embed="rId2">
-            <a:extLst>
-              <a:ext uri="{28A0092B-C50C-407E-A947-70E740481C1C}">
-                <a14:useLocalDpi xmlns:a14="http://schemas.microsoft.com/office/drawing/2010/main" val="0"/>
-              </a:ext>
-              <a:ext uri="{96DAC541-7B7A-43D3-8B79-37D633B846F1}">
-                <asvg:svgBlip xmlns:asvg="http://schemas.microsoft.com/office/drawing/2016/SVG/main" r:embed="rId3"/>
-              </a:ext>
-            </a:extLst>
-          </a:blip>
-          <a:srcRect l="11033" r="11033"/>
-          <a:stretch/>
-        </p:blipFill>
-        <p:spPr>
-          <a:xfrm>
-            <a:off x="5662124" y="1706357"/>
-            <a:ext cx="287836" cy="369332"/>
-          </a:xfrm>
-          <a:prstGeom prst="rect">
-            <a:avLst/>
-          </a:prstGeom>
-        </p:spPr>
-      </p:pic>
       <p:sp>
         <p:nvSpPr>
           <p:cNvPr id="80" name="矩形 79">
@@ -5464,7 +5388,7 @@
         </p:nvSpPr>
         <p:spPr>
           <a:xfrm>
-            <a:off x="8980969" y="1997965"/>
+            <a:off x="9264433" y="1751077"/>
             <a:ext cx="301752" cy="243316"/>
           </a:xfrm>
           <a:prstGeom prst="rect">
@@ -5528,8 +5452,8 @@
         </p:blipFill>
         <p:spPr>
           <a:xfrm>
-            <a:off x="3558255" y="5538738"/>
-            <a:ext cx="287836" cy="369332"/>
+            <a:off x="3890824" y="5274324"/>
+            <a:ext cx="189626" cy="243316"/>
           </a:xfrm>
           <a:prstGeom prst="rect">
             <a:avLst/>
@@ -5550,7 +5474,7 @@
         </p:nvSpPr>
         <p:spPr>
           <a:xfrm>
-            <a:off x="3944196" y="5533582"/>
+            <a:off x="4224720" y="5216126"/>
             <a:ext cx="1393715" cy="369332"/>
           </a:xfrm>
           <a:prstGeom prst="rect">
@@ -5578,6 +5502,129 @@
           </a:p>
         </p:txBody>
       </p:sp>
+      <p:sp>
+        <p:nvSpPr>
+          <p:cNvPr id="2" name="文本框 1">
+            <a:extLst>
+              <a:ext uri="{FF2B5EF4-FFF2-40B4-BE49-F238E27FC236}">
+                <a16:creationId xmlns:a16="http://schemas.microsoft.com/office/drawing/2014/main" id="{C86CFBC5-BE9B-413E-909B-5AB8955F0EAB}"/>
+              </a:ext>
+            </a:extLst>
+          </p:cNvPr>
+          <p:cNvSpPr txBox="1"/>
+          <p:nvPr/>
+        </p:nvSpPr>
+        <p:spPr>
+          <a:xfrm>
+            <a:off x="6653183" y="5457417"/>
+            <a:ext cx="5496616" cy="1169551"/>
+          </a:xfrm>
+          <a:prstGeom prst="rect">
+            <a:avLst/>
+          </a:prstGeom>
+          <a:noFill/>
+        </p:spPr>
+        <p:txBody>
+          <a:bodyPr wrap="square" rtlCol="0">
+            <a:spAutoFit/>
+          </a:bodyPr>
+          <a:lstStyle/>
+          <a:p>
+            <a:r>
+              <a:rPr lang="en-US" altLang="zh-CN" sz="1400" dirty="0">
+                <a:latin typeface="Times New Roman" panose="02020603050405020304" pitchFamily="18" charset="0"/>
+                <a:cs typeface="Times New Roman" panose="02020603050405020304" pitchFamily="18" charset="0"/>
+              </a:rPr>
+              <a:t>*Strictly not fault tolerant, no matter how many replicas, for we have only 2 non-atomic update steps/batches, and a primary fail while updating replicas will lead to data loss.</a:t>
+            </a:r>
+          </a:p>
+          <a:p>
+            <a:r>
+              <a:rPr lang="en-US" altLang="zh-CN" sz="1400" dirty="0">
+                <a:latin typeface="Times New Roman" panose="02020603050405020304" pitchFamily="18" charset="0"/>
+                <a:cs typeface="Times New Roman" panose="02020603050405020304" pitchFamily="18" charset="0"/>
+              </a:rPr>
+              <a:t>**For strict n-fault-tolerant, 2*(n+1) replicas are required, (n+1) parallel updates in both steps.</a:t>
+            </a:r>
+          </a:p>
+        </p:txBody>
+      </p:sp>
+      <p:pic>
+        <p:nvPicPr>
+          <p:cNvPr id="55" name="图片 80">
+            <a:extLst>
+              <a:ext uri="{FF2B5EF4-FFF2-40B4-BE49-F238E27FC236}">
+                <a16:creationId xmlns:a16="http://schemas.microsoft.com/office/drawing/2014/main" id="{D115E84E-B737-412C-A849-8B2B10CB9453}"/>
+              </a:ext>
+            </a:extLst>
+          </p:cNvPr>
+          <p:cNvPicPr>
+            <a:picLocks noChangeAspect="1"/>
+          </p:cNvPicPr>
+          <p:nvPr/>
+        </p:nvPicPr>
+        <p:blipFill>
+          <a:blip r:embed="rId2">
+            <a:extLst>
+              <a:ext uri="{28A0092B-C50C-407E-A947-70E740481C1C}">
+                <a14:useLocalDpi xmlns:a14="http://schemas.microsoft.com/office/drawing/2010/main" val="0"/>
+              </a:ext>
+              <a:ext uri="{96DAC541-7B7A-43D3-8B79-37D633B846F1}">
+                <asvg:svgBlip xmlns:asvg="http://schemas.microsoft.com/office/drawing/2016/SVG/main" r:embed="rId3"/>
+              </a:ext>
+            </a:extLst>
+          </a:blip>
+          <a:srcRect l="11033" r="11033"/>
+          <a:stretch/>
+        </p:blipFill>
+        <p:spPr>
+          <a:xfrm>
+            <a:off x="4429642" y="1518021"/>
+            <a:ext cx="189626" cy="243316"/>
+          </a:xfrm>
+          <a:prstGeom prst="rect">
+            <a:avLst/>
+          </a:prstGeom>
+        </p:spPr>
+      </p:pic>
+      <p:pic>
+        <p:nvPicPr>
+          <p:cNvPr id="56" name="图片 80">
+            <a:extLst>
+              <a:ext uri="{FF2B5EF4-FFF2-40B4-BE49-F238E27FC236}">
+                <a16:creationId xmlns:a16="http://schemas.microsoft.com/office/drawing/2014/main" id="{F35243D2-905B-4354-AC29-B4F0A259DA4A}"/>
+              </a:ext>
+            </a:extLst>
+          </p:cNvPr>
+          <p:cNvPicPr>
+            <a:picLocks noChangeAspect="1"/>
+          </p:cNvPicPr>
+          <p:nvPr/>
+        </p:nvPicPr>
+        <p:blipFill>
+          <a:blip r:embed="rId2">
+            <a:extLst>
+              <a:ext uri="{28A0092B-C50C-407E-A947-70E740481C1C}">
+                <a14:useLocalDpi xmlns:a14="http://schemas.microsoft.com/office/drawing/2010/main" val="0"/>
+              </a:ext>
+              <a:ext uri="{96DAC541-7B7A-43D3-8B79-37D633B846F1}">
+                <asvg:svgBlip xmlns:asvg="http://schemas.microsoft.com/office/drawing/2016/SVG/main" r:embed="rId3"/>
+              </a:ext>
+            </a:extLst>
+          </a:blip>
+          <a:srcRect l="11033" r="11033"/>
+          <a:stretch/>
+        </p:blipFill>
+        <p:spPr>
+          <a:xfrm>
+            <a:off x="5940815" y="1518021"/>
+            <a:ext cx="189626" cy="243316"/>
+          </a:xfrm>
+          <a:prstGeom prst="rect">
+            <a:avLst/>
+          </a:prstGeom>
+        </p:spPr>
+      </p:pic>
     </p:spTree>
     <p:extLst>
       <p:ext uri="{BB962C8B-B14F-4D97-AF65-F5344CB8AC3E}">

--- a/Documents/design/charts.pptx
+++ b/Documents/design/charts.pptx
@@ -259,7 +259,7 @@
           <a:p>
             <a:fld id="{BD674694-9742-45AE-917A-66E650B458D2}" type="datetimeFigureOut">
               <a:rPr lang="zh-CN" altLang="en-US" smtClean="0"/>
-              <a:t>2022-01-24</a:t>
+              <a:t>2022-01-25</a:t>
             </a:fld>
             <a:endParaRPr lang="zh-CN" altLang="en-US"/>
           </a:p>
@@ -457,7 +457,7 @@
           <a:p>
             <a:fld id="{BD674694-9742-45AE-917A-66E650B458D2}" type="datetimeFigureOut">
               <a:rPr lang="zh-CN" altLang="en-US" smtClean="0"/>
-              <a:t>2022-01-24</a:t>
+              <a:t>2022-01-25</a:t>
             </a:fld>
             <a:endParaRPr lang="zh-CN" altLang="en-US"/>
           </a:p>
@@ -665,7 +665,7 @@
           <a:p>
             <a:fld id="{BD674694-9742-45AE-917A-66E650B458D2}" type="datetimeFigureOut">
               <a:rPr lang="zh-CN" altLang="en-US" smtClean="0"/>
-              <a:t>2022-01-24</a:t>
+              <a:t>2022-01-25</a:t>
             </a:fld>
             <a:endParaRPr lang="zh-CN" altLang="en-US"/>
           </a:p>
@@ -863,7 +863,7 @@
           <a:p>
             <a:fld id="{BD674694-9742-45AE-917A-66E650B458D2}" type="datetimeFigureOut">
               <a:rPr lang="zh-CN" altLang="en-US" smtClean="0"/>
-              <a:t>2022-01-24</a:t>
+              <a:t>2022-01-25</a:t>
             </a:fld>
             <a:endParaRPr lang="zh-CN" altLang="en-US"/>
           </a:p>
@@ -1138,7 +1138,7 @@
           <a:p>
             <a:fld id="{BD674694-9742-45AE-917A-66E650B458D2}" type="datetimeFigureOut">
               <a:rPr lang="zh-CN" altLang="en-US" smtClean="0"/>
-              <a:t>2022-01-24</a:t>
+              <a:t>2022-01-25</a:t>
             </a:fld>
             <a:endParaRPr lang="zh-CN" altLang="en-US"/>
           </a:p>
@@ -1403,7 +1403,7 @@
           <a:p>
             <a:fld id="{BD674694-9742-45AE-917A-66E650B458D2}" type="datetimeFigureOut">
               <a:rPr lang="zh-CN" altLang="en-US" smtClean="0"/>
-              <a:t>2022-01-24</a:t>
+              <a:t>2022-01-25</a:t>
             </a:fld>
             <a:endParaRPr lang="zh-CN" altLang="en-US"/>
           </a:p>
@@ -1815,7 +1815,7 @@
           <a:p>
             <a:fld id="{BD674694-9742-45AE-917A-66E650B458D2}" type="datetimeFigureOut">
               <a:rPr lang="zh-CN" altLang="en-US" smtClean="0"/>
-              <a:t>2022-01-24</a:t>
+              <a:t>2022-01-25</a:t>
             </a:fld>
             <a:endParaRPr lang="zh-CN" altLang="en-US"/>
           </a:p>
@@ -1956,7 +1956,7 @@
           <a:p>
             <a:fld id="{BD674694-9742-45AE-917A-66E650B458D2}" type="datetimeFigureOut">
               <a:rPr lang="zh-CN" altLang="en-US" smtClean="0"/>
-              <a:t>2022-01-24</a:t>
+              <a:t>2022-01-25</a:t>
             </a:fld>
             <a:endParaRPr lang="zh-CN" altLang="en-US"/>
           </a:p>
@@ -2069,7 +2069,7 @@
           <a:p>
             <a:fld id="{BD674694-9742-45AE-917A-66E650B458D2}" type="datetimeFigureOut">
               <a:rPr lang="zh-CN" altLang="en-US" smtClean="0"/>
-              <a:t>2022-01-24</a:t>
+              <a:t>2022-01-25</a:t>
             </a:fld>
             <a:endParaRPr lang="zh-CN" altLang="en-US"/>
           </a:p>
@@ -2380,7 +2380,7 @@
           <a:p>
             <a:fld id="{BD674694-9742-45AE-917A-66E650B458D2}" type="datetimeFigureOut">
               <a:rPr lang="zh-CN" altLang="en-US" smtClean="0"/>
-              <a:t>2022-01-24</a:t>
+              <a:t>2022-01-25</a:t>
             </a:fld>
             <a:endParaRPr lang="zh-CN" altLang="en-US"/>
           </a:p>
@@ -2668,7 +2668,7 @@
           <a:p>
             <a:fld id="{BD674694-9742-45AE-917A-66E650B458D2}" type="datetimeFigureOut">
               <a:rPr lang="zh-CN" altLang="en-US" smtClean="0"/>
-              <a:t>2022-01-24</a:t>
+              <a:t>2022-01-25</a:t>
             </a:fld>
             <a:endParaRPr lang="zh-CN" altLang="en-US"/>
           </a:p>
@@ -2909,7 +2909,7 @@
           <a:p>
             <a:fld id="{BD674694-9742-45AE-917A-66E650B458D2}" type="datetimeFigureOut">
               <a:rPr lang="zh-CN" altLang="en-US" smtClean="0"/>
-              <a:t>2022-01-24</a:t>
+              <a:t>2022-01-25</a:t>
             </a:fld>
             <a:endParaRPr lang="zh-CN" altLang="en-US"/>
           </a:p>

--- a/Documents/design/charts.pptx
+++ b/Documents/design/charts.pptx
@@ -259,7 +259,7 @@
           <a:p>
             <a:fld id="{BD674694-9742-45AE-917A-66E650B458D2}" type="datetimeFigureOut">
               <a:rPr lang="zh-CN" altLang="en-US" smtClean="0"/>
-              <a:t>2022-01-25</a:t>
+              <a:t>2022-02-14</a:t>
             </a:fld>
             <a:endParaRPr lang="zh-CN" altLang="en-US"/>
           </a:p>
@@ -457,7 +457,7 @@
           <a:p>
             <a:fld id="{BD674694-9742-45AE-917A-66E650B458D2}" type="datetimeFigureOut">
               <a:rPr lang="zh-CN" altLang="en-US" smtClean="0"/>
-              <a:t>2022-01-25</a:t>
+              <a:t>2022-02-14</a:t>
             </a:fld>
             <a:endParaRPr lang="zh-CN" altLang="en-US"/>
           </a:p>
@@ -665,7 +665,7 @@
           <a:p>
             <a:fld id="{BD674694-9742-45AE-917A-66E650B458D2}" type="datetimeFigureOut">
               <a:rPr lang="zh-CN" altLang="en-US" smtClean="0"/>
-              <a:t>2022-01-25</a:t>
+              <a:t>2022-02-14</a:t>
             </a:fld>
             <a:endParaRPr lang="zh-CN" altLang="en-US"/>
           </a:p>
@@ -863,7 +863,7 @@
           <a:p>
             <a:fld id="{BD674694-9742-45AE-917A-66E650B458D2}" type="datetimeFigureOut">
               <a:rPr lang="zh-CN" altLang="en-US" smtClean="0"/>
-              <a:t>2022-01-25</a:t>
+              <a:t>2022-02-14</a:t>
             </a:fld>
             <a:endParaRPr lang="zh-CN" altLang="en-US"/>
           </a:p>
@@ -1138,7 +1138,7 @@
           <a:p>
             <a:fld id="{BD674694-9742-45AE-917A-66E650B458D2}" type="datetimeFigureOut">
               <a:rPr lang="zh-CN" altLang="en-US" smtClean="0"/>
-              <a:t>2022-01-25</a:t>
+              <a:t>2022-02-14</a:t>
             </a:fld>
             <a:endParaRPr lang="zh-CN" altLang="en-US"/>
           </a:p>
@@ -1403,7 +1403,7 @@
           <a:p>
             <a:fld id="{BD674694-9742-45AE-917A-66E650B458D2}" type="datetimeFigureOut">
               <a:rPr lang="zh-CN" altLang="en-US" smtClean="0"/>
-              <a:t>2022-01-25</a:t>
+              <a:t>2022-02-14</a:t>
             </a:fld>
             <a:endParaRPr lang="zh-CN" altLang="en-US"/>
           </a:p>
@@ -1815,7 +1815,7 @@
           <a:p>
             <a:fld id="{BD674694-9742-45AE-917A-66E650B458D2}" type="datetimeFigureOut">
               <a:rPr lang="zh-CN" altLang="en-US" smtClean="0"/>
-              <a:t>2022-01-25</a:t>
+              <a:t>2022-02-14</a:t>
             </a:fld>
             <a:endParaRPr lang="zh-CN" altLang="en-US"/>
           </a:p>
@@ -1956,7 +1956,7 @@
           <a:p>
             <a:fld id="{BD674694-9742-45AE-917A-66E650B458D2}" type="datetimeFigureOut">
               <a:rPr lang="zh-CN" altLang="en-US" smtClean="0"/>
-              <a:t>2022-01-25</a:t>
+              <a:t>2022-02-14</a:t>
             </a:fld>
             <a:endParaRPr lang="zh-CN" altLang="en-US"/>
           </a:p>
@@ -2069,7 +2069,7 @@
           <a:p>
             <a:fld id="{BD674694-9742-45AE-917A-66E650B458D2}" type="datetimeFigureOut">
               <a:rPr lang="zh-CN" altLang="en-US" smtClean="0"/>
-              <a:t>2022-01-25</a:t>
+              <a:t>2022-02-14</a:t>
             </a:fld>
             <a:endParaRPr lang="zh-CN" altLang="en-US"/>
           </a:p>
@@ -2380,7 +2380,7 @@
           <a:p>
             <a:fld id="{BD674694-9742-45AE-917A-66E650B458D2}" type="datetimeFigureOut">
               <a:rPr lang="zh-CN" altLang="en-US" smtClean="0"/>
-              <a:t>2022-01-25</a:t>
+              <a:t>2022-02-14</a:t>
             </a:fld>
             <a:endParaRPr lang="zh-CN" altLang="en-US"/>
           </a:p>
@@ -2668,7 +2668,7 @@
           <a:p>
             <a:fld id="{BD674694-9742-45AE-917A-66E650B458D2}" type="datetimeFigureOut">
               <a:rPr lang="zh-CN" altLang="en-US" smtClean="0"/>
-              <a:t>2022-01-25</a:t>
+              <a:t>2022-02-14</a:t>
             </a:fld>
             <a:endParaRPr lang="zh-CN" altLang="en-US"/>
           </a:p>
@@ -2909,7 +2909,7 @@
           <a:p>
             <a:fld id="{BD674694-9742-45AE-917A-66E650B458D2}" type="datetimeFigureOut">
               <a:rPr lang="zh-CN" altLang="en-US" smtClean="0"/>
-              <a:t>2022-01-25</a:t>
+              <a:t>2022-02-14</a:t>
             </a:fld>
             <a:endParaRPr lang="zh-CN" altLang="en-US"/>
           </a:p>
@@ -5516,8 +5516,8 @@
         </p:nvSpPr>
         <p:spPr>
           <a:xfrm>
-            <a:off x="6653183" y="5457417"/>
-            <a:ext cx="5496616" cy="1169551"/>
+            <a:off x="6443287" y="5390388"/>
+            <a:ext cx="5496616" cy="1384995"/>
           </a:xfrm>
           <a:prstGeom prst="rect">
             <a:avLst/>
@@ -5535,7 +5535,30 @@
                 <a:latin typeface="Times New Roman" panose="02020603050405020304" pitchFamily="18" charset="0"/>
                 <a:cs typeface="Times New Roman" panose="02020603050405020304" pitchFamily="18" charset="0"/>
               </a:rPr>
-              <a:t>*Strictly not fault tolerant, no matter how many replicas, for we have only 2 non-atomic update steps/batches, and a primary fail while updating replicas will lead to data loss.</a:t>
+              <a:t>*Strictly not fault tolerant, no matter how many replicas, for we have only 2 non-atomic update steps/batches, a primary fail will lead to data loss.</a:t>
+            </a:r>
+          </a:p>
+          <a:p>
+            <a:r>
+              <a:rPr lang="en-US" altLang="zh-CN" sz="1400" b="1" i="1" dirty="0">
+                <a:latin typeface="Times New Roman" panose="02020603050405020304" pitchFamily="18" charset="0"/>
+                <a:cs typeface="Times New Roman" panose="02020603050405020304" pitchFamily="18" charset="0"/>
+              </a:rPr>
+              <a:t>(But replica updates, as long as they don’t fail, will complete anyway, so </a:t>
+            </a:r>
+            <a:r>
+              <a:rPr lang="en-US" altLang="zh-CN" sz="1400" b="1" i="1">
+                <a:latin typeface="Times New Roman" panose="02020603050405020304" pitchFamily="18" charset="0"/>
+                <a:cs typeface="Times New Roman" panose="02020603050405020304" pitchFamily="18" charset="0"/>
+              </a:rPr>
+              <a:t>it’s actually okay</a:t>
+            </a:r>
+            <a:r>
+              <a:rPr lang="en-US" altLang="zh-CN" sz="1400" b="1" i="1" dirty="0">
+                <a:latin typeface="Times New Roman" panose="02020603050405020304" pitchFamily="18" charset="0"/>
+                <a:cs typeface="Times New Roman" panose="02020603050405020304" pitchFamily="18" charset="0"/>
+              </a:rPr>
+              <a:t>?)</a:t>
             </a:r>
           </a:p>
           <a:p>

--- a/Documents/design/charts.pptx
+++ b/Documents/design/charts.pptx
@@ -5,7 +5,9 @@
     <p:sldMasterId id="2147483648" r:id="rId1"/>
   </p:sldMasterIdLst>
   <p:sldIdLst>
-    <p:sldId id="256" r:id="rId2"/>
+    <p:sldId id="258" r:id="rId2"/>
+    <p:sldId id="257" r:id="rId3"/>
+    <p:sldId id="256" r:id="rId4"/>
   </p:sldIdLst>
   <p:sldSz cx="12192000" cy="6858000"/>
   <p:notesSz cx="6858000" cy="9144000"/>
@@ -259,7 +261,7 @@
           <a:p>
             <a:fld id="{BD674694-9742-45AE-917A-66E650B458D2}" type="datetimeFigureOut">
               <a:rPr lang="zh-CN" altLang="en-US" smtClean="0"/>
-              <a:t>2022-02-14</a:t>
+              <a:t>22/4/7</a:t>
             </a:fld>
             <a:endParaRPr lang="zh-CN" altLang="en-US"/>
           </a:p>
@@ -457,7 +459,7 @@
           <a:p>
             <a:fld id="{BD674694-9742-45AE-917A-66E650B458D2}" type="datetimeFigureOut">
               <a:rPr lang="zh-CN" altLang="en-US" smtClean="0"/>
-              <a:t>2022-02-14</a:t>
+              <a:t>22/4/7</a:t>
             </a:fld>
             <a:endParaRPr lang="zh-CN" altLang="en-US"/>
           </a:p>
@@ -665,7 +667,7 @@
           <a:p>
             <a:fld id="{BD674694-9742-45AE-917A-66E650B458D2}" type="datetimeFigureOut">
               <a:rPr lang="zh-CN" altLang="en-US" smtClean="0"/>
-              <a:t>2022-02-14</a:t>
+              <a:t>22/4/7</a:t>
             </a:fld>
             <a:endParaRPr lang="zh-CN" altLang="en-US"/>
           </a:p>
@@ -863,7 +865,7 @@
           <a:p>
             <a:fld id="{BD674694-9742-45AE-917A-66E650B458D2}" type="datetimeFigureOut">
               <a:rPr lang="zh-CN" altLang="en-US" smtClean="0"/>
-              <a:t>2022-02-14</a:t>
+              <a:t>22/4/7</a:t>
             </a:fld>
             <a:endParaRPr lang="zh-CN" altLang="en-US"/>
           </a:p>
@@ -1138,7 +1140,7 @@
           <a:p>
             <a:fld id="{BD674694-9742-45AE-917A-66E650B458D2}" type="datetimeFigureOut">
               <a:rPr lang="zh-CN" altLang="en-US" smtClean="0"/>
-              <a:t>2022-02-14</a:t>
+              <a:t>22/4/7</a:t>
             </a:fld>
             <a:endParaRPr lang="zh-CN" altLang="en-US"/>
           </a:p>
@@ -1403,7 +1405,7 @@
           <a:p>
             <a:fld id="{BD674694-9742-45AE-917A-66E650B458D2}" type="datetimeFigureOut">
               <a:rPr lang="zh-CN" altLang="en-US" smtClean="0"/>
-              <a:t>2022-02-14</a:t>
+              <a:t>22/4/7</a:t>
             </a:fld>
             <a:endParaRPr lang="zh-CN" altLang="en-US"/>
           </a:p>
@@ -1815,7 +1817,7 @@
           <a:p>
             <a:fld id="{BD674694-9742-45AE-917A-66E650B458D2}" type="datetimeFigureOut">
               <a:rPr lang="zh-CN" altLang="en-US" smtClean="0"/>
-              <a:t>2022-02-14</a:t>
+              <a:t>22/4/7</a:t>
             </a:fld>
             <a:endParaRPr lang="zh-CN" altLang="en-US"/>
           </a:p>
@@ -1956,7 +1958,7 @@
           <a:p>
             <a:fld id="{BD674694-9742-45AE-917A-66E650B458D2}" type="datetimeFigureOut">
               <a:rPr lang="zh-CN" altLang="en-US" smtClean="0"/>
-              <a:t>2022-02-14</a:t>
+              <a:t>22/4/7</a:t>
             </a:fld>
             <a:endParaRPr lang="zh-CN" altLang="en-US"/>
           </a:p>
@@ -2069,7 +2071,7 @@
           <a:p>
             <a:fld id="{BD674694-9742-45AE-917A-66E650B458D2}" type="datetimeFigureOut">
               <a:rPr lang="zh-CN" altLang="en-US" smtClean="0"/>
-              <a:t>2022-02-14</a:t>
+              <a:t>22/4/7</a:t>
             </a:fld>
             <a:endParaRPr lang="zh-CN" altLang="en-US"/>
           </a:p>
@@ -2380,7 +2382,7 @@
           <a:p>
             <a:fld id="{BD674694-9742-45AE-917A-66E650B458D2}" type="datetimeFigureOut">
               <a:rPr lang="zh-CN" altLang="en-US" smtClean="0"/>
-              <a:t>2022-02-14</a:t>
+              <a:t>22/4/7</a:t>
             </a:fld>
             <a:endParaRPr lang="zh-CN" altLang="en-US"/>
           </a:p>
@@ -2668,7 +2670,7 @@
           <a:p>
             <a:fld id="{BD674694-9742-45AE-917A-66E650B458D2}" type="datetimeFigureOut">
               <a:rPr lang="zh-CN" altLang="en-US" smtClean="0"/>
-              <a:t>2022-02-14</a:t>
+              <a:t>22/4/7</a:t>
             </a:fld>
             <a:endParaRPr lang="zh-CN" altLang="en-US"/>
           </a:p>
@@ -2909,7 +2911,7 @@
           <a:p>
             <a:fld id="{BD674694-9742-45AE-917A-66E650B458D2}" type="datetimeFigureOut">
               <a:rPr lang="zh-CN" altLang="en-US" smtClean="0"/>
-              <a:t>2022-02-14</a:t>
+              <a:t>22/4/7</a:t>
             </a:fld>
             <a:endParaRPr lang="zh-CN" altLang="en-US"/>
           </a:p>
@@ -3326,6 +3328,3011 @@
           <a:chExt cx="0" cy="0"/>
         </a:xfrm>
       </p:grpSpPr>
+      <p:pic>
+        <p:nvPicPr>
+          <p:cNvPr id="4" name="图形 3" descr="服务器">
+            <a:extLst>
+              <a:ext uri="{FF2B5EF4-FFF2-40B4-BE49-F238E27FC236}">
+                <a16:creationId xmlns:a16="http://schemas.microsoft.com/office/drawing/2014/main" id="{B79992F2-47B7-4659-9F23-FC0BDAD2AF62}"/>
+              </a:ext>
+            </a:extLst>
+          </p:cNvPr>
+          <p:cNvPicPr>
+            <a:picLocks noChangeAspect="1"/>
+          </p:cNvPicPr>
+          <p:nvPr/>
+        </p:nvPicPr>
+        <p:blipFill>
+          <a:blip r:embed="rId2">
+            <a:extLst>
+              <a:ext uri="{28A0092B-C50C-407E-A947-70E740481C1C}">
+                <a14:useLocalDpi xmlns:a14="http://schemas.microsoft.com/office/drawing/2010/main" val="0"/>
+              </a:ext>
+              <a:ext uri="{96DAC541-7B7A-43D3-8B79-37D633B846F1}">
+                <asvg:svgBlip xmlns:asvg="http://schemas.microsoft.com/office/drawing/2016/SVG/main" r:embed="rId3"/>
+              </a:ext>
+            </a:extLst>
+          </a:blip>
+          <a:stretch>
+            <a:fillRect/>
+          </a:stretch>
+        </p:blipFill>
+        <p:spPr>
+          <a:xfrm>
+            <a:off x="4868419" y="538635"/>
+            <a:ext cx="622446" cy="622446"/>
+          </a:xfrm>
+          <a:prstGeom prst="rect">
+            <a:avLst/>
+          </a:prstGeom>
+        </p:spPr>
+      </p:pic>
+      <p:pic>
+        <p:nvPicPr>
+          <p:cNvPr id="5" name="图形 4" descr="监视器">
+            <a:extLst>
+              <a:ext uri="{FF2B5EF4-FFF2-40B4-BE49-F238E27FC236}">
+                <a16:creationId xmlns:a16="http://schemas.microsoft.com/office/drawing/2014/main" id="{5A86ABA0-F86C-4559-AE6E-CD4C19B6538B}"/>
+              </a:ext>
+            </a:extLst>
+          </p:cNvPr>
+          <p:cNvPicPr>
+            <a:picLocks noChangeAspect="1"/>
+          </p:cNvPicPr>
+          <p:nvPr/>
+        </p:nvPicPr>
+        <p:blipFill>
+          <a:blip r:embed="rId4">
+            <a:extLst>
+              <a:ext uri="{28A0092B-C50C-407E-A947-70E740481C1C}">
+                <a14:useLocalDpi xmlns:a14="http://schemas.microsoft.com/office/drawing/2010/main" val="0"/>
+              </a:ext>
+              <a:ext uri="{96DAC541-7B7A-43D3-8B79-37D633B846F1}">
+                <asvg:svgBlip xmlns:asvg="http://schemas.microsoft.com/office/drawing/2016/SVG/main" r:embed="rId5"/>
+              </a:ext>
+            </a:extLst>
+          </a:blip>
+          <a:stretch>
+            <a:fillRect/>
+          </a:stretch>
+        </p:blipFill>
+        <p:spPr>
+          <a:xfrm>
+            <a:off x="1925935" y="68406"/>
+            <a:ext cx="622446" cy="622446"/>
+          </a:xfrm>
+          <a:prstGeom prst="rect">
+            <a:avLst/>
+          </a:prstGeom>
+        </p:spPr>
+      </p:pic>
+      <p:pic>
+        <p:nvPicPr>
+          <p:cNvPr id="6" name="图形 5" descr="数据库">
+            <a:extLst>
+              <a:ext uri="{FF2B5EF4-FFF2-40B4-BE49-F238E27FC236}">
+                <a16:creationId xmlns:a16="http://schemas.microsoft.com/office/drawing/2014/main" id="{7CAC5993-EA3C-4CCC-929F-4213D09D6281}"/>
+              </a:ext>
+            </a:extLst>
+          </p:cNvPr>
+          <p:cNvPicPr>
+            <a:picLocks noChangeAspect="1"/>
+          </p:cNvPicPr>
+          <p:nvPr/>
+        </p:nvPicPr>
+        <p:blipFill>
+          <a:blip r:embed="rId6">
+            <a:extLst>
+              <a:ext uri="{28A0092B-C50C-407E-A947-70E740481C1C}">
+                <a14:useLocalDpi xmlns:a14="http://schemas.microsoft.com/office/drawing/2010/main" val="0"/>
+              </a:ext>
+              <a:ext uri="{96DAC541-7B7A-43D3-8B79-37D633B846F1}">
+                <asvg:svgBlip xmlns:asvg="http://schemas.microsoft.com/office/drawing/2016/SVG/main" r:embed="rId7"/>
+              </a:ext>
+            </a:extLst>
+          </a:blip>
+          <a:stretch>
+            <a:fillRect/>
+          </a:stretch>
+        </p:blipFill>
+        <p:spPr>
+          <a:xfrm>
+            <a:off x="6456217" y="393139"/>
+            <a:ext cx="622446" cy="622446"/>
+          </a:xfrm>
+          <a:prstGeom prst="rect">
+            <a:avLst/>
+          </a:prstGeom>
+        </p:spPr>
+      </p:pic>
+    </p:spTree>
+    <p:extLst>
+      <p:ext uri="{BB962C8B-B14F-4D97-AF65-F5344CB8AC3E}">
+        <p14:creationId xmlns:p14="http://schemas.microsoft.com/office/powerpoint/2010/main" val="1019894526"/>
+      </p:ext>
+    </p:extLst>
+  </p:cSld>
+  <p:clrMapOvr>
+    <a:masterClrMapping/>
+  </p:clrMapOvr>
+</p:sld>
+</file>
+
+<file path=ppt/slides/slide2.xml><?xml version="1.0" encoding="utf-8"?>
+<p:sld xmlns:a="http://schemas.openxmlformats.org/drawingml/2006/main" xmlns:r="http://schemas.openxmlformats.org/officeDocument/2006/relationships" xmlns:p="http://schemas.openxmlformats.org/presentationml/2006/main">
+  <p:cSld>
+    <p:spTree>
+      <p:nvGrpSpPr>
+        <p:cNvPr id="1" name=""/>
+        <p:cNvGrpSpPr/>
+        <p:nvPr/>
+      </p:nvGrpSpPr>
+      <p:grpSpPr>
+        <a:xfrm>
+          <a:off x="0" y="0"/>
+          <a:ext cx="0" cy="0"/>
+          <a:chOff x="0" y="0"/>
+          <a:chExt cx="0" cy="0"/>
+        </a:xfrm>
+      </p:grpSpPr>
+      <p:sp>
+        <p:nvSpPr>
+          <p:cNvPr id="116" name="矩形: 圆角 115">
+            <a:extLst>
+              <a:ext uri="{FF2B5EF4-FFF2-40B4-BE49-F238E27FC236}">
+                <a16:creationId xmlns:a16="http://schemas.microsoft.com/office/drawing/2014/main" id="{DF3522B2-50C5-4B53-8AA0-22788FD3A30A}"/>
+              </a:ext>
+            </a:extLst>
+          </p:cNvPr>
+          <p:cNvSpPr/>
+          <p:nvPr/>
+        </p:nvSpPr>
+        <p:spPr>
+          <a:xfrm>
+            <a:off x="5702863" y="476794"/>
+            <a:ext cx="2499030" cy="5367610"/>
+          </a:xfrm>
+          <a:prstGeom prst="roundRect">
+            <a:avLst>
+              <a:gd name="adj" fmla="val 4484"/>
+            </a:avLst>
+          </a:prstGeom>
+          <a:solidFill>
+            <a:schemeClr val="accent4">
+              <a:lumMod val="20000"/>
+              <a:lumOff val="80000"/>
+            </a:schemeClr>
+          </a:solidFill>
+          <a:ln>
+            <a:noFill/>
+          </a:ln>
+        </p:spPr>
+        <p:style>
+          <a:lnRef idx="2">
+            <a:schemeClr val="accent1">
+              <a:shade val="50000"/>
+            </a:schemeClr>
+          </a:lnRef>
+          <a:fillRef idx="1">
+            <a:schemeClr val="accent1"/>
+          </a:fillRef>
+          <a:effectRef idx="0">
+            <a:schemeClr val="accent1"/>
+          </a:effectRef>
+          <a:fontRef idx="minor">
+            <a:schemeClr val="lt1"/>
+          </a:fontRef>
+        </p:style>
+        <p:txBody>
+          <a:bodyPr rtlCol="0" anchor="ctr"/>
+          <a:lstStyle/>
+          <a:p>
+            <a:pPr algn="ctr"/>
+            <a:endParaRPr lang="zh-CN" altLang="en-US"/>
+          </a:p>
+        </p:txBody>
+      </p:sp>
+      <p:sp>
+        <p:nvSpPr>
+          <p:cNvPr id="118" name="矩形: 圆角 117">
+            <a:extLst>
+              <a:ext uri="{FF2B5EF4-FFF2-40B4-BE49-F238E27FC236}">
+                <a16:creationId xmlns:a16="http://schemas.microsoft.com/office/drawing/2014/main" id="{9364CAB2-AE6E-4B8E-A47A-96B70A0793D6}"/>
+              </a:ext>
+            </a:extLst>
+          </p:cNvPr>
+          <p:cNvSpPr/>
+          <p:nvPr/>
+        </p:nvSpPr>
+        <p:spPr>
+          <a:xfrm>
+            <a:off x="3362035" y="3807752"/>
+            <a:ext cx="3842329" cy="2036651"/>
+          </a:xfrm>
+          <a:prstGeom prst="roundRect">
+            <a:avLst>
+              <a:gd name="adj" fmla="val 4484"/>
+            </a:avLst>
+          </a:prstGeom>
+          <a:solidFill>
+            <a:schemeClr val="accent4">
+              <a:lumMod val="20000"/>
+              <a:lumOff val="80000"/>
+            </a:schemeClr>
+          </a:solidFill>
+          <a:ln>
+            <a:noFill/>
+          </a:ln>
+        </p:spPr>
+        <p:style>
+          <a:lnRef idx="2">
+            <a:schemeClr val="accent1">
+              <a:shade val="50000"/>
+            </a:schemeClr>
+          </a:lnRef>
+          <a:fillRef idx="1">
+            <a:schemeClr val="accent1"/>
+          </a:fillRef>
+          <a:effectRef idx="0">
+            <a:schemeClr val="accent1"/>
+          </a:effectRef>
+          <a:fontRef idx="minor">
+            <a:schemeClr val="lt1"/>
+          </a:fontRef>
+        </p:style>
+        <p:txBody>
+          <a:bodyPr rtlCol="0" anchor="b"/>
+          <a:lstStyle/>
+          <a:p>
+            <a:pPr algn="ctr"/>
+            <a:r>
+              <a:rPr lang="en-US" altLang="zh-CN" sz="1200" dirty="0">
+                <a:solidFill>
+                  <a:sysClr val="windowText" lastClr="000000"/>
+                </a:solidFill>
+                <a:latin typeface="Times New Roman" panose="02020603050405020304" pitchFamily="18" charset="0"/>
+                <a:cs typeface="Times New Roman" panose="02020603050405020304" pitchFamily="18" charset="0"/>
+              </a:rPr>
+              <a:t>Gestalt Cluster</a:t>
+            </a:r>
+            <a:endParaRPr lang="zh-CN" altLang="en-US" sz="1200" dirty="0">
+              <a:solidFill>
+                <a:sysClr val="windowText" lastClr="000000"/>
+              </a:solidFill>
+              <a:latin typeface="Times New Roman" panose="02020603050405020304" pitchFamily="18" charset="0"/>
+              <a:cs typeface="Times New Roman" panose="02020603050405020304" pitchFamily="18" charset="0"/>
+            </a:endParaRPr>
+          </a:p>
+        </p:txBody>
+      </p:sp>
+      <p:grpSp>
+        <p:nvGrpSpPr>
+          <p:cNvPr id="151" name="组合 150">
+            <a:extLst>
+              <a:ext uri="{FF2B5EF4-FFF2-40B4-BE49-F238E27FC236}">
+                <a16:creationId xmlns:a16="http://schemas.microsoft.com/office/drawing/2014/main" id="{984BAF87-7970-4BD4-805F-C5059A9C26ED}"/>
+              </a:ext>
+            </a:extLst>
+          </p:cNvPr>
+          <p:cNvGrpSpPr/>
+          <p:nvPr/>
+        </p:nvGrpSpPr>
+        <p:grpSpPr>
+          <a:xfrm>
+            <a:off x="3458567" y="3911300"/>
+            <a:ext cx="1903550" cy="1517266"/>
+            <a:chOff x="3606541" y="3969134"/>
+            <a:chExt cx="1903550" cy="1517266"/>
+          </a:xfrm>
+        </p:grpSpPr>
+        <p:sp>
+          <p:nvSpPr>
+            <p:cNvPr id="150" name="矩形 149">
+              <a:extLst>
+                <a:ext uri="{FF2B5EF4-FFF2-40B4-BE49-F238E27FC236}">
+                  <a16:creationId xmlns:a16="http://schemas.microsoft.com/office/drawing/2014/main" id="{755AA4F3-357C-414D-B959-4991B9F20C57}"/>
+                </a:ext>
+              </a:extLst>
+            </p:cNvPr>
+            <p:cNvSpPr/>
+            <p:nvPr/>
+          </p:nvSpPr>
+          <p:spPr>
+            <a:xfrm>
+              <a:off x="3796487" y="3969134"/>
+              <a:ext cx="1713604" cy="1366982"/>
+            </a:xfrm>
+            <a:prstGeom prst="rect">
+              <a:avLst/>
+            </a:prstGeom>
+            <a:solidFill>
+              <a:schemeClr val="bg1"/>
+            </a:solidFill>
+            <a:ln>
+              <a:solidFill>
+                <a:schemeClr val="tx1"/>
+              </a:solidFill>
+            </a:ln>
+          </p:spPr>
+          <p:style>
+            <a:lnRef idx="2">
+              <a:schemeClr val="dk1"/>
+            </a:lnRef>
+            <a:fillRef idx="1">
+              <a:schemeClr val="lt1"/>
+            </a:fillRef>
+            <a:effectRef idx="0">
+              <a:schemeClr val="dk1"/>
+            </a:effectRef>
+            <a:fontRef idx="minor">
+              <a:schemeClr val="dk1"/>
+            </a:fontRef>
+          </p:style>
+          <p:txBody>
+            <a:bodyPr rtlCol="0" anchor="t"/>
+            <a:lstStyle/>
+            <a:p>
+              <a:pPr algn="ctr"/>
+              <a:endParaRPr lang="zh-CN" altLang="en-US" sz="1200" dirty="0">
+                <a:latin typeface="Times New Roman" panose="02020603050405020304" pitchFamily="18" charset="0"/>
+                <a:cs typeface="Times New Roman" panose="02020603050405020304" pitchFamily="18" charset="0"/>
+              </a:endParaRPr>
+            </a:p>
+          </p:txBody>
+        </p:sp>
+        <p:sp>
+          <p:nvSpPr>
+            <p:cNvPr id="149" name="矩形 148">
+              <a:extLst>
+                <a:ext uri="{FF2B5EF4-FFF2-40B4-BE49-F238E27FC236}">
+                  <a16:creationId xmlns:a16="http://schemas.microsoft.com/office/drawing/2014/main" id="{16B694F8-D3E4-41AE-9505-C060215C3FDF}"/>
+                </a:ext>
+              </a:extLst>
+            </p:cNvPr>
+            <p:cNvSpPr/>
+            <p:nvPr/>
+          </p:nvSpPr>
+          <p:spPr>
+            <a:xfrm>
+              <a:off x="3694887" y="4044276"/>
+              <a:ext cx="1713604" cy="1366982"/>
+            </a:xfrm>
+            <a:prstGeom prst="rect">
+              <a:avLst/>
+            </a:prstGeom>
+            <a:solidFill>
+              <a:schemeClr val="bg1"/>
+            </a:solidFill>
+            <a:ln>
+              <a:solidFill>
+                <a:schemeClr val="tx1"/>
+              </a:solidFill>
+            </a:ln>
+          </p:spPr>
+          <p:style>
+            <a:lnRef idx="2">
+              <a:schemeClr val="dk1"/>
+            </a:lnRef>
+            <a:fillRef idx="1">
+              <a:schemeClr val="lt1"/>
+            </a:fillRef>
+            <a:effectRef idx="0">
+              <a:schemeClr val="dk1"/>
+            </a:effectRef>
+            <a:fontRef idx="minor">
+              <a:schemeClr val="dk1"/>
+            </a:fontRef>
+          </p:style>
+          <p:txBody>
+            <a:bodyPr rtlCol="0" anchor="t"/>
+            <a:lstStyle/>
+            <a:p>
+              <a:pPr algn="ctr"/>
+              <a:endParaRPr lang="zh-CN" altLang="en-US" sz="1200" dirty="0">
+                <a:latin typeface="Times New Roman" panose="02020603050405020304" pitchFamily="18" charset="0"/>
+                <a:cs typeface="Times New Roman" panose="02020603050405020304" pitchFamily="18" charset="0"/>
+              </a:endParaRPr>
+            </a:p>
+          </p:txBody>
+        </p:sp>
+        <p:sp>
+          <p:nvSpPr>
+            <p:cNvPr id="19" name="矩形 18">
+              <a:extLst>
+                <a:ext uri="{FF2B5EF4-FFF2-40B4-BE49-F238E27FC236}">
+                  <a16:creationId xmlns:a16="http://schemas.microsoft.com/office/drawing/2014/main" id="{8563C7C1-BC9F-4F2D-BA73-F2B6A7A8C8AE}"/>
+                </a:ext>
+              </a:extLst>
+            </p:cNvPr>
+            <p:cNvSpPr/>
+            <p:nvPr/>
+          </p:nvSpPr>
+          <p:spPr>
+            <a:xfrm>
+              <a:off x="3606541" y="4119418"/>
+              <a:ext cx="1713604" cy="1366982"/>
+            </a:xfrm>
+            <a:prstGeom prst="rect">
+              <a:avLst/>
+            </a:prstGeom>
+            <a:solidFill>
+              <a:schemeClr val="bg1"/>
+            </a:solidFill>
+            <a:ln>
+              <a:solidFill>
+                <a:schemeClr val="tx1"/>
+              </a:solidFill>
+            </a:ln>
+          </p:spPr>
+          <p:style>
+            <a:lnRef idx="2">
+              <a:schemeClr val="dk1"/>
+            </a:lnRef>
+            <a:fillRef idx="1">
+              <a:schemeClr val="lt1"/>
+            </a:fillRef>
+            <a:effectRef idx="0">
+              <a:schemeClr val="dk1"/>
+            </a:effectRef>
+            <a:fontRef idx="minor">
+              <a:schemeClr val="dk1"/>
+            </a:fontRef>
+          </p:style>
+          <p:txBody>
+            <a:bodyPr rtlCol="0" anchor="t"/>
+            <a:lstStyle/>
+            <a:p>
+              <a:pPr algn="ctr"/>
+              <a:r>
+                <a:rPr lang="en-US" altLang="zh-CN" sz="1200" dirty="0">
+                  <a:latin typeface="Times New Roman" panose="02020603050405020304" pitchFamily="18" charset="0"/>
+                  <a:cs typeface="Times New Roman" panose="02020603050405020304" pitchFamily="18" charset="0"/>
+                </a:rPr>
+                <a:t>Monitors</a:t>
+              </a:r>
+              <a:endParaRPr lang="zh-CN" altLang="en-US" sz="1200" dirty="0">
+                <a:latin typeface="Times New Roman" panose="02020603050405020304" pitchFamily="18" charset="0"/>
+                <a:cs typeface="Times New Roman" panose="02020603050405020304" pitchFamily="18" charset="0"/>
+              </a:endParaRPr>
+            </a:p>
+          </p:txBody>
+        </p:sp>
+        <p:sp>
+          <p:nvSpPr>
+            <p:cNvPr id="21" name="矩形 20">
+              <a:extLst>
+                <a:ext uri="{FF2B5EF4-FFF2-40B4-BE49-F238E27FC236}">
+                  <a16:creationId xmlns:a16="http://schemas.microsoft.com/office/drawing/2014/main" id="{FB78B340-0BA3-43B7-B929-7B3B4F70654B}"/>
+                </a:ext>
+              </a:extLst>
+            </p:cNvPr>
+            <p:cNvSpPr/>
+            <p:nvPr/>
+          </p:nvSpPr>
+          <p:spPr>
+            <a:xfrm>
+              <a:off x="3689668" y="4387154"/>
+              <a:ext cx="1547350" cy="1025356"/>
+            </a:xfrm>
+            <a:prstGeom prst="rect">
+              <a:avLst/>
+            </a:prstGeom>
+            <a:noFill/>
+            <a:ln>
+              <a:solidFill>
+                <a:schemeClr val="tx1"/>
+              </a:solidFill>
+            </a:ln>
+          </p:spPr>
+          <p:style>
+            <a:lnRef idx="2">
+              <a:schemeClr val="dk1"/>
+            </a:lnRef>
+            <a:fillRef idx="1">
+              <a:schemeClr val="lt1"/>
+            </a:fillRef>
+            <a:effectRef idx="0">
+              <a:schemeClr val="dk1"/>
+            </a:effectRef>
+            <a:fontRef idx="minor">
+              <a:schemeClr val="dk1"/>
+            </a:fontRef>
+          </p:style>
+          <p:txBody>
+            <a:bodyPr rtlCol="0" anchor="t"/>
+            <a:lstStyle/>
+            <a:p>
+              <a:pPr algn="ctr"/>
+              <a:r>
+                <a:rPr lang="en-US" altLang="zh-CN" sz="1200" dirty="0">
+                  <a:latin typeface="Times New Roman" panose="02020603050405020304" pitchFamily="18" charset="0"/>
+                  <a:cs typeface="Times New Roman" panose="02020603050405020304" pitchFamily="18" charset="0"/>
+                </a:rPr>
+                <a:t>Gestalt Cluster Mgmt.</a:t>
+              </a:r>
+              <a:endParaRPr lang="zh-CN" altLang="en-US" sz="1200" dirty="0">
+                <a:latin typeface="Times New Roman" panose="02020603050405020304" pitchFamily="18" charset="0"/>
+                <a:cs typeface="Times New Roman" panose="02020603050405020304" pitchFamily="18" charset="0"/>
+              </a:endParaRPr>
+            </a:p>
+          </p:txBody>
+        </p:sp>
+        <p:sp>
+          <p:nvSpPr>
+            <p:cNvPr id="23" name="矩形 22">
+              <a:extLst>
+                <a:ext uri="{FF2B5EF4-FFF2-40B4-BE49-F238E27FC236}">
+                  <a16:creationId xmlns:a16="http://schemas.microsoft.com/office/drawing/2014/main" id="{5155C989-8211-4C5E-9A9D-139402109F42}"/>
+                </a:ext>
+              </a:extLst>
+            </p:cNvPr>
+            <p:cNvSpPr/>
+            <p:nvPr/>
+          </p:nvSpPr>
+          <p:spPr>
+            <a:xfrm>
+              <a:off x="3772795" y="4675851"/>
+              <a:ext cx="1381096" cy="288698"/>
+            </a:xfrm>
+            <a:prstGeom prst="rect">
+              <a:avLst/>
+            </a:prstGeom>
+            <a:noFill/>
+            <a:ln>
+              <a:solidFill>
+                <a:schemeClr val="tx1"/>
+              </a:solidFill>
+            </a:ln>
+          </p:spPr>
+          <p:style>
+            <a:lnRef idx="2">
+              <a:schemeClr val="dk1"/>
+            </a:lnRef>
+            <a:fillRef idx="1">
+              <a:schemeClr val="lt1"/>
+            </a:fillRef>
+            <a:effectRef idx="0">
+              <a:schemeClr val="dk1"/>
+            </a:effectRef>
+            <a:fontRef idx="minor">
+              <a:schemeClr val="dk1"/>
+            </a:fontRef>
+          </p:style>
+          <p:txBody>
+            <a:bodyPr rtlCol="0" anchor="ctr"/>
+            <a:lstStyle/>
+            <a:p>
+              <a:pPr algn="ctr"/>
+              <a:r>
+                <a:rPr lang="en-US" altLang="zh-CN" sz="1200" dirty="0">
+                  <a:latin typeface="Times New Roman" panose="02020603050405020304" pitchFamily="18" charset="0"/>
+                  <a:cs typeface="Times New Roman" panose="02020603050405020304" pitchFamily="18" charset="0"/>
+                </a:rPr>
+                <a:t>Cluster Topology</a:t>
+              </a:r>
+              <a:endParaRPr lang="zh-CN" altLang="en-US" sz="1200" dirty="0">
+                <a:latin typeface="Times New Roman" panose="02020603050405020304" pitchFamily="18" charset="0"/>
+                <a:cs typeface="Times New Roman" panose="02020603050405020304" pitchFamily="18" charset="0"/>
+              </a:endParaRPr>
+            </a:p>
+          </p:txBody>
+        </p:sp>
+        <p:sp>
+          <p:nvSpPr>
+            <p:cNvPr id="24" name="矩形 23">
+              <a:extLst>
+                <a:ext uri="{FF2B5EF4-FFF2-40B4-BE49-F238E27FC236}">
+                  <a16:creationId xmlns:a16="http://schemas.microsoft.com/office/drawing/2014/main" id="{11802E1F-05AB-45D2-903D-6D2BB6DE6DBC}"/>
+                </a:ext>
+              </a:extLst>
+            </p:cNvPr>
+            <p:cNvSpPr/>
+            <p:nvPr/>
+          </p:nvSpPr>
+          <p:spPr>
+            <a:xfrm>
+              <a:off x="3772795" y="5048533"/>
+              <a:ext cx="1381096" cy="288698"/>
+            </a:xfrm>
+            <a:prstGeom prst="rect">
+              <a:avLst/>
+            </a:prstGeom>
+            <a:noFill/>
+            <a:ln>
+              <a:solidFill>
+                <a:schemeClr val="tx1"/>
+              </a:solidFill>
+            </a:ln>
+          </p:spPr>
+          <p:style>
+            <a:lnRef idx="2">
+              <a:schemeClr val="dk1"/>
+            </a:lnRef>
+            <a:fillRef idx="1">
+              <a:schemeClr val="lt1"/>
+            </a:fillRef>
+            <a:effectRef idx="0">
+              <a:schemeClr val="dk1"/>
+            </a:effectRef>
+            <a:fontRef idx="minor">
+              <a:schemeClr val="dk1"/>
+            </a:fontRef>
+          </p:style>
+          <p:txBody>
+            <a:bodyPr rtlCol="0" anchor="ctr"/>
+            <a:lstStyle/>
+            <a:p>
+              <a:pPr algn="ctr"/>
+              <a:r>
+                <a:rPr lang="en-US" altLang="zh-CN" sz="1200" dirty="0">
+                  <a:latin typeface="Times New Roman" panose="02020603050405020304" pitchFamily="18" charset="0"/>
+                  <a:cs typeface="Times New Roman" panose="02020603050405020304" pitchFamily="18" charset="0"/>
+                </a:rPr>
+                <a:t>Cluster Monitoring</a:t>
+              </a:r>
+              <a:endParaRPr lang="zh-CN" altLang="en-US" sz="1200" dirty="0">
+                <a:latin typeface="Times New Roman" panose="02020603050405020304" pitchFamily="18" charset="0"/>
+                <a:cs typeface="Times New Roman" panose="02020603050405020304" pitchFamily="18" charset="0"/>
+              </a:endParaRPr>
+            </a:p>
+          </p:txBody>
+        </p:sp>
+      </p:grpSp>
+      <p:grpSp>
+        <p:nvGrpSpPr>
+          <p:cNvPr id="148" name="组合 147">
+            <a:extLst>
+              <a:ext uri="{FF2B5EF4-FFF2-40B4-BE49-F238E27FC236}">
+                <a16:creationId xmlns:a16="http://schemas.microsoft.com/office/drawing/2014/main" id="{F1CCACD6-2A71-4112-8BB0-3453E7C8D767}"/>
+              </a:ext>
+            </a:extLst>
+          </p:cNvPr>
+          <p:cNvGrpSpPr/>
+          <p:nvPr/>
+        </p:nvGrpSpPr>
+        <p:grpSpPr>
+          <a:xfrm>
+            <a:off x="2986121" y="630428"/>
+            <a:ext cx="2149065" cy="2888627"/>
+            <a:chOff x="2986121" y="630428"/>
+            <a:chExt cx="2149065" cy="2888627"/>
+          </a:xfrm>
+        </p:grpSpPr>
+        <p:sp>
+          <p:nvSpPr>
+            <p:cNvPr id="185" name="矩形 184">
+              <a:extLst>
+                <a:ext uri="{FF2B5EF4-FFF2-40B4-BE49-F238E27FC236}">
+                  <a16:creationId xmlns:a16="http://schemas.microsoft.com/office/drawing/2014/main" id="{B3057FE1-C6FA-45C9-84A9-6C30524E66BE}"/>
+                </a:ext>
+              </a:extLst>
+            </p:cNvPr>
+            <p:cNvSpPr/>
+            <p:nvPr/>
+          </p:nvSpPr>
+          <p:spPr>
+            <a:xfrm>
+              <a:off x="3179852" y="630428"/>
+              <a:ext cx="1955334" cy="2697019"/>
+            </a:xfrm>
+            <a:prstGeom prst="rect">
+              <a:avLst/>
+            </a:prstGeom>
+            <a:solidFill>
+              <a:schemeClr val="bg1"/>
+            </a:solidFill>
+            <a:ln>
+              <a:solidFill>
+                <a:schemeClr val="tx1"/>
+              </a:solidFill>
+            </a:ln>
+          </p:spPr>
+          <p:style>
+            <a:lnRef idx="2">
+              <a:schemeClr val="dk1"/>
+            </a:lnRef>
+            <a:fillRef idx="1">
+              <a:schemeClr val="lt1"/>
+            </a:fillRef>
+            <a:effectRef idx="0">
+              <a:schemeClr val="dk1"/>
+            </a:effectRef>
+            <a:fontRef idx="minor">
+              <a:schemeClr val="dk1"/>
+            </a:fontRef>
+          </p:style>
+          <p:txBody>
+            <a:bodyPr rtlCol="0" anchor="t"/>
+            <a:lstStyle/>
+            <a:p>
+              <a:pPr algn="ctr"/>
+              <a:endParaRPr lang="zh-CN" altLang="en-US" sz="1200" dirty="0">
+                <a:latin typeface="Times New Roman" panose="02020603050405020304" pitchFamily="18" charset="0"/>
+                <a:cs typeface="Times New Roman" panose="02020603050405020304" pitchFamily="18" charset="0"/>
+              </a:endParaRPr>
+            </a:p>
+          </p:txBody>
+        </p:sp>
+        <p:sp>
+          <p:nvSpPr>
+            <p:cNvPr id="184" name="矩形 183">
+              <a:extLst>
+                <a:ext uri="{FF2B5EF4-FFF2-40B4-BE49-F238E27FC236}">
+                  <a16:creationId xmlns:a16="http://schemas.microsoft.com/office/drawing/2014/main" id="{1C0FA0D3-B60B-4FD0-87BF-0BFE97C256FA}"/>
+                </a:ext>
+              </a:extLst>
+            </p:cNvPr>
+            <p:cNvSpPr/>
+            <p:nvPr/>
+          </p:nvSpPr>
+          <p:spPr>
+            <a:xfrm>
+              <a:off x="3078252" y="722575"/>
+              <a:ext cx="1955334" cy="2697019"/>
+            </a:xfrm>
+            <a:prstGeom prst="rect">
+              <a:avLst/>
+            </a:prstGeom>
+            <a:solidFill>
+              <a:schemeClr val="bg1"/>
+            </a:solidFill>
+            <a:ln>
+              <a:solidFill>
+                <a:schemeClr val="tx1"/>
+              </a:solidFill>
+            </a:ln>
+          </p:spPr>
+          <p:style>
+            <a:lnRef idx="2">
+              <a:schemeClr val="dk1"/>
+            </a:lnRef>
+            <a:fillRef idx="1">
+              <a:schemeClr val="lt1"/>
+            </a:fillRef>
+            <a:effectRef idx="0">
+              <a:schemeClr val="dk1"/>
+            </a:effectRef>
+            <a:fontRef idx="minor">
+              <a:schemeClr val="dk1"/>
+            </a:fontRef>
+          </p:style>
+          <p:txBody>
+            <a:bodyPr rtlCol="0" anchor="t"/>
+            <a:lstStyle/>
+            <a:p>
+              <a:pPr algn="ctr"/>
+              <a:endParaRPr lang="zh-CN" altLang="en-US" sz="1200" dirty="0">
+                <a:latin typeface="Times New Roman" panose="02020603050405020304" pitchFamily="18" charset="0"/>
+                <a:cs typeface="Times New Roman" panose="02020603050405020304" pitchFamily="18" charset="0"/>
+              </a:endParaRPr>
+            </a:p>
+          </p:txBody>
+        </p:sp>
+        <p:sp>
+          <p:nvSpPr>
+            <p:cNvPr id="7" name="矩形 6">
+              <a:extLst>
+                <a:ext uri="{FF2B5EF4-FFF2-40B4-BE49-F238E27FC236}">
+                  <a16:creationId xmlns:a16="http://schemas.microsoft.com/office/drawing/2014/main" id="{9A9F6762-04DB-4C2E-869E-6DFD1299E899}"/>
+                </a:ext>
+              </a:extLst>
+            </p:cNvPr>
+            <p:cNvSpPr/>
+            <p:nvPr/>
+          </p:nvSpPr>
+          <p:spPr>
+            <a:xfrm>
+              <a:off x="2986121" y="822036"/>
+              <a:ext cx="1955334" cy="2697019"/>
+            </a:xfrm>
+            <a:prstGeom prst="rect">
+              <a:avLst/>
+            </a:prstGeom>
+            <a:solidFill>
+              <a:schemeClr val="bg1"/>
+            </a:solidFill>
+            <a:ln>
+              <a:solidFill>
+                <a:schemeClr val="tx1"/>
+              </a:solidFill>
+            </a:ln>
+          </p:spPr>
+          <p:style>
+            <a:lnRef idx="2">
+              <a:schemeClr val="dk1"/>
+            </a:lnRef>
+            <a:fillRef idx="1">
+              <a:schemeClr val="lt1"/>
+            </a:fillRef>
+            <a:effectRef idx="0">
+              <a:schemeClr val="dk1"/>
+            </a:effectRef>
+            <a:fontRef idx="minor">
+              <a:schemeClr val="dk1"/>
+            </a:fontRef>
+          </p:style>
+          <p:txBody>
+            <a:bodyPr rtlCol="0" anchor="t"/>
+            <a:lstStyle/>
+            <a:p>
+              <a:pPr algn="ctr"/>
+              <a:r>
+                <a:rPr lang="en-US" altLang="zh-CN" sz="1200" dirty="0">
+                  <a:latin typeface="Times New Roman" panose="02020603050405020304" pitchFamily="18" charset="0"/>
+                  <a:cs typeface="Times New Roman" panose="02020603050405020304" pitchFamily="18" charset="0"/>
+                </a:rPr>
+                <a:t>Clients</a:t>
+              </a:r>
+              <a:endParaRPr lang="zh-CN" altLang="en-US" sz="1200" dirty="0">
+                <a:latin typeface="Times New Roman" panose="02020603050405020304" pitchFamily="18" charset="0"/>
+                <a:cs typeface="Times New Roman" panose="02020603050405020304" pitchFamily="18" charset="0"/>
+              </a:endParaRPr>
+            </a:p>
+          </p:txBody>
+        </p:sp>
+        <p:sp>
+          <p:nvSpPr>
+            <p:cNvPr id="9" name="矩形 8">
+              <a:extLst>
+                <a:ext uri="{FF2B5EF4-FFF2-40B4-BE49-F238E27FC236}">
+                  <a16:creationId xmlns:a16="http://schemas.microsoft.com/office/drawing/2014/main" id="{5BD13CD8-AE59-471A-8E85-FD2D8EC1E72C}"/>
+                </a:ext>
+              </a:extLst>
+            </p:cNvPr>
+            <p:cNvSpPr/>
+            <p:nvPr/>
+          </p:nvSpPr>
+          <p:spPr>
+            <a:xfrm>
+              <a:off x="3080491" y="1112836"/>
+              <a:ext cx="1766594" cy="288698"/>
+            </a:xfrm>
+            <a:prstGeom prst="rect">
+              <a:avLst/>
+            </a:prstGeom>
+            <a:noFill/>
+            <a:ln>
+              <a:solidFill>
+                <a:schemeClr val="tx1"/>
+              </a:solidFill>
+            </a:ln>
+          </p:spPr>
+          <p:style>
+            <a:lnRef idx="2">
+              <a:schemeClr val="dk1"/>
+            </a:lnRef>
+            <a:fillRef idx="1">
+              <a:schemeClr val="lt1"/>
+            </a:fillRef>
+            <a:effectRef idx="0">
+              <a:schemeClr val="dk1"/>
+            </a:effectRef>
+            <a:fontRef idx="minor">
+              <a:schemeClr val="dk1"/>
+            </a:fontRef>
+          </p:style>
+          <p:txBody>
+            <a:bodyPr rtlCol="0" anchor="ctr"/>
+            <a:lstStyle/>
+            <a:p>
+              <a:pPr algn="ctr"/>
+              <a:r>
+                <a:rPr lang="en-US" altLang="zh-CN" sz="1200" dirty="0">
+                  <a:latin typeface="Times New Roman" panose="02020603050405020304" pitchFamily="18" charset="0"/>
+                  <a:cs typeface="Times New Roman" panose="02020603050405020304" pitchFamily="18" charset="0"/>
+                </a:rPr>
+                <a:t>Application</a:t>
+              </a:r>
+              <a:endParaRPr lang="zh-CN" altLang="en-US" sz="1200" dirty="0">
+                <a:latin typeface="Times New Roman" panose="02020603050405020304" pitchFamily="18" charset="0"/>
+                <a:cs typeface="Times New Roman" panose="02020603050405020304" pitchFamily="18" charset="0"/>
+              </a:endParaRPr>
+            </a:p>
+          </p:txBody>
+        </p:sp>
+        <p:grpSp>
+          <p:nvGrpSpPr>
+            <p:cNvPr id="47" name="组合 46">
+              <a:extLst>
+                <a:ext uri="{FF2B5EF4-FFF2-40B4-BE49-F238E27FC236}">
+                  <a16:creationId xmlns:a16="http://schemas.microsoft.com/office/drawing/2014/main" id="{5D024B76-AA33-407D-B125-671F903899FB}"/>
+                </a:ext>
+              </a:extLst>
+            </p:cNvPr>
+            <p:cNvGrpSpPr/>
+            <p:nvPr/>
+          </p:nvGrpSpPr>
+          <p:grpSpPr>
+            <a:xfrm>
+              <a:off x="3078255" y="1819433"/>
+              <a:ext cx="1768831" cy="1607300"/>
+              <a:chOff x="1076461" y="1481487"/>
+              <a:chExt cx="1768831" cy="1607300"/>
+            </a:xfrm>
+          </p:grpSpPr>
+          <p:sp>
+            <p:nvSpPr>
+              <p:cNvPr id="137" name="矩形 136">
+                <a:extLst>
+                  <a:ext uri="{FF2B5EF4-FFF2-40B4-BE49-F238E27FC236}">
+                    <a16:creationId xmlns:a16="http://schemas.microsoft.com/office/drawing/2014/main" id="{0659A762-93AC-4137-9692-521CD945936A}"/>
+                  </a:ext>
+                </a:extLst>
+              </p:cNvPr>
+              <p:cNvSpPr/>
+              <p:nvPr/>
+            </p:nvSpPr>
+            <p:spPr>
+              <a:xfrm>
+                <a:off x="1257180" y="1481487"/>
+                <a:ext cx="1588112" cy="1438586"/>
+              </a:xfrm>
+              <a:prstGeom prst="rect">
+                <a:avLst/>
+              </a:prstGeom>
+              <a:solidFill>
+                <a:schemeClr val="accent6">
+                  <a:lumMod val="20000"/>
+                  <a:lumOff val="80000"/>
+                </a:schemeClr>
+              </a:solidFill>
+              <a:ln>
+                <a:solidFill>
+                  <a:schemeClr val="tx1"/>
+                </a:solidFill>
+              </a:ln>
+            </p:spPr>
+            <p:style>
+              <a:lnRef idx="2">
+                <a:schemeClr val="dk1"/>
+              </a:lnRef>
+              <a:fillRef idx="1">
+                <a:schemeClr val="lt1"/>
+              </a:fillRef>
+              <a:effectRef idx="0">
+                <a:schemeClr val="dk1"/>
+              </a:effectRef>
+              <a:fontRef idx="minor">
+                <a:schemeClr val="dk1"/>
+              </a:fontRef>
+            </p:style>
+            <p:txBody>
+              <a:bodyPr rtlCol="0" anchor="t"/>
+              <a:lstStyle/>
+              <a:p>
+                <a:pPr algn="ctr"/>
+                <a:endParaRPr lang="zh-CN" altLang="en-US" sz="1200" dirty="0">
+                  <a:latin typeface="Times New Roman" panose="02020603050405020304" pitchFamily="18" charset="0"/>
+                  <a:cs typeface="Times New Roman" panose="02020603050405020304" pitchFamily="18" charset="0"/>
+                </a:endParaRPr>
+              </a:p>
+            </p:txBody>
+          </p:sp>
+          <p:sp>
+            <p:nvSpPr>
+              <p:cNvPr id="136" name="矩形 135">
+                <a:extLst>
+                  <a:ext uri="{FF2B5EF4-FFF2-40B4-BE49-F238E27FC236}">
+                    <a16:creationId xmlns:a16="http://schemas.microsoft.com/office/drawing/2014/main" id="{889E3D45-174E-4B68-AF87-5D9B7D15942D}"/>
+                  </a:ext>
+                </a:extLst>
+              </p:cNvPr>
+              <p:cNvSpPr/>
+              <p:nvPr/>
+            </p:nvSpPr>
+            <p:spPr>
+              <a:xfrm>
+                <a:off x="1165457" y="1566217"/>
+                <a:ext cx="1588112" cy="1438586"/>
+              </a:xfrm>
+              <a:prstGeom prst="rect">
+                <a:avLst/>
+              </a:prstGeom>
+              <a:solidFill>
+                <a:schemeClr val="accent6">
+                  <a:lumMod val="20000"/>
+                  <a:lumOff val="80000"/>
+                </a:schemeClr>
+              </a:solidFill>
+              <a:ln>
+                <a:solidFill>
+                  <a:schemeClr val="tx1"/>
+                </a:solidFill>
+              </a:ln>
+            </p:spPr>
+            <p:style>
+              <a:lnRef idx="2">
+                <a:schemeClr val="dk1"/>
+              </a:lnRef>
+              <a:fillRef idx="1">
+                <a:schemeClr val="lt1"/>
+              </a:fillRef>
+              <a:effectRef idx="0">
+                <a:schemeClr val="dk1"/>
+              </a:effectRef>
+              <a:fontRef idx="minor">
+                <a:schemeClr val="dk1"/>
+              </a:fontRef>
+            </p:style>
+            <p:txBody>
+              <a:bodyPr rtlCol="0" anchor="t"/>
+              <a:lstStyle/>
+              <a:p>
+                <a:pPr algn="ctr"/>
+                <a:endParaRPr lang="zh-CN" altLang="en-US" sz="1200" dirty="0">
+                  <a:latin typeface="Times New Roman" panose="02020603050405020304" pitchFamily="18" charset="0"/>
+                  <a:cs typeface="Times New Roman" panose="02020603050405020304" pitchFamily="18" charset="0"/>
+                </a:endParaRPr>
+              </a:p>
+            </p:txBody>
+          </p:sp>
+          <p:sp>
+            <p:nvSpPr>
+              <p:cNvPr id="8" name="矩形 7">
+                <a:extLst>
+                  <a:ext uri="{FF2B5EF4-FFF2-40B4-BE49-F238E27FC236}">
+                    <a16:creationId xmlns:a16="http://schemas.microsoft.com/office/drawing/2014/main" id="{612244BC-C07B-4705-92F9-08A432A58E1B}"/>
+                  </a:ext>
+                </a:extLst>
+              </p:cNvPr>
+              <p:cNvSpPr/>
+              <p:nvPr/>
+            </p:nvSpPr>
+            <p:spPr>
+              <a:xfrm>
+                <a:off x="1076461" y="1650201"/>
+                <a:ext cx="1588112" cy="1438586"/>
+              </a:xfrm>
+              <a:prstGeom prst="rect">
+                <a:avLst/>
+              </a:prstGeom>
+              <a:solidFill>
+                <a:schemeClr val="accent6">
+                  <a:lumMod val="20000"/>
+                  <a:lumOff val="80000"/>
+                </a:schemeClr>
+              </a:solidFill>
+              <a:ln>
+                <a:solidFill>
+                  <a:schemeClr val="tx1"/>
+                </a:solidFill>
+              </a:ln>
+            </p:spPr>
+            <p:style>
+              <a:lnRef idx="2">
+                <a:schemeClr val="dk1"/>
+              </a:lnRef>
+              <a:fillRef idx="1">
+                <a:schemeClr val="lt1"/>
+              </a:fillRef>
+              <a:effectRef idx="0">
+                <a:schemeClr val="dk1"/>
+              </a:effectRef>
+              <a:fontRef idx="minor">
+                <a:schemeClr val="dk1"/>
+              </a:fontRef>
+            </p:style>
+            <p:txBody>
+              <a:bodyPr rtlCol="0" anchor="t"/>
+              <a:lstStyle/>
+              <a:p>
+                <a:pPr algn="ctr"/>
+                <a:r>
+                  <a:rPr lang="en-US" altLang="zh-CN" sz="1200" dirty="0">
+                    <a:latin typeface="Times New Roman" panose="02020603050405020304" pitchFamily="18" charset="0"/>
+                    <a:cs typeface="Times New Roman" panose="02020603050405020304" pitchFamily="18" charset="0"/>
+                  </a:rPr>
+                  <a:t>Gestalt Client Library</a:t>
+                </a:r>
+                <a:endParaRPr lang="zh-CN" altLang="en-US" sz="1200" dirty="0">
+                  <a:latin typeface="Times New Roman" panose="02020603050405020304" pitchFamily="18" charset="0"/>
+                  <a:cs typeface="Times New Roman" panose="02020603050405020304" pitchFamily="18" charset="0"/>
+                </a:endParaRPr>
+              </a:p>
+            </p:txBody>
+          </p:sp>
+          <p:sp>
+            <p:nvSpPr>
+              <p:cNvPr id="15" name="矩形 14">
+                <a:extLst>
+                  <a:ext uri="{FF2B5EF4-FFF2-40B4-BE49-F238E27FC236}">
+                    <a16:creationId xmlns:a16="http://schemas.microsoft.com/office/drawing/2014/main" id="{27551A05-7F2D-49D9-B816-BA305F424080}"/>
+                  </a:ext>
+                </a:extLst>
+              </p:cNvPr>
+              <p:cNvSpPr/>
+              <p:nvPr/>
+            </p:nvSpPr>
+            <p:spPr>
+              <a:xfrm>
+                <a:off x="1168825" y="1972288"/>
+                <a:ext cx="1403384" cy="288698"/>
+              </a:xfrm>
+              <a:prstGeom prst="rect">
+                <a:avLst/>
+              </a:prstGeom>
+              <a:solidFill>
+                <a:schemeClr val="bg1"/>
+              </a:solidFill>
+              <a:ln>
+                <a:solidFill>
+                  <a:schemeClr val="tx1"/>
+                </a:solidFill>
+              </a:ln>
+            </p:spPr>
+            <p:style>
+              <a:lnRef idx="2">
+                <a:schemeClr val="dk1"/>
+              </a:lnRef>
+              <a:fillRef idx="1">
+                <a:schemeClr val="lt1"/>
+              </a:fillRef>
+              <a:effectRef idx="0">
+                <a:schemeClr val="dk1"/>
+              </a:effectRef>
+              <a:fontRef idx="minor">
+                <a:schemeClr val="dk1"/>
+              </a:fontRef>
+            </p:style>
+            <p:txBody>
+              <a:bodyPr rtlCol="0" anchor="ctr"/>
+              <a:lstStyle/>
+              <a:p>
+                <a:pPr algn="ctr"/>
+                <a:r>
+                  <a:rPr lang="en-US" altLang="zh-CN" sz="1200" dirty="0">
+                    <a:latin typeface="Times New Roman" panose="02020603050405020304" pitchFamily="18" charset="0"/>
+                    <a:cs typeface="Times New Roman" panose="02020603050405020304" pitchFamily="18" charset="0"/>
+                  </a:rPr>
+                  <a:t>RDMA Conn. Pool</a:t>
+                </a:r>
+                <a:endParaRPr lang="zh-CN" altLang="en-US" sz="1200" dirty="0">
+                  <a:latin typeface="Times New Roman" panose="02020603050405020304" pitchFamily="18" charset="0"/>
+                  <a:cs typeface="Times New Roman" panose="02020603050405020304" pitchFamily="18" charset="0"/>
+                </a:endParaRPr>
+              </a:p>
+            </p:txBody>
+          </p:sp>
+          <p:sp>
+            <p:nvSpPr>
+              <p:cNvPr id="18" name="矩形 17">
+                <a:extLst>
+                  <a:ext uri="{FF2B5EF4-FFF2-40B4-BE49-F238E27FC236}">
+                    <a16:creationId xmlns:a16="http://schemas.microsoft.com/office/drawing/2014/main" id="{8576970E-1A4B-489E-BB99-509686F62D94}"/>
+                  </a:ext>
+                </a:extLst>
+              </p:cNvPr>
+              <p:cNvSpPr/>
+              <p:nvPr/>
+            </p:nvSpPr>
+            <p:spPr>
+              <a:xfrm>
+                <a:off x="1168825" y="2344970"/>
+                <a:ext cx="1403384" cy="288698"/>
+              </a:xfrm>
+              <a:prstGeom prst="rect">
+                <a:avLst/>
+              </a:prstGeom>
+              <a:solidFill>
+                <a:schemeClr val="bg1"/>
+              </a:solidFill>
+              <a:ln>
+                <a:solidFill>
+                  <a:schemeClr val="tx1"/>
+                </a:solidFill>
+              </a:ln>
+            </p:spPr>
+            <p:style>
+              <a:lnRef idx="2">
+                <a:schemeClr val="dk1"/>
+              </a:lnRef>
+              <a:fillRef idx="1">
+                <a:schemeClr val="lt1"/>
+              </a:fillRef>
+              <a:effectRef idx="0">
+                <a:schemeClr val="dk1"/>
+              </a:effectRef>
+              <a:fontRef idx="minor">
+                <a:schemeClr val="dk1"/>
+              </a:fontRef>
+            </p:style>
+            <p:txBody>
+              <a:bodyPr rtlCol="0" anchor="ctr"/>
+              <a:lstStyle/>
+              <a:p>
+                <a:pPr algn="ctr"/>
+                <a:r>
+                  <a:rPr lang="en-US" altLang="zh-CN" sz="1200" dirty="0">
+                    <a:latin typeface="Times New Roman" panose="02020603050405020304" pitchFamily="18" charset="0"/>
+                    <a:cs typeface="Times New Roman" panose="02020603050405020304" pitchFamily="18" charset="0"/>
+                  </a:rPr>
+                  <a:t>Data Locator</a:t>
+                </a:r>
+                <a:endParaRPr lang="zh-CN" altLang="en-US" sz="1200" dirty="0">
+                  <a:latin typeface="Times New Roman" panose="02020603050405020304" pitchFamily="18" charset="0"/>
+                  <a:cs typeface="Times New Roman" panose="02020603050405020304" pitchFamily="18" charset="0"/>
+                </a:endParaRPr>
+              </a:p>
+            </p:txBody>
+          </p:sp>
+          <p:sp>
+            <p:nvSpPr>
+              <p:cNvPr id="27" name="矩形 26">
+                <a:extLst>
+                  <a:ext uri="{FF2B5EF4-FFF2-40B4-BE49-F238E27FC236}">
+                    <a16:creationId xmlns:a16="http://schemas.microsoft.com/office/drawing/2014/main" id="{08339D9A-9342-4F75-95C4-1C50BEFF39FD}"/>
+                  </a:ext>
+                </a:extLst>
+              </p:cNvPr>
+              <p:cNvSpPr/>
+              <p:nvPr/>
+            </p:nvSpPr>
+            <p:spPr>
+              <a:xfrm>
+                <a:off x="1168825" y="2717652"/>
+                <a:ext cx="1403384" cy="288698"/>
+              </a:xfrm>
+              <a:prstGeom prst="rect">
+                <a:avLst/>
+              </a:prstGeom>
+              <a:solidFill>
+                <a:schemeClr val="bg1"/>
+              </a:solidFill>
+              <a:ln>
+                <a:solidFill>
+                  <a:schemeClr val="tx1"/>
+                </a:solidFill>
+              </a:ln>
+            </p:spPr>
+            <p:style>
+              <a:lnRef idx="2">
+                <a:schemeClr val="dk1"/>
+              </a:lnRef>
+              <a:fillRef idx="1">
+                <a:schemeClr val="lt1"/>
+              </a:fillRef>
+              <a:effectRef idx="0">
+                <a:schemeClr val="dk1"/>
+              </a:effectRef>
+              <a:fontRef idx="minor">
+                <a:schemeClr val="dk1"/>
+              </a:fontRef>
+            </p:style>
+            <p:txBody>
+              <a:bodyPr rtlCol="0" anchor="ctr"/>
+              <a:lstStyle/>
+              <a:p>
+                <a:pPr algn="ctr"/>
+                <a:r>
+                  <a:rPr lang="en-US" altLang="zh-CN" sz="1200" dirty="0">
+                    <a:latin typeface="Times New Roman" panose="02020603050405020304" pitchFamily="18" charset="0"/>
+                    <a:cs typeface="Times New Roman" panose="02020603050405020304" pitchFamily="18" charset="0"/>
+                  </a:rPr>
+                  <a:t>I/O Interface</a:t>
+                </a:r>
+                <a:endParaRPr lang="zh-CN" altLang="en-US" sz="1200" dirty="0">
+                  <a:latin typeface="Times New Roman" panose="02020603050405020304" pitchFamily="18" charset="0"/>
+                  <a:cs typeface="Times New Roman" panose="02020603050405020304" pitchFamily="18" charset="0"/>
+                </a:endParaRPr>
+              </a:p>
+            </p:txBody>
+          </p:sp>
+        </p:grpSp>
+        <p:cxnSp>
+          <p:nvCxnSpPr>
+            <p:cNvPr id="50" name="直接箭头连接符 49">
+              <a:extLst>
+                <a:ext uri="{FF2B5EF4-FFF2-40B4-BE49-F238E27FC236}">
+                  <a16:creationId xmlns:a16="http://schemas.microsoft.com/office/drawing/2014/main" id="{B5F11934-30C5-4343-BA58-55D19C05E82F}"/>
+                </a:ext>
+              </a:extLst>
+            </p:cNvPr>
+            <p:cNvCxnSpPr>
+              <a:cxnSpLocks/>
+              <a:stCxn id="9" idx="2"/>
+            </p:cNvCxnSpPr>
+            <p:nvPr/>
+          </p:nvCxnSpPr>
+          <p:spPr>
+            <a:xfrm flipH="1">
+              <a:off x="3962672" y="1401534"/>
+              <a:ext cx="1116" cy="492874"/>
+            </a:xfrm>
+            <a:prstGeom prst="straightConnector1">
+              <a:avLst/>
+            </a:prstGeom>
+            <a:ln>
+              <a:headEnd type="triangle"/>
+              <a:tailEnd type="triangle"/>
+            </a:ln>
+          </p:spPr>
+          <p:style>
+            <a:lnRef idx="2">
+              <a:schemeClr val="dk1"/>
+            </a:lnRef>
+            <a:fillRef idx="0">
+              <a:schemeClr val="dk1"/>
+            </a:fillRef>
+            <a:effectRef idx="1">
+              <a:schemeClr val="dk1"/>
+            </a:effectRef>
+            <a:fontRef idx="minor">
+              <a:schemeClr val="tx1"/>
+            </a:fontRef>
+          </p:style>
+        </p:cxnSp>
+        <p:cxnSp>
+          <p:nvCxnSpPr>
+            <p:cNvPr id="53" name="直接箭头连接符 52">
+              <a:extLst>
+                <a:ext uri="{FF2B5EF4-FFF2-40B4-BE49-F238E27FC236}">
+                  <a16:creationId xmlns:a16="http://schemas.microsoft.com/office/drawing/2014/main" id="{415FD7C7-5F00-4ACF-AA95-0EB27E066B84}"/>
+                </a:ext>
+              </a:extLst>
+            </p:cNvPr>
+            <p:cNvCxnSpPr>
+              <a:cxnSpLocks/>
+              <a:endCxn id="137" idx="0"/>
+            </p:cNvCxnSpPr>
+            <p:nvPr/>
+          </p:nvCxnSpPr>
+          <p:spPr>
+            <a:xfrm>
+              <a:off x="4053030" y="1401534"/>
+              <a:ext cx="0" cy="417899"/>
+            </a:xfrm>
+            <a:prstGeom prst="straightConnector1">
+              <a:avLst/>
+            </a:prstGeom>
+            <a:ln>
+              <a:headEnd type="triangle"/>
+              <a:tailEnd type="triangle"/>
+            </a:ln>
+          </p:spPr>
+          <p:style>
+            <a:lnRef idx="2">
+              <a:schemeClr val="dk1"/>
+            </a:lnRef>
+            <a:fillRef idx="0">
+              <a:schemeClr val="dk1"/>
+            </a:fillRef>
+            <a:effectRef idx="1">
+              <a:schemeClr val="dk1"/>
+            </a:effectRef>
+            <a:fontRef idx="minor">
+              <a:schemeClr val="tx1"/>
+            </a:fontRef>
+          </p:style>
+        </p:cxnSp>
+        <p:cxnSp>
+          <p:nvCxnSpPr>
+            <p:cNvPr id="60" name="直接箭头连接符 59">
+              <a:extLst>
+                <a:ext uri="{FF2B5EF4-FFF2-40B4-BE49-F238E27FC236}">
+                  <a16:creationId xmlns:a16="http://schemas.microsoft.com/office/drawing/2014/main" id="{F628EB07-F7A9-4498-9CE7-A9113B0993E5}"/>
+                </a:ext>
+              </a:extLst>
+            </p:cNvPr>
+            <p:cNvCxnSpPr>
+              <a:cxnSpLocks/>
+              <a:endCxn id="8" idx="0"/>
+            </p:cNvCxnSpPr>
+            <p:nvPr/>
+          </p:nvCxnSpPr>
+          <p:spPr>
+            <a:xfrm>
+              <a:off x="3872311" y="1401534"/>
+              <a:ext cx="0" cy="586613"/>
+            </a:xfrm>
+            <a:prstGeom prst="straightConnector1">
+              <a:avLst/>
+            </a:prstGeom>
+            <a:ln>
+              <a:headEnd type="triangle"/>
+              <a:tailEnd type="triangle"/>
+            </a:ln>
+          </p:spPr>
+          <p:style>
+            <a:lnRef idx="2">
+              <a:schemeClr val="dk1"/>
+            </a:lnRef>
+            <a:fillRef idx="0">
+              <a:schemeClr val="dk1"/>
+            </a:fillRef>
+            <a:effectRef idx="1">
+              <a:schemeClr val="dk1"/>
+            </a:effectRef>
+            <a:fontRef idx="minor">
+              <a:schemeClr val="tx1"/>
+            </a:fontRef>
+          </p:style>
+        </p:cxnSp>
+        <p:sp>
+          <p:nvSpPr>
+            <p:cNvPr id="65" name="文本框 64">
+              <a:extLst>
+                <a:ext uri="{FF2B5EF4-FFF2-40B4-BE49-F238E27FC236}">
+                  <a16:creationId xmlns:a16="http://schemas.microsoft.com/office/drawing/2014/main" id="{F2AC259E-C583-4F2F-8B64-FF128E4C3A06}"/>
+                </a:ext>
+              </a:extLst>
+            </p:cNvPr>
+            <p:cNvSpPr txBox="1"/>
+            <p:nvPr/>
+          </p:nvSpPr>
+          <p:spPr>
+            <a:xfrm>
+              <a:off x="4063596" y="1547124"/>
+              <a:ext cx="764953" cy="246221"/>
+            </a:xfrm>
+            <a:prstGeom prst="rect">
+              <a:avLst/>
+            </a:prstGeom>
+            <a:noFill/>
+          </p:spPr>
+          <p:txBody>
+            <a:bodyPr wrap="none" rtlCol="0">
+              <a:spAutoFit/>
+            </a:bodyPr>
+            <a:lstStyle/>
+            <a:p>
+              <a:r>
+                <a:rPr lang="en-US" altLang="zh-CN" sz="1000" dirty="0">
+                  <a:latin typeface="Times New Roman" panose="02020603050405020304" pitchFamily="18" charset="0"/>
+                  <a:cs typeface="Times New Roman" panose="02020603050405020304" pitchFamily="18" charset="0"/>
+                </a:rPr>
+                <a:t>Per-Thread</a:t>
+              </a:r>
+              <a:endParaRPr lang="zh-CN" altLang="en-US" sz="1000" dirty="0">
+                <a:latin typeface="Times New Roman" panose="02020603050405020304" pitchFamily="18" charset="0"/>
+                <a:cs typeface="Times New Roman" panose="02020603050405020304" pitchFamily="18" charset="0"/>
+              </a:endParaRPr>
+            </a:p>
+          </p:txBody>
+        </p:sp>
+      </p:grpSp>
+      <p:grpSp>
+        <p:nvGrpSpPr>
+          <p:cNvPr id="163" name="组合 162">
+            <a:extLst>
+              <a:ext uri="{FF2B5EF4-FFF2-40B4-BE49-F238E27FC236}">
+                <a16:creationId xmlns:a16="http://schemas.microsoft.com/office/drawing/2014/main" id="{9003DA59-6088-413B-BD7B-EBC7BD6597B2}"/>
+              </a:ext>
+            </a:extLst>
+          </p:cNvPr>
+          <p:cNvGrpSpPr/>
+          <p:nvPr/>
+        </p:nvGrpSpPr>
+        <p:grpSpPr>
+          <a:xfrm>
+            <a:off x="5783273" y="606214"/>
+            <a:ext cx="2336800" cy="5050816"/>
+            <a:chOff x="6511636" y="630767"/>
+            <a:chExt cx="2336800" cy="5050816"/>
+          </a:xfrm>
+        </p:grpSpPr>
+        <p:sp>
+          <p:nvSpPr>
+            <p:cNvPr id="82" name="矩形: 圆角 81">
+              <a:extLst>
+                <a:ext uri="{FF2B5EF4-FFF2-40B4-BE49-F238E27FC236}">
+                  <a16:creationId xmlns:a16="http://schemas.microsoft.com/office/drawing/2014/main" id="{2DE3C44A-048C-4E6A-832C-C80EE5627B34}"/>
+                </a:ext>
+              </a:extLst>
+            </p:cNvPr>
+            <p:cNvSpPr/>
+            <p:nvPr/>
+          </p:nvSpPr>
+          <p:spPr>
+            <a:xfrm>
+              <a:off x="6511636" y="630767"/>
+              <a:ext cx="2336800" cy="4735560"/>
+            </a:xfrm>
+            <a:prstGeom prst="roundRect">
+              <a:avLst>
+                <a:gd name="adj" fmla="val 6457"/>
+              </a:avLst>
+            </a:prstGeom>
+            <a:solidFill>
+              <a:schemeClr val="accent5">
+                <a:lumMod val="20000"/>
+                <a:lumOff val="80000"/>
+              </a:schemeClr>
+            </a:solidFill>
+            <a:ln>
+              <a:prstDash val="dash"/>
+            </a:ln>
+          </p:spPr>
+          <p:style>
+            <a:lnRef idx="2">
+              <a:schemeClr val="dk1"/>
+            </a:lnRef>
+            <a:fillRef idx="1">
+              <a:schemeClr val="lt1"/>
+            </a:fillRef>
+            <a:effectRef idx="0">
+              <a:schemeClr val="dk1"/>
+            </a:effectRef>
+            <a:fontRef idx="minor">
+              <a:schemeClr val="dk1"/>
+            </a:fontRef>
+          </p:style>
+          <p:txBody>
+            <a:bodyPr rtlCol="0" anchor="ctr"/>
+            <a:lstStyle/>
+            <a:p>
+              <a:pPr algn="ctr"/>
+              <a:endParaRPr lang="zh-CN" altLang="en-US"/>
+            </a:p>
+          </p:txBody>
+        </p:sp>
+        <p:grpSp>
+          <p:nvGrpSpPr>
+            <p:cNvPr id="160" name="组合 159">
+              <a:extLst>
+                <a:ext uri="{FF2B5EF4-FFF2-40B4-BE49-F238E27FC236}">
+                  <a16:creationId xmlns:a16="http://schemas.microsoft.com/office/drawing/2014/main" id="{FC4302A1-27F7-4E50-9E30-9EA11BD321DD}"/>
+                </a:ext>
+              </a:extLst>
+            </p:cNvPr>
+            <p:cNvGrpSpPr/>
+            <p:nvPr/>
+          </p:nvGrpSpPr>
+          <p:grpSpPr>
+            <a:xfrm>
+              <a:off x="6602809" y="729820"/>
+              <a:ext cx="2139410" cy="4537504"/>
+              <a:chOff x="6602809" y="729820"/>
+              <a:chExt cx="2139410" cy="4537504"/>
+            </a:xfrm>
+          </p:grpSpPr>
+          <p:sp>
+            <p:nvSpPr>
+              <p:cNvPr id="162" name="矩形 161">
+                <a:extLst>
+                  <a:ext uri="{FF2B5EF4-FFF2-40B4-BE49-F238E27FC236}">
+                    <a16:creationId xmlns:a16="http://schemas.microsoft.com/office/drawing/2014/main" id="{6DFCB81C-2742-4E97-BC04-1943FB4FABE7}"/>
+                  </a:ext>
+                </a:extLst>
+              </p:cNvPr>
+              <p:cNvSpPr/>
+              <p:nvPr/>
+            </p:nvSpPr>
+            <p:spPr>
+              <a:xfrm>
+                <a:off x="6792155" y="729820"/>
+                <a:ext cx="1950064" cy="4352461"/>
+              </a:xfrm>
+              <a:prstGeom prst="rect">
+                <a:avLst/>
+              </a:prstGeom>
+              <a:solidFill>
+                <a:schemeClr val="bg1"/>
+              </a:solidFill>
+              <a:ln>
+                <a:solidFill>
+                  <a:schemeClr val="tx1"/>
+                </a:solidFill>
+              </a:ln>
+            </p:spPr>
+            <p:style>
+              <a:lnRef idx="2">
+                <a:schemeClr val="dk1"/>
+              </a:lnRef>
+              <a:fillRef idx="1">
+                <a:schemeClr val="lt1"/>
+              </a:fillRef>
+              <a:effectRef idx="0">
+                <a:schemeClr val="dk1"/>
+              </a:effectRef>
+              <a:fontRef idx="minor">
+                <a:schemeClr val="dk1"/>
+              </a:fontRef>
+            </p:style>
+            <p:txBody>
+              <a:bodyPr rtlCol="0" anchor="t"/>
+              <a:lstStyle/>
+              <a:p>
+                <a:pPr algn="ctr"/>
+                <a:endParaRPr lang="zh-CN" altLang="en-US" sz="1200" dirty="0">
+                  <a:latin typeface="Times New Roman" panose="02020603050405020304" pitchFamily="18" charset="0"/>
+                  <a:cs typeface="Times New Roman" panose="02020603050405020304" pitchFamily="18" charset="0"/>
+                </a:endParaRPr>
+              </a:p>
+            </p:txBody>
+          </p:sp>
+          <p:sp>
+            <p:nvSpPr>
+              <p:cNvPr id="161" name="矩形 160">
+                <a:extLst>
+                  <a:ext uri="{FF2B5EF4-FFF2-40B4-BE49-F238E27FC236}">
+                    <a16:creationId xmlns:a16="http://schemas.microsoft.com/office/drawing/2014/main" id="{5A9987ED-F747-463C-9324-EA5BE9BC7F9E}"/>
+                  </a:ext>
+                </a:extLst>
+              </p:cNvPr>
+              <p:cNvSpPr/>
+              <p:nvPr/>
+            </p:nvSpPr>
+            <p:spPr>
+              <a:xfrm>
+                <a:off x="6697482" y="824667"/>
+                <a:ext cx="1950064" cy="4352461"/>
+              </a:xfrm>
+              <a:prstGeom prst="rect">
+                <a:avLst/>
+              </a:prstGeom>
+              <a:solidFill>
+                <a:schemeClr val="bg1"/>
+              </a:solidFill>
+              <a:ln>
+                <a:solidFill>
+                  <a:schemeClr val="tx1"/>
+                </a:solidFill>
+              </a:ln>
+            </p:spPr>
+            <p:style>
+              <a:lnRef idx="2">
+                <a:schemeClr val="dk1"/>
+              </a:lnRef>
+              <a:fillRef idx="1">
+                <a:schemeClr val="lt1"/>
+              </a:fillRef>
+              <a:effectRef idx="0">
+                <a:schemeClr val="dk1"/>
+              </a:effectRef>
+              <a:fontRef idx="minor">
+                <a:schemeClr val="dk1"/>
+              </a:fontRef>
+            </p:style>
+            <p:txBody>
+              <a:bodyPr rtlCol="0" anchor="t"/>
+              <a:lstStyle/>
+              <a:p>
+                <a:pPr algn="ctr"/>
+                <a:endParaRPr lang="zh-CN" altLang="en-US" sz="1200" dirty="0">
+                  <a:latin typeface="Times New Roman" panose="02020603050405020304" pitchFamily="18" charset="0"/>
+                  <a:cs typeface="Times New Roman" panose="02020603050405020304" pitchFamily="18" charset="0"/>
+                </a:endParaRPr>
+              </a:p>
+            </p:txBody>
+          </p:sp>
+          <p:sp>
+            <p:nvSpPr>
+              <p:cNvPr id="30" name="矩形 29">
+                <a:extLst>
+                  <a:ext uri="{FF2B5EF4-FFF2-40B4-BE49-F238E27FC236}">
+                    <a16:creationId xmlns:a16="http://schemas.microsoft.com/office/drawing/2014/main" id="{2707E3F4-730B-44F1-A638-D43B2792A7B3}"/>
+                  </a:ext>
+                </a:extLst>
+              </p:cNvPr>
+              <p:cNvSpPr/>
+              <p:nvPr/>
+            </p:nvSpPr>
+            <p:spPr>
+              <a:xfrm>
+                <a:off x="6602809" y="914863"/>
+                <a:ext cx="1950064" cy="4352461"/>
+              </a:xfrm>
+              <a:prstGeom prst="rect">
+                <a:avLst/>
+              </a:prstGeom>
+              <a:solidFill>
+                <a:schemeClr val="bg1"/>
+              </a:solidFill>
+              <a:ln>
+                <a:solidFill>
+                  <a:schemeClr val="tx1"/>
+                </a:solidFill>
+              </a:ln>
+            </p:spPr>
+            <p:style>
+              <a:lnRef idx="2">
+                <a:schemeClr val="dk1"/>
+              </a:lnRef>
+              <a:fillRef idx="1">
+                <a:schemeClr val="lt1"/>
+              </a:fillRef>
+              <a:effectRef idx="0">
+                <a:schemeClr val="dk1"/>
+              </a:effectRef>
+              <a:fontRef idx="minor">
+                <a:schemeClr val="dk1"/>
+              </a:fontRef>
+            </p:style>
+            <p:txBody>
+              <a:bodyPr rtlCol="0" anchor="t"/>
+              <a:lstStyle/>
+              <a:p>
+                <a:pPr algn="ctr"/>
+                <a:r>
+                  <a:rPr lang="en-US" altLang="zh-CN" sz="1200" dirty="0">
+                    <a:latin typeface="Times New Roman" panose="02020603050405020304" pitchFamily="18" charset="0"/>
+                    <a:cs typeface="Times New Roman" panose="02020603050405020304" pitchFamily="18" charset="0"/>
+                  </a:rPr>
+                  <a:t>Storage Nodes</a:t>
+                </a:r>
+                <a:endParaRPr lang="zh-CN" altLang="en-US" sz="1200" dirty="0">
+                  <a:latin typeface="Times New Roman" panose="02020603050405020304" pitchFamily="18" charset="0"/>
+                  <a:cs typeface="Times New Roman" panose="02020603050405020304" pitchFamily="18" charset="0"/>
+                </a:endParaRPr>
+              </a:p>
+            </p:txBody>
+          </p:sp>
+          <p:sp>
+            <p:nvSpPr>
+              <p:cNvPr id="31" name="矩形 30">
+                <a:extLst>
+                  <a:ext uri="{FF2B5EF4-FFF2-40B4-BE49-F238E27FC236}">
+                    <a16:creationId xmlns:a16="http://schemas.microsoft.com/office/drawing/2014/main" id="{7E2F29A5-40BB-46AB-8185-19E40704E780}"/>
+                  </a:ext>
+                </a:extLst>
+              </p:cNvPr>
+              <p:cNvSpPr/>
+              <p:nvPr/>
+            </p:nvSpPr>
+            <p:spPr>
+              <a:xfrm>
+                <a:off x="6697482" y="1236953"/>
+                <a:ext cx="1760718" cy="2329284"/>
+              </a:xfrm>
+              <a:prstGeom prst="rect">
+                <a:avLst/>
+              </a:prstGeom>
+              <a:noFill/>
+              <a:ln>
+                <a:solidFill>
+                  <a:schemeClr val="tx1"/>
+                </a:solidFill>
+              </a:ln>
+            </p:spPr>
+            <p:style>
+              <a:lnRef idx="2">
+                <a:schemeClr val="dk1"/>
+              </a:lnRef>
+              <a:fillRef idx="1">
+                <a:schemeClr val="lt1"/>
+              </a:fillRef>
+              <a:effectRef idx="0">
+                <a:schemeClr val="dk1"/>
+              </a:effectRef>
+              <a:fontRef idx="minor">
+                <a:schemeClr val="dk1"/>
+              </a:fontRef>
+            </p:style>
+            <p:txBody>
+              <a:bodyPr rtlCol="0" anchor="t"/>
+              <a:lstStyle/>
+              <a:p>
+                <a:pPr algn="ctr"/>
+                <a:r>
+                  <a:rPr lang="en-US" altLang="zh-CN" sz="1200" dirty="0">
+                    <a:latin typeface="Times New Roman" panose="02020603050405020304" pitchFamily="18" charset="0"/>
+                    <a:cs typeface="Times New Roman" panose="02020603050405020304" pitchFamily="18" charset="0"/>
+                  </a:rPr>
+                  <a:t>Gestalt Server Process</a:t>
+                </a:r>
+                <a:endParaRPr lang="zh-CN" altLang="en-US" sz="1200" dirty="0">
+                  <a:latin typeface="Times New Roman" panose="02020603050405020304" pitchFamily="18" charset="0"/>
+                  <a:cs typeface="Times New Roman" panose="02020603050405020304" pitchFamily="18" charset="0"/>
+                </a:endParaRPr>
+              </a:p>
+            </p:txBody>
+          </p:sp>
+          <p:sp>
+            <p:nvSpPr>
+              <p:cNvPr id="32" name="矩形 31">
+                <a:extLst>
+                  <a:ext uri="{FF2B5EF4-FFF2-40B4-BE49-F238E27FC236}">
+                    <a16:creationId xmlns:a16="http://schemas.microsoft.com/office/drawing/2014/main" id="{9AB8771D-B3FB-4BE2-B29C-7A89A9283216}"/>
+                  </a:ext>
+                </a:extLst>
+              </p:cNvPr>
+              <p:cNvSpPr/>
+              <p:nvPr/>
+            </p:nvSpPr>
+            <p:spPr>
+              <a:xfrm>
+                <a:off x="6806009" y="1525650"/>
+                <a:ext cx="1543664" cy="288698"/>
+              </a:xfrm>
+              <a:prstGeom prst="rect">
+                <a:avLst/>
+              </a:prstGeom>
+              <a:noFill/>
+              <a:ln>
+                <a:solidFill>
+                  <a:schemeClr val="tx1"/>
+                </a:solidFill>
+              </a:ln>
+            </p:spPr>
+            <p:style>
+              <a:lnRef idx="2">
+                <a:schemeClr val="dk1"/>
+              </a:lnRef>
+              <a:fillRef idx="1">
+                <a:schemeClr val="lt1"/>
+              </a:fillRef>
+              <a:effectRef idx="0">
+                <a:schemeClr val="dk1"/>
+              </a:effectRef>
+              <a:fontRef idx="minor">
+                <a:schemeClr val="dk1"/>
+              </a:fontRef>
+            </p:style>
+            <p:txBody>
+              <a:bodyPr rtlCol="0" anchor="ctr"/>
+              <a:lstStyle/>
+              <a:p>
+                <a:pPr algn="ctr"/>
+                <a:r>
+                  <a:rPr lang="en-US" altLang="zh-CN" sz="1200" dirty="0">
+                    <a:latin typeface="Times New Roman" panose="02020603050405020304" pitchFamily="18" charset="0"/>
+                    <a:cs typeface="Times New Roman" panose="02020603050405020304" pitchFamily="18" charset="0"/>
+                  </a:rPr>
+                  <a:t>Server Heartbeat</a:t>
+                </a:r>
+                <a:endParaRPr lang="zh-CN" altLang="en-US" sz="1200" dirty="0">
+                  <a:latin typeface="Times New Roman" panose="02020603050405020304" pitchFamily="18" charset="0"/>
+                  <a:cs typeface="Times New Roman" panose="02020603050405020304" pitchFamily="18" charset="0"/>
+                </a:endParaRPr>
+              </a:p>
+            </p:txBody>
+          </p:sp>
+          <p:sp>
+            <p:nvSpPr>
+              <p:cNvPr id="33" name="矩形 32">
+                <a:extLst>
+                  <a:ext uri="{FF2B5EF4-FFF2-40B4-BE49-F238E27FC236}">
+                    <a16:creationId xmlns:a16="http://schemas.microsoft.com/office/drawing/2014/main" id="{B2303C10-77D2-49ED-B251-7360985C9237}"/>
+                  </a:ext>
+                </a:extLst>
+              </p:cNvPr>
+              <p:cNvSpPr/>
+              <p:nvPr/>
+            </p:nvSpPr>
+            <p:spPr>
+              <a:xfrm>
+                <a:off x="6806009" y="1898332"/>
+                <a:ext cx="1543664" cy="288698"/>
+              </a:xfrm>
+              <a:prstGeom prst="rect">
+                <a:avLst/>
+              </a:prstGeom>
+              <a:noFill/>
+              <a:ln>
+                <a:solidFill>
+                  <a:schemeClr val="tx1"/>
+                </a:solidFill>
+              </a:ln>
+            </p:spPr>
+            <p:style>
+              <a:lnRef idx="2">
+                <a:schemeClr val="dk1"/>
+              </a:lnRef>
+              <a:fillRef idx="1">
+                <a:schemeClr val="lt1"/>
+              </a:fillRef>
+              <a:effectRef idx="0">
+                <a:schemeClr val="dk1"/>
+              </a:effectRef>
+              <a:fontRef idx="minor">
+                <a:schemeClr val="dk1"/>
+              </a:fontRef>
+            </p:style>
+            <p:txBody>
+              <a:bodyPr rtlCol="0" anchor="ctr"/>
+              <a:lstStyle/>
+              <a:p>
+                <a:pPr algn="ctr"/>
+                <a:r>
+                  <a:rPr lang="en-US" altLang="zh-CN" sz="1200" dirty="0">
+                    <a:latin typeface="Times New Roman" panose="02020603050405020304" pitchFamily="18" charset="0"/>
+                    <a:cs typeface="Times New Roman" panose="02020603050405020304" pitchFamily="18" charset="0"/>
+                  </a:rPr>
+                  <a:t>RDMA Conn. Mgmt.</a:t>
+                </a:r>
+                <a:endParaRPr lang="zh-CN" altLang="en-US" sz="1200" dirty="0">
+                  <a:latin typeface="Times New Roman" panose="02020603050405020304" pitchFamily="18" charset="0"/>
+                  <a:cs typeface="Times New Roman" panose="02020603050405020304" pitchFamily="18" charset="0"/>
+                </a:endParaRPr>
+              </a:p>
+            </p:txBody>
+          </p:sp>
+          <p:sp>
+            <p:nvSpPr>
+              <p:cNvPr id="38" name="矩形 37">
+                <a:extLst>
+                  <a:ext uri="{FF2B5EF4-FFF2-40B4-BE49-F238E27FC236}">
+                    <a16:creationId xmlns:a16="http://schemas.microsoft.com/office/drawing/2014/main" id="{618322A3-8082-4BB8-A93F-FEDB1BDEDDB4}"/>
+                  </a:ext>
+                </a:extLst>
+              </p:cNvPr>
+              <p:cNvSpPr/>
+              <p:nvPr/>
+            </p:nvSpPr>
+            <p:spPr>
+              <a:xfrm>
+                <a:off x="6806009" y="3182065"/>
+                <a:ext cx="1543664" cy="288698"/>
+              </a:xfrm>
+              <a:prstGeom prst="rect">
+                <a:avLst/>
+              </a:prstGeom>
+              <a:noFill/>
+              <a:ln>
+                <a:solidFill>
+                  <a:schemeClr val="tx1"/>
+                </a:solidFill>
+              </a:ln>
+            </p:spPr>
+            <p:style>
+              <a:lnRef idx="2">
+                <a:schemeClr val="dk1"/>
+              </a:lnRef>
+              <a:fillRef idx="1">
+                <a:schemeClr val="lt1"/>
+              </a:fillRef>
+              <a:effectRef idx="0">
+                <a:schemeClr val="dk1"/>
+              </a:effectRef>
+              <a:fontRef idx="minor">
+                <a:schemeClr val="dk1"/>
+              </a:fontRef>
+            </p:style>
+            <p:txBody>
+              <a:bodyPr rtlCol="0" anchor="ctr"/>
+              <a:lstStyle/>
+              <a:p>
+                <a:pPr algn="ctr"/>
+                <a:r>
+                  <a:rPr lang="en-US" altLang="zh-CN" sz="1200" dirty="0">
+                    <a:latin typeface="Times New Roman" panose="02020603050405020304" pitchFamily="18" charset="0"/>
+                    <a:cs typeface="Times New Roman" panose="02020603050405020304" pitchFamily="18" charset="0"/>
+                  </a:rPr>
+                  <a:t>Space Allocation</a:t>
+                </a:r>
+                <a:endParaRPr lang="zh-CN" altLang="en-US" sz="1200" dirty="0">
+                  <a:latin typeface="Times New Roman" panose="02020603050405020304" pitchFamily="18" charset="0"/>
+                  <a:cs typeface="Times New Roman" panose="02020603050405020304" pitchFamily="18" charset="0"/>
+                </a:endParaRPr>
+              </a:p>
+            </p:txBody>
+          </p:sp>
+          <p:sp>
+            <p:nvSpPr>
+              <p:cNvPr id="39" name="矩形 38">
+                <a:extLst>
+                  <a:ext uri="{FF2B5EF4-FFF2-40B4-BE49-F238E27FC236}">
+                    <a16:creationId xmlns:a16="http://schemas.microsoft.com/office/drawing/2014/main" id="{7850C384-944C-4C48-9D4E-BE9FF3092F7A}"/>
+                  </a:ext>
+                </a:extLst>
+              </p:cNvPr>
+              <p:cNvSpPr/>
+              <p:nvPr/>
+            </p:nvSpPr>
+            <p:spPr>
+              <a:xfrm>
+                <a:off x="6806009" y="2273433"/>
+                <a:ext cx="1543664" cy="837929"/>
+              </a:xfrm>
+              <a:prstGeom prst="rect">
+                <a:avLst/>
+              </a:prstGeom>
+              <a:noFill/>
+              <a:ln>
+                <a:solidFill>
+                  <a:schemeClr val="tx1"/>
+                </a:solidFill>
+              </a:ln>
+            </p:spPr>
+            <p:style>
+              <a:lnRef idx="2">
+                <a:schemeClr val="dk1"/>
+              </a:lnRef>
+              <a:fillRef idx="1">
+                <a:schemeClr val="lt1"/>
+              </a:fillRef>
+              <a:effectRef idx="0">
+                <a:schemeClr val="dk1"/>
+              </a:effectRef>
+              <a:fontRef idx="minor">
+                <a:schemeClr val="dk1"/>
+              </a:fontRef>
+            </p:style>
+            <p:txBody>
+              <a:bodyPr rtlCol="0" anchor="t"/>
+              <a:lstStyle/>
+              <a:p>
+                <a:pPr algn="ctr"/>
+                <a:r>
+                  <a:rPr lang="en-US" altLang="zh-CN" sz="1200" dirty="0">
+                    <a:latin typeface="Times New Roman" panose="02020603050405020304" pitchFamily="18" charset="0"/>
+                    <a:cs typeface="Times New Roman" panose="02020603050405020304" pitchFamily="18" charset="0"/>
+                  </a:rPr>
+                  <a:t>Bucket Migration</a:t>
+                </a:r>
+                <a:endParaRPr lang="zh-CN" altLang="en-US" sz="1200" dirty="0">
+                  <a:latin typeface="Times New Roman" panose="02020603050405020304" pitchFamily="18" charset="0"/>
+                  <a:cs typeface="Times New Roman" panose="02020603050405020304" pitchFamily="18" charset="0"/>
+                </a:endParaRPr>
+              </a:p>
+            </p:txBody>
+          </p:sp>
+          <p:sp>
+            <p:nvSpPr>
+              <p:cNvPr id="42" name="矩形 41">
+                <a:extLst>
+                  <a:ext uri="{FF2B5EF4-FFF2-40B4-BE49-F238E27FC236}">
+                    <a16:creationId xmlns:a16="http://schemas.microsoft.com/office/drawing/2014/main" id="{30C13F84-9C87-46F3-A444-C520532F4A4F}"/>
+                  </a:ext>
+                </a:extLst>
+              </p:cNvPr>
+              <p:cNvSpPr/>
+              <p:nvPr/>
+            </p:nvSpPr>
+            <p:spPr>
+              <a:xfrm>
+                <a:off x="6907609" y="2586689"/>
+                <a:ext cx="1340464" cy="433602"/>
+              </a:xfrm>
+              <a:prstGeom prst="rect">
+                <a:avLst/>
+              </a:prstGeom>
+              <a:solidFill>
+                <a:schemeClr val="accent6">
+                  <a:lumMod val="20000"/>
+                  <a:lumOff val="80000"/>
+                </a:schemeClr>
+              </a:solidFill>
+              <a:ln>
+                <a:solidFill>
+                  <a:schemeClr val="tx1"/>
+                </a:solidFill>
+              </a:ln>
+            </p:spPr>
+            <p:style>
+              <a:lnRef idx="2">
+                <a:schemeClr val="dk1"/>
+              </a:lnRef>
+              <a:fillRef idx="1">
+                <a:schemeClr val="lt1"/>
+              </a:fillRef>
+              <a:effectRef idx="0">
+                <a:schemeClr val="dk1"/>
+              </a:effectRef>
+              <a:fontRef idx="minor">
+                <a:schemeClr val="dk1"/>
+              </a:fontRef>
+            </p:style>
+            <p:txBody>
+              <a:bodyPr rtlCol="0" anchor="ctr"/>
+              <a:lstStyle/>
+              <a:p>
+                <a:pPr algn="ctr"/>
+                <a:r>
+                  <a:rPr lang="en-US" altLang="zh-CN" sz="1200" dirty="0">
+                    <a:latin typeface="Times New Roman" panose="02020603050405020304" pitchFamily="18" charset="0"/>
+                    <a:cs typeface="Times New Roman" panose="02020603050405020304" pitchFamily="18" charset="0"/>
+                  </a:rPr>
+                  <a:t>Gestalt Client</a:t>
+                </a:r>
+              </a:p>
+              <a:p>
+                <a:pPr algn="ctr"/>
+                <a:r>
+                  <a:rPr lang="en-US" altLang="zh-CN" sz="1200" dirty="0">
+                    <a:latin typeface="Times New Roman" panose="02020603050405020304" pitchFamily="18" charset="0"/>
+                    <a:cs typeface="Times New Roman" panose="02020603050405020304" pitchFamily="18" charset="0"/>
+                  </a:rPr>
+                  <a:t>Library</a:t>
+                </a:r>
+                <a:endParaRPr lang="zh-CN" altLang="en-US" sz="1200" dirty="0">
+                  <a:latin typeface="Times New Roman" panose="02020603050405020304" pitchFamily="18" charset="0"/>
+                  <a:cs typeface="Times New Roman" panose="02020603050405020304" pitchFamily="18" charset="0"/>
+                </a:endParaRPr>
+              </a:p>
+            </p:txBody>
+          </p:sp>
+          <p:sp>
+            <p:nvSpPr>
+              <p:cNvPr id="69" name="矩形 68">
+                <a:extLst>
+                  <a:ext uri="{FF2B5EF4-FFF2-40B4-BE49-F238E27FC236}">
+                    <a16:creationId xmlns:a16="http://schemas.microsoft.com/office/drawing/2014/main" id="{7363351B-132D-4583-B190-60CD60C7325D}"/>
+                  </a:ext>
+                </a:extLst>
+              </p:cNvPr>
+              <p:cNvSpPr/>
+              <p:nvPr/>
+            </p:nvSpPr>
+            <p:spPr>
+              <a:xfrm>
+                <a:off x="6697482" y="3781571"/>
+                <a:ext cx="1760718" cy="1395557"/>
+              </a:xfrm>
+              <a:prstGeom prst="rect">
+                <a:avLst/>
+              </a:prstGeom>
+              <a:solidFill>
+                <a:schemeClr val="accent5">
+                  <a:lumMod val="40000"/>
+                  <a:lumOff val="60000"/>
+                </a:schemeClr>
+              </a:solidFill>
+              <a:ln>
+                <a:solidFill>
+                  <a:schemeClr val="tx1"/>
+                </a:solidFill>
+                <a:prstDash val="solid"/>
+              </a:ln>
+            </p:spPr>
+            <p:style>
+              <a:lnRef idx="2">
+                <a:schemeClr val="dk1"/>
+              </a:lnRef>
+              <a:fillRef idx="1">
+                <a:schemeClr val="lt1"/>
+              </a:fillRef>
+              <a:effectRef idx="0">
+                <a:schemeClr val="dk1"/>
+              </a:effectRef>
+              <a:fontRef idx="minor">
+                <a:schemeClr val="dk1"/>
+              </a:fontRef>
+            </p:style>
+            <p:txBody>
+              <a:bodyPr rtlCol="0" anchor="t"/>
+              <a:lstStyle/>
+              <a:p>
+                <a:pPr algn="ctr"/>
+                <a:r>
+                  <a:rPr lang="en-US" altLang="zh-CN" sz="1200" dirty="0">
+                    <a:latin typeface="Times New Roman" panose="02020603050405020304" pitchFamily="18" charset="0"/>
+                    <a:cs typeface="Times New Roman" panose="02020603050405020304" pitchFamily="18" charset="0"/>
+                  </a:rPr>
+                  <a:t>Mapped PM Space</a:t>
+                </a:r>
+                <a:endParaRPr lang="zh-CN" altLang="en-US" sz="1200" dirty="0">
+                  <a:latin typeface="Times New Roman" panose="02020603050405020304" pitchFamily="18" charset="0"/>
+                  <a:cs typeface="Times New Roman" panose="02020603050405020304" pitchFamily="18" charset="0"/>
+                </a:endParaRPr>
+              </a:p>
+            </p:txBody>
+          </p:sp>
+          <p:cxnSp>
+            <p:nvCxnSpPr>
+              <p:cNvPr id="71" name="直接箭头连接符 70">
+                <a:extLst>
+                  <a:ext uri="{FF2B5EF4-FFF2-40B4-BE49-F238E27FC236}">
+                    <a16:creationId xmlns:a16="http://schemas.microsoft.com/office/drawing/2014/main" id="{6274FD7C-B670-4B9B-AF7F-74E40A2022E3}"/>
+                  </a:ext>
+                </a:extLst>
+              </p:cNvPr>
+              <p:cNvCxnSpPr>
+                <a:cxnSpLocks/>
+                <a:stCxn id="38" idx="2"/>
+                <a:endCxn id="69" idx="0"/>
+              </p:cNvCxnSpPr>
+              <p:nvPr/>
+            </p:nvCxnSpPr>
+            <p:spPr>
+              <a:xfrm>
+                <a:off x="7577841" y="3470763"/>
+                <a:ext cx="0" cy="310808"/>
+              </a:xfrm>
+              <a:prstGeom prst="straightConnector1">
+                <a:avLst/>
+              </a:prstGeom>
+              <a:ln>
+                <a:headEnd type="triangle"/>
+                <a:tailEnd type="triangle"/>
+              </a:ln>
+            </p:spPr>
+            <p:style>
+              <a:lnRef idx="2">
+                <a:schemeClr val="dk1"/>
+              </a:lnRef>
+              <a:fillRef idx="0">
+                <a:schemeClr val="dk1"/>
+              </a:fillRef>
+              <a:effectRef idx="1">
+                <a:schemeClr val="dk1"/>
+              </a:effectRef>
+              <a:fontRef idx="minor">
+                <a:schemeClr val="tx1"/>
+              </a:fontRef>
+            </p:style>
+          </p:cxnSp>
+          <p:cxnSp>
+            <p:nvCxnSpPr>
+              <p:cNvPr id="73" name="直接箭头连接符 72">
+                <a:extLst>
+                  <a:ext uri="{FF2B5EF4-FFF2-40B4-BE49-F238E27FC236}">
+                    <a16:creationId xmlns:a16="http://schemas.microsoft.com/office/drawing/2014/main" id="{69830BD5-681B-428E-AB63-404D3912C2BE}"/>
+                  </a:ext>
+                </a:extLst>
+              </p:cNvPr>
+              <p:cNvCxnSpPr>
+                <a:cxnSpLocks/>
+              </p:cNvCxnSpPr>
+              <p:nvPr/>
+            </p:nvCxnSpPr>
+            <p:spPr>
+              <a:xfrm>
+                <a:off x="7938059" y="3470763"/>
+                <a:ext cx="0" cy="310808"/>
+              </a:xfrm>
+              <a:prstGeom prst="straightConnector1">
+                <a:avLst/>
+              </a:prstGeom>
+              <a:ln>
+                <a:headEnd type="triangle"/>
+                <a:tailEnd type="triangle"/>
+              </a:ln>
+            </p:spPr>
+            <p:style>
+              <a:lnRef idx="2">
+                <a:schemeClr val="dk1"/>
+              </a:lnRef>
+              <a:fillRef idx="0">
+                <a:schemeClr val="dk1"/>
+              </a:fillRef>
+              <a:effectRef idx="1">
+                <a:schemeClr val="dk1"/>
+              </a:effectRef>
+              <a:fontRef idx="minor">
+                <a:schemeClr val="tx1"/>
+              </a:fontRef>
+            </p:style>
+          </p:cxnSp>
+          <p:cxnSp>
+            <p:nvCxnSpPr>
+              <p:cNvPr id="74" name="直接箭头连接符 73">
+                <a:extLst>
+                  <a:ext uri="{FF2B5EF4-FFF2-40B4-BE49-F238E27FC236}">
+                    <a16:creationId xmlns:a16="http://schemas.microsoft.com/office/drawing/2014/main" id="{DE7139FD-400B-4116-8C90-BD1C6E25B70B}"/>
+                  </a:ext>
+                </a:extLst>
+              </p:cNvPr>
+              <p:cNvCxnSpPr>
+                <a:cxnSpLocks/>
+              </p:cNvCxnSpPr>
+              <p:nvPr/>
+            </p:nvCxnSpPr>
+            <p:spPr>
+              <a:xfrm>
+                <a:off x="7208386" y="3470763"/>
+                <a:ext cx="0" cy="310808"/>
+              </a:xfrm>
+              <a:prstGeom prst="straightConnector1">
+                <a:avLst/>
+              </a:prstGeom>
+              <a:ln>
+                <a:headEnd type="triangle"/>
+                <a:tailEnd type="triangle"/>
+              </a:ln>
+            </p:spPr>
+            <p:style>
+              <a:lnRef idx="2">
+                <a:schemeClr val="dk1"/>
+              </a:lnRef>
+              <a:fillRef idx="0">
+                <a:schemeClr val="dk1"/>
+              </a:fillRef>
+              <a:effectRef idx="1">
+                <a:schemeClr val="dk1"/>
+              </a:effectRef>
+              <a:fontRef idx="minor">
+                <a:schemeClr val="tx1"/>
+              </a:fontRef>
+            </p:style>
+          </p:cxnSp>
+          <p:sp>
+            <p:nvSpPr>
+              <p:cNvPr id="76" name="矩形 75">
+                <a:extLst>
+                  <a:ext uri="{FF2B5EF4-FFF2-40B4-BE49-F238E27FC236}">
+                    <a16:creationId xmlns:a16="http://schemas.microsoft.com/office/drawing/2014/main" id="{62DEE790-A513-4FAB-BA27-E99A6FCB8876}"/>
+                  </a:ext>
+                </a:extLst>
+              </p:cNvPr>
+              <p:cNvSpPr/>
+              <p:nvPr/>
+            </p:nvSpPr>
+            <p:spPr>
+              <a:xfrm>
+                <a:off x="6806012" y="4093888"/>
+                <a:ext cx="1543658" cy="288698"/>
+              </a:xfrm>
+              <a:prstGeom prst="rect">
+                <a:avLst/>
+              </a:prstGeom>
+              <a:solidFill>
+                <a:schemeClr val="bg1"/>
+              </a:solidFill>
+              <a:ln>
+                <a:solidFill>
+                  <a:schemeClr val="tx1"/>
+                </a:solidFill>
+                <a:prstDash val="dash"/>
+              </a:ln>
+            </p:spPr>
+            <p:style>
+              <a:lnRef idx="2">
+                <a:schemeClr val="dk1"/>
+              </a:lnRef>
+              <a:fillRef idx="1">
+                <a:schemeClr val="lt1"/>
+              </a:fillRef>
+              <a:effectRef idx="0">
+                <a:schemeClr val="dk1"/>
+              </a:effectRef>
+              <a:fontRef idx="minor">
+                <a:schemeClr val="dk1"/>
+              </a:fontRef>
+            </p:style>
+            <p:txBody>
+              <a:bodyPr rtlCol="0" anchor="ctr"/>
+              <a:lstStyle/>
+              <a:p>
+                <a:pPr algn="ctr"/>
+                <a:r>
+                  <a:rPr lang="en-US" altLang="zh-CN" sz="1200" dirty="0">
+                    <a:latin typeface="Times New Roman" panose="02020603050405020304" pitchFamily="18" charset="0"/>
+                    <a:cs typeface="Times New Roman" panose="02020603050405020304" pitchFamily="18" charset="0"/>
+                  </a:rPr>
+                  <a:t>Bucket Replica</a:t>
+                </a:r>
+                <a:endParaRPr lang="zh-CN" altLang="en-US" sz="1200" dirty="0">
+                  <a:latin typeface="Times New Roman" panose="02020603050405020304" pitchFamily="18" charset="0"/>
+                  <a:cs typeface="Times New Roman" panose="02020603050405020304" pitchFamily="18" charset="0"/>
+                </a:endParaRPr>
+              </a:p>
+            </p:txBody>
+          </p:sp>
+          <p:sp>
+            <p:nvSpPr>
+              <p:cNvPr id="77" name="矩形 76">
+                <a:extLst>
+                  <a:ext uri="{FF2B5EF4-FFF2-40B4-BE49-F238E27FC236}">
+                    <a16:creationId xmlns:a16="http://schemas.microsoft.com/office/drawing/2014/main" id="{6D549B60-5A73-467A-89FF-55B9693C88E4}"/>
+                  </a:ext>
+                </a:extLst>
+              </p:cNvPr>
+              <p:cNvSpPr/>
+              <p:nvPr/>
+            </p:nvSpPr>
+            <p:spPr>
+              <a:xfrm>
+                <a:off x="6806012" y="4464929"/>
+                <a:ext cx="1543658" cy="161114"/>
+              </a:xfrm>
+              <a:prstGeom prst="rect">
+                <a:avLst/>
+              </a:prstGeom>
+              <a:solidFill>
+                <a:schemeClr val="bg1"/>
+              </a:solidFill>
+              <a:ln>
+                <a:solidFill>
+                  <a:schemeClr val="tx1"/>
+                </a:solidFill>
+                <a:prstDash val="dash"/>
+              </a:ln>
+            </p:spPr>
+            <p:style>
+              <a:lnRef idx="2">
+                <a:schemeClr val="dk1"/>
+              </a:lnRef>
+              <a:fillRef idx="1">
+                <a:schemeClr val="lt1"/>
+              </a:fillRef>
+              <a:effectRef idx="0">
+                <a:schemeClr val="dk1"/>
+              </a:effectRef>
+              <a:fontRef idx="minor">
+                <a:schemeClr val="dk1"/>
+              </a:fontRef>
+            </p:style>
+            <p:txBody>
+              <a:bodyPr rtlCol="0" anchor="ctr"/>
+              <a:lstStyle/>
+              <a:p>
+                <a:pPr algn="ctr"/>
+                <a:endParaRPr lang="zh-CN" altLang="en-US" sz="1200" dirty="0">
+                  <a:latin typeface="Times New Roman" panose="02020603050405020304" pitchFamily="18" charset="0"/>
+                  <a:cs typeface="Times New Roman" panose="02020603050405020304" pitchFamily="18" charset="0"/>
+                </a:endParaRPr>
+              </a:p>
+            </p:txBody>
+          </p:sp>
+          <p:sp>
+            <p:nvSpPr>
+              <p:cNvPr id="79" name="矩形 78">
+                <a:extLst>
+                  <a:ext uri="{FF2B5EF4-FFF2-40B4-BE49-F238E27FC236}">
+                    <a16:creationId xmlns:a16="http://schemas.microsoft.com/office/drawing/2014/main" id="{860BE7CD-EA1E-477F-9479-2271FE8D7236}"/>
+                  </a:ext>
+                </a:extLst>
+              </p:cNvPr>
+              <p:cNvSpPr/>
+              <p:nvPr/>
+            </p:nvSpPr>
+            <p:spPr>
+              <a:xfrm>
+                <a:off x="6806012" y="4708250"/>
+                <a:ext cx="1543658" cy="161114"/>
+              </a:xfrm>
+              <a:prstGeom prst="rect">
+                <a:avLst/>
+              </a:prstGeom>
+              <a:solidFill>
+                <a:schemeClr val="bg1"/>
+              </a:solidFill>
+              <a:ln>
+                <a:solidFill>
+                  <a:schemeClr val="tx1"/>
+                </a:solidFill>
+                <a:prstDash val="dash"/>
+              </a:ln>
+            </p:spPr>
+            <p:style>
+              <a:lnRef idx="2">
+                <a:schemeClr val="dk1"/>
+              </a:lnRef>
+              <a:fillRef idx="1">
+                <a:schemeClr val="lt1"/>
+              </a:fillRef>
+              <a:effectRef idx="0">
+                <a:schemeClr val="dk1"/>
+              </a:effectRef>
+              <a:fontRef idx="minor">
+                <a:schemeClr val="dk1"/>
+              </a:fontRef>
+            </p:style>
+            <p:txBody>
+              <a:bodyPr rtlCol="0" anchor="ctr"/>
+              <a:lstStyle/>
+              <a:p>
+                <a:pPr algn="ctr"/>
+                <a:endParaRPr lang="zh-CN" altLang="en-US" sz="1200" dirty="0">
+                  <a:latin typeface="Times New Roman" panose="02020603050405020304" pitchFamily="18" charset="0"/>
+                  <a:cs typeface="Times New Roman" panose="02020603050405020304" pitchFamily="18" charset="0"/>
+                </a:endParaRPr>
+              </a:p>
+            </p:txBody>
+          </p:sp>
+          <p:sp>
+            <p:nvSpPr>
+              <p:cNvPr id="80" name="文本框 79">
+                <a:extLst>
+                  <a:ext uri="{FF2B5EF4-FFF2-40B4-BE49-F238E27FC236}">
+                    <a16:creationId xmlns:a16="http://schemas.microsoft.com/office/drawing/2014/main" id="{F3E2B139-6E6C-4EB6-B73F-3227271DD3A9}"/>
+                  </a:ext>
+                </a:extLst>
+              </p:cNvPr>
+              <p:cNvSpPr txBox="1"/>
+              <p:nvPr/>
+            </p:nvSpPr>
+            <p:spPr>
+              <a:xfrm>
+                <a:off x="7440801" y="4929609"/>
+                <a:ext cx="369332" cy="207749"/>
+              </a:xfrm>
+              <a:prstGeom prst="rect">
+                <a:avLst/>
+              </a:prstGeom>
+              <a:noFill/>
+            </p:spPr>
+            <p:txBody>
+              <a:bodyPr vert="eaVert" wrap="none" rtlCol="0">
+                <a:spAutoFit/>
+              </a:bodyPr>
+              <a:lstStyle/>
+              <a:p>
+                <a:r>
+                  <a:rPr lang="en-US" altLang="zh-CN" sz="1200" dirty="0">
+                    <a:latin typeface="Times New Roman" panose="02020603050405020304" pitchFamily="18" charset="0"/>
+                    <a:cs typeface="Times New Roman" panose="02020603050405020304" pitchFamily="18" charset="0"/>
+                  </a:rPr>
+                  <a:t>...</a:t>
+                </a:r>
+              </a:p>
+            </p:txBody>
+          </p:sp>
+        </p:grpSp>
+        <p:sp>
+          <p:nvSpPr>
+            <p:cNvPr id="84" name="文本框 83">
+              <a:extLst>
+                <a:ext uri="{FF2B5EF4-FFF2-40B4-BE49-F238E27FC236}">
+                  <a16:creationId xmlns:a16="http://schemas.microsoft.com/office/drawing/2014/main" id="{2DB2B8CB-13AF-495B-966E-D654887128E1}"/>
+                </a:ext>
+              </a:extLst>
+            </p:cNvPr>
+            <p:cNvSpPr txBox="1"/>
+            <p:nvPr/>
+          </p:nvSpPr>
+          <p:spPr>
+            <a:xfrm>
+              <a:off x="6533728" y="5404584"/>
+              <a:ext cx="2292615" cy="276999"/>
+            </a:xfrm>
+            <a:prstGeom prst="rect">
+              <a:avLst/>
+            </a:prstGeom>
+            <a:noFill/>
+          </p:spPr>
+          <p:txBody>
+            <a:bodyPr wrap="none" rtlCol="0">
+              <a:spAutoFit/>
+            </a:bodyPr>
+            <a:lstStyle/>
+            <a:p>
+              <a:r>
+                <a:rPr lang="en-US" altLang="zh-CN" sz="1200" dirty="0">
+                  <a:latin typeface="Times New Roman" panose="02020603050405020304" pitchFamily="18" charset="0"/>
+                  <a:cs typeface="Times New Roman" panose="02020603050405020304" pitchFamily="18" charset="0"/>
+                </a:rPr>
+                <a:t>Pooled PM with RDMA Network</a:t>
+              </a:r>
+              <a:endParaRPr lang="zh-CN" altLang="en-US" sz="1200" dirty="0">
+                <a:latin typeface="Times New Roman" panose="02020603050405020304" pitchFamily="18" charset="0"/>
+                <a:cs typeface="Times New Roman" panose="02020603050405020304" pitchFamily="18" charset="0"/>
+              </a:endParaRPr>
+            </a:p>
+          </p:txBody>
+        </p:sp>
+      </p:grpSp>
+      <p:cxnSp>
+        <p:nvCxnSpPr>
+          <p:cNvPr id="90" name="连接符: 曲线 89">
+            <a:extLst>
+              <a:ext uri="{FF2B5EF4-FFF2-40B4-BE49-F238E27FC236}">
+                <a16:creationId xmlns:a16="http://schemas.microsoft.com/office/drawing/2014/main" id="{F5178065-86F0-426D-885F-BD9DE1FBD386}"/>
+              </a:ext>
+            </a:extLst>
+          </p:cNvPr>
+          <p:cNvCxnSpPr>
+            <a:cxnSpLocks/>
+            <a:stCxn id="23" idx="1"/>
+            <a:endCxn id="18" idx="1"/>
+          </p:cNvCxnSpPr>
+          <p:nvPr/>
+        </p:nvCxnSpPr>
+        <p:spPr>
+          <a:xfrm rot="10800000">
+            <a:off x="3170619" y="2827266"/>
+            <a:ext cx="454202" cy="1935101"/>
+          </a:xfrm>
+          <a:prstGeom prst="curvedConnector3">
+            <a:avLst>
+              <a:gd name="adj1" fmla="val 178800"/>
+            </a:avLst>
+          </a:prstGeom>
+          <a:ln>
+            <a:tailEnd type="triangle"/>
+          </a:ln>
+        </p:spPr>
+        <p:style>
+          <a:lnRef idx="2">
+            <a:schemeClr val="dk1"/>
+          </a:lnRef>
+          <a:fillRef idx="0">
+            <a:schemeClr val="dk1"/>
+          </a:fillRef>
+          <a:effectRef idx="1">
+            <a:schemeClr val="dk1"/>
+          </a:effectRef>
+          <a:fontRef idx="minor">
+            <a:schemeClr val="tx1"/>
+          </a:fontRef>
+        </p:style>
+      </p:cxnSp>
+      <p:cxnSp>
+        <p:nvCxnSpPr>
+          <p:cNvPr id="94" name="连接符: 曲线 93">
+            <a:extLst>
+              <a:ext uri="{FF2B5EF4-FFF2-40B4-BE49-F238E27FC236}">
+                <a16:creationId xmlns:a16="http://schemas.microsoft.com/office/drawing/2014/main" id="{46F26A66-04B6-426E-98D0-B2E05148A23B}"/>
+              </a:ext>
+            </a:extLst>
+          </p:cNvPr>
+          <p:cNvCxnSpPr>
+            <a:cxnSpLocks/>
+            <a:stCxn id="27" idx="3"/>
+            <a:endCxn id="76" idx="1"/>
+          </p:cNvCxnSpPr>
+          <p:nvPr/>
+        </p:nvCxnSpPr>
+        <p:spPr>
+          <a:xfrm>
+            <a:off x="4574003" y="3199947"/>
+            <a:ext cx="1503646" cy="1013737"/>
+          </a:xfrm>
+          <a:prstGeom prst="curvedConnector3">
+            <a:avLst>
+              <a:gd name="adj1" fmla="val 73342"/>
+            </a:avLst>
+          </a:prstGeom>
+          <a:ln>
+            <a:tailEnd type="triangle"/>
+          </a:ln>
+        </p:spPr>
+        <p:style>
+          <a:lnRef idx="3">
+            <a:schemeClr val="dk1"/>
+          </a:lnRef>
+          <a:fillRef idx="0">
+            <a:schemeClr val="dk1"/>
+          </a:fillRef>
+          <a:effectRef idx="2">
+            <a:schemeClr val="dk1"/>
+          </a:effectRef>
+          <a:fontRef idx="minor">
+            <a:schemeClr val="tx1"/>
+          </a:fontRef>
+        </p:style>
+      </p:cxnSp>
+      <p:sp>
+        <p:nvSpPr>
+          <p:cNvPr id="100" name="文本框 99">
+            <a:extLst>
+              <a:ext uri="{FF2B5EF4-FFF2-40B4-BE49-F238E27FC236}">
+                <a16:creationId xmlns:a16="http://schemas.microsoft.com/office/drawing/2014/main" id="{B341D34A-D14F-478A-9CD5-347E246B2BA3}"/>
+              </a:ext>
+            </a:extLst>
+          </p:cNvPr>
+          <p:cNvSpPr txBox="1"/>
+          <p:nvPr/>
+        </p:nvSpPr>
+        <p:spPr>
+          <a:xfrm>
+            <a:off x="2885723" y="3603621"/>
+            <a:ext cx="1208664" cy="153888"/>
+          </a:xfrm>
+          <a:prstGeom prst="rect">
+            <a:avLst/>
+          </a:prstGeom>
+          <a:solidFill>
+            <a:schemeClr val="bg1">
+              <a:alpha val="80000"/>
+            </a:schemeClr>
+          </a:solidFill>
+        </p:spPr>
+        <p:txBody>
+          <a:bodyPr wrap="none" lIns="0" tIns="0" rIns="0" bIns="0" rtlCol="0">
+            <a:spAutoFit/>
+          </a:bodyPr>
+          <a:lstStyle/>
+          <a:p>
+            <a:pPr indent="-457200"/>
+            <a:r>
+              <a:rPr lang="zh-CN" altLang="en-US" sz="1000" dirty="0">
+                <a:latin typeface="Times New Roman" panose="02020603050405020304" pitchFamily="18" charset="0"/>
+                <a:cs typeface="Times New Roman" panose="02020603050405020304" pitchFamily="18" charset="0"/>
+              </a:rPr>
+              <a:t>①</a:t>
+            </a:r>
+            <a:r>
+              <a:rPr lang="en-US" altLang="zh-CN" sz="1000" dirty="0">
+                <a:latin typeface="Times New Roman" panose="02020603050405020304" pitchFamily="18" charset="0"/>
+                <a:cs typeface="Times New Roman" panose="02020603050405020304" pitchFamily="18" charset="0"/>
+              </a:rPr>
+              <a:t> Get cluster topology</a:t>
+            </a:r>
+            <a:endParaRPr lang="zh-CN" altLang="en-US" sz="1000" dirty="0">
+              <a:latin typeface="Times New Roman" panose="02020603050405020304" pitchFamily="18" charset="0"/>
+              <a:cs typeface="Times New Roman" panose="02020603050405020304" pitchFamily="18" charset="0"/>
+            </a:endParaRPr>
+          </a:p>
+        </p:txBody>
+      </p:sp>
+      <p:cxnSp>
+        <p:nvCxnSpPr>
+          <p:cNvPr id="105" name="连接符: 曲线 104">
+            <a:extLst>
+              <a:ext uri="{FF2B5EF4-FFF2-40B4-BE49-F238E27FC236}">
+                <a16:creationId xmlns:a16="http://schemas.microsoft.com/office/drawing/2014/main" id="{0E991806-2C6D-464B-B0C6-9495C88B6298}"/>
+              </a:ext>
+            </a:extLst>
+          </p:cNvPr>
+          <p:cNvCxnSpPr>
+            <a:cxnSpLocks/>
+            <a:stCxn id="15" idx="3"/>
+            <a:endCxn id="33" idx="1"/>
+          </p:cNvCxnSpPr>
+          <p:nvPr/>
+        </p:nvCxnSpPr>
+        <p:spPr>
+          <a:xfrm flipV="1">
+            <a:off x="4574003" y="2018128"/>
+            <a:ext cx="1503643" cy="436455"/>
+          </a:xfrm>
+          <a:prstGeom prst="curvedConnector3">
+            <a:avLst>
+              <a:gd name="adj1" fmla="val 76413"/>
+            </a:avLst>
+          </a:prstGeom>
+          <a:ln>
+            <a:tailEnd type="triangle"/>
+          </a:ln>
+        </p:spPr>
+        <p:style>
+          <a:lnRef idx="2">
+            <a:schemeClr val="dk1"/>
+          </a:lnRef>
+          <a:fillRef idx="0">
+            <a:schemeClr val="dk1"/>
+          </a:fillRef>
+          <a:effectRef idx="1">
+            <a:schemeClr val="dk1"/>
+          </a:effectRef>
+          <a:fontRef idx="minor">
+            <a:schemeClr val="tx1"/>
+          </a:fontRef>
+        </p:style>
+      </p:cxnSp>
+      <p:cxnSp>
+        <p:nvCxnSpPr>
+          <p:cNvPr id="164" name="连接符: 曲线 163">
+            <a:extLst>
+              <a:ext uri="{FF2B5EF4-FFF2-40B4-BE49-F238E27FC236}">
+                <a16:creationId xmlns:a16="http://schemas.microsoft.com/office/drawing/2014/main" id="{92B7D65F-1DE5-45BA-9CA6-8CF5B7429906}"/>
+              </a:ext>
+            </a:extLst>
+          </p:cNvPr>
+          <p:cNvCxnSpPr>
+            <a:cxnSpLocks/>
+            <a:stCxn id="18" idx="3"/>
+            <a:endCxn id="38" idx="1"/>
+          </p:cNvCxnSpPr>
+          <p:nvPr/>
+        </p:nvCxnSpPr>
+        <p:spPr>
+          <a:xfrm>
+            <a:off x="4574003" y="2827265"/>
+            <a:ext cx="1503643" cy="474596"/>
+          </a:xfrm>
+          <a:prstGeom prst="curvedConnector3">
+            <a:avLst>
+              <a:gd name="adj1" fmla="val 16215"/>
+            </a:avLst>
+          </a:prstGeom>
+          <a:ln>
+            <a:tailEnd type="triangle"/>
+          </a:ln>
+        </p:spPr>
+        <p:style>
+          <a:lnRef idx="2">
+            <a:schemeClr val="dk1"/>
+          </a:lnRef>
+          <a:fillRef idx="0">
+            <a:schemeClr val="dk1"/>
+          </a:fillRef>
+          <a:effectRef idx="1">
+            <a:schemeClr val="dk1"/>
+          </a:effectRef>
+          <a:fontRef idx="minor">
+            <a:schemeClr val="tx1"/>
+          </a:fontRef>
+        </p:style>
+      </p:cxnSp>
+      <p:sp>
+        <p:nvSpPr>
+          <p:cNvPr id="98" name="文本框 97">
+            <a:extLst>
+              <a:ext uri="{FF2B5EF4-FFF2-40B4-BE49-F238E27FC236}">
+                <a16:creationId xmlns:a16="http://schemas.microsoft.com/office/drawing/2014/main" id="{E22C635A-6B21-4B03-A21E-CBF49B29F26B}"/>
+              </a:ext>
+            </a:extLst>
+          </p:cNvPr>
+          <p:cNvSpPr txBox="1"/>
+          <p:nvPr/>
+        </p:nvSpPr>
+        <p:spPr>
+          <a:xfrm>
+            <a:off x="4964626" y="3469837"/>
+            <a:ext cx="660437" cy="307777"/>
+          </a:xfrm>
+          <a:prstGeom prst="rect">
+            <a:avLst/>
+          </a:prstGeom>
+          <a:solidFill>
+            <a:schemeClr val="bg1">
+              <a:alpha val="80000"/>
+            </a:schemeClr>
+          </a:solidFill>
+        </p:spPr>
+        <p:txBody>
+          <a:bodyPr wrap="none" lIns="0" tIns="0" rIns="0" bIns="0" rtlCol="0">
+            <a:spAutoFit/>
+          </a:bodyPr>
+          <a:lstStyle/>
+          <a:p>
+            <a:r>
+              <a:rPr lang="zh-CN" altLang="en-US" sz="1000" dirty="0">
+                <a:latin typeface="Times New Roman" panose="02020603050405020304" pitchFamily="18" charset="0"/>
+                <a:cs typeface="Times New Roman" panose="02020603050405020304" pitchFamily="18" charset="0"/>
+              </a:rPr>
+              <a:t>③</a:t>
+            </a:r>
+            <a:r>
+              <a:rPr lang="en-US" altLang="zh-CN" sz="1000" dirty="0">
+                <a:latin typeface="Times New Roman" panose="02020603050405020304" pitchFamily="18" charset="0"/>
+                <a:cs typeface="Times New Roman" panose="02020603050405020304" pitchFamily="18" charset="0"/>
+              </a:rPr>
+              <a:t> one-sided</a:t>
+            </a:r>
+          </a:p>
+          <a:p>
+            <a:r>
+              <a:rPr lang="en-US" altLang="zh-CN" sz="1000" dirty="0">
+                <a:latin typeface="Times New Roman" panose="02020603050405020304" pitchFamily="18" charset="0"/>
+                <a:cs typeface="Times New Roman" panose="02020603050405020304" pitchFamily="18" charset="0"/>
+              </a:rPr>
+              <a:t>     RDMA</a:t>
+            </a:r>
+            <a:endParaRPr lang="zh-CN" altLang="en-US" sz="1000" dirty="0">
+              <a:latin typeface="Times New Roman" panose="02020603050405020304" pitchFamily="18" charset="0"/>
+              <a:cs typeface="Times New Roman" panose="02020603050405020304" pitchFamily="18" charset="0"/>
+            </a:endParaRPr>
+          </a:p>
+        </p:txBody>
+      </p:sp>
+      <p:sp>
+        <p:nvSpPr>
+          <p:cNvPr id="121" name="文本框 120">
+            <a:extLst>
+              <a:ext uri="{FF2B5EF4-FFF2-40B4-BE49-F238E27FC236}">
+                <a16:creationId xmlns:a16="http://schemas.microsoft.com/office/drawing/2014/main" id="{6AD1D874-D925-438F-8FB3-7E7EB62F36DA}"/>
+              </a:ext>
+            </a:extLst>
+          </p:cNvPr>
+          <p:cNvSpPr txBox="1"/>
+          <p:nvPr/>
+        </p:nvSpPr>
+        <p:spPr>
+          <a:xfrm>
+            <a:off x="4936519" y="2768840"/>
+            <a:ext cx="721351" cy="307777"/>
+          </a:xfrm>
+          <a:prstGeom prst="rect">
+            <a:avLst/>
+          </a:prstGeom>
+          <a:solidFill>
+            <a:schemeClr val="bg1">
+              <a:alpha val="80000"/>
+            </a:schemeClr>
+          </a:solidFill>
+        </p:spPr>
+        <p:txBody>
+          <a:bodyPr wrap="none" lIns="0" tIns="0" rIns="0" bIns="0" rtlCol="0">
+            <a:spAutoFit/>
+          </a:bodyPr>
+          <a:lstStyle/>
+          <a:p>
+            <a:pPr indent="-457200"/>
+            <a:r>
+              <a:rPr lang="zh-CN" altLang="en-US" sz="1000" dirty="0">
+                <a:latin typeface="Times New Roman" panose="02020603050405020304" pitchFamily="18" charset="0"/>
+                <a:cs typeface="Times New Roman" panose="02020603050405020304" pitchFamily="18" charset="0"/>
+              </a:rPr>
+              <a:t>②</a:t>
+            </a:r>
+            <a:r>
+              <a:rPr lang="en-US" altLang="zh-CN" sz="1000" dirty="0">
+                <a:latin typeface="Times New Roman" panose="02020603050405020304" pitchFamily="18" charset="0"/>
+                <a:cs typeface="Times New Roman" panose="02020603050405020304" pitchFamily="18" charset="0"/>
+              </a:rPr>
+              <a:t> Get bucket</a:t>
+            </a:r>
+          </a:p>
+          <a:p>
+            <a:pPr indent="-457200"/>
+            <a:r>
+              <a:rPr lang="en-US" altLang="zh-CN" sz="1000" dirty="0">
+                <a:latin typeface="Times New Roman" panose="02020603050405020304" pitchFamily="18" charset="0"/>
+                <a:cs typeface="Times New Roman" panose="02020603050405020304" pitchFamily="18" charset="0"/>
+              </a:rPr>
+              <a:t>     placement</a:t>
+            </a:r>
+            <a:endParaRPr lang="zh-CN" altLang="en-US" sz="1000" dirty="0">
+              <a:latin typeface="Times New Roman" panose="02020603050405020304" pitchFamily="18" charset="0"/>
+              <a:cs typeface="Times New Roman" panose="02020603050405020304" pitchFamily="18" charset="0"/>
+            </a:endParaRPr>
+          </a:p>
+        </p:txBody>
+      </p:sp>
+      <p:sp>
+        <p:nvSpPr>
+          <p:cNvPr id="110" name="文本框 109">
+            <a:extLst>
+              <a:ext uri="{FF2B5EF4-FFF2-40B4-BE49-F238E27FC236}">
+                <a16:creationId xmlns:a16="http://schemas.microsoft.com/office/drawing/2014/main" id="{6C8CCAA7-F92F-47AA-A14E-DAAF016B4B20}"/>
+              </a:ext>
+            </a:extLst>
+          </p:cNvPr>
+          <p:cNvSpPr txBox="1"/>
+          <p:nvPr/>
+        </p:nvSpPr>
+        <p:spPr>
+          <a:xfrm>
+            <a:off x="4913683" y="1955634"/>
+            <a:ext cx="746999" cy="307777"/>
+          </a:xfrm>
+          <a:prstGeom prst="rect">
+            <a:avLst/>
+          </a:prstGeom>
+          <a:solidFill>
+            <a:schemeClr val="bg1">
+              <a:alpha val="80000"/>
+            </a:schemeClr>
+          </a:solidFill>
+        </p:spPr>
+        <p:txBody>
+          <a:bodyPr wrap="none" lIns="0" tIns="0" rIns="0" bIns="0" rtlCol="0">
+            <a:spAutoFit/>
+          </a:bodyPr>
+          <a:lstStyle/>
+          <a:p>
+            <a:pPr indent="-457200"/>
+            <a:r>
+              <a:rPr lang="zh-CN" altLang="en-US" sz="1000" dirty="0">
+                <a:latin typeface="Times New Roman" panose="02020603050405020304" pitchFamily="18" charset="0"/>
+                <a:cs typeface="Times New Roman" panose="02020603050405020304" pitchFamily="18" charset="0"/>
+              </a:rPr>
+              <a:t>③ </a:t>
+            </a:r>
+            <a:r>
+              <a:rPr lang="en-US" altLang="zh-CN" sz="1000" dirty="0">
+                <a:latin typeface="Times New Roman" panose="02020603050405020304" pitchFamily="18" charset="0"/>
+                <a:cs typeface="Times New Roman" panose="02020603050405020304" pitchFamily="18" charset="0"/>
+              </a:rPr>
+              <a:t>Establish</a:t>
+            </a:r>
+          </a:p>
+          <a:p>
+            <a:pPr indent="-457200"/>
+            <a:r>
+              <a:rPr lang="en-US" altLang="zh-CN" sz="1000" dirty="0">
+                <a:latin typeface="Times New Roman" panose="02020603050405020304" pitchFamily="18" charset="0"/>
+                <a:cs typeface="Times New Roman" panose="02020603050405020304" pitchFamily="18" charset="0"/>
+              </a:rPr>
+              <a:t>     RDMA RC</a:t>
+            </a:r>
+          </a:p>
+        </p:txBody>
+      </p:sp>
+    </p:spTree>
+    <p:extLst>
+      <p:ext uri="{BB962C8B-B14F-4D97-AF65-F5344CB8AC3E}">
+        <p14:creationId xmlns:p14="http://schemas.microsoft.com/office/powerpoint/2010/main" val="1321656218"/>
+      </p:ext>
+    </p:extLst>
+  </p:cSld>
+  <p:clrMapOvr>
+    <a:masterClrMapping/>
+  </p:clrMapOvr>
+</p:sld>
+</file>
+
+<file path=ppt/slides/slide3.xml><?xml version="1.0" encoding="utf-8"?>
+<p:sld xmlns:a="http://schemas.openxmlformats.org/drawingml/2006/main" xmlns:r="http://schemas.openxmlformats.org/officeDocument/2006/relationships" xmlns:p="http://schemas.openxmlformats.org/presentationml/2006/main">
+  <p:cSld>
+    <p:spTree>
+      <p:nvGrpSpPr>
+        <p:cNvPr id="1" name=""/>
+        <p:cNvGrpSpPr/>
+        <p:nvPr/>
+      </p:nvGrpSpPr>
+      <p:grpSpPr>
+        <a:xfrm>
+          <a:off x="0" y="0"/>
+          <a:ext cx="0" cy="0"/>
+          <a:chOff x="0" y="0"/>
+          <a:chExt cx="0" cy="0"/>
+        </a:xfrm>
+      </p:grpSpPr>
       <p:cxnSp>
         <p:nvCxnSpPr>
           <p:cNvPr id="6" name="直接连接符 5">

--- a/Documents/design/charts.pptx
+++ b/Documents/design/charts.pptx
@@ -7,7 +7,11 @@
   <p:sldIdLst>
     <p:sldId id="258" r:id="rId2"/>
     <p:sldId id="257" r:id="rId3"/>
-    <p:sldId id="256" r:id="rId4"/>
+    <p:sldId id="259" r:id="rId4"/>
+    <p:sldId id="260" r:id="rId5"/>
+    <p:sldId id="262" r:id="rId6"/>
+    <p:sldId id="261" r:id="rId7"/>
+    <p:sldId id="256" r:id="rId8"/>
   </p:sldIdLst>
   <p:sldSz cx="12192000" cy="6858000"/>
   <p:notesSz cx="6858000" cy="9144000"/>
@@ -261,7 +265,7 @@
           <a:p>
             <a:fld id="{BD674694-9742-45AE-917A-66E650B458D2}" type="datetimeFigureOut">
               <a:rPr lang="zh-CN" altLang="en-US" smtClean="0"/>
-              <a:t>22/4/7</a:t>
+              <a:t>22/4/11</a:t>
             </a:fld>
             <a:endParaRPr lang="zh-CN" altLang="en-US"/>
           </a:p>
@@ -459,7 +463,7 @@
           <a:p>
             <a:fld id="{BD674694-9742-45AE-917A-66E650B458D2}" type="datetimeFigureOut">
               <a:rPr lang="zh-CN" altLang="en-US" smtClean="0"/>
-              <a:t>22/4/7</a:t>
+              <a:t>22/4/11</a:t>
             </a:fld>
             <a:endParaRPr lang="zh-CN" altLang="en-US"/>
           </a:p>
@@ -667,7 +671,7 @@
           <a:p>
             <a:fld id="{BD674694-9742-45AE-917A-66E650B458D2}" type="datetimeFigureOut">
               <a:rPr lang="zh-CN" altLang="en-US" smtClean="0"/>
-              <a:t>22/4/7</a:t>
+              <a:t>22/4/11</a:t>
             </a:fld>
             <a:endParaRPr lang="zh-CN" altLang="en-US"/>
           </a:p>
@@ -865,7 +869,7 @@
           <a:p>
             <a:fld id="{BD674694-9742-45AE-917A-66E650B458D2}" type="datetimeFigureOut">
               <a:rPr lang="zh-CN" altLang="en-US" smtClean="0"/>
-              <a:t>22/4/7</a:t>
+              <a:t>22/4/11</a:t>
             </a:fld>
             <a:endParaRPr lang="zh-CN" altLang="en-US"/>
           </a:p>
@@ -1140,7 +1144,7 @@
           <a:p>
             <a:fld id="{BD674694-9742-45AE-917A-66E650B458D2}" type="datetimeFigureOut">
               <a:rPr lang="zh-CN" altLang="en-US" smtClean="0"/>
-              <a:t>22/4/7</a:t>
+              <a:t>22/4/11</a:t>
             </a:fld>
             <a:endParaRPr lang="zh-CN" altLang="en-US"/>
           </a:p>
@@ -1405,7 +1409,7 @@
           <a:p>
             <a:fld id="{BD674694-9742-45AE-917A-66E650B458D2}" type="datetimeFigureOut">
               <a:rPr lang="zh-CN" altLang="en-US" smtClean="0"/>
-              <a:t>22/4/7</a:t>
+              <a:t>22/4/11</a:t>
             </a:fld>
             <a:endParaRPr lang="zh-CN" altLang="en-US"/>
           </a:p>
@@ -1817,7 +1821,7 @@
           <a:p>
             <a:fld id="{BD674694-9742-45AE-917A-66E650B458D2}" type="datetimeFigureOut">
               <a:rPr lang="zh-CN" altLang="en-US" smtClean="0"/>
-              <a:t>22/4/7</a:t>
+              <a:t>22/4/11</a:t>
             </a:fld>
             <a:endParaRPr lang="zh-CN" altLang="en-US"/>
           </a:p>
@@ -1958,7 +1962,7 @@
           <a:p>
             <a:fld id="{BD674694-9742-45AE-917A-66E650B458D2}" type="datetimeFigureOut">
               <a:rPr lang="zh-CN" altLang="en-US" smtClean="0"/>
-              <a:t>22/4/7</a:t>
+              <a:t>22/4/11</a:t>
             </a:fld>
             <a:endParaRPr lang="zh-CN" altLang="en-US"/>
           </a:p>
@@ -2071,7 +2075,7 @@
           <a:p>
             <a:fld id="{BD674694-9742-45AE-917A-66E650B458D2}" type="datetimeFigureOut">
               <a:rPr lang="zh-CN" altLang="en-US" smtClean="0"/>
-              <a:t>22/4/7</a:t>
+              <a:t>22/4/11</a:t>
             </a:fld>
             <a:endParaRPr lang="zh-CN" altLang="en-US"/>
           </a:p>
@@ -2382,7 +2386,7 @@
           <a:p>
             <a:fld id="{BD674694-9742-45AE-917A-66E650B458D2}" type="datetimeFigureOut">
               <a:rPr lang="zh-CN" altLang="en-US" smtClean="0"/>
-              <a:t>22/4/7</a:t>
+              <a:t>22/4/11</a:t>
             </a:fld>
             <a:endParaRPr lang="zh-CN" altLang="en-US"/>
           </a:p>
@@ -2670,7 +2674,7 @@
           <a:p>
             <a:fld id="{BD674694-9742-45AE-917A-66E650B458D2}" type="datetimeFigureOut">
               <a:rPr lang="zh-CN" altLang="en-US" smtClean="0"/>
-              <a:t>22/4/7</a:t>
+              <a:t>22/4/11</a:t>
             </a:fld>
             <a:endParaRPr lang="zh-CN" altLang="en-US"/>
           </a:p>
@@ -2911,7 +2915,7 @@
           <a:p>
             <a:fld id="{BD674694-9742-45AE-917A-66E650B458D2}" type="datetimeFigureOut">
               <a:rPr lang="zh-CN" altLang="en-US" smtClean="0"/>
-              <a:t>22/4/7</a:t>
+              <a:t>22/4/11</a:t>
             </a:fld>
             <a:endParaRPr lang="zh-CN" altLang="en-US"/>
           </a:p>
@@ -3359,7 +3363,7 @@
         </p:blipFill>
         <p:spPr>
           <a:xfrm>
-            <a:off x="4868419" y="538635"/>
+            <a:off x="4868419" y="2893907"/>
             <a:ext cx="622446" cy="622446"/>
           </a:xfrm>
           <a:prstGeom prst="rect">
@@ -3398,7 +3402,7 @@
         </p:blipFill>
         <p:spPr>
           <a:xfrm>
-            <a:off x="1925935" y="68406"/>
+            <a:off x="1925935" y="2423678"/>
             <a:ext cx="622446" cy="622446"/>
           </a:xfrm>
           <a:prstGeom prst="rect">
@@ -3437,7 +3441,7 @@
         </p:blipFill>
         <p:spPr>
           <a:xfrm>
-            <a:off x="6456217" y="393139"/>
+            <a:off x="6456217" y="2748411"/>
             <a:ext cx="622446" cy="622446"/>
           </a:xfrm>
           <a:prstGeom prst="rect">
@@ -3489,8 +3493,8 @@
         </p:nvSpPr>
         <p:spPr>
           <a:xfrm>
-            <a:off x="5702863" y="476794"/>
-            <a:ext cx="2499030" cy="5367610"/>
+            <a:off x="5638209" y="615339"/>
+            <a:ext cx="2499030" cy="5352591"/>
           </a:xfrm>
           <a:prstGeom prst="roundRect">
             <a:avLst>
@@ -3546,8 +3550,8 @@
         </p:nvSpPr>
         <p:spPr>
           <a:xfrm>
-            <a:off x="3362035" y="3807752"/>
-            <a:ext cx="3842329" cy="2036651"/>
+            <a:off x="3297381" y="3946298"/>
+            <a:ext cx="4839857" cy="2021632"/>
           </a:xfrm>
           <a:prstGeom prst="roundRect">
             <a:avLst>
@@ -3619,7 +3623,7 @@
         </p:nvGrpSpPr>
         <p:grpSpPr>
           <a:xfrm>
-            <a:off x="3458567" y="3911300"/>
+            <a:off x="3393913" y="4049845"/>
             <a:ext cx="1903550" cy="1517266"/>
             <a:chOff x="3606541" y="3969134"/>
             <a:chExt cx="1903550" cy="1517266"/>
@@ -3992,7 +3996,7 @@
         </p:nvGrpSpPr>
         <p:grpSpPr>
           <a:xfrm>
-            <a:off x="2986121" y="630428"/>
+            <a:off x="2921467" y="768973"/>
             <a:ext cx="2149065" cy="2888627"/>
             <a:chOff x="2986121" y="630428"/>
             <a:chExt cx="2149065" cy="2888627"/>
@@ -4804,10 +4808,10 @@
         </p:nvGrpSpPr>
         <p:grpSpPr>
           <a:xfrm>
-            <a:off x="5783273" y="606214"/>
-            <a:ext cx="2336800" cy="5050816"/>
+            <a:off x="5718619" y="744759"/>
+            <a:ext cx="2336800" cy="4982892"/>
             <a:chOff x="6511636" y="630767"/>
-            <a:chExt cx="2336800" cy="5050816"/>
+            <a:chExt cx="2336800" cy="4982892"/>
           </a:xfrm>
         </p:grpSpPr>
         <p:sp>
@@ -5680,7 +5684,7 @@
                     <a:latin typeface="Times New Roman" panose="02020603050405020304" pitchFamily="18" charset="0"/>
                     <a:cs typeface="Times New Roman" panose="02020603050405020304" pitchFamily="18" charset="0"/>
                   </a:rPr>
-                  <a:t>Bucket Replica</a:t>
+                  <a:t>Bucket Space</a:t>
                 </a:r>
                 <a:endParaRPr lang="zh-CN" altLang="en-US" sz="1200" dirty="0">
                   <a:latin typeface="Times New Roman" panose="02020603050405020304" pitchFamily="18" charset="0"/>
@@ -5854,8 +5858,8 @@
           </p:nvSpPr>
           <p:spPr>
             <a:xfrm>
-              <a:off x="6533728" y="5404584"/>
-              <a:ext cx="2292615" cy="276999"/>
+              <a:off x="6710644" y="5367438"/>
+              <a:ext cx="1915909" cy="246221"/>
             </a:xfrm>
             <a:prstGeom prst="rect">
               <a:avLst/>
@@ -5869,13 +5873,13 @@
             <a:lstStyle/>
             <a:p>
               <a:r>
-                <a:rPr lang="en-US" altLang="zh-CN" sz="1200" dirty="0">
+                <a:rPr lang="en-US" altLang="zh-CN" sz="1000" dirty="0">
                   <a:latin typeface="Times New Roman" panose="02020603050405020304" pitchFamily="18" charset="0"/>
                   <a:cs typeface="Times New Roman" panose="02020603050405020304" pitchFamily="18" charset="0"/>
                 </a:rPr>
                 <a:t>Pooled PM with RDMA Network</a:t>
               </a:r>
-              <a:endParaRPr lang="zh-CN" altLang="en-US" sz="1200" dirty="0">
+              <a:endParaRPr lang="zh-CN" altLang="en-US" sz="1000" dirty="0">
                 <a:latin typeface="Times New Roman" panose="02020603050405020304" pitchFamily="18" charset="0"/>
                 <a:cs typeface="Times New Roman" panose="02020603050405020304" pitchFamily="18" charset="0"/>
               </a:endParaRPr>
@@ -5894,19 +5898,19 @@
           </p:cNvPr>
           <p:cNvCxnSpPr>
             <a:cxnSpLocks/>
-            <a:stCxn id="23" idx="1"/>
-            <a:endCxn id="18" idx="1"/>
+            <a:stCxn id="18" idx="1"/>
+            <a:endCxn id="23" idx="1"/>
           </p:cNvCxnSpPr>
           <p:nvPr/>
         </p:nvCxnSpPr>
         <p:spPr>
-          <a:xfrm rot="10800000">
-            <a:off x="3170619" y="2827266"/>
+          <a:xfrm rot="10800000" flipH="1" flipV="1">
+            <a:off x="3105965" y="2965809"/>
             <a:ext cx="454202" cy="1935101"/>
           </a:xfrm>
           <a:prstGeom prst="curvedConnector3">
             <a:avLst>
-              <a:gd name="adj1" fmla="val 178800"/>
+              <a:gd name="adj1" fmla="val -78800"/>
             </a:avLst>
           </a:prstGeom>
           <a:ln>
@@ -5946,7 +5950,7 @@
         </p:nvCxnSpPr>
         <p:spPr>
           <a:xfrm>
-            <a:off x="4574003" y="3199947"/>
+            <a:off x="4509349" y="3338492"/>
             <a:ext cx="1503646" cy="1013737"/>
           </a:xfrm>
           <a:prstGeom prst="curvedConnector3">
@@ -5987,8 +5991,8 @@
         </p:nvSpPr>
         <p:spPr>
           <a:xfrm>
-            <a:off x="2885723" y="3603621"/>
-            <a:ext cx="1208664" cy="153888"/>
+            <a:off x="2821069" y="3742166"/>
+            <a:ext cx="1282402" cy="153888"/>
           </a:xfrm>
           <a:prstGeom prst="rect">
             <a:avLst/>
@@ -6018,7 +6022,7 @@
                 <a:latin typeface="Times New Roman" panose="02020603050405020304" pitchFamily="18" charset="0"/>
                 <a:cs typeface="Times New Roman" panose="02020603050405020304" pitchFamily="18" charset="0"/>
               </a:rPr>
-              <a:t> Get cluster topology</a:t>
+              <a:t> Get bucket placement</a:t>
             </a:r>
             <a:endParaRPr lang="zh-CN" altLang="en-US" sz="1000" dirty="0">
               <a:latin typeface="Times New Roman" panose="02020603050405020304" pitchFamily="18" charset="0"/>
@@ -6045,7 +6049,7 @@
         </p:nvCxnSpPr>
         <p:spPr>
           <a:xfrm flipV="1">
-            <a:off x="4574003" y="2018128"/>
+            <a:off x="4509349" y="2156673"/>
             <a:ext cx="1503643" cy="436455"/>
           </a:xfrm>
           <a:prstGeom prst="curvedConnector3">
@@ -6090,7 +6094,7 @@
         </p:nvCxnSpPr>
         <p:spPr>
           <a:xfrm>
-            <a:off x="4574003" y="2827265"/>
+            <a:off x="4509349" y="2965810"/>
             <a:ext cx="1503643" cy="474596"/>
           </a:xfrm>
           <a:prstGeom prst="curvedConnector3">
@@ -6131,7 +6135,7 @@
         </p:nvSpPr>
         <p:spPr>
           <a:xfrm>
-            <a:off x="4964626" y="3469837"/>
+            <a:off x="4899972" y="3608382"/>
             <a:ext cx="660437" cy="307777"/>
           </a:xfrm>
           <a:prstGeom prst="rect">
@@ -6154,7 +6158,7 @@
                 <a:latin typeface="Times New Roman" panose="02020603050405020304" pitchFamily="18" charset="0"/>
                 <a:cs typeface="Times New Roman" panose="02020603050405020304" pitchFamily="18" charset="0"/>
               </a:rPr>
-              <a:t>③</a:t>
+              <a:t>④</a:t>
             </a:r>
             <a:r>
               <a:rPr lang="en-US" altLang="zh-CN" sz="1000" dirty="0">
@@ -6193,7 +6197,7 @@
         </p:nvSpPr>
         <p:spPr>
           <a:xfrm>
-            <a:off x="4936519" y="2768840"/>
+            <a:off x="4871865" y="2907385"/>
             <a:ext cx="721351" cy="307777"/>
           </a:xfrm>
           <a:prstGeom prst="rect">
@@ -6234,7 +6238,7 @@
                 <a:latin typeface="Times New Roman" panose="02020603050405020304" pitchFamily="18" charset="0"/>
                 <a:cs typeface="Times New Roman" panose="02020603050405020304" pitchFamily="18" charset="0"/>
               </a:rPr>
-              <a:t>     placement</a:t>
+              <a:t>     metadata</a:t>
             </a:r>
             <a:endParaRPr lang="zh-CN" altLang="en-US" sz="1000" dirty="0">
               <a:latin typeface="Times New Roman" panose="02020603050405020304" pitchFamily="18" charset="0"/>
@@ -6257,7 +6261,7 @@
         </p:nvSpPr>
         <p:spPr>
           <a:xfrm>
-            <a:off x="4913683" y="1955634"/>
+            <a:off x="4849029" y="2094179"/>
             <a:ext cx="746999" cy="307777"/>
           </a:xfrm>
           <a:prstGeom prst="rect">
@@ -6335,6 +6339,5756 @@
       </p:grpSpPr>
       <p:cxnSp>
         <p:nvCxnSpPr>
+          <p:cNvPr id="74" name="连接符: 曲线 73">
+            <a:extLst>
+              <a:ext uri="{FF2B5EF4-FFF2-40B4-BE49-F238E27FC236}">
+                <a16:creationId xmlns:a16="http://schemas.microsoft.com/office/drawing/2014/main" id="{DEE2B92A-8EB8-4031-9ECD-3426D802613B}"/>
+              </a:ext>
+            </a:extLst>
+          </p:cNvPr>
+          <p:cNvCxnSpPr>
+            <a:cxnSpLocks/>
+            <a:stCxn id="31" idx="2"/>
+            <a:endCxn id="36" idx="0"/>
+          </p:cNvCxnSpPr>
+          <p:nvPr/>
+        </p:nvCxnSpPr>
+        <p:spPr bwMode="auto">
+          <a:xfrm rot="5400000">
+            <a:off x="4430321" y="1746451"/>
+            <a:ext cx="522758" cy="2075827"/>
+          </a:xfrm>
+          <a:prstGeom prst="curvedConnector3">
+            <a:avLst>
+              <a:gd name="adj1" fmla="val 44533"/>
+            </a:avLst>
+          </a:prstGeom>
+          <a:ln>
+            <a:prstDash val="dash"/>
+            <a:tailEnd type="arrow" w="med" len="sm"/>
+          </a:ln>
+        </p:spPr>
+        <p:style>
+          <a:lnRef idx="2">
+            <a:schemeClr val="accent6"/>
+          </a:lnRef>
+          <a:fillRef idx="0">
+            <a:schemeClr val="accent6"/>
+          </a:fillRef>
+          <a:effectRef idx="1">
+            <a:schemeClr val="accent6"/>
+          </a:effectRef>
+          <a:fontRef idx="minor">
+            <a:schemeClr val="tx1"/>
+          </a:fontRef>
+        </p:style>
+      </p:cxnSp>
+      <p:pic>
+        <p:nvPicPr>
+          <p:cNvPr id="36" name="图形 35" descr="服务器">
+            <a:extLst>
+              <a:ext uri="{FF2B5EF4-FFF2-40B4-BE49-F238E27FC236}">
+                <a16:creationId xmlns:a16="http://schemas.microsoft.com/office/drawing/2014/main" id="{2A224CAD-61E5-422B-8DB9-7D2C9D756AE4}"/>
+              </a:ext>
+            </a:extLst>
+          </p:cNvPr>
+          <p:cNvPicPr>
+            <a:picLocks noChangeAspect="1"/>
+          </p:cNvPicPr>
+          <p:nvPr/>
+        </p:nvPicPr>
+        <p:blipFill>
+          <a:blip r:embed="rId2">
+            <a:extLst>
+              <a:ext uri="{28A0092B-C50C-407E-A947-70E740481C1C}">
+                <a14:useLocalDpi xmlns:a14="http://schemas.microsoft.com/office/drawing/2010/main" val="0"/>
+              </a:ext>
+              <a:ext uri="{96DAC541-7B7A-43D3-8B79-37D633B846F1}">
+                <asvg:svgBlip xmlns:asvg="http://schemas.microsoft.com/office/drawing/2016/SVG/main" r:embed="rId3"/>
+              </a:ext>
+            </a:extLst>
+          </a:blip>
+          <a:stretch>
+            <a:fillRect/>
+          </a:stretch>
+        </p:blipFill>
+        <p:spPr>
+          <a:xfrm>
+            <a:off x="3342563" y="3045743"/>
+            <a:ext cx="622446" cy="622446"/>
+          </a:xfrm>
+          <a:prstGeom prst="rect">
+            <a:avLst/>
+          </a:prstGeom>
+        </p:spPr>
+      </p:pic>
+      <p:pic>
+        <p:nvPicPr>
+          <p:cNvPr id="37" name="图形 36" descr="服务器">
+            <a:extLst>
+              <a:ext uri="{FF2B5EF4-FFF2-40B4-BE49-F238E27FC236}">
+                <a16:creationId xmlns:a16="http://schemas.microsoft.com/office/drawing/2014/main" id="{618E26BF-368D-4196-BAD0-24BB42FA8C1C}"/>
+              </a:ext>
+            </a:extLst>
+          </p:cNvPr>
+          <p:cNvPicPr>
+            <a:picLocks noChangeAspect="1"/>
+          </p:cNvPicPr>
+          <p:nvPr/>
+        </p:nvPicPr>
+        <p:blipFill>
+          <a:blip r:embed="rId2">
+            <a:extLst>
+              <a:ext uri="{28A0092B-C50C-407E-A947-70E740481C1C}">
+                <a14:useLocalDpi xmlns:a14="http://schemas.microsoft.com/office/drawing/2010/main" val="0"/>
+              </a:ext>
+              <a:ext uri="{96DAC541-7B7A-43D3-8B79-37D633B846F1}">
+                <asvg:svgBlip xmlns:asvg="http://schemas.microsoft.com/office/drawing/2016/SVG/main" r:embed="rId3"/>
+              </a:ext>
+            </a:extLst>
+          </a:blip>
+          <a:stretch>
+            <a:fillRect/>
+          </a:stretch>
+        </p:blipFill>
+        <p:spPr>
+          <a:xfrm>
+            <a:off x="4378700" y="3045744"/>
+            <a:ext cx="622446" cy="622446"/>
+          </a:xfrm>
+          <a:prstGeom prst="rect">
+            <a:avLst/>
+          </a:prstGeom>
+        </p:spPr>
+      </p:pic>
+      <p:pic>
+        <p:nvPicPr>
+          <p:cNvPr id="38" name="图形 37" descr="服务器">
+            <a:extLst>
+              <a:ext uri="{FF2B5EF4-FFF2-40B4-BE49-F238E27FC236}">
+                <a16:creationId xmlns:a16="http://schemas.microsoft.com/office/drawing/2014/main" id="{EF5410BB-1F23-4A64-B185-F372392ED522}"/>
+              </a:ext>
+            </a:extLst>
+          </p:cNvPr>
+          <p:cNvPicPr>
+            <a:picLocks noChangeAspect="1"/>
+          </p:cNvPicPr>
+          <p:nvPr/>
+        </p:nvPicPr>
+        <p:blipFill>
+          <a:blip r:embed="rId2">
+            <a:extLst>
+              <a:ext uri="{28A0092B-C50C-407E-A947-70E740481C1C}">
+                <a14:useLocalDpi xmlns:a14="http://schemas.microsoft.com/office/drawing/2010/main" val="0"/>
+              </a:ext>
+              <a:ext uri="{96DAC541-7B7A-43D3-8B79-37D633B846F1}">
+                <asvg:svgBlip xmlns:asvg="http://schemas.microsoft.com/office/drawing/2016/SVG/main" r:embed="rId3"/>
+              </a:ext>
+            </a:extLst>
+          </a:blip>
+          <a:stretch>
+            <a:fillRect/>
+          </a:stretch>
+        </p:blipFill>
+        <p:spPr>
+          <a:xfrm>
+            <a:off x="5418390" y="3046303"/>
+            <a:ext cx="622446" cy="622446"/>
+          </a:xfrm>
+          <a:prstGeom prst="rect">
+            <a:avLst/>
+          </a:prstGeom>
+        </p:spPr>
+      </p:pic>
+      <p:sp>
+        <p:nvSpPr>
+          <p:cNvPr id="40" name="文本框 39">
+            <a:extLst>
+              <a:ext uri="{FF2B5EF4-FFF2-40B4-BE49-F238E27FC236}">
+                <a16:creationId xmlns:a16="http://schemas.microsoft.com/office/drawing/2014/main" id="{9644C0D5-AA27-4C25-903C-EB12A7C0B106}"/>
+              </a:ext>
+            </a:extLst>
+          </p:cNvPr>
+          <p:cNvSpPr txBox="1"/>
+          <p:nvPr/>
+        </p:nvSpPr>
+        <p:spPr>
+          <a:xfrm>
+            <a:off x="7112788" y="3138932"/>
+            <a:ext cx="856002" cy="307777"/>
+          </a:xfrm>
+          <a:prstGeom prst="rect">
+            <a:avLst/>
+          </a:prstGeom>
+          <a:noFill/>
+        </p:spPr>
+        <p:txBody>
+          <a:bodyPr wrap="square" rtlCol="0" anchor="ctr" anchorCtr="1">
+            <a:spAutoFit/>
+          </a:bodyPr>
+          <a:lstStyle/>
+          <a:p>
+            <a:r>
+              <a:rPr lang="en-US" altLang="zh-CN" sz="1400" dirty="0">
+                <a:latin typeface="Times New Roman" panose="02020603050405020304" pitchFamily="18" charset="0"/>
+                <a:ea typeface="微软雅黑" panose="020B0503020204020204" pitchFamily="34" charset="-122"/>
+                <a:cs typeface="Times New Roman" panose="02020603050405020304" pitchFamily="18" charset="0"/>
+              </a:rPr>
+              <a:t>...</a:t>
+            </a:r>
+            <a:endParaRPr lang="zh-CN" altLang="en-US" sz="1400" dirty="0">
+              <a:solidFill>
+                <a:schemeClr val="tx1"/>
+              </a:solidFill>
+              <a:latin typeface="Times New Roman" panose="02020603050405020304" pitchFamily="18" charset="0"/>
+              <a:ea typeface="微软雅黑" panose="020B0503020204020204" pitchFamily="34" charset="-122"/>
+              <a:cs typeface="Times New Roman" panose="02020603050405020304" pitchFamily="18" charset="0"/>
+            </a:endParaRPr>
+          </a:p>
+        </p:txBody>
+      </p:sp>
+      <p:pic>
+        <p:nvPicPr>
+          <p:cNvPr id="32" name="图形 31" descr="数据库">
+            <a:extLst>
+              <a:ext uri="{FF2B5EF4-FFF2-40B4-BE49-F238E27FC236}">
+                <a16:creationId xmlns:a16="http://schemas.microsoft.com/office/drawing/2014/main" id="{FA2E7C6D-6B01-42FC-93F7-B783A4F4557A}"/>
+              </a:ext>
+            </a:extLst>
+          </p:cNvPr>
+          <p:cNvPicPr>
+            <a:picLocks noChangeAspect="1"/>
+          </p:cNvPicPr>
+          <p:nvPr/>
+        </p:nvPicPr>
+        <p:blipFill>
+          <a:blip r:embed="rId4">
+            <a:extLst>
+              <a:ext uri="{28A0092B-C50C-407E-A947-70E740481C1C}">
+                <a14:useLocalDpi xmlns:a14="http://schemas.microsoft.com/office/drawing/2010/main" val="0"/>
+              </a:ext>
+              <a:ext uri="{96DAC541-7B7A-43D3-8B79-37D633B846F1}">
+                <asvg:svgBlip xmlns:asvg="http://schemas.microsoft.com/office/drawing/2016/SVG/main" r:embed="rId5"/>
+              </a:ext>
+            </a:extLst>
+          </a:blip>
+          <a:stretch>
+            <a:fillRect/>
+          </a:stretch>
+        </p:blipFill>
+        <p:spPr>
+          <a:xfrm>
+            <a:off x="3966245" y="1900541"/>
+            <a:ext cx="622446" cy="622446"/>
+          </a:xfrm>
+          <a:prstGeom prst="rect">
+            <a:avLst/>
+          </a:prstGeom>
+        </p:spPr>
+      </p:pic>
+      <p:pic>
+        <p:nvPicPr>
+          <p:cNvPr id="31" name="图形 30" descr="数据库">
+            <a:extLst>
+              <a:ext uri="{FF2B5EF4-FFF2-40B4-BE49-F238E27FC236}">
+                <a16:creationId xmlns:a16="http://schemas.microsoft.com/office/drawing/2014/main" id="{1D1A23A1-B6C7-425D-9230-13C2CA275BDE}"/>
+              </a:ext>
+            </a:extLst>
+          </p:cNvPr>
+          <p:cNvPicPr>
+            <a:picLocks noChangeAspect="1"/>
+          </p:cNvPicPr>
+          <p:nvPr/>
+        </p:nvPicPr>
+        <p:blipFill>
+          <a:blip r:embed="rId6">
+            <a:extLst>
+              <a:ext uri="{28A0092B-C50C-407E-A947-70E740481C1C}">
+                <a14:useLocalDpi xmlns:a14="http://schemas.microsoft.com/office/drawing/2010/main" val="0"/>
+              </a:ext>
+              <a:ext uri="{96DAC541-7B7A-43D3-8B79-37D633B846F1}">
+                <asvg:svgBlip xmlns:asvg="http://schemas.microsoft.com/office/drawing/2016/SVG/main" r:embed="rId7"/>
+              </a:ext>
+            </a:extLst>
+          </a:blip>
+          <a:stretch>
+            <a:fillRect/>
+          </a:stretch>
+        </p:blipFill>
+        <p:spPr>
+          <a:xfrm>
+            <a:off x="5418390" y="1900539"/>
+            <a:ext cx="622446" cy="622446"/>
+          </a:xfrm>
+          <a:prstGeom prst="rect">
+            <a:avLst/>
+          </a:prstGeom>
+        </p:spPr>
+      </p:pic>
+      <p:cxnSp>
+        <p:nvCxnSpPr>
+          <p:cNvPr id="11" name="连接符: 曲线 10">
+            <a:extLst>
+              <a:ext uri="{FF2B5EF4-FFF2-40B4-BE49-F238E27FC236}">
+                <a16:creationId xmlns:a16="http://schemas.microsoft.com/office/drawing/2014/main" id="{1BD6872E-2BA1-48F8-B596-D0AC8E190842}"/>
+              </a:ext>
+            </a:extLst>
+          </p:cNvPr>
+          <p:cNvCxnSpPr>
+            <a:cxnSpLocks/>
+            <a:stCxn id="32" idx="2"/>
+            <a:endCxn id="36" idx="0"/>
+          </p:cNvCxnSpPr>
+          <p:nvPr/>
+        </p:nvCxnSpPr>
+        <p:spPr bwMode="auto">
+          <a:xfrm rot="5400000">
+            <a:off x="3704249" y="2472524"/>
+            <a:ext cx="522756" cy="623682"/>
+          </a:xfrm>
+          <a:prstGeom prst="curvedConnector3">
+            <a:avLst>
+              <a:gd name="adj1" fmla="val 42104"/>
+            </a:avLst>
+          </a:prstGeom>
+          <a:ln>
+            <a:solidFill>
+              <a:srgbClr val="1588C7"/>
+            </a:solidFill>
+            <a:tailEnd type="triangle"/>
+          </a:ln>
+        </p:spPr>
+        <p:style>
+          <a:lnRef idx="2">
+            <a:schemeClr val="dk1"/>
+          </a:lnRef>
+          <a:fillRef idx="0">
+            <a:schemeClr val="dk1"/>
+          </a:fillRef>
+          <a:effectRef idx="1">
+            <a:schemeClr val="dk1"/>
+          </a:effectRef>
+          <a:fontRef idx="minor">
+            <a:schemeClr val="tx1"/>
+          </a:fontRef>
+        </p:style>
+      </p:cxnSp>
+      <p:cxnSp>
+        <p:nvCxnSpPr>
+          <p:cNvPr id="16" name="连接符: 曲线 15">
+            <a:extLst>
+              <a:ext uri="{FF2B5EF4-FFF2-40B4-BE49-F238E27FC236}">
+                <a16:creationId xmlns:a16="http://schemas.microsoft.com/office/drawing/2014/main" id="{70B66634-17DC-44AE-B749-372EEA944A9A}"/>
+              </a:ext>
+            </a:extLst>
+          </p:cNvPr>
+          <p:cNvCxnSpPr>
+            <a:cxnSpLocks/>
+            <a:stCxn id="31" idx="2"/>
+            <a:endCxn id="39" idx="0"/>
+          </p:cNvCxnSpPr>
+          <p:nvPr/>
+        </p:nvCxnSpPr>
+        <p:spPr bwMode="auto">
+          <a:xfrm rot="16200000" flipH="1">
+            <a:off x="5987092" y="2265506"/>
+            <a:ext cx="523318" cy="1038276"/>
+          </a:xfrm>
+          <a:prstGeom prst="curvedConnector3">
+            <a:avLst>
+              <a:gd name="adj1" fmla="val 50000"/>
+            </a:avLst>
+          </a:prstGeom>
+          <a:ln>
+            <a:tailEnd type="triangle"/>
+          </a:ln>
+        </p:spPr>
+        <p:style>
+          <a:lnRef idx="2">
+            <a:schemeClr val="accent6"/>
+          </a:lnRef>
+          <a:fillRef idx="0">
+            <a:schemeClr val="accent6"/>
+          </a:fillRef>
+          <a:effectRef idx="1">
+            <a:schemeClr val="accent6"/>
+          </a:effectRef>
+          <a:fontRef idx="minor">
+            <a:schemeClr val="tx1"/>
+          </a:fontRef>
+        </p:style>
+      </p:cxnSp>
+      <p:sp>
+        <p:nvSpPr>
+          <p:cNvPr id="28" name="文本框 27">
+            <a:extLst>
+              <a:ext uri="{FF2B5EF4-FFF2-40B4-BE49-F238E27FC236}">
+                <a16:creationId xmlns:a16="http://schemas.microsoft.com/office/drawing/2014/main" id="{3CC6899D-2914-4F89-80A8-3CF4822E1A7B}"/>
+              </a:ext>
+            </a:extLst>
+          </p:cNvPr>
+          <p:cNvSpPr txBox="1"/>
+          <p:nvPr/>
+        </p:nvSpPr>
+        <p:spPr>
+          <a:xfrm>
+            <a:off x="2247894" y="2052454"/>
+            <a:ext cx="764953" cy="307777"/>
+          </a:xfrm>
+          <a:prstGeom prst="rect">
+            <a:avLst/>
+          </a:prstGeom>
+          <a:noFill/>
+        </p:spPr>
+        <p:txBody>
+          <a:bodyPr wrap="none" rtlCol="0" anchor="ctr" anchorCtr="1">
+            <a:spAutoFit/>
+          </a:bodyPr>
+          <a:lstStyle/>
+          <a:p>
+            <a:r>
+              <a:rPr lang="en-US" altLang="zh-CN" sz="1400" dirty="0">
+                <a:solidFill>
+                  <a:sysClr val="windowText" lastClr="000000"/>
+                </a:solidFill>
+                <a:latin typeface="Times New Roman" panose="02020603050405020304" pitchFamily="18" charset="0"/>
+                <a:ea typeface="微软雅黑" panose="020B0503020204020204" pitchFamily="34" charset="-122"/>
+                <a:cs typeface="Times New Roman" panose="02020603050405020304" pitchFamily="18" charset="0"/>
+              </a:rPr>
+              <a:t>Buckets</a:t>
+            </a:r>
+            <a:endParaRPr lang="zh-CN" altLang="en-US" sz="1400" dirty="0">
+              <a:solidFill>
+                <a:sysClr val="windowText" lastClr="000000"/>
+              </a:solidFill>
+              <a:latin typeface="Times New Roman" panose="02020603050405020304" pitchFamily="18" charset="0"/>
+              <a:ea typeface="微软雅黑" panose="020B0503020204020204" pitchFamily="34" charset="-122"/>
+              <a:cs typeface="Times New Roman" panose="02020603050405020304" pitchFamily="18" charset="0"/>
+            </a:endParaRPr>
+          </a:p>
+        </p:txBody>
+      </p:sp>
+      <p:sp>
+        <p:nvSpPr>
+          <p:cNvPr id="29" name="文本框 28">
+            <a:extLst>
+              <a:ext uri="{FF2B5EF4-FFF2-40B4-BE49-F238E27FC236}">
+                <a16:creationId xmlns:a16="http://schemas.microsoft.com/office/drawing/2014/main" id="{DDB1F2E0-758E-4482-93FA-43259FA33120}"/>
+              </a:ext>
+            </a:extLst>
+          </p:cNvPr>
+          <p:cNvSpPr txBox="1"/>
+          <p:nvPr/>
+        </p:nvSpPr>
+        <p:spPr>
+          <a:xfrm>
+            <a:off x="1771011" y="3161683"/>
+            <a:ext cx="1237839" cy="307777"/>
+          </a:xfrm>
+          <a:prstGeom prst="rect">
+            <a:avLst/>
+          </a:prstGeom>
+          <a:noFill/>
+        </p:spPr>
+        <p:txBody>
+          <a:bodyPr wrap="none" rtlCol="0" anchor="ctr" anchorCtr="1">
+            <a:spAutoFit/>
+          </a:bodyPr>
+          <a:lstStyle/>
+          <a:p>
+            <a:r>
+              <a:rPr lang="en-US" altLang="zh-CN" sz="1400" dirty="0">
+                <a:solidFill>
+                  <a:sysClr val="windowText" lastClr="000000"/>
+                </a:solidFill>
+                <a:latin typeface="Times New Roman" panose="02020603050405020304" pitchFamily="18" charset="0"/>
+                <a:ea typeface="微软雅黑" panose="020B0503020204020204" pitchFamily="34" charset="-122"/>
+                <a:cs typeface="Times New Roman" panose="02020603050405020304" pitchFamily="18" charset="0"/>
+              </a:rPr>
+              <a:t>Storage Nodes</a:t>
+            </a:r>
+            <a:endParaRPr lang="zh-CN" altLang="en-US" sz="1400" dirty="0">
+              <a:solidFill>
+                <a:sysClr val="windowText" lastClr="000000"/>
+              </a:solidFill>
+              <a:latin typeface="Times New Roman" panose="02020603050405020304" pitchFamily="18" charset="0"/>
+              <a:ea typeface="微软雅黑" panose="020B0503020204020204" pitchFamily="34" charset="-122"/>
+              <a:cs typeface="Times New Roman" panose="02020603050405020304" pitchFamily="18" charset="0"/>
+            </a:endParaRPr>
+          </a:p>
+        </p:txBody>
+      </p:sp>
+      <p:grpSp>
+        <p:nvGrpSpPr>
+          <p:cNvPr id="18" name="组合 17">
+            <a:extLst>
+              <a:ext uri="{FF2B5EF4-FFF2-40B4-BE49-F238E27FC236}">
+                <a16:creationId xmlns:a16="http://schemas.microsoft.com/office/drawing/2014/main" id="{86156758-1C6C-4C55-B77A-D8EF98B4344E}"/>
+              </a:ext>
+            </a:extLst>
+          </p:cNvPr>
+          <p:cNvGrpSpPr/>
+          <p:nvPr/>
+        </p:nvGrpSpPr>
+        <p:grpSpPr>
+          <a:xfrm>
+            <a:off x="6301998" y="4069393"/>
+            <a:ext cx="1377738" cy="400644"/>
+            <a:chOff x="5926468" y="6217414"/>
+            <a:chExt cx="1377738" cy="400644"/>
+          </a:xfrm>
+        </p:grpSpPr>
+        <p:sp>
+          <p:nvSpPr>
+            <p:cNvPr id="25" name="文本框 24">
+              <a:extLst>
+                <a:ext uri="{FF2B5EF4-FFF2-40B4-BE49-F238E27FC236}">
+                  <a16:creationId xmlns:a16="http://schemas.microsoft.com/office/drawing/2014/main" id="{07A26A88-C67E-40EE-BC5B-DE383546FA05}"/>
+                </a:ext>
+              </a:extLst>
+            </p:cNvPr>
+            <p:cNvSpPr txBox="1"/>
+            <p:nvPr/>
+          </p:nvSpPr>
+          <p:spPr>
+            <a:xfrm>
+              <a:off x="6269949" y="6310281"/>
+              <a:ext cx="1034257" cy="307777"/>
+            </a:xfrm>
+            <a:prstGeom prst="rect">
+              <a:avLst/>
+            </a:prstGeom>
+            <a:noFill/>
+          </p:spPr>
+          <p:txBody>
+            <a:bodyPr wrap="none" rtlCol="0" anchor="ctr" anchorCtr="1">
+              <a:spAutoFit/>
+            </a:bodyPr>
+            <a:lstStyle/>
+            <a:p>
+              <a:r>
+                <a:rPr lang="en-US" altLang="zh-CN" sz="1400" dirty="0">
+                  <a:solidFill>
+                    <a:sysClr val="windowText" lastClr="000000"/>
+                  </a:solidFill>
+                  <a:latin typeface="Times New Roman" panose="02020603050405020304" pitchFamily="18" charset="0"/>
+                  <a:ea typeface="微软雅黑" panose="020B0503020204020204" pitchFamily="34" charset="-122"/>
+                  <a:cs typeface="Times New Roman" panose="02020603050405020304" pitchFamily="18" charset="0"/>
+                </a:rPr>
+                <a:t>New  nodes</a:t>
+              </a:r>
+              <a:endParaRPr lang="zh-CN" altLang="en-US" sz="1400" dirty="0">
+                <a:solidFill>
+                  <a:sysClr val="windowText" lastClr="000000"/>
+                </a:solidFill>
+                <a:latin typeface="Times New Roman" panose="02020603050405020304" pitchFamily="18" charset="0"/>
+                <a:ea typeface="微软雅黑" panose="020B0503020204020204" pitchFamily="34" charset="-122"/>
+                <a:cs typeface="Times New Roman" panose="02020603050405020304" pitchFamily="18" charset="0"/>
+              </a:endParaRPr>
+            </a:p>
+          </p:txBody>
+        </p:sp>
+        <p:cxnSp>
+          <p:nvCxnSpPr>
+            <p:cNvPr id="26" name="直接箭头连接符 25">
+              <a:extLst>
+                <a:ext uri="{FF2B5EF4-FFF2-40B4-BE49-F238E27FC236}">
+                  <a16:creationId xmlns:a16="http://schemas.microsoft.com/office/drawing/2014/main" id="{093E31A0-E11E-4EB9-8994-A88E574CBAA8}"/>
+                </a:ext>
+              </a:extLst>
+            </p:cNvPr>
+            <p:cNvCxnSpPr/>
+            <p:nvPr/>
+          </p:nvCxnSpPr>
+          <p:spPr bwMode="auto">
+            <a:xfrm>
+              <a:off x="5926468" y="6217414"/>
+              <a:ext cx="1377738" cy="0"/>
+            </a:xfrm>
+            <a:prstGeom prst="straightConnector1">
+              <a:avLst/>
+            </a:prstGeom>
+            <a:ln>
+              <a:tailEnd type="triangle"/>
+            </a:ln>
+          </p:spPr>
+          <p:style>
+            <a:lnRef idx="3">
+              <a:schemeClr val="dk1"/>
+            </a:lnRef>
+            <a:fillRef idx="0">
+              <a:schemeClr val="dk1"/>
+            </a:fillRef>
+            <a:effectRef idx="2">
+              <a:schemeClr val="dk1"/>
+            </a:effectRef>
+            <a:fontRef idx="minor">
+              <a:schemeClr val="tx1"/>
+            </a:fontRef>
+          </p:style>
+        </p:cxnSp>
+      </p:grpSp>
+      <p:sp>
+        <p:nvSpPr>
+          <p:cNvPr id="19" name="文本框 18">
+            <a:extLst>
+              <a:ext uri="{FF2B5EF4-FFF2-40B4-BE49-F238E27FC236}">
+                <a16:creationId xmlns:a16="http://schemas.microsoft.com/office/drawing/2014/main" id="{CF8EC204-14B9-4A98-88FC-0D6E7D19BDC9}"/>
+              </a:ext>
+            </a:extLst>
+          </p:cNvPr>
+          <p:cNvSpPr txBox="1"/>
+          <p:nvPr/>
+        </p:nvSpPr>
+        <p:spPr>
+          <a:xfrm>
+            <a:off x="6333840" y="2036082"/>
+            <a:ext cx="1490543" cy="340519"/>
+          </a:xfrm>
+          <a:prstGeom prst="roundRect">
+            <a:avLst/>
+          </a:prstGeom>
+          <a:noFill/>
+          <a:ln w="12700">
+            <a:solidFill>
+              <a:schemeClr val="tx1"/>
+            </a:solidFill>
+            <a:prstDash val="solid"/>
+          </a:ln>
+        </p:spPr>
+        <p:txBody>
+          <a:bodyPr wrap="none" rtlCol="0" anchor="ctr" anchorCtr="1">
+            <a:spAutoFit/>
+          </a:bodyPr>
+          <a:lstStyle/>
+          <a:p>
+            <a:pPr algn="ctr"/>
+            <a:r>
+              <a:rPr lang="en-US" altLang="zh-CN" sz="1400" dirty="0">
+                <a:solidFill>
+                  <a:schemeClr val="tx1"/>
+                </a:solidFill>
+                <a:latin typeface="Times New Roman" panose="02020603050405020304" pitchFamily="18" charset="0"/>
+                <a:ea typeface="微软雅黑" panose="020B0503020204020204" pitchFamily="34" charset="-122"/>
+                <a:cs typeface="Times New Roman" panose="02020603050405020304" pitchFamily="18" charset="0"/>
+              </a:rPr>
+              <a:t>Pooled PM Space</a:t>
+            </a:r>
+            <a:endParaRPr lang="zh-CN" altLang="en-US" sz="1400" dirty="0">
+              <a:solidFill>
+                <a:schemeClr val="tx1"/>
+              </a:solidFill>
+              <a:latin typeface="Times New Roman" panose="02020603050405020304" pitchFamily="18" charset="0"/>
+              <a:ea typeface="微软雅黑" panose="020B0503020204020204" pitchFamily="34" charset="-122"/>
+              <a:cs typeface="Times New Roman" panose="02020603050405020304" pitchFamily="18" charset="0"/>
+            </a:endParaRPr>
+          </a:p>
+        </p:txBody>
+      </p:sp>
+      <p:sp>
+        <p:nvSpPr>
+          <p:cNvPr id="71" name="矩形: 圆角 70">
+            <a:extLst>
+              <a:ext uri="{FF2B5EF4-FFF2-40B4-BE49-F238E27FC236}">
+                <a16:creationId xmlns:a16="http://schemas.microsoft.com/office/drawing/2014/main" id="{499B7964-3A5F-4824-9AAB-9A8684A5DCC8}"/>
+              </a:ext>
+            </a:extLst>
+          </p:cNvPr>
+          <p:cNvSpPr/>
+          <p:nvPr/>
+        </p:nvSpPr>
+        <p:spPr bwMode="auto">
+          <a:xfrm>
+            <a:off x="3385184" y="3214263"/>
+            <a:ext cx="531938" cy="157116"/>
+          </a:xfrm>
+          <a:prstGeom prst="roundRect">
+            <a:avLst/>
+          </a:prstGeom>
+          <a:noFill/>
+          <a:ln w="12700">
+            <a:solidFill>
+              <a:schemeClr val="accent6"/>
+            </a:solidFill>
+            <a:prstDash val="dash"/>
+          </a:ln>
+        </p:spPr>
+        <p:style>
+          <a:lnRef idx="2">
+            <a:schemeClr val="dk1"/>
+          </a:lnRef>
+          <a:fillRef idx="1">
+            <a:schemeClr val="lt1"/>
+          </a:fillRef>
+          <a:effectRef idx="0">
+            <a:schemeClr val="dk1"/>
+          </a:effectRef>
+          <a:fontRef idx="minor">
+            <a:schemeClr val="dk1"/>
+          </a:fontRef>
+        </p:style>
+        <p:txBody>
+          <a:bodyPr vert="horz" wrap="square" lIns="91440" tIns="45720" rIns="91440" bIns="45720" numCol="1" rtlCol="0" anchor="t" anchorCtr="0" compatLnSpc="1">
+            <a:noAutofit/>
+          </a:bodyPr>
+          <a:lstStyle/>
+          <a:p>
+            <a:pPr marL="276225" marR="0" indent="-276225" algn="l" defTabSz="914400" rtl="0" eaLnBrk="1" fontAlgn="base" latinLnBrk="0" hangingPunct="1">
+              <a:lnSpc>
+                <a:spcPct val="110000"/>
+              </a:lnSpc>
+              <a:spcBef>
+                <a:spcPct val="20000"/>
+              </a:spcBef>
+              <a:spcAft>
+                <a:spcPct val="0"/>
+              </a:spcAft>
+              <a:buClr>
+                <a:srgbClr val="3366FF"/>
+              </a:buClr>
+              <a:buSzPct val="75000"/>
+              <a:buFont typeface="Wingdings" panose="05000000000000000000" pitchFamily="2" charset="2"/>
+              <a:buNone/>
+            </a:pPr>
+            <a:endParaRPr kumimoji="1" lang="zh-CN" altLang="en-US" sz="1400" b="0" i="0" u="none" strike="noStrike" cap="none" normalizeH="0" baseline="0">
+              <a:ln>
+                <a:noFill/>
+              </a:ln>
+              <a:solidFill>
+                <a:srgbClr val="FF3300"/>
+              </a:solidFill>
+              <a:effectLst/>
+              <a:latin typeface="Times New Roman" panose="02020603050405020304" pitchFamily="18" charset="0"/>
+              <a:ea typeface="黑体" panose="02010609060101010101" pitchFamily="49" charset="-122"/>
+              <a:cs typeface="Times New Roman" panose="02020603050405020304" pitchFamily="18" charset="0"/>
+            </a:endParaRPr>
+          </a:p>
+        </p:txBody>
+      </p:sp>
+      <p:pic>
+        <p:nvPicPr>
+          <p:cNvPr id="39" name="图形 38" descr="服务器">
+            <a:extLst>
+              <a:ext uri="{FF2B5EF4-FFF2-40B4-BE49-F238E27FC236}">
+                <a16:creationId xmlns:a16="http://schemas.microsoft.com/office/drawing/2014/main" id="{B39B47A7-8C8C-4893-8FF4-0CC242648A1E}"/>
+              </a:ext>
+            </a:extLst>
+          </p:cNvPr>
+          <p:cNvPicPr>
+            <a:picLocks noChangeAspect="1"/>
+          </p:cNvPicPr>
+          <p:nvPr/>
+        </p:nvPicPr>
+        <p:blipFill>
+          <a:blip r:embed="rId2">
+            <a:extLst>
+              <a:ext uri="{28A0092B-C50C-407E-A947-70E740481C1C}">
+                <a14:useLocalDpi xmlns:a14="http://schemas.microsoft.com/office/drawing/2010/main" val="0"/>
+              </a:ext>
+              <a:ext uri="{96DAC541-7B7A-43D3-8B79-37D633B846F1}">
+                <asvg:svgBlip xmlns:asvg="http://schemas.microsoft.com/office/drawing/2016/SVG/main" r:embed="rId3"/>
+              </a:ext>
+            </a:extLst>
+          </a:blip>
+          <a:stretch>
+            <a:fillRect/>
+          </a:stretch>
+        </p:blipFill>
+        <p:spPr>
+          <a:xfrm>
+            <a:off x="6456666" y="3046303"/>
+            <a:ext cx="622446" cy="622446"/>
+          </a:xfrm>
+          <a:prstGeom prst="rect">
+            <a:avLst/>
+          </a:prstGeom>
+        </p:spPr>
+      </p:pic>
+      <p:cxnSp>
+        <p:nvCxnSpPr>
+          <p:cNvPr id="89" name="直接箭头连接符 88">
+            <a:extLst>
+              <a:ext uri="{FF2B5EF4-FFF2-40B4-BE49-F238E27FC236}">
+                <a16:creationId xmlns:a16="http://schemas.microsoft.com/office/drawing/2014/main" id="{9D2A42A7-73A9-492D-B200-BDC915B08888}"/>
+              </a:ext>
+            </a:extLst>
+          </p:cNvPr>
+          <p:cNvCxnSpPr>
+            <a:stCxn id="31" idx="2"/>
+            <a:endCxn id="38" idx="0"/>
+          </p:cNvCxnSpPr>
+          <p:nvPr/>
+        </p:nvCxnSpPr>
+        <p:spPr>
+          <a:xfrm>
+            <a:off x="5729613" y="2522985"/>
+            <a:ext cx="0" cy="523318"/>
+          </a:xfrm>
+          <a:prstGeom prst="straightConnector1">
+            <a:avLst/>
+          </a:prstGeom>
+          <a:ln>
+            <a:tailEnd type="triangle"/>
+          </a:ln>
+        </p:spPr>
+        <p:style>
+          <a:lnRef idx="2">
+            <a:schemeClr val="accent6"/>
+          </a:lnRef>
+          <a:fillRef idx="0">
+            <a:schemeClr val="accent6"/>
+          </a:fillRef>
+          <a:effectRef idx="1">
+            <a:schemeClr val="accent6"/>
+          </a:effectRef>
+          <a:fontRef idx="minor">
+            <a:schemeClr val="tx1"/>
+          </a:fontRef>
+        </p:style>
+      </p:cxnSp>
+      <p:sp>
+        <p:nvSpPr>
+          <p:cNvPr id="21" name="矩形: 圆角 20">
+            <a:extLst>
+              <a:ext uri="{FF2B5EF4-FFF2-40B4-BE49-F238E27FC236}">
+                <a16:creationId xmlns:a16="http://schemas.microsoft.com/office/drawing/2014/main" id="{4FD188A7-BFCE-4D98-A4AD-797AF6E651FA}"/>
+              </a:ext>
+            </a:extLst>
+          </p:cNvPr>
+          <p:cNvSpPr/>
+          <p:nvPr/>
+        </p:nvSpPr>
+        <p:spPr bwMode="auto">
+          <a:xfrm>
+            <a:off x="5458433" y="3215922"/>
+            <a:ext cx="1589003" cy="157116"/>
+          </a:xfrm>
+          <a:prstGeom prst="roundRect">
+            <a:avLst/>
+          </a:prstGeom>
+          <a:solidFill>
+            <a:schemeClr val="accent6">
+              <a:lumMod val="20000"/>
+              <a:lumOff val="80000"/>
+              <a:alpha val="80000"/>
+            </a:schemeClr>
+          </a:solidFill>
+          <a:ln w="12700">
+            <a:solidFill>
+              <a:schemeClr val="accent6"/>
+            </a:solidFill>
+            <a:prstDash val="solid"/>
+          </a:ln>
+        </p:spPr>
+        <p:style>
+          <a:lnRef idx="2">
+            <a:schemeClr val="dk1"/>
+          </a:lnRef>
+          <a:fillRef idx="1">
+            <a:schemeClr val="lt1"/>
+          </a:fillRef>
+          <a:effectRef idx="0">
+            <a:schemeClr val="dk1"/>
+          </a:effectRef>
+          <a:fontRef idx="minor">
+            <a:schemeClr val="dk1"/>
+          </a:fontRef>
+        </p:style>
+        <p:txBody>
+          <a:bodyPr vert="horz" wrap="square" lIns="91440" tIns="45720" rIns="91440" bIns="45720" numCol="1" rtlCol="0" anchor="t" anchorCtr="0" compatLnSpc="1">
+            <a:noAutofit/>
+          </a:bodyPr>
+          <a:lstStyle/>
+          <a:p>
+            <a:pPr marL="276225" marR="0" indent="-276225" algn="l" defTabSz="914400" rtl="0" eaLnBrk="1" fontAlgn="base" latinLnBrk="0" hangingPunct="1">
+              <a:lnSpc>
+                <a:spcPct val="110000"/>
+              </a:lnSpc>
+              <a:spcBef>
+                <a:spcPct val="20000"/>
+              </a:spcBef>
+              <a:spcAft>
+                <a:spcPct val="0"/>
+              </a:spcAft>
+              <a:buClr>
+                <a:srgbClr val="3366FF"/>
+              </a:buClr>
+              <a:buSzPct val="75000"/>
+              <a:buFont typeface="Wingdings" panose="05000000000000000000" pitchFamily="2" charset="2"/>
+              <a:buNone/>
+            </a:pPr>
+            <a:endParaRPr kumimoji="1" lang="zh-CN" altLang="en-US" sz="1400" b="0" i="0" u="none" strike="noStrike" cap="none" normalizeH="0" baseline="0">
+              <a:ln>
+                <a:noFill/>
+              </a:ln>
+              <a:solidFill>
+                <a:srgbClr val="FF3300"/>
+              </a:solidFill>
+              <a:effectLst/>
+              <a:latin typeface="Times New Roman" panose="02020603050405020304" pitchFamily="18" charset="0"/>
+              <a:ea typeface="黑体" panose="02010609060101010101" pitchFamily="49" charset="-122"/>
+              <a:cs typeface="Times New Roman" panose="02020603050405020304" pitchFamily="18" charset="0"/>
+            </a:endParaRPr>
+          </a:p>
+        </p:txBody>
+      </p:sp>
+      <p:sp>
+        <p:nvSpPr>
+          <p:cNvPr id="20" name="矩形: 圆角 19">
+            <a:extLst>
+              <a:ext uri="{FF2B5EF4-FFF2-40B4-BE49-F238E27FC236}">
+                <a16:creationId xmlns:a16="http://schemas.microsoft.com/office/drawing/2014/main" id="{473BD6DF-33AA-4D91-9732-09C257F861AF}"/>
+              </a:ext>
+            </a:extLst>
+          </p:cNvPr>
+          <p:cNvSpPr/>
+          <p:nvPr/>
+        </p:nvSpPr>
+        <p:spPr bwMode="auto">
+          <a:xfrm>
+            <a:off x="3385184" y="3350442"/>
+            <a:ext cx="2605188" cy="157116"/>
+          </a:xfrm>
+          <a:prstGeom prst="roundRect">
+            <a:avLst/>
+          </a:prstGeom>
+          <a:solidFill>
+            <a:schemeClr val="accent1">
+              <a:lumMod val="20000"/>
+              <a:lumOff val="80000"/>
+              <a:alpha val="80000"/>
+            </a:schemeClr>
+          </a:solidFill>
+          <a:ln w="12700">
+            <a:solidFill>
+              <a:srgbClr val="1588C7"/>
+            </a:solidFill>
+            <a:prstDash val="solid"/>
+          </a:ln>
+        </p:spPr>
+        <p:style>
+          <a:lnRef idx="2">
+            <a:schemeClr val="dk1"/>
+          </a:lnRef>
+          <a:fillRef idx="1">
+            <a:schemeClr val="lt1"/>
+          </a:fillRef>
+          <a:effectRef idx="0">
+            <a:schemeClr val="dk1"/>
+          </a:effectRef>
+          <a:fontRef idx="minor">
+            <a:schemeClr val="dk1"/>
+          </a:fontRef>
+        </p:style>
+        <p:txBody>
+          <a:bodyPr vert="horz" wrap="square" lIns="91440" tIns="45720" rIns="91440" bIns="45720" numCol="1" rtlCol="0" anchor="t" anchorCtr="0" compatLnSpc="1">
+            <a:noAutofit/>
+          </a:bodyPr>
+          <a:lstStyle/>
+          <a:p>
+            <a:pPr marL="276225" marR="0" indent="-276225" algn="l" defTabSz="914400" rtl="0" eaLnBrk="1" fontAlgn="base" latinLnBrk="0" hangingPunct="1">
+              <a:lnSpc>
+                <a:spcPct val="110000"/>
+              </a:lnSpc>
+              <a:spcBef>
+                <a:spcPct val="20000"/>
+              </a:spcBef>
+              <a:spcAft>
+                <a:spcPct val="0"/>
+              </a:spcAft>
+              <a:buClr>
+                <a:srgbClr val="3366FF"/>
+              </a:buClr>
+              <a:buSzPct val="75000"/>
+              <a:buFont typeface="Wingdings" panose="05000000000000000000" pitchFamily="2" charset="2"/>
+              <a:buNone/>
+            </a:pPr>
+            <a:endParaRPr kumimoji="1" lang="zh-CN" altLang="en-US" sz="1400" b="0" i="0" u="none" strike="noStrike" cap="none" normalizeH="0" baseline="0">
+              <a:ln>
+                <a:noFill/>
+              </a:ln>
+              <a:solidFill>
+                <a:srgbClr val="FF3300"/>
+              </a:solidFill>
+              <a:effectLst/>
+              <a:latin typeface="Times New Roman" panose="02020603050405020304" pitchFamily="18" charset="0"/>
+              <a:ea typeface="黑体" panose="02010609060101010101" pitchFamily="49" charset="-122"/>
+              <a:cs typeface="Times New Roman" panose="02020603050405020304" pitchFamily="18" charset="0"/>
+            </a:endParaRPr>
+          </a:p>
+        </p:txBody>
+      </p:sp>
+      <p:cxnSp>
+        <p:nvCxnSpPr>
+          <p:cNvPr id="12" name="连接符: 曲线 11">
+            <a:extLst>
+              <a:ext uri="{FF2B5EF4-FFF2-40B4-BE49-F238E27FC236}">
+                <a16:creationId xmlns:a16="http://schemas.microsoft.com/office/drawing/2014/main" id="{052483F4-D541-4253-94FD-854BEF53E959}"/>
+              </a:ext>
+            </a:extLst>
+          </p:cNvPr>
+          <p:cNvCxnSpPr>
+            <a:cxnSpLocks/>
+            <a:stCxn id="32" idx="2"/>
+            <a:endCxn id="37" idx="0"/>
+          </p:cNvCxnSpPr>
+          <p:nvPr/>
+        </p:nvCxnSpPr>
+        <p:spPr bwMode="auto">
+          <a:xfrm rot="16200000" flipH="1">
+            <a:off x="4222317" y="2578137"/>
+            <a:ext cx="522757" cy="412455"/>
+          </a:xfrm>
+          <a:prstGeom prst="curvedConnector3">
+            <a:avLst>
+              <a:gd name="adj1" fmla="val 70043"/>
+            </a:avLst>
+          </a:prstGeom>
+          <a:ln>
+            <a:solidFill>
+              <a:srgbClr val="1588C7"/>
+            </a:solidFill>
+            <a:tailEnd type="triangle"/>
+          </a:ln>
+        </p:spPr>
+        <p:style>
+          <a:lnRef idx="2">
+            <a:schemeClr val="dk1"/>
+          </a:lnRef>
+          <a:fillRef idx="0">
+            <a:schemeClr val="dk1"/>
+          </a:fillRef>
+          <a:effectRef idx="1">
+            <a:schemeClr val="dk1"/>
+          </a:effectRef>
+          <a:fontRef idx="minor">
+            <a:schemeClr val="tx1"/>
+          </a:fontRef>
+        </p:style>
+      </p:cxnSp>
+      <p:cxnSp>
+        <p:nvCxnSpPr>
+          <p:cNvPr id="44" name="连接符: 曲线 43">
+            <a:extLst>
+              <a:ext uri="{FF2B5EF4-FFF2-40B4-BE49-F238E27FC236}">
+                <a16:creationId xmlns:a16="http://schemas.microsoft.com/office/drawing/2014/main" id="{1B7B4368-EEE1-402E-AFD5-64610AE39BF5}"/>
+              </a:ext>
+            </a:extLst>
+          </p:cNvPr>
+          <p:cNvCxnSpPr>
+            <a:cxnSpLocks/>
+            <a:stCxn id="32" idx="2"/>
+            <a:endCxn id="38" idx="0"/>
+          </p:cNvCxnSpPr>
+          <p:nvPr/>
+        </p:nvCxnSpPr>
+        <p:spPr bwMode="auto">
+          <a:xfrm rot="16200000" flipH="1">
+            <a:off x="4741882" y="2058572"/>
+            <a:ext cx="523316" cy="1452145"/>
+          </a:xfrm>
+          <a:prstGeom prst="curvedConnector3">
+            <a:avLst>
+              <a:gd name="adj1" fmla="val 70019"/>
+            </a:avLst>
+          </a:prstGeom>
+          <a:ln>
+            <a:solidFill>
+              <a:srgbClr val="1588C7"/>
+            </a:solidFill>
+            <a:tailEnd type="triangle"/>
+          </a:ln>
+        </p:spPr>
+        <p:style>
+          <a:lnRef idx="2">
+            <a:schemeClr val="dk1"/>
+          </a:lnRef>
+          <a:fillRef idx="0">
+            <a:schemeClr val="dk1"/>
+          </a:fillRef>
+          <a:effectRef idx="1">
+            <a:schemeClr val="dk1"/>
+          </a:effectRef>
+          <a:fontRef idx="minor">
+            <a:schemeClr val="tx1"/>
+          </a:fontRef>
+        </p:style>
+      </p:cxnSp>
+      <p:cxnSp>
+        <p:nvCxnSpPr>
+          <p:cNvPr id="97" name="连接符: 肘形 96">
+            <a:extLst>
+              <a:ext uri="{FF2B5EF4-FFF2-40B4-BE49-F238E27FC236}">
+                <a16:creationId xmlns:a16="http://schemas.microsoft.com/office/drawing/2014/main" id="{96A6296A-7EAA-4F04-812A-D1758CC14583}"/>
+              </a:ext>
+            </a:extLst>
+          </p:cNvPr>
+          <p:cNvCxnSpPr>
+            <a:cxnSpLocks/>
+            <a:stCxn id="71" idx="1"/>
+            <a:endCxn id="39" idx="2"/>
+          </p:cNvCxnSpPr>
+          <p:nvPr/>
+        </p:nvCxnSpPr>
+        <p:spPr>
+          <a:xfrm rot="10800000" flipH="1" flipV="1">
+            <a:off x="3385183" y="3292821"/>
+            <a:ext cx="3382705" cy="375928"/>
+          </a:xfrm>
+          <a:prstGeom prst="bentConnector4">
+            <a:avLst>
+              <a:gd name="adj1" fmla="val -6758"/>
+              <a:gd name="adj2" fmla="val 147837"/>
+            </a:avLst>
+          </a:prstGeom>
+          <a:ln>
+            <a:prstDash val="sysDot"/>
+            <a:tailEnd type="triangle"/>
+          </a:ln>
+        </p:spPr>
+        <p:style>
+          <a:lnRef idx="2">
+            <a:schemeClr val="accent6"/>
+          </a:lnRef>
+          <a:fillRef idx="0">
+            <a:schemeClr val="accent6"/>
+          </a:fillRef>
+          <a:effectRef idx="1">
+            <a:schemeClr val="accent6"/>
+          </a:effectRef>
+          <a:fontRef idx="minor">
+            <a:schemeClr val="tx1"/>
+          </a:fontRef>
+        </p:style>
+      </p:cxnSp>
+      <p:sp>
+        <p:nvSpPr>
+          <p:cNvPr id="99" name="文本框 98">
+            <a:extLst>
+              <a:ext uri="{FF2B5EF4-FFF2-40B4-BE49-F238E27FC236}">
+                <a16:creationId xmlns:a16="http://schemas.microsoft.com/office/drawing/2014/main" id="{780A6826-D8FE-4181-8E35-4444A073A768}"/>
+              </a:ext>
+            </a:extLst>
+          </p:cNvPr>
+          <p:cNvSpPr txBox="1"/>
+          <p:nvPr/>
+        </p:nvSpPr>
+        <p:spPr>
+          <a:xfrm>
+            <a:off x="3405357" y="3863318"/>
+            <a:ext cx="958917" cy="246221"/>
+          </a:xfrm>
+          <a:prstGeom prst="rect">
+            <a:avLst/>
+          </a:prstGeom>
+          <a:noFill/>
+        </p:spPr>
+        <p:txBody>
+          <a:bodyPr wrap="none" rtlCol="0" anchor="ctr" anchorCtr="1">
+            <a:spAutoFit/>
+          </a:bodyPr>
+          <a:lstStyle/>
+          <a:p>
+            <a:r>
+              <a:rPr lang="en-US" altLang="zh-CN" sz="1000" dirty="0">
+                <a:solidFill>
+                  <a:sysClr val="windowText" lastClr="000000"/>
+                </a:solidFill>
+                <a:latin typeface="Times New Roman" panose="02020603050405020304" pitchFamily="18" charset="0"/>
+                <a:ea typeface="微软雅黑" panose="020B0503020204020204" pitchFamily="34" charset="-122"/>
+                <a:cs typeface="Times New Roman" panose="02020603050405020304" pitchFamily="18" charset="0"/>
+              </a:rPr>
+              <a:t>Data migration</a:t>
+            </a:r>
+            <a:endParaRPr lang="zh-CN" altLang="en-US" sz="1000" dirty="0">
+              <a:solidFill>
+                <a:sysClr val="windowText" lastClr="000000"/>
+              </a:solidFill>
+              <a:latin typeface="Times New Roman" panose="02020603050405020304" pitchFamily="18" charset="0"/>
+              <a:ea typeface="微软雅黑" panose="020B0503020204020204" pitchFamily="34" charset="-122"/>
+              <a:cs typeface="Times New Roman" panose="02020603050405020304" pitchFamily="18" charset="0"/>
+            </a:endParaRPr>
+          </a:p>
+        </p:txBody>
+      </p:sp>
+    </p:spTree>
+    <p:extLst>
+      <p:ext uri="{BB962C8B-B14F-4D97-AF65-F5344CB8AC3E}">
+        <p14:creationId xmlns:p14="http://schemas.microsoft.com/office/powerpoint/2010/main" val="2175310622"/>
+      </p:ext>
+    </p:extLst>
+  </p:cSld>
+  <p:clrMapOvr>
+    <a:masterClrMapping/>
+  </p:clrMapOvr>
+</p:sld>
+</file>
+
+<file path=ppt/slides/slide4.xml><?xml version="1.0" encoding="utf-8"?>
+<p:sld xmlns:a="http://schemas.openxmlformats.org/drawingml/2006/main" xmlns:r="http://schemas.openxmlformats.org/officeDocument/2006/relationships" xmlns:p="http://schemas.openxmlformats.org/presentationml/2006/main">
+  <p:cSld>
+    <p:spTree>
+      <p:nvGrpSpPr>
+        <p:cNvPr id="1" name=""/>
+        <p:cNvGrpSpPr/>
+        <p:nvPr/>
+      </p:nvGrpSpPr>
+      <p:grpSpPr>
+        <a:xfrm>
+          <a:off x="0" y="0"/>
+          <a:ext cx="0" cy="0"/>
+          <a:chOff x="0" y="0"/>
+          <a:chExt cx="0" cy="0"/>
+        </a:xfrm>
+      </p:grpSpPr>
+      <p:sp>
+        <p:nvSpPr>
+          <p:cNvPr id="23" name="矩形 22">
+            <a:extLst>
+              <a:ext uri="{FF2B5EF4-FFF2-40B4-BE49-F238E27FC236}">
+                <a16:creationId xmlns:a16="http://schemas.microsoft.com/office/drawing/2014/main" id="{DC3D7768-93D0-47CA-A86B-4F62A428815F}"/>
+              </a:ext>
+            </a:extLst>
+          </p:cNvPr>
+          <p:cNvSpPr/>
+          <p:nvPr/>
+        </p:nvSpPr>
+        <p:spPr>
+          <a:xfrm>
+            <a:off x="2471507" y="1191091"/>
+            <a:ext cx="896112" cy="329184"/>
+          </a:xfrm>
+          <a:prstGeom prst="rect">
+            <a:avLst/>
+          </a:prstGeom>
+          <a:ln w="12700">
+            <a:noFill/>
+          </a:ln>
+        </p:spPr>
+        <p:style>
+          <a:lnRef idx="2">
+            <a:schemeClr val="dk1"/>
+          </a:lnRef>
+          <a:fillRef idx="1">
+            <a:schemeClr val="lt1"/>
+          </a:fillRef>
+          <a:effectRef idx="0">
+            <a:schemeClr val="dk1"/>
+          </a:effectRef>
+          <a:fontRef idx="minor">
+            <a:schemeClr val="dk1"/>
+          </a:fontRef>
+        </p:style>
+        <p:txBody>
+          <a:bodyPr rtlCol="0" anchor="ctr"/>
+          <a:lstStyle/>
+          <a:p>
+            <a:pPr algn="ctr"/>
+            <a:endParaRPr lang="zh-CN" altLang="en-US" sz="1400" dirty="0">
+              <a:latin typeface="Times New Roman" panose="02020603050405020304" pitchFamily="18" charset="0"/>
+              <a:cs typeface="Times New Roman" panose="02020603050405020304" pitchFamily="18" charset="0"/>
+            </a:endParaRPr>
+          </a:p>
+        </p:txBody>
+      </p:sp>
+      <p:sp>
+        <p:nvSpPr>
+          <p:cNvPr id="13" name="矩形 12">
+            <a:extLst>
+              <a:ext uri="{FF2B5EF4-FFF2-40B4-BE49-F238E27FC236}">
+                <a16:creationId xmlns:a16="http://schemas.microsoft.com/office/drawing/2014/main" id="{F4CC4291-F678-4DA6-BA0B-83349308C9D7}"/>
+              </a:ext>
+            </a:extLst>
+          </p:cNvPr>
+          <p:cNvSpPr/>
+          <p:nvPr/>
+        </p:nvSpPr>
+        <p:spPr>
+          <a:xfrm>
+            <a:off x="3089857" y="4327483"/>
+            <a:ext cx="2880000" cy="553212"/>
+          </a:xfrm>
+          <a:prstGeom prst="rect">
+            <a:avLst/>
+          </a:prstGeom>
+          <a:solidFill>
+            <a:schemeClr val="accent4">
+              <a:lumMod val="20000"/>
+              <a:lumOff val="80000"/>
+            </a:schemeClr>
+          </a:solidFill>
+          <a:ln w="12700"/>
+        </p:spPr>
+        <p:style>
+          <a:lnRef idx="2">
+            <a:schemeClr val="dk1"/>
+          </a:lnRef>
+          <a:fillRef idx="1">
+            <a:schemeClr val="lt1"/>
+          </a:fillRef>
+          <a:effectRef idx="0">
+            <a:schemeClr val="dk1"/>
+          </a:effectRef>
+          <a:fontRef idx="minor">
+            <a:schemeClr val="dk1"/>
+          </a:fontRef>
+        </p:style>
+        <p:txBody>
+          <a:bodyPr rtlCol="0" anchor="ctr"/>
+          <a:lstStyle/>
+          <a:p>
+            <a:pPr algn="ctr"/>
+            <a:r>
+              <a:rPr lang="en-US" altLang="zh-CN" sz="1400" dirty="0">
+                <a:latin typeface="Courier New" panose="02070309020205020404" pitchFamily="49" charset="0"/>
+                <a:cs typeface="Courier New" panose="02070309020205020404" pitchFamily="49" charset="0"/>
+              </a:rPr>
+              <a:t>Key Fingerprint</a:t>
+            </a:r>
+            <a:endParaRPr lang="zh-CN" altLang="en-US" sz="1400" dirty="0">
+              <a:latin typeface="Courier New" panose="02070309020205020404" pitchFamily="49" charset="0"/>
+              <a:cs typeface="Courier New" panose="02070309020205020404" pitchFamily="49" charset="0"/>
+            </a:endParaRPr>
+          </a:p>
+        </p:txBody>
+      </p:sp>
+      <p:sp>
+        <p:nvSpPr>
+          <p:cNvPr id="32" name="矩形 31">
+            <a:extLst>
+              <a:ext uri="{FF2B5EF4-FFF2-40B4-BE49-F238E27FC236}">
+                <a16:creationId xmlns:a16="http://schemas.microsoft.com/office/drawing/2014/main" id="{53BE6D2F-308F-4604-A4D1-F583A1D93590}"/>
+              </a:ext>
+            </a:extLst>
+          </p:cNvPr>
+          <p:cNvSpPr/>
+          <p:nvPr/>
+        </p:nvSpPr>
+        <p:spPr>
+          <a:xfrm>
+            <a:off x="5969857" y="4327483"/>
+            <a:ext cx="1048449" cy="553212"/>
+          </a:xfrm>
+          <a:prstGeom prst="rect">
+            <a:avLst/>
+          </a:prstGeom>
+          <a:solidFill>
+            <a:schemeClr val="accent4">
+              <a:lumMod val="20000"/>
+              <a:lumOff val="80000"/>
+            </a:schemeClr>
+          </a:solidFill>
+          <a:ln w="12700"/>
+        </p:spPr>
+        <p:style>
+          <a:lnRef idx="2">
+            <a:schemeClr val="dk1"/>
+          </a:lnRef>
+          <a:fillRef idx="1">
+            <a:schemeClr val="lt1"/>
+          </a:fillRef>
+          <a:effectRef idx="0">
+            <a:schemeClr val="dk1"/>
+          </a:effectRef>
+          <a:fontRef idx="minor">
+            <a:schemeClr val="dk1"/>
+          </a:fontRef>
+        </p:style>
+        <p:txBody>
+          <a:bodyPr rtlCol="0" anchor="ctr"/>
+          <a:lstStyle/>
+          <a:p>
+            <a:pPr algn="ctr"/>
+            <a:r>
+              <a:rPr lang="en-US" altLang="zh-CN" sz="1400" dirty="0" err="1">
+                <a:latin typeface="Courier New" panose="02070309020205020404" pitchFamily="49" charset="0"/>
+                <a:cs typeface="Courier New" panose="02070309020205020404" pitchFamily="49" charset="0"/>
+              </a:rPr>
+              <a:t>nr_slots</a:t>
+            </a:r>
+            <a:endParaRPr lang="zh-CN" altLang="en-US" sz="1400" dirty="0">
+              <a:latin typeface="Courier New" panose="02070309020205020404" pitchFamily="49" charset="0"/>
+              <a:cs typeface="Courier New" panose="02070309020205020404" pitchFamily="49" charset="0"/>
+            </a:endParaRPr>
+          </a:p>
+        </p:txBody>
+      </p:sp>
+      <p:sp>
+        <p:nvSpPr>
+          <p:cNvPr id="33" name="矩形 32">
+            <a:extLst>
+              <a:ext uri="{FF2B5EF4-FFF2-40B4-BE49-F238E27FC236}">
+                <a16:creationId xmlns:a16="http://schemas.microsoft.com/office/drawing/2014/main" id="{9F7D38A0-7A56-4BCC-8F04-A7DC3AE11BE2}"/>
+              </a:ext>
+            </a:extLst>
+          </p:cNvPr>
+          <p:cNvSpPr/>
+          <p:nvPr/>
+        </p:nvSpPr>
+        <p:spPr>
+          <a:xfrm>
+            <a:off x="7018306" y="4327483"/>
+            <a:ext cx="360000" cy="553212"/>
+          </a:xfrm>
+          <a:prstGeom prst="rect">
+            <a:avLst/>
+          </a:prstGeom>
+          <a:solidFill>
+            <a:schemeClr val="accent4">
+              <a:lumMod val="20000"/>
+              <a:lumOff val="80000"/>
+            </a:schemeClr>
+          </a:solidFill>
+          <a:ln w="12700"/>
+        </p:spPr>
+        <p:style>
+          <a:lnRef idx="2">
+            <a:schemeClr val="dk1"/>
+          </a:lnRef>
+          <a:fillRef idx="1">
+            <a:schemeClr val="lt1"/>
+          </a:fillRef>
+          <a:effectRef idx="0">
+            <a:schemeClr val="dk1"/>
+          </a:effectRef>
+          <a:fontRef idx="minor">
+            <a:schemeClr val="dk1"/>
+          </a:fontRef>
+        </p:style>
+        <p:txBody>
+          <a:bodyPr vert="eaVert" rtlCol="0" anchor="ctr"/>
+          <a:lstStyle/>
+          <a:p>
+            <a:pPr algn="ctr"/>
+            <a:r>
+              <a:rPr lang="en-US" altLang="zh-CN" sz="1200" dirty="0">
+                <a:latin typeface="Courier New" panose="02070309020205020404" pitchFamily="49" charset="0"/>
+                <a:cs typeface="Courier New" panose="02070309020205020404" pitchFamily="49" charset="0"/>
+              </a:rPr>
+              <a:t>Valid</a:t>
+            </a:r>
+            <a:endParaRPr lang="zh-CN" altLang="en-US" sz="1200" dirty="0">
+              <a:latin typeface="Courier New" panose="02070309020205020404" pitchFamily="49" charset="0"/>
+              <a:cs typeface="Courier New" panose="02070309020205020404" pitchFamily="49" charset="0"/>
+            </a:endParaRPr>
+          </a:p>
+        </p:txBody>
+      </p:sp>
+      <p:sp>
+        <p:nvSpPr>
+          <p:cNvPr id="39" name="文本框 38">
+            <a:extLst>
+              <a:ext uri="{FF2B5EF4-FFF2-40B4-BE49-F238E27FC236}">
+                <a16:creationId xmlns:a16="http://schemas.microsoft.com/office/drawing/2014/main" id="{D9EF0919-5168-4E6A-8496-7807EE036494}"/>
+              </a:ext>
+            </a:extLst>
+          </p:cNvPr>
+          <p:cNvSpPr txBox="1"/>
+          <p:nvPr/>
+        </p:nvSpPr>
+        <p:spPr>
+          <a:xfrm>
+            <a:off x="7018306" y="4887483"/>
+            <a:ext cx="360000" cy="307777"/>
+          </a:xfrm>
+          <a:prstGeom prst="rect">
+            <a:avLst/>
+          </a:prstGeom>
+          <a:noFill/>
+        </p:spPr>
+        <p:txBody>
+          <a:bodyPr wrap="square" lIns="0" rIns="0" rtlCol="0">
+            <a:noAutofit/>
+          </a:bodyPr>
+          <a:lstStyle/>
+          <a:p>
+            <a:pPr algn="ctr"/>
+            <a:r>
+              <a:rPr lang="en-US" altLang="zh-CN" sz="1400" dirty="0">
+                <a:latin typeface="Courier New" panose="02070309020205020404" pitchFamily="49" charset="0"/>
+                <a:cs typeface="Courier New" panose="02070309020205020404" pitchFamily="49" charset="0"/>
+              </a:rPr>
+              <a:t>56</a:t>
+            </a:r>
+            <a:endParaRPr lang="zh-CN" altLang="en-US" sz="1400" dirty="0">
+              <a:latin typeface="Courier New" panose="02070309020205020404" pitchFamily="49" charset="0"/>
+              <a:cs typeface="Courier New" panose="02070309020205020404" pitchFamily="49" charset="0"/>
+            </a:endParaRPr>
+          </a:p>
+        </p:txBody>
+      </p:sp>
+      <p:sp>
+        <p:nvSpPr>
+          <p:cNvPr id="42" name="矩形 41">
+            <a:extLst>
+              <a:ext uri="{FF2B5EF4-FFF2-40B4-BE49-F238E27FC236}">
+                <a16:creationId xmlns:a16="http://schemas.microsoft.com/office/drawing/2014/main" id="{D1844252-AE1A-4EB4-8927-3FB9F2F78601}"/>
+              </a:ext>
+            </a:extLst>
+          </p:cNvPr>
+          <p:cNvSpPr/>
+          <p:nvPr/>
+        </p:nvSpPr>
+        <p:spPr>
+          <a:xfrm>
+            <a:off x="7378306" y="4327483"/>
+            <a:ext cx="1080000" cy="553212"/>
+          </a:xfrm>
+          <a:prstGeom prst="rect">
+            <a:avLst/>
+          </a:prstGeom>
+          <a:solidFill>
+            <a:schemeClr val="accent4">
+              <a:lumMod val="20000"/>
+              <a:lumOff val="80000"/>
+            </a:schemeClr>
+          </a:solidFill>
+          <a:ln w="12700"/>
+        </p:spPr>
+        <p:style>
+          <a:lnRef idx="2">
+            <a:schemeClr val="dk1"/>
+          </a:lnRef>
+          <a:fillRef idx="1">
+            <a:schemeClr val="lt1"/>
+          </a:fillRef>
+          <a:effectRef idx="0">
+            <a:schemeClr val="dk1"/>
+          </a:effectRef>
+          <a:fontRef idx="minor">
+            <a:schemeClr val="dk1"/>
+          </a:fontRef>
+        </p:style>
+        <p:txBody>
+          <a:bodyPr rtlCol="0" anchor="ctr"/>
+          <a:lstStyle/>
+          <a:p>
+            <a:pPr algn="ctr"/>
+            <a:r>
+              <a:rPr lang="en-US" altLang="zh-CN" sz="1200" dirty="0">
+                <a:latin typeface="Courier New" panose="02070309020205020404" pitchFamily="49" charset="0"/>
+                <a:cs typeface="Courier New" panose="02070309020205020404" pitchFamily="49" charset="0"/>
+              </a:rPr>
+              <a:t>000_000</a:t>
+            </a:r>
+            <a:endParaRPr lang="zh-CN" altLang="en-US" sz="1200" dirty="0">
+              <a:latin typeface="Courier New" panose="02070309020205020404" pitchFamily="49" charset="0"/>
+              <a:cs typeface="Courier New" panose="02070309020205020404" pitchFamily="49" charset="0"/>
+            </a:endParaRPr>
+          </a:p>
+        </p:txBody>
+      </p:sp>
+      <p:sp>
+        <p:nvSpPr>
+          <p:cNvPr id="43" name="矩形 42">
+            <a:extLst>
+              <a:ext uri="{FF2B5EF4-FFF2-40B4-BE49-F238E27FC236}">
+                <a16:creationId xmlns:a16="http://schemas.microsoft.com/office/drawing/2014/main" id="{352BF938-D524-43AF-A3F3-81776A6176B0}"/>
+              </a:ext>
+            </a:extLst>
+          </p:cNvPr>
+          <p:cNvSpPr/>
+          <p:nvPr/>
+        </p:nvSpPr>
+        <p:spPr>
+          <a:xfrm>
+            <a:off x="8458306" y="4327483"/>
+            <a:ext cx="360000" cy="553212"/>
+          </a:xfrm>
+          <a:prstGeom prst="rect">
+            <a:avLst/>
+          </a:prstGeom>
+          <a:solidFill>
+            <a:schemeClr val="accent4">
+              <a:lumMod val="20000"/>
+              <a:lumOff val="80000"/>
+            </a:schemeClr>
+          </a:solidFill>
+          <a:ln w="12700"/>
+        </p:spPr>
+        <p:style>
+          <a:lnRef idx="2">
+            <a:schemeClr val="dk1"/>
+          </a:lnRef>
+          <a:fillRef idx="1">
+            <a:schemeClr val="lt1"/>
+          </a:fillRef>
+          <a:effectRef idx="0">
+            <a:schemeClr val="dk1"/>
+          </a:effectRef>
+          <a:fontRef idx="minor">
+            <a:schemeClr val="dk1"/>
+          </a:fontRef>
+        </p:style>
+        <p:txBody>
+          <a:bodyPr vert="eaVert" rtlCol="0" anchor="ctr"/>
+          <a:lstStyle/>
+          <a:p>
+            <a:pPr algn="ctr"/>
+            <a:r>
+              <a:rPr lang="en-US" altLang="zh-CN" sz="1200" dirty="0">
+                <a:latin typeface="Courier New" panose="02070309020205020404" pitchFamily="49" charset="0"/>
+                <a:cs typeface="Courier New" panose="02070309020205020404" pitchFamily="49" charset="0"/>
+              </a:rPr>
+              <a:t>Lock</a:t>
+            </a:r>
+            <a:endParaRPr lang="zh-CN" altLang="en-US" sz="1200" dirty="0">
+              <a:latin typeface="Courier New" panose="02070309020205020404" pitchFamily="49" charset="0"/>
+              <a:cs typeface="Courier New" panose="02070309020205020404" pitchFamily="49" charset="0"/>
+            </a:endParaRPr>
+          </a:p>
+        </p:txBody>
+      </p:sp>
+      <p:sp>
+        <p:nvSpPr>
+          <p:cNvPr id="44" name="文本框 43">
+            <a:extLst>
+              <a:ext uri="{FF2B5EF4-FFF2-40B4-BE49-F238E27FC236}">
+                <a16:creationId xmlns:a16="http://schemas.microsoft.com/office/drawing/2014/main" id="{9E34E6D8-BE7C-4D1E-B325-8F2C0FE8AB46}"/>
+              </a:ext>
+            </a:extLst>
+          </p:cNvPr>
+          <p:cNvSpPr txBox="1"/>
+          <p:nvPr/>
+        </p:nvSpPr>
+        <p:spPr>
+          <a:xfrm>
+            <a:off x="8458306" y="4880696"/>
+            <a:ext cx="360000" cy="307777"/>
+          </a:xfrm>
+          <a:prstGeom prst="rect">
+            <a:avLst/>
+          </a:prstGeom>
+          <a:noFill/>
+        </p:spPr>
+        <p:txBody>
+          <a:bodyPr wrap="square" lIns="0" rIns="0" rtlCol="0">
+            <a:noAutofit/>
+          </a:bodyPr>
+          <a:lstStyle/>
+          <a:p>
+            <a:pPr algn="ctr"/>
+            <a:r>
+              <a:rPr lang="en-US" altLang="zh-CN" sz="1400" dirty="0">
+                <a:latin typeface="Courier New" panose="02070309020205020404" pitchFamily="49" charset="0"/>
+                <a:cs typeface="Courier New" panose="02070309020205020404" pitchFamily="49" charset="0"/>
+              </a:rPr>
+              <a:t>63</a:t>
+            </a:r>
+            <a:endParaRPr lang="zh-CN" altLang="en-US" sz="1400" dirty="0">
+              <a:latin typeface="Courier New" panose="02070309020205020404" pitchFamily="49" charset="0"/>
+              <a:cs typeface="Courier New" panose="02070309020205020404" pitchFamily="49" charset="0"/>
+            </a:endParaRPr>
+          </a:p>
+        </p:txBody>
+      </p:sp>
+      <p:sp>
+        <p:nvSpPr>
+          <p:cNvPr id="45" name="文本框 44">
+            <a:extLst>
+              <a:ext uri="{FF2B5EF4-FFF2-40B4-BE49-F238E27FC236}">
+                <a16:creationId xmlns:a16="http://schemas.microsoft.com/office/drawing/2014/main" id="{DCF1D8DD-5185-47FB-973D-3E871BBC2E6B}"/>
+              </a:ext>
+            </a:extLst>
+          </p:cNvPr>
+          <p:cNvSpPr txBox="1"/>
+          <p:nvPr/>
+        </p:nvSpPr>
+        <p:spPr>
+          <a:xfrm>
+            <a:off x="5969857" y="4880695"/>
+            <a:ext cx="360000" cy="307777"/>
+          </a:xfrm>
+          <a:prstGeom prst="rect">
+            <a:avLst/>
+          </a:prstGeom>
+          <a:noFill/>
+        </p:spPr>
+        <p:txBody>
+          <a:bodyPr wrap="square" lIns="0" rIns="0" rtlCol="0">
+            <a:noAutofit/>
+          </a:bodyPr>
+          <a:lstStyle/>
+          <a:p>
+            <a:pPr algn="ctr"/>
+            <a:r>
+              <a:rPr lang="en-US" altLang="zh-CN" sz="1400" dirty="0">
+                <a:latin typeface="Courier New" panose="02070309020205020404" pitchFamily="49" charset="0"/>
+                <a:cs typeface="Courier New" panose="02070309020205020404" pitchFamily="49" charset="0"/>
+              </a:rPr>
+              <a:t>32</a:t>
+            </a:r>
+            <a:endParaRPr lang="zh-CN" altLang="en-US" sz="1400" dirty="0">
+              <a:latin typeface="Courier New" panose="02070309020205020404" pitchFamily="49" charset="0"/>
+              <a:cs typeface="Courier New" panose="02070309020205020404" pitchFamily="49" charset="0"/>
+            </a:endParaRPr>
+          </a:p>
+        </p:txBody>
+      </p:sp>
+      <p:sp>
+        <p:nvSpPr>
+          <p:cNvPr id="46" name="文本框 45">
+            <a:extLst>
+              <a:ext uri="{FF2B5EF4-FFF2-40B4-BE49-F238E27FC236}">
+                <a16:creationId xmlns:a16="http://schemas.microsoft.com/office/drawing/2014/main" id="{485E8B13-8EB0-46BE-B91B-A9285C1B83E3}"/>
+              </a:ext>
+            </a:extLst>
+          </p:cNvPr>
+          <p:cNvSpPr txBox="1"/>
+          <p:nvPr/>
+        </p:nvSpPr>
+        <p:spPr>
+          <a:xfrm>
+            <a:off x="3089857" y="4887483"/>
+            <a:ext cx="360000" cy="307777"/>
+          </a:xfrm>
+          <a:prstGeom prst="rect">
+            <a:avLst/>
+          </a:prstGeom>
+          <a:noFill/>
+        </p:spPr>
+        <p:txBody>
+          <a:bodyPr wrap="square" lIns="0" rIns="0" rtlCol="0">
+            <a:noAutofit/>
+          </a:bodyPr>
+          <a:lstStyle/>
+          <a:p>
+            <a:pPr algn="ctr"/>
+            <a:r>
+              <a:rPr lang="en-US" altLang="zh-CN" sz="1400" dirty="0">
+                <a:latin typeface="Courier New" panose="02070309020205020404" pitchFamily="49" charset="0"/>
+                <a:cs typeface="Courier New" panose="02070309020205020404" pitchFamily="49" charset="0"/>
+              </a:rPr>
+              <a:t>0</a:t>
+            </a:r>
+            <a:endParaRPr lang="zh-CN" altLang="en-US" sz="1400" dirty="0">
+              <a:latin typeface="Courier New" panose="02070309020205020404" pitchFamily="49" charset="0"/>
+              <a:cs typeface="Courier New" panose="02070309020205020404" pitchFamily="49" charset="0"/>
+            </a:endParaRPr>
+          </a:p>
+        </p:txBody>
+      </p:sp>
+      <p:cxnSp>
+        <p:nvCxnSpPr>
+          <p:cNvPr id="51" name="直接连接符 50">
+            <a:extLst>
+              <a:ext uri="{FF2B5EF4-FFF2-40B4-BE49-F238E27FC236}">
+                <a16:creationId xmlns:a16="http://schemas.microsoft.com/office/drawing/2014/main" id="{1B41F268-564C-4EB9-860A-EDE24C48ECCF}"/>
+              </a:ext>
+            </a:extLst>
+          </p:cNvPr>
+          <p:cNvCxnSpPr>
+            <a:cxnSpLocks/>
+          </p:cNvCxnSpPr>
+          <p:nvPr/>
+        </p:nvCxnSpPr>
+        <p:spPr>
+          <a:xfrm flipH="1">
+            <a:off x="3089848" y="3815419"/>
+            <a:ext cx="2887616" cy="515456"/>
+          </a:xfrm>
+          <a:prstGeom prst="line">
+            <a:avLst/>
+          </a:prstGeom>
+        </p:spPr>
+        <p:style>
+          <a:lnRef idx="2">
+            <a:schemeClr val="dk1"/>
+          </a:lnRef>
+          <a:fillRef idx="0">
+            <a:schemeClr val="dk1"/>
+          </a:fillRef>
+          <a:effectRef idx="1">
+            <a:schemeClr val="dk1"/>
+          </a:effectRef>
+          <a:fontRef idx="minor">
+            <a:schemeClr val="tx1"/>
+          </a:fontRef>
+        </p:style>
+      </p:cxnSp>
+      <p:cxnSp>
+        <p:nvCxnSpPr>
+          <p:cNvPr id="52" name="直接连接符 51">
+            <a:extLst>
+              <a:ext uri="{FF2B5EF4-FFF2-40B4-BE49-F238E27FC236}">
+                <a16:creationId xmlns:a16="http://schemas.microsoft.com/office/drawing/2014/main" id="{841F2B1A-EE02-4046-97F6-C402EFA46CF6}"/>
+              </a:ext>
+            </a:extLst>
+          </p:cNvPr>
+          <p:cNvCxnSpPr>
+            <a:cxnSpLocks/>
+          </p:cNvCxnSpPr>
+          <p:nvPr/>
+        </p:nvCxnSpPr>
+        <p:spPr>
+          <a:xfrm>
+            <a:off x="7698839" y="3815212"/>
+            <a:ext cx="1119467" cy="512270"/>
+          </a:xfrm>
+          <a:prstGeom prst="line">
+            <a:avLst/>
+          </a:prstGeom>
+        </p:spPr>
+        <p:style>
+          <a:lnRef idx="2">
+            <a:schemeClr val="dk1"/>
+          </a:lnRef>
+          <a:fillRef idx="0">
+            <a:schemeClr val="dk1"/>
+          </a:fillRef>
+          <a:effectRef idx="1">
+            <a:schemeClr val="dk1"/>
+          </a:effectRef>
+          <a:fontRef idx="minor">
+            <a:schemeClr val="tx1"/>
+          </a:fontRef>
+        </p:style>
+      </p:cxnSp>
+      <p:sp>
+        <p:nvSpPr>
+          <p:cNvPr id="24" name="矩形 23">
+            <a:extLst>
+              <a:ext uri="{FF2B5EF4-FFF2-40B4-BE49-F238E27FC236}">
+                <a16:creationId xmlns:a16="http://schemas.microsoft.com/office/drawing/2014/main" id="{95A80C1B-016B-4949-AFB5-05B995EAD508}"/>
+              </a:ext>
+            </a:extLst>
+          </p:cNvPr>
+          <p:cNvSpPr/>
+          <p:nvPr/>
+        </p:nvSpPr>
+        <p:spPr>
+          <a:xfrm>
+            <a:off x="7699582" y="1191089"/>
+            <a:ext cx="896112" cy="329184"/>
+          </a:xfrm>
+          <a:prstGeom prst="rect">
+            <a:avLst/>
+          </a:prstGeom>
+          <a:ln w="12700">
+            <a:noFill/>
+          </a:ln>
+        </p:spPr>
+        <p:style>
+          <a:lnRef idx="2">
+            <a:schemeClr val="dk1"/>
+          </a:lnRef>
+          <a:fillRef idx="1">
+            <a:schemeClr val="lt1"/>
+          </a:fillRef>
+          <a:effectRef idx="0">
+            <a:schemeClr val="dk1"/>
+          </a:effectRef>
+          <a:fontRef idx="minor">
+            <a:schemeClr val="dk1"/>
+          </a:fontRef>
+        </p:style>
+        <p:txBody>
+          <a:bodyPr rtlCol="0" anchor="ctr"/>
+          <a:lstStyle/>
+          <a:p>
+            <a:pPr algn="ctr"/>
+            <a:endParaRPr lang="zh-CN" altLang="en-US" sz="1400" dirty="0">
+              <a:latin typeface="Times New Roman" panose="02020603050405020304" pitchFamily="18" charset="0"/>
+              <a:cs typeface="Times New Roman" panose="02020603050405020304" pitchFamily="18" charset="0"/>
+            </a:endParaRPr>
+          </a:p>
+        </p:txBody>
+      </p:sp>
+      <p:cxnSp>
+        <p:nvCxnSpPr>
+          <p:cNvPr id="15" name="直接连接符 14">
+            <a:extLst>
+              <a:ext uri="{FF2B5EF4-FFF2-40B4-BE49-F238E27FC236}">
+                <a16:creationId xmlns:a16="http://schemas.microsoft.com/office/drawing/2014/main" id="{63924583-6070-4BFC-A732-AD3539700A5A}"/>
+              </a:ext>
+            </a:extLst>
+          </p:cNvPr>
+          <p:cNvCxnSpPr/>
+          <p:nvPr/>
+        </p:nvCxnSpPr>
+        <p:spPr>
+          <a:xfrm flipV="1">
+            <a:off x="3367619" y="1117937"/>
+            <a:ext cx="0" cy="475488"/>
+          </a:xfrm>
+          <a:prstGeom prst="line">
+            <a:avLst/>
+          </a:prstGeom>
+          <a:ln>
+            <a:solidFill>
+              <a:schemeClr val="tx1"/>
+            </a:solidFill>
+            <a:prstDash val="dash"/>
+          </a:ln>
+        </p:spPr>
+        <p:style>
+          <a:lnRef idx="2">
+            <a:schemeClr val="dk1"/>
+          </a:lnRef>
+          <a:fillRef idx="0">
+            <a:schemeClr val="dk1"/>
+          </a:fillRef>
+          <a:effectRef idx="1">
+            <a:schemeClr val="dk1"/>
+          </a:effectRef>
+          <a:fontRef idx="minor">
+            <a:schemeClr val="tx1"/>
+          </a:fontRef>
+        </p:style>
+      </p:cxnSp>
+      <p:cxnSp>
+        <p:nvCxnSpPr>
+          <p:cNvPr id="16" name="直接连接符 15">
+            <a:extLst>
+              <a:ext uri="{FF2B5EF4-FFF2-40B4-BE49-F238E27FC236}">
+                <a16:creationId xmlns:a16="http://schemas.microsoft.com/office/drawing/2014/main" id="{5F34760A-DD1B-4E85-924F-32AA10A9E016}"/>
+              </a:ext>
+            </a:extLst>
+          </p:cNvPr>
+          <p:cNvCxnSpPr/>
+          <p:nvPr/>
+        </p:nvCxnSpPr>
+        <p:spPr>
+          <a:xfrm flipV="1">
+            <a:off x="7699582" y="1117937"/>
+            <a:ext cx="0" cy="475488"/>
+          </a:xfrm>
+          <a:prstGeom prst="line">
+            <a:avLst/>
+          </a:prstGeom>
+          <a:ln>
+            <a:prstDash val="dash"/>
+          </a:ln>
+        </p:spPr>
+        <p:style>
+          <a:lnRef idx="2">
+            <a:schemeClr val="dk1"/>
+          </a:lnRef>
+          <a:fillRef idx="0">
+            <a:schemeClr val="dk1"/>
+          </a:fillRef>
+          <a:effectRef idx="1">
+            <a:schemeClr val="dk1"/>
+          </a:effectRef>
+          <a:fontRef idx="minor">
+            <a:schemeClr val="tx1"/>
+          </a:fontRef>
+        </p:style>
+      </p:cxnSp>
+      <p:grpSp>
+        <p:nvGrpSpPr>
+          <p:cNvPr id="19" name="组合 18">
+            <a:extLst>
+              <a:ext uri="{FF2B5EF4-FFF2-40B4-BE49-F238E27FC236}">
+                <a16:creationId xmlns:a16="http://schemas.microsoft.com/office/drawing/2014/main" id="{5CC777CA-C763-4BAE-866A-C9B98A5F1E8B}"/>
+              </a:ext>
+            </a:extLst>
+          </p:cNvPr>
+          <p:cNvGrpSpPr/>
+          <p:nvPr/>
+        </p:nvGrpSpPr>
+        <p:grpSpPr>
+          <a:xfrm>
+            <a:off x="3367619" y="1593427"/>
+            <a:ext cx="4331968" cy="2221992"/>
+            <a:chOff x="3638552" y="1051560"/>
+            <a:chExt cx="4331968" cy="2221992"/>
+          </a:xfrm>
+        </p:grpSpPr>
+        <p:sp>
+          <p:nvSpPr>
+            <p:cNvPr id="4" name="矩形 3">
+              <a:extLst>
+                <a:ext uri="{FF2B5EF4-FFF2-40B4-BE49-F238E27FC236}">
+                  <a16:creationId xmlns:a16="http://schemas.microsoft.com/office/drawing/2014/main" id="{5549C889-3055-4C99-99E3-33A921910AA7}"/>
+                </a:ext>
+              </a:extLst>
+            </p:cNvPr>
+            <p:cNvSpPr/>
+            <p:nvPr/>
+          </p:nvSpPr>
+          <p:spPr>
+            <a:xfrm>
+              <a:off x="3638552" y="1051560"/>
+              <a:ext cx="2609844" cy="2221992"/>
+            </a:xfrm>
+            <a:prstGeom prst="rect">
+              <a:avLst/>
+            </a:prstGeom>
+            <a:solidFill>
+              <a:schemeClr val="accent5">
+                <a:lumMod val="20000"/>
+                <a:lumOff val="80000"/>
+              </a:schemeClr>
+            </a:solidFill>
+            <a:ln w="12700"/>
+          </p:spPr>
+          <p:style>
+            <a:lnRef idx="2">
+              <a:schemeClr val="dk1"/>
+            </a:lnRef>
+            <a:fillRef idx="1">
+              <a:schemeClr val="lt1"/>
+            </a:fillRef>
+            <a:effectRef idx="0">
+              <a:schemeClr val="dk1"/>
+            </a:effectRef>
+            <a:fontRef idx="minor">
+              <a:schemeClr val="dk1"/>
+            </a:fontRef>
+          </p:style>
+          <p:txBody>
+            <a:bodyPr rtlCol="0" anchor="ctr"/>
+            <a:lstStyle/>
+            <a:p>
+              <a:pPr algn="ctr"/>
+              <a:r>
+                <a:rPr lang="en-US" altLang="zh-CN" sz="1400" dirty="0">
+                  <a:latin typeface="Courier New" panose="02070309020205020404" pitchFamily="49" charset="0"/>
+                  <a:cs typeface="Courier New" panose="02070309020205020404" pitchFamily="49" charset="0"/>
+                </a:rPr>
+                <a:t>Value</a:t>
+              </a:r>
+              <a:endParaRPr lang="zh-CN" altLang="en-US" sz="1400" dirty="0">
+                <a:latin typeface="Courier New" panose="02070309020205020404" pitchFamily="49" charset="0"/>
+                <a:cs typeface="Courier New" panose="02070309020205020404" pitchFamily="49" charset="0"/>
+              </a:endParaRPr>
+            </a:p>
+          </p:txBody>
+        </p:sp>
+        <p:sp>
+          <p:nvSpPr>
+            <p:cNvPr id="5" name="矩形 4">
+              <a:extLst>
+                <a:ext uri="{FF2B5EF4-FFF2-40B4-BE49-F238E27FC236}">
+                  <a16:creationId xmlns:a16="http://schemas.microsoft.com/office/drawing/2014/main" id="{B1A7152B-1AA0-4A3F-B82F-5584CFFA8584}"/>
+                </a:ext>
+              </a:extLst>
+            </p:cNvPr>
+            <p:cNvSpPr/>
+            <p:nvPr/>
+          </p:nvSpPr>
+          <p:spPr>
+            <a:xfrm>
+              <a:off x="6248400" y="1051560"/>
+              <a:ext cx="1722115" cy="1281331"/>
+            </a:xfrm>
+            <a:prstGeom prst="rect">
+              <a:avLst/>
+            </a:prstGeom>
+            <a:solidFill>
+              <a:schemeClr val="accent5">
+                <a:lumMod val="20000"/>
+                <a:lumOff val="80000"/>
+              </a:schemeClr>
+            </a:solidFill>
+            <a:ln w="12700"/>
+          </p:spPr>
+          <p:style>
+            <a:lnRef idx="2">
+              <a:schemeClr val="dk1"/>
+            </a:lnRef>
+            <a:fillRef idx="1">
+              <a:schemeClr val="lt1"/>
+            </a:fillRef>
+            <a:effectRef idx="0">
+              <a:schemeClr val="dk1"/>
+            </a:effectRef>
+            <a:fontRef idx="minor">
+              <a:schemeClr val="dk1"/>
+            </a:fontRef>
+          </p:style>
+          <p:txBody>
+            <a:bodyPr rtlCol="0" anchor="ctr"/>
+            <a:lstStyle/>
+            <a:p>
+              <a:pPr algn="ctr"/>
+              <a:r>
+                <a:rPr lang="en-US" altLang="zh-CN" sz="1400" dirty="0">
+                  <a:latin typeface="Courier New" panose="02070309020205020404" pitchFamily="49" charset="0"/>
+                  <a:cs typeface="Courier New" panose="02070309020205020404" pitchFamily="49" charset="0"/>
+                </a:rPr>
+                <a:t>Key</a:t>
+              </a:r>
+              <a:endParaRPr lang="zh-CN" altLang="en-US" sz="1400" dirty="0">
+                <a:latin typeface="Courier New" panose="02070309020205020404" pitchFamily="49" charset="0"/>
+                <a:cs typeface="Courier New" panose="02070309020205020404" pitchFamily="49" charset="0"/>
+              </a:endParaRPr>
+            </a:p>
+          </p:txBody>
+        </p:sp>
+        <p:sp>
+          <p:nvSpPr>
+            <p:cNvPr id="6" name="矩形 5">
+              <a:extLst>
+                <a:ext uri="{FF2B5EF4-FFF2-40B4-BE49-F238E27FC236}">
+                  <a16:creationId xmlns:a16="http://schemas.microsoft.com/office/drawing/2014/main" id="{8C5D82BC-1AA0-4F46-B2EF-D217DFC399A7}"/>
+                </a:ext>
+              </a:extLst>
+            </p:cNvPr>
+            <p:cNvSpPr/>
+            <p:nvPr/>
+          </p:nvSpPr>
+          <p:spPr>
+            <a:xfrm>
+              <a:off x="6248401" y="2640674"/>
+              <a:ext cx="1722118" cy="320802"/>
+            </a:xfrm>
+            <a:prstGeom prst="rect">
+              <a:avLst/>
+            </a:prstGeom>
+            <a:solidFill>
+              <a:schemeClr val="accent5">
+                <a:lumMod val="20000"/>
+                <a:lumOff val="80000"/>
+              </a:schemeClr>
+            </a:solidFill>
+            <a:ln w="12700"/>
+          </p:spPr>
+          <p:style>
+            <a:lnRef idx="2">
+              <a:schemeClr val="dk1"/>
+            </a:lnRef>
+            <a:fillRef idx="1">
+              <a:schemeClr val="lt1"/>
+            </a:fillRef>
+            <a:effectRef idx="0">
+              <a:schemeClr val="dk1"/>
+            </a:effectRef>
+            <a:fontRef idx="minor">
+              <a:schemeClr val="dk1"/>
+            </a:fontRef>
+          </p:style>
+          <p:txBody>
+            <a:bodyPr rtlCol="0" anchor="ctr"/>
+            <a:lstStyle/>
+            <a:p>
+              <a:pPr algn="ctr"/>
+              <a:r>
+                <a:rPr lang="en-US" altLang="zh-CN" sz="1400" dirty="0">
+                  <a:latin typeface="Courier New" panose="02070309020205020404" pitchFamily="49" charset="0"/>
+                  <a:cs typeface="Courier New" panose="02070309020205020404" pitchFamily="49" charset="0"/>
+                </a:rPr>
+                <a:t>Value CRC</a:t>
+              </a:r>
+              <a:endParaRPr lang="zh-CN" altLang="en-US" sz="1400" dirty="0">
+                <a:latin typeface="Courier New" panose="02070309020205020404" pitchFamily="49" charset="0"/>
+                <a:cs typeface="Courier New" panose="02070309020205020404" pitchFamily="49" charset="0"/>
+              </a:endParaRPr>
+            </a:p>
+          </p:txBody>
+        </p:sp>
+        <p:sp>
+          <p:nvSpPr>
+            <p:cNvPr id="7" name="矩形 6">
+              <a:extLst>
+                <a:ext uri="{FF2B5EF4-FFF2-40B4-BE49-F238E27FC236}">
+                  <a16:creationId xmlns:a16="http://schemas.microsoft.com/office/drawing/2014/main" id="{E965998E-E9EF-48B5-83A9-7E438B0BE21D}"/>
+                </a:ext>
+              </a:extLst>
+            </p:cNvPr>
+            <p:cNvSpPr/>
+            <p:nvPr/>
+          </p:nvSpPr>
+          <p:spPr>
+            <a:xfrm>
+              <a:off x="6248402" y="2952750"/>
+              <a:ext cx="1722118" cy="320802"/>
+            </a:xfrm>
+            <a:prstGeom prst="rect">
+              <a:avLst/>
+            </a:prstGeom>
+            <a:solidFill>
+              <a:schemeClr val="accent4">
+                <a:lumMod val="20000"/>
+                <a:lumOff val="80000"/>
+              </a:schemeClr>
+            </a:solidFill>
+            <a:ln w="12700"/>
+          </p:spPr>
+          <p:style>
+            <a:lnRef idx="2">
+              <a:schemeClr val="dk1"/>
+            </a:lnRef>
+            <a:fillRef idx="1">
+              <a:schemeClr val="lt1"/>
+            </a:fillRef>
+            <a:effectRef idx="0">
+              <a:schemeClr val="dk1"/>
+            </a:effectRef>
+            <a:fontRef idx="minor">
+              <a:schemeClr val="dk1"/>
+            </a:fontRef>
+          </p:style>
+          <p:txBody>
+            <a:bodyPr rtlCol="0" anchor="ctr"/>
+            <a:lstStyle/>
+            <a:p>
+              <a:pPr algn="ctr"/>
+              <a:r>
+                <a:rPr lang="en-US" altLang="zh-CN" sz="1400" dirty="0">
+                  <a:latin typeface="Courier New" panose="02070309020205020404" pitchFamily="49" charset="0"/>
+                  <a:cs typeface="Courier New" panose="02070309020205020404" pitchFamily="49" charset="0"/>
+                </a:rPr>
+                <a:t>Consistency MD</a:t>
+              </a:r>
+              <a:endParaRPr lang="zh-CN" altLang="en-US" sz="1400" dirty="0">
+                <a:latin typeface="Courier New" panose="02070309020205020404" pitchFamily="49" charset="0"/>
+                <a:cs typeface="Courier New" panose="02070309020205020404" pitchFamily="49" charset="0"/>
+              </a:endParaRPr>
+            </a:p>
+          </p:txBody>
+        </p:sp>
+        <p:sp>
+          <p:nvSpPr>
+            <p:cNvPr id="97" name="矩形 96">
+              <a:extLst>
+                <a:ext uri="{FF2B5EF4-FFF2-40B4-BE49-F238E27FC236}">
+                  <a16:creationId xmlns:a16="http://schemas.microsoft.com/office/drawing/2014/main" id="{EDBABB25-140C-429F-81A3-5A1DDF05AA73}"/>
+                </a:ext>
+              </a:extLst>
+            </p:cNvPr>
+            <p:cNvSpPr/>
+            <p:nvPr/>
+          </p:nvSpPr>
+          <p:spPr>
+            <a:xfrm>
+              <a:off x="6247654" y="2324171"/>
+              <a:ext cx="1722118" cy="320802"/>
+            </a:xfrm>
+            <a:prstGeom prst="rect">
+              <a:avLst/>
+            </a:prstGeom>
+            <a:solidFill>
+              <a:schemeClr val="accent5">
+                <a:lumMod val="20000"/>
+                <a:lumOff val="80000"/>
+              </a:schemeClr>
+            </a:solidFill>
+            <a:ln w="12700"/>
+          </p:spPr>
+          <p:style>
+            <a:lnRef idx="2">
+              <a:schemeClr val="dk1"/>
+            </a:lnRef>
+            <a:fillRef idx="1">
+              <a:schemeClr val="lt1"/>
+            </a:fillRef>
+            <a:effectRef idx="0">
+              <a:schemeClr val="dk1"/>
+            </a:effectRef>
+            <a:fontRef idx="minor">
+              <a:schemeClr val="dk1"/>
+            </a:fontRef>
+          </p:style>
+          <p:txBody>
+            <a:bodyPr rtlCol="0" anchor="ctr"/>
+            <a:lstStyle/>
+            <a:p>
+              <a:pPr algn="ctr"/>
+              <a:r>
+                <a:rPr lang="en-US" altLang="zh-CN" sz="1400" dirty="0">
+                  <a:latin typeface="Courier New" panose="02070309020205020404" pitchFamily="49" charset="0"/>
+                  <a:cs typeface="Courier New" panose="02070309020205020404" pitchFamily="49" charset="0"/>
+                </a:rPr>
+                <a:t>Value Length</a:t>
+              </a:r>
+              <a:endParaRPr lang="zh-CN" altLang="en-US" sz="1400" dirty="0">
+                <a:latin typeface="Courier New" panose="02070309020205020404" pitchFamily="49" charset="0"/>
+                <a:cs typeface="Courier New" panose="02070309020205020404" pitchFamily="49" charset="0"/>
+              </a:endParaRPr>
+            </a:p>
+          </p:txBody>
+        </p:sp>
+      </p:grpSp>
+      <p:sp>
+        <p:nvSpPr>
+          <p:cNvPr id="17" name="矩形 16">
+            <a:extLst>
+              <a:ext uri="{FF2B5EF4-FFF2-40B4-BE49-F238E27FC236}">
+                <a16:creationId xmlns:a16="http://schemas.microsoft.com/office/drawing/2014/main" id="{004033E2-C68F-4AFB-A3DE-18AB6167950C}"/>
+              </a:ext>
+            </a:extLst>
+          </p:cNvPr>
+          <p:cNvSpPr/>
+          <p:nvPr/>
+        </p:nvSpPr>
+        <p:spPr>
+          <a:xfrm>
+            <a:off x="5082889" y="1191089"/>
+            <a:ext cx="896112" cy="329184"/>
+          </a:xfrm>
+          <a:prstGeom prst="rect">
+            <a:avLst/>
+          </a:prstGeom>
+          <a:ln w="12700">
+            <a:noFill/>
+          </a:ln>
+        </p:spPr>
+        <p:style>
+          <a:lnRef idx="2">
+            <a:schemeClr val="dk1"/>
+          </a:lnRef>
+          <a:fillRef idx="1">
+            <a:schemeClr val="lt1"/>
+          </a:fillRef>
+          <a:effectRef idx="0">
+            <a:schemeClr val="dk1"/>
+          </a:effectRef>
+          <a:fontRef idx="minor">
+            <a:schemeClr val="dk1"/>
+          </a:fontRef>
+        </p:style>
+        <p:txBody>
+          <a:bodyPr rtlCol="0" anchor="ctr"/>
+          <a:lstStyle/>
+          <a:p>
+            <a:pPr algn="ctr"/>
+            <a:r>
+              <a:rPr lang="en-US" altLang="zh-CN" sz="1400" dirty="0">
+                <a:latin typeface="Times New Roman" panose="02020603050405020304" pitchFamily="18" charset="0"/>
+                <a:cs typeface="Times New Roman" panose="02020603050405020304" pitchFamily="18" charset="0"/>
+              </a:rPr>
+              <a:t>Data Slot</a:t>
+            </a:r>
+            <a:endParaRPr lang="zh-CN" altLang="en-US" sz="1400" dirty="0">
+              <a:latin typeface="Times New Roman" panose="02020603050405020304" pitchFamily="18" charset="0"/>
+              <a:cs typeface="Times New Roman" panose="02020603050405020304" pitchFamily="18" charset="0"/>
+            </a:endParaRPr>
+          </a:p>
+        </p:txBody>
+      </p:sp>
+      <p:cxnSp>
+        <p:nvCxnSpPr>
+          <p:cNvPr id="26" name="直接箭头连接符 25">
+            <a:extLst>
+              <a:ext uri="{FF2B5EF4-FFF2-40B4-BE49-F238E27FC236}">
+                <a16:creationId xmlns:a16="http://schemas.microsoft.com/office/drawing/2014/main" id="{3A6031F9-52FE-4358-8677-FBBD94DE0559}"/>
+              </a:ext>
+            </a:extLst>
+          </p:cNvPr>
+          <p:cNvCxnSpPr>
+            <a:stCxn id="17" idx="1"/>
+            <a:endCxn id="23" idx="3"/>
+          </p:cNvCxnSpPr>
+          <p:nvPr/>
+        </p:nvCxnSpPr>
+        <p:spPr>
+          <a:xfrm flipH="1">
+            <a:off x="3367619" y="1355681"/>
+            <a:ext cx="1715270" cy="2"/>
+          </a:xfrm>
+          <a:prstGeom prst="straightConnector1">
+            <a:avLst/>
+          </a:prstGeom>
+          <a:ln>
+            <a:prstDash val="dash"/>
+            <a:tailEnd type="triangle"/>
+          </a:ln>
+        </p:spPr>
+        <p:style>
+          <a:lnRef idx="2">
+            <a:schemeClr val="dk1"/>
+          </a:lnRef>
+          <a:fillRef idx="0">
+            <a:schemeClr val="dk1"/>
+          </a:fillRef>
+          <a:effectRef idx="1">
+            <a:schemeClr val="dk1"/>
+          </a:effectRef>
+          <a:fontRef idx="minor">
+            <a:schemeClr val="tx1"/>
+          </a:fontRef>
+        </p:style>
+      </p:cxnSp>
+      <p:cxnSp>
+        <p:nvCxnSpPr>
+          <p:cNvPr id="27" name="直接箭头连接符 26">
+            <a:extLst>
+              <a:ext uri="{FF2B5EF4-FFF2-40B4-BE49-F238E27FC236}">
+                <a16:creationId xmlns:a16="http://schemas.microsoft.com/office/drawing/2014/main" id="{96C5CF1A-93FD-4264-9C72-DC0C75530A16}"/>
+              </a:ext>
+            </a:extLst>
+          </p:cNvPr>
+          <p:cNvCxnSpPr>
+            <a:cxnSpLocks/>
+            <a:stCxn id="17" idx="3"/>
+            <a:endCxn id="24" idx="1"/>
+          </p:cNvCxnSpPr>
+          <p:nvPr/>
+        </p:nvCxnSpPr>
+        <p:spPr>
+          <a:xfrm>
+            <a:off x="5979001" y="1355681"/>
+            <a:ext cx="1720581" cy="0"/>
+          </a:xfrm>
+          <a:prstGeom prst="straightConnector1">
+            <a:avLst/>
+          </a:prstGeom>
+          <a:ln>
+            <a:prstDash val="dash"/>
+            <a:tailEnd type="triangle"/>
+          </a:ln>
+        </p:spPr>
+        <p:style>
+          <a:lnRef idx="2">
+            <a:schemeClr val="dk1"/>
+          </a:lnRef>
+          <a:fillRef idx="0">
+            <a:schemeClr val="dk1"/>
+          </a:fillRef>
+          <a:effectRef idx="1">
+            <a:schemeClr val="dk1"/>
+          </a:effectRef>
+          <a:fontRef idx="minor">
+            <a:schemeClr val="tx1"/>
+          </a:fontRef>
+        </p:style>
+      </p:cxnSp>
+      <p:grpSp>
+        <p:nvGrpSpPr>
+          <p:cNvPr id="70" name="组合 69">
+            <a:extLst>
+              <a:ext uri="{FF2B5EF4-FFF2-40B4-BE49-F238E27FC236}">
+                <a16:creationId xmlns:a16="http://schemas.microsoft.com/office/drawing/2014/main" id="{D7408E95-ECAD-4195-BD26-E6881812A38E}"/>
+              </a:ext>
+            </a:extLst>
+          </p:cNvPr>
+          <p:cNvGrpSpPr/>
+          <p:nvPr/>
+        </p:nvGrpSpPr>
+        <p:grpSpPr>
+          <a:xfrm>
+            <a:off x="7698845" y="1593840"/>
+            <a:ext cx="893006" cy="2221371"/>
+            <a:chOff x="8183880" y="1051559"/>
+            <a:chExt cx="893006" cy="2221371"/>
+          </a:xfrm>
+        </p:grpSpPr>
+        <p:sp>
+          <p:nvSpPr>
+            <p:cNvPr id="10" name="矩形 9">
+              <a:extLst>
+                <a:ext uri="{FF2B5EF4-FFF2-40B4-BE49-F238E27FC236}">
+                  <a16:creationId xmlns:a16="http://schemas.microsoft.com/office/drawing/2014/main" id="{F13BA50C-D9BD-4A3A-A9CA-1DDE0FB76B72}"/>
+                </a:ext>
+              </a:extLst>
+            </p:cNvPr>
+            <p:cNvSpPr/>
+            <p:nvPr/>
+          </p:nvSpPr>
+          <p:spPr>
+            <a:xfrm>
+              <a:off x="8183880" y="1051560"/>
+              <a:ext cx="612645" cy="2221370"/>
+            </a:xfrm>
+            <a:prstGeom prst="rect">
+              <a:avLst/>
+            </a:prstGeom>
+            <a:solidFill>
+              <a:schemeClr val="accent5">
+                <a:lumMod val="40000"/>
+                <a:lumOff val="60000"/>
+              </a:schemeClr>
+            </a:solidFill>
+            <a:ln w="12700"/>
+          </p:spPr>
+          <p:style>
+            <a:lnRef idx="2">
+              <a:schemeClr val="dk1"/>
+            </a:lnRef>
+            <a:fillRef idx="1">
+              <a:schemeClr val="lt1"/>
+            </a:fillRef>
+            <a:effectRef idx="0">
+              <a:schemeClr val="dk1"/>
+            </a:effectRef>
+            <a:fontRef idx="minor">
+              <a:schemeClr val="dk1"/>
+            </a:fontRef>
+          </p:style>
+          <p:txBody>
+            <a:bodyPr rtlCol="0" anchor="ctr"/>
+            <a:lstStyle/>
+            <a:p>
+              <a:pPr algn="ctr"/>
+              <a:endParaRPr lang="zh-CN" altLang="en-US" sz="1400" dirty="0">
+                <a:latin typeface="Courier New" panose="02070309020205020404" pitchFamily="49" charset="0"/>
+                <a:cs typeface="Courier New" panose="02070309020205020404" pitchFamily="49" charset="0"/>
+              </a:endParaRPr>
+            </a:p>
+          </p:txBody>
+        </p:sp>
+        <p:sp>
+          <p:nvSpPr>
+            <p:cNvPr id="11" name="矩形 10">
+              <a:extLst>
+                <a:ext uri="{FF2B5EF4-FFF2-40B4-BE49-F238E27FC236}">
+                  <a16:creationId xmlns:a16="http://schemas.microsoft.com/office/drawing/2014/main" id="{696231C5-A110-4BE5-A1F1-B0D1973C928E}"/>
+                </a:ext>
+              </a:extLst>
+            </p:cNvPr>
+            <p:cNvSpPr/>
+            <p:nvPr/>
+          </p:nvSpPr>
+          <p:spPr>
+            <a:xfrm>
+              <a:off x="8796127" y="1051559"/>
+              <a:ext cx="280012" cy="1272198"/>
+            </a:xfrm>
+            <a:prstGeom prst="rect">
+              <a:avLst/>
+            </a:prstGeom>
+            <a:solidFill>
+              <a:schemeClr val="accent5">
+                <a:lumMod val="40000"/>
+                <a:lumOff val="60000"/>
+              </a:schemeClr>
+            </a:solidFill>
+            <a:ln w="12700"/>
+          </p:spPr>
+          <p:style>
+            <a:lnRef idx="2">
+              <a:schemeClr val="dk1"/>
+            </a:lnRef>
+            <a:fillRef idx="1">
+              <a:schemeClr val="lt1"/>
+            </a:fillRef>
+            <a:effectRef idx="0">
+              <a:schemeClr val="dk1"/>
+            </a:effectRef>
+            <a:fontRef idx="minor">
+              <a:schemeClr val="dk1"/>
+            </a:fontRef>
+          </p:style>
+          <p:txBody>
+            <a:bodyPr rtlCol="0" anchor="ctr"/>
+            <a:lstStyle/>
+            <a:p>
+              <a:pPr algn="ctr"/>
+              <a:endParaRPr lang="zh-CN" altLang="en-US" sz="1400" dirty="0">
+                <a:latin typeface="Courier New" panose="02070309020205020404" pitchFamily="49" charset="0"/>
+                <a:cs typeface="Courier New" panose="02070309020205020404" pitchFamily="49" charset="0"/>
+              </a:endParaRPr>
+            </a:p>
+          </p:txBody>
+        </p:sp>
+        <p:sp>
+          <p:nvSpPr>
+            <p:cNvPr id="68" name="矩形 67">
+              <a:extLst>
+                <a:ext uri="{FF2B5EF4-FFF2-40B4-BE49-F238E27FC236}">
+                  <a16:creationId xmlns:a16="http://schemas.microsoft.com/office/drawing/2014/main" id="{3B2C319A-6DA8-48FB-924E-F95B26D52B74}"/>
+                </a:ext>
+              </a:extLst>
+            </p:cNvPr>
+            <p:cNvSpPr/>
+            <p:nvPr/>
+          </p:nvSpPr>
+          <p:spPr>
+            <a:xfrm>
+              <a:off x="8795777" y="2323757"/>
+              <a:ext cx="281109" cy="320802"/>
+            </a:xfrm>
+            <a:prstGeom prst="rect">
+              <a:avLst/>
+            </a:prstGeom>
+            <a:solidFill>
+              <a:schemeClr val="accent5">
+                <a:lumMod val="40000"/>
+                <a:lumOff val="60000"/>
+              </a:schemeClr>
+            </a:solidFill>
+            <a:ln w="12700"/>
+          </p:spPr>
+          <p:style>
+            <a:lnRef idx="2">
+              <a:schemeClr val="dk1"/>
+            </a:lnRef>
+            <a:fillRef idx="1">
+              <a:schemeClr val="lt1"/>
+            </a:fillRef>
+            <a:effectRef idx="0">
+              <a:schemeClr val="dk1"/>
+            </a:effectRef>
+            <a:fontRef idx="minor">
+              <a:schemeClr val="dk1"/>
+            </a:fontRef>
+          </p:style>
+          <p:txBody>
+            <a:bodyPr rtlCol="0" anchor="ctr"/>
+            <a:lstStyle/>
+            <a:p>
+              <a:pPr algn="ctr"/>
+              <a:endParaRPr lang="zh-CN" altLang="en-US" sz="1400" dirty="0">
+                <a:latin typeface="Courier New" panose="02070309020205020404" pitchFamily="49" charset="0"/>
+                <a:cs typeface="Courier New" panose="02070309020205020404" pitchFamily="49" charset="0"/>
+              </a:endParaRPr>
+            </a:p>
+          </p:txBody>
+        </p:sp>
+        <p:sp>
+          <p:nvSpPr>
+            <p:cNvPr id="69" name="矩形 68">
+              <a:extLst>
+                <a:ext uri="{FF2B5EF4-FFF2-40B4-BE49-F238E27FC236}">
+                  <a16:creationId xmlns:a16="http://schemas.microsoft.com/office/drawing/2014/main" id="{CB5F0146-E3E1-45AB-9AE0-FD3675AEE4BB}"/>
+                </a:ext>
+              </a:extLst>
+            </p:cNvPr>
+            <p:cNvSpPr/>
+            <p:nvPr/>
+          </p:nvSpPr>
+          <p:spPr>
+            <a:xfrm>
+              <a:off x="8796525" y="2952128"/>
+              <a:ext cx="279637" cy="320802"/>
+            </a:xfrm>
+            <a:prstGeom prst="rect">
+              <a:avLst/>
+            </a:prstGeom>
+            <a:solidFill>
+              <a:schemeClr val="accent4">
+                <a:lumMod val="40000"/>
+                <a:lumOff val="60000"/>
+              </a:schemeClr>
+            </a:solidFill>
+            <a:ln w="12700"/>
+          </p:spPr>
+          <p:style>
+            <a:lnRef idx="2">
+              <a:schemeClr val="dk1"/>
+            </a:lnRef>
+            <a:fillRef idx="1">
+              <a:schemeClr val="lt1"/>
+            </a:fillRef>
+            <a:effectRef idx="0">
+              <a:schemeClr val="dk1"/>
+            </a:effectRef>
+            <a:fontRef idx="minor">
+              <a:schemeClr val="dk1"/>
+            </a:fontRef>
+          </p:style>
+          <p:txBody>
+            <a:bodyPr rtlCol="0" anchor="ctr"/>
+            <a:lstStyle/>
+            <a:p>
+              <a:pPr algn="ctr"/>
+              <a:endParaRPr lang="zh-CN" altLang="en-US" sz="1400" dirty="0">
+                <a:latin typeface="Courier New" panose="02070309020205020404" pitchFamily="49" charset="0"/>
+                <a:cs typeface="Courier New" panose="02070309020205020404" pitchFamily="49" charset="0"/>
+              </a:endParaRPr>
+            </a:p>
+          </p:txBody>
+        </p:sp>
+        <p:sp>
+          <p:nvSpPr>
+            <p:cNvPr id="98" name="矩形 97">
+              <a:extLst>
+                <a:ext uri="{FF2B5EF4-FFF2-40B4-BE49-F238E27FC236}">
+                  <a16:creationId xmlns:a16="http://schemas.microsoft.com/office/drawing/2014/main" id="{70ABC88D-6051-4AB7-88F3-B3FFA83281B8}"/>
+                </a:ext>
+              </a:extLst>
+            </p:cNvPr>
+            <p:cNvSpPr/>
+            <p:nvPr/>
+          </p:nvSpPr>
+          <p:spPr>
+            <a:xfrm>
+              <a:off x="8796525" y="2637943"/>
+              <a:ext cx="280361" cy="314184"/>
+            </a:xfrm>
+            <a:prstGeom prst="rect">
+              <a:avLst/>
+            </a:prstGeom>
+            <a:solidFill>
+              <a:schemeClr val="accent5">
+                <a:lumMod val="40000"/>
+                <a:lumOff val="60000"/>
+              </a:schemeClr>
+            </a:solidFill>
+            <a:ln w="12700"/>
+          </p:spPr>
+          <p:style>
+            <a:lnRef idx="2">
+              <a:schemeClr val="dk1"/>
+            </a:lnRef>
+            <a:fillRef idx="1">
+              <a:schemeClr val="lt1"/>
+            </a:fillRef>
+            <a:effectRef idx="0">
+              <a:schemeClr val="dk1"/>
+            </a:effectRef>
+            <a:fontRef idx="minor">
+              <a:schemeClr val="dk1"/>
+            </a:fontRef>
+          </p:style>
+          <p:txBody>
+            <a:bodyPr rtlCol="0" anchor="ctr"/>
+            <a:lstStyle/>
+            <a:p>
+              <a:pPr algn="ctr"/>
+              <a:endParaRPr lang="zh-CN" altLang="en-US" sz="1400" dirty="0">
+                <a:latin typeface="Courier New" panose="02070309020205020404" pitchFamily="49" charset="0"/>
+                <a:cs typeface="Courier New" panose="02070309020205020404" pitchFamily="49" charset="0"/>
+              </a:endParaRPr>
+            </a:p>
+          </p:txBody>
+        </p:sp>
+      </p:grpSp>
+      <p:grpSp>
+        <p:nvGrpSpPr>
+          <p:cNvPr id="99" name="组合 98">
+            <a:extLst>
+              <a:ext uri="{FF2B5EF4-FFF2-40B4-BE49-F238E27FC236}">
+                <a16:creationId xmlns:a16="http://schemas.microsoft.com/office/drawing/2014/main" id="{C7C91120-D132-490B-B521-546850DE2A7D}"/>
+              </a:ext>
+            </a:extLst>
+          </p:cNvPr>
+          <p:cNvGrpSpPr/>
+          <p:nvPr/>
+        </p:nvGrpSpPr>
+        <p:grpSpPr>
+          <a:xfrm>
+            <a:off x="2476235" y="1593840"/>
+            <a:ext cx="893006" cy="2221371"/>
+            <a:chOff x="8183880" y="1051559"/>
+            <a:chExt cx="893006" cy="2221371"/>
+          </a:xfrm>
+        </p:grpSpPr>
+        <p:sp>
+          <p:nvSpPr>
+            <p:cNvPr id="100" name="矩形 99">
+              <a:extLst>
+                <a:ext uri="{FF2B5EF4-FFF2-40B4-BE49-F238E27FC236}">
+                  <a16:creationId xmlns:a16="http://schemas.microsoft.com/office/drawing/2014/main" id="{858E6D01-93FA-4DBE-8C17-C210AC3A7A8F}"/>
+                </a:ext>
+              </a:extLst>
+            </p:cNvPr>
+            <p:cNvSpPr/>
+            <p:nvPr/>
+          </p:nvSpPr>
+          <p:spPr>
+            <a:xfrm>
+              <a:off x="8183880" y="1051560"/>
+              <a:ext cx="612645" cy="2221370"/>
+            </a:xfrm>
+            <a:prstGeom prst="rect">
+              <a:avLst/>
+            </a:prstGeom>
+            <a:solidFill>
+              <a:schemeClr val="accent5">
+                <a:lumMod val="40000"/>
+                <a:lumOff val="60000"/>
+              </a:schemeClr>
+            </a:solidFill>
+            <a:ln w="12700"/>
+          </p:spPr>
+          <p:style>
+            <a:lnRef idx="2">
+              <a:schemeClr val="dk1"/>
+            </a:lnRef>
+            <a:fillRef idx="1">
+              <a:schemeClr val="lt1"/>
+            </a:fillRef>
+            <a:effectRef idx="0">
+              <a:schemeClr val="dk1"/>
+            </a:effectRef>
+            <a:fontRef idx="minor">
+              <a:schemeClr val="dk1"/>
+            </a:fontRef>
+          </p:style>
+          <p:txBody>
+            <a:bodyPr rtlCol="0" anchor="ctr"/>
+            <a:lstStyle/>
+            <a:p>
+              <a:pPr algn="ctr"/>
+              <a:endParaRPr lang="zh-CN" altLang="en-US" sz="1400" dirty="0">
+                <a:latin typeface="Courier New" panose="02070309020205020404" pitchFamily="49" charset="0"/>
+                <a:cs typeface="Courier New" panose="02070309020205020404" pitchFamily="49" charset="0"/>
+              </a:endParaRPr>
+            </a:p>
+          </p:txBody>
+        </p:sp>
+        <p:sp>
+          <p:nvSpPr>
+            <p:cNvPr id="101" name="矩形 100">
+              <a:extLst>
+                <a:ext uri="{FF2B5EF4-FFF2-40B4-BE49-F238E27FC236}">
+                  <a16:creationId xmlns:a16="http://schemas.microsoft.com/office/drawing/2014/main" id="{79A702A7-9FC5-4775-BF6D-B9528C027461}"/>
+                </a:ext>
+              </a:extLst>
+            </p:cNvPr>
+            <p:cNvSpPr/>
+            <p:nvPr/>
+          </p:nvSpPr>
+          <p:spPr>
+            <a:xfrm>
+              <a:off x="8796127" y="1051559"/>
+              <a:ext cx="280012" cy="1272198"/>
+            </a:xfrm>
+            <a:prstGeom prst="rect">
+              <a:avLst/>
+            </a:prstGeom>
+            <a:solidFill>
+              <a:schemeClr val="accent5">
+                <a:lumMod val="40000"/>
+                <a:lumOff val="60000"/>
+              </a:schemeClr>
+            </a:solidFill>
+            <a:ln w="12700"/>
+          </p:spPr>
+          <p:style>
+            <a:lnRef idx="2">
+              <a:schemeClr val="dk1"/>
+            </a:lnRef>
+            <a:fillRef idx="1">
+              <a:schemeClr val="lt1"/>
+            </a:fillRef>
+            <a:effectRef idx="0">
+              <a:schemeClr val="dk1"/>
+            </a:effectRef>
+            <a:fontRef idx="minor">
+              <a:schemeClr val="dk1"/>
+            </a:fontRef>
+          </p:style>
+          <p:txBody>
+            <a:bodyPr rtlCol="0" anchor="ctr"/>
+            <a:lstStyle/>
+            <a:p>
+              <a:pPr algn="ctr"/>
+              <a:endParaRPr lang="zh-CN" altLang="en-US" sz="1400" dirty="0">
+                <a:latin typeface="Courier New" panose="02070309020205020404" pitchFamily="49" charset="0"/>
+                <a:cs typeface="Courier New" panose="02070309020205020404" pitchFamily="49" charset="0"/>
+              </a:endParaRPr>
+            </a:p>
+          </p:txBody>
+        </p:sp>
+        <p:sp>
+          <p:nvSpPr>
+            <p:cNvPr id="102" name="矩形 101">
+              <a:extLst>
+                <a:ext uri="{FF2B5EF4-FFF2-40B4-BE49-F238E27FC236}">
+                  <a16:creationId xmlns:a16="http://schemas.microsoft.com/office/drawing/2014/main" id="{D6B9B676-0E29-4197-930E-E2C3CF1FC84B}"/>
+                </a:ext>
+              </a:extLst>
+            </p:cNvPr>
+            <p:cNvSpPr/>
+            <p:nvPr/>
+          </p:nvSpPr>
+          <p:spPr>
+            <a:xfrm>
+              <a:off x="8795777" y="2323757"/>
+              <a:ext cx="281109" cy="320802"/>
+            </a:xfrm>
+            <a:prstGeom prst="rect">
+              <a:avLst/>
+            </a:prstGeom>
+            <a:solidFill>
+              <a:schemeClr val="accent5">
+                <a:lumMod val="40000"/>
+                <a:lumOff val="60000"/>
+              </a:schemeClr>
+            </a:solidFill>
+            <a:ln w="12700"/>
+          </p:spPr>
+          <p:style>
+            <a:lnRef idx="2">
+              <a:schemeClr val="dk1"/>
+            </a:lnRef>
+            <a:fillRef idx="1">
+              <a:schemeClr val="lt1"/>
+            </a:fillRef>
+            <a:effectRef idx="0">
+              <a:schemeClr val="dk1"/>
+            </a:effectRef>
+            <a:fontRef idx="minor">
+              <a:schemeClr val="dk1"/>
+            </a:fontRef>
+          </p:style>
+          <p:txBody>
+            <a:bodyPr rtlCol="0" anchor="ctr"/>
+            <a:lstStyle/>
+            <a:p>
+              <a:pPr algn="ctr"/>
+              <a:endParaRPr lang="zh-CN" altLang="en-US" sz="1400" dirty="0">
+                <a:latin typeface="Courier New" panose="02070309020205020404" pitchFamily="49" charset="0"/>
+                <a:cs typeface="Courier New" panose="02070309020205020404" pitchFamily="49" charset="0"/>
+              </a:endParaRPr>
+            </a:p>
+          </p:txBody>
+        </p:sp>
+        <p:sp>
+          <p:nvSpPr>
+            <p:cNvPr id="103" name="矩形 102">
+              <a:extLst>
+                <a:ext uri="{FF2B5EF4-FFF2-40B4-BE49-F238E27FC236}">
+                  <a16:creationId xmlns:a16="http://schemas.microsoft.com/office/drawing/2014/main" id="{DE3F4A68-1841-4785-B5ED-813BDE0C9B32}"/>
+                </a:ext>
+              </a:extLst>
+            </p:cNvPr>
+            <p:cNvSpPr/>
+            <p:nvPr/>
+          </p:nvSpPr>
+          <p:spPr>
+            <a:xfrm>
+              <a:off x="8796525" y="2952128"/>
+              <a:ext cx="279637" cy="320802"/>
+            </a:xfrm>
+            <a:prstGeom prst="rect">
+              <a:avLst/>
+            </a:prstGeom>
+            <a:solidFill>
+              <a:schemeClr val="accent4">
+                <a:lumMod val="40000"/>
+                <a:lumOff val="60000"/>
+              </a:schemeClr>
+            </a:solidFill>
+            <a:ln w="12700"/>
+          </p:spPr>
+          <p:style>
+            <a:lnRef idx="2">
+              <a:schemeClr val="dk1"/>
+            </a:lnRef>
+            <a:fillRef idx="1">
+              <a:schemeClr val="lt1"/>
+            </a:fillRef>
+            <a:effectRef idx="0">
+              <a:schemeClr val="dk1"/>
+            </a:effectRef>
+            <a:fontRef idx="minor">
+              <a:schemeClr val="dk1"/>
+            </a:fontRef>
+          </p:style>
+          <p:txBody>
+            <a:bodyPr rtlCol="0" anchor="ctr"/>
+            <a:lstStyle/>
+            <a:p>
+              <a:pPr algn="ctr"/>
+              <a:endParaRPr lang="zh-CN" altLang="en-US" sz="1400" dirty="0">
+                <a:latin typeface="Courier New" panose="02070309020205020404" pitchFamily="49" charset="0"/>
+                <a:cs typeface="Courier New" panose="02070309020205020404" pitchFamily="49" charset="0"/>
+              </a:endParaRPr>
+            </a:p>
+          </p:txBody>
+        </p:sp>
+        <p:sp>
+          <p:nvSpPr>
+            <p:cNvPr id="104" name="矩形 103">
+              <a:extLst>
+                <a:ext uri="{FF2B5EF4-FFF2-40B4-BE49-F238E27FC236}">
+                  <a16:creationId xmlns:a16="http://schemas.microsoft.com/office/drawing/2014/main" id="{08C289F0-BFD6-419D-9CBB-47A5D23DE87D}"/>
+                </a:ext>
+              </a:extLst>
+            </p:cNvPr>
+            <p:cNvSpPr/>
+            <p:nvPr/>
+          </p:nvSpPr>
+          <p:spPr>
+            <a:xfrm>
+              <a:off x="8796525" y="2637943"/>
+              <a:ext cx="280361" cy="314184"/>
+            </a:xfrm>
+            <a:prstGeom prst="rect">
+              <a:avLst/>
+            </a:prstGeom>
+            <a:solidFill>
+              <a:schemeClr val="accent5">
+                <a:lumMod val="40000"/>
+                <a:lumOff val="60000"/>
+              </a:schemeClr>
+            </a:solidFill>
+            <a:ln w="12700"/>
+          </p:spPr>
+          <p:style>
+            <a:lnRef idx="2">
+              <a:schemeClr val="dk1"/>
+            </a:lnRef>
+            <a:fillRef idx="1">
+              <a:schemeClr val="lt1"/>
+            </a:fillRef>
+            <a:effectRef idx="0">
+              <a:schemeClr val="dk1"/>
+            </a:effectRef>
+            <a:fontRef idx="minor">
+              <a:schemeClr val="dk1"/>
+            </a:fontRef>
+          </p:style>
+          <p:txBody>
+            <a:bodyPr rtlCol="0" anchor="ctr"/>
+            <a:lstStyle/>
+            <a:p>
+              <a:pPr algn="ctr"/>
+              <a:endParaRPr lang="zh-CN" altLang="en-US" sz="1400" dirty="0">
+                <a:latin typeface="Courier New" panose="02070309020205020404" pitchFamily="49" charset="0"/>
+                <a:cs typeface="Courier New" panose="02070309020205020404" pitchFamily="49" charset="0"/>
+              </a:endParaRPr>
+            </a:p>
+          </p:txBody>
+        </p:sp>
+      </p:grpSp>
+      <p:grpSp>
+        <p:nvGrpSpPr>
+          <p:cNvPr id="105" name="组合 104">
+            <a:extLst>
+              <a:ext uri="{FF2B5EF4-FFF2-40B4-BE49-F238E27FC236}">
+                <a16:creationId xmlns:a16="http://schemas.microsoft.com/office/drawing/2014/main" id="{C55C6E7A-5323-4207-B543-E052D9BD628F}"/>
+              </a:ext>
+            </a:extLst>
+          </p:cNvPr>
+          <p:cNvGrpSpPr/>
+          <p:nvPr/>
+        </p:nvGrpSpPr>
+        <p:grpSpPr>
+          <a:xfrm>
+            <a:off x="8593007" y="1593840"/>
+            <a:ext cx="893006" cy="2221371"/>
+            <a:chOff x="8183880" y="1051559"/>
+            <a:chExt cx="893006" cy="2221371"/>
+          </a:xfrm>
+        </p:grpSpPr>
+        <p:sp>
+          <p:nvSpPr>
+            <p:cNvPr id="106" name="矩形 105">
+              <a:extLst>
+                <a:ext uri="{FF2B5EF4-FFF2-40B4-BE49-F238E27FC236}">
+                  <a16:creationId xmlns:a16="http://schemas.microsoft.com/office/drawing/2014/main" id="{9205DCED-8C3A-4742-A16B-9CC33F683859}"/>
+                </a:ext>
+              </a:extLst>
+            </p:cNvPr>
+            <p:cNvSpPr/>
+            <p:nvPr/>
+          </p:nvSpPr>
+          <p:spPr>
+            <a:xfrm>
+              <a:off x="8183880" y="1051560"/>
+              <a:ext cx="612645" cy="2221370"/>
+            </a:xfrm>
+            <a:prstGeom prst="rect">
+              <a:avLst/>
+            </a:prstGeom>
+            <a:solidFill>
+              <a:schemeClr val="accent5">
+                <a:lumMod val="40000"/>
+                <a:lumOff val="60000"/>
+              </a:schemeClr>
+            </a:solidFill>
+            <a:ln w="12700"/>
+          </p:spPr>
+          <p:style>
+            <a:lnRef idx="2">
+              <a:schemeClr val="dk1"/>
+            </a:lnRef>
+            <a:fillRef idx="1">
+              <a:schemeClr val="lt1"/>
+            </a:fillRef>
+            <a:effectRef idx="0">
+              <a:schemeClr val="dk1"/>
+            </a:effectRef>
+            <a:fontRef idx="minor">
+              <a:schemeClr val="dk1"/>
+            </a:fontRef>
+          </p:style>
+          <p:txBody>
+            <a:bodyPr rtlCol="0" anchor="ctr"/>
+            <a:lstStyle/>
+            <a:p>
+              <a:pPr algn="ctr"/>
+              <a:endParaRPr lang="zh-CN" altLang="en-US" sz="1400" dirty="0">
+                <a:latin typeface="Courier New" panose="02070309020205020404" pitchFamily="49" charset="0"/>
+                <a:cs typeface="Courier New" panose="02070309020205020404" pitchFamily="49" charset="0"/>
+              </a:endParaRPr>
+            </a:p>
+          </p:txBody>
+        </p:sp>
+        <p:sp>
+          <p:nvSpPr>
+            <p:cNvPr id="107" name="矩形 106">
+              <a:extLst>
+                <a:ext uri="{FF2B5EF4-FFF2-40B4-BE49-F238E27FC236}">
+                  <a16:creationId xmlns:a16="http://schemas.microsoft.com/office/drawing/2014/main" id="{9CB067EC-71EA-4E83-8E2B-2D6897886C58}"/>
+                </a:ext>
+              </a:extLst>
+            </p:cNvPr>
+            <p:cNvSpPr/>
+            <p:nvPr/>
+          </p:nvSpPr>
+          <p:spPr>
+            <a:xfrm>
+              <a:off x="8796127" y="1051559"/>
+              <a:ext cx="280012" cy="1272198"/>
+            </a:xfrm>
+            <a:prstGeom prst="rect">
+              <a:avLst/>
+            </a:prstGeom>
+            <a:solidFill>
+              <a:schemeClr val="accent5">
+                <a:lumMod val="40000"/>
+                <a:lumOff val="60000"/>
+              </a:schemeClr>
+            </a:solidFill>
+            <a:ln w="12700"/>
+          </p:spPr>
+          <p:style>
+            <a:lnRef idx="2">
+              <a:schemeClr val="dk1"/>
+            </a:lnRef>
+            <a:fillRef idx="1">
+              <a:schemeClr val="lt1"/>
+            </a:fillRef>
+            <a:effectRef idx="0">
+              <a:schemeClr val="dk1"/>
+            </a:effectRef>
+            <a:fontRef idx="minor">
+              <a:schemeClr val="dk1"/>
+            </a:fontRef>
+          </p:style>
+          <p:txBody>
+            <a:bodyPr rtlCol="0" anchor="ctr"/>
+            <a:lstStyle/>
+            <a:p>
+              <a:pPr algn="ctr"/>
+              <a:endParaRPr lang="zh-CN" altLang="en-US" sz="1400" dirty="0">
+                <a:latin typeface="Courier New" panose="02070309020205020404" pitchFamily="49" charset="0"/>
+                <a:cs typeface="Courier New" panose="02070309020205020404" pitchFamily="49" charset="0"/>
+              </a:endParaRPr>
+            </a:p>
+          </p:txBody>
+        </p:sp>
+        <p:sp>
+          <p:nvSpPr>
+            <p:cNvPr id="108" name="矩形 107">
+              <a:extLst>
+                <a:ext uri="{FF2B5EF4-FFF2-40B4-BE49-F238E27FC236}">
+                  <a16:creationId xmlns:a16="http://schemas.microsoft.com/office/drawing/2014/main" id="{4ABB5587-0840-4A88-A4E8-B9021FB1F20E}"/>
+                </a:ext>
+              </a:extLst>
+            </p:cNvPr>
+            <p:cNvSpPr/>
+            <p:nvPr/>
+          </p:nvSpPr>
+          <p:spPr>
+            <a:xfrm>
+              <a:off x="8795777" y="2323757"/>
+              <a:ext cx="281109" cy="320802"/>
+            </a:xfrm>
+            <a:prstGeom prst="rect">
+              <a:avLst/>
+            </a:prstGeom>
+            <a:solidFill>
+              <a:schemeClr val="accent5">
+                <a:lumMod val="40000"/>
+                <a:lumOff val="60000"/>
+              </a:schemeClr>
+            </a:solidFill>
+            <a:ln w="12700"/>
+          </p:spPr>
+          <p:style>
+            <a:lnRef idx="2">
+              <a:schemeClr val="dk1"/>
+            </a:lnRef>
+            <a:fillRef idx="1">
+              <a:schemeClr val="lt1"/>
+            </a:fillRef>
+            <a:effectRef idx="0">
+              <a:schemeClr val="dk1"/>
+            </a:effectRef>
+            <a:fontRef idx="minor">
+              <a:schemeClr val="dk1"/>
+            </a:fontRef>
+          </p:style>
+          <p:txBody>
+            <a:bodyPr rtlCol="0" anchor="ctr"/>
+            <a:lstStyle/>
+            <a:p>
+              <a:pPr algn="ctr"/>
+              <a:endParaRPr lang="zh-CN" altLang="en-US" sz="1400" dirty="0">
+                <a:latin typeface="Courier New" panose="02070309020205020404" pitchFamily="49" charset="0"/>
+                <a:cs typeface="Courier New" panose="02070309020205020404" pitchFamily="49" charset="0"/>
+              </a:endParaRPr>
+            </a:p>
+          </p:txBody>
+        </p:sp>
+        <p:sp>
+          <p:nvSpPr>
+            <p:cNvPr id="109" name="矩形 108">
+              <a:extLst>
+                <a:ext uri="{FF2B5EF4-FFF2-40B4-BE49-F238E27FC236}">
+                  <a16:creationId xmlns:a16="http://schemas.microsoft.com/office/drawing/2014/main" id="{1AED4362-209D-4F1E-AAE7-E56948938F5F}"/>
+                </a:ext>
+              </a:extLst>
+            </p:cNvPr>
+            <p:cNvSpPr/>
+            <p:nvPr/>
+          </p:nvSpPr>
+          <p:spPr>
+            <a:xfrm>
+              <a:off x="8796525" y="2952128"/>
+              <a:ext cx="279637" cy="320802"/>
+            </a:xfrm>
+            <a:prstGeom prst="rect">
+              <a:avLst/>
+            </a:prstGeom>
+            <a:solidFill>
+              <a:schemeClr val="accent4">
+                <a:lumMod val="40000"/>
+                <a:lumOff val="60000"/>
+              </a:schemeClr>
+            </a:solidFill>
+            <a:ln w="12700"/>
+          </p:spPr>
+          <p:style>
+            <a:lnRef idx="2">
+              <a:schemeClr val="dk1"/>
+            </a:lnRef>
+            <a:fillRef idx="1">
+              <a:schemeClr val="lt1"/>
+            </a:fillRef>
+            <a:effectRef idx="0">
+              <a:schemeClr val="dk1"/>
+            </a:effectRef>
+            <a:fontRef idx="minor">
+              <a:schemeClr val="dk1"/>
+            </a:fontRef>
+          </p:style>
+          <p:txBody>
+            <a:bodyPr rtlCol="0" anchor="ctr"/>
+            <a:lstStyle/>
+            <a:p>
+              <a:pPr algn="ctr"/>
+              <a:endParaRPr lang="zh-CN" altLang="en-US" sz="1400" dirty="0">
+                <a:latin typeface="Courier New" panose="02070309020205020404" pitchFamily="49" charset="0"/>
+                <a:cs typeface="Courier New" panose="02070309020205020404" pitchFamily="49" charset="0"/>
+              </a:endParaRPr>
+            </a:p>
+          </p:txBody>
+        </p:sp>
+        <p:sp>
+          <p:nvSpPr>
+            <p:cNvPr id="110" name="矩形 109">
+              <a:extLst>
+                <a:ext uri="{FF2B5EF4-FFF2-40B4-BE49-F238E27FC236}">
+                  <a16:creationId xmlns:a16="http://schemas.microsoft.com/office/drawing/2014/main" id="{ECA2B974-D923-46AD-861E-1579688C7015}"/>
+                </a:ext>
+              </a:extLst>
+            </p:cNvPr>
+            <p:cNvSpPr/>
+            <p:nvPr/>
+          </p:nvSpPr>
+          <p:spPr>
+            <a:xfrm>
+              <a:off x="8796525" y="2637943"/>
+              <a:ext cx="280361" cy="314184"/>
+            </a:xfrm>
+            <a:prstGeom prst="rect">
+              <a:avLst/>
+            </a:prstGeom>
+            <a:solidFill>
+              <a:schemeClr val="accent5">
+                <a:lumMod val="40000"/>
+                <a:lumOff val="60000"/>
+              </a:schemeClr>
+            </a:solidFill>
+            <a:ln w="12700"/>
+          </p:spPr>
+          <p:style>
+            <a:lnRef idx="2">
+              <a:schemeClr val="dk1"/>
+            </a:lnRef>
+            <a:fillRef idx="1">
+              <a:schemeClr val="lt1"/>
+            </a:fillRef>
+            <a:effectRef idx="0">
+              <a:schemeClr val="dk1"/>
+            </a:effectRef>
+            <a:fontRef idx="minor">
+              <a:schemeClr val="dk1"/>
+            </a:fontRef>
+          </p:style>
+          <p:txBody>
+            <a:bodyPr rtlCol="0" anchor="ctr"/>
+            <a:lstStyle/>
+            <a:p>
+              <a:pPr algn="ctr"/>
+              <a:endParaRPr lang="zh-CN" altLang="en-US" sz="1400" dirty="0">
+                <a:latin typeface="Courier New" panose="02070309020205020404" pitchFamily="49" charset="0"/>
+                <a:cs typeface="Courier New" panose="02070309020205020404" pitchFamily="49" charset="0"/>
+              </a:endParaRPr>
+            </a:p>
+          </p:txBody>
+        </p:sp>
+      </p:grpSp>
+      <p:grpSp>
+        <p:nvGrpSpPr>
+          <p:cNvPr id="47" name="组合 46">
+            <a:extLst>
+              <a:ext uri="{FF2B5EF4-FFF2-40B4-BE49-F238E27FC236}">
+                <a16:creationId xmlns:a16="http://schemas.microsoft.com/office/drawing/2014/main" id="{D8490514-62F2-475D-8FEE-B2FB55DE65F8}"/>
+              </a:ext>
+            </a:extLst>
+          </p:cNvPr>
+          <p:cNvGrpSpPr/>
+          <p:nvPr/>
+        </p:nvGrpSpPr>
+        <p:grpSpPr>
+          <a:xfrm>
+            <a:off x="7120467" y="670287"/>
+            <a:ext cx="2364799" cy="312261"/>
+            <a:chOff x="4939407" y="5905153"/>
+            <a:chExt cx="2364799" cy="312261"/>
+          </a:xfrm>
+        </p:grpSpPr>
+        <p:sp>
+          <p:nvSpPr>
+            <p:cNvPr id="48" name="文本框 47">
+              <a:extLst>
+                <a:ext uri="{FF2B5EF4-FFF2-40B4-BE49-F238E27FC236}">
+                  <a16:creationId xmlns:a16="http://schemas.microsoft.com/office/drawing/2014/main" id="{9398798F-705E-4192-BCCB-6B8A9AC5C266}"/>
+                </a:ext>
+              </a:extLst>
+            </p:cNvPr>
+            <p:cNvSpPr txBox="1"/>
+            <p:nvPr/>
+          </p:nvSpPr>
+          <p:spPr>
+            <a:xfrm>
+              <a:off x="5171891" y="5905153"/>
+              <a:ext cx="2132315" cy="307777"/>
+            </a:xfrm>
+            <a:prstGeom prst="rect">
+              <a:avLst/>
+            </a:prstGeom>
+            <a:noFill/>
+          </p:spPr>
+          <p:txBody>
+            <a:bodyPr wrap="none" rtlCol="0" anchor="ctr" anchorCtr="1">
+              <a:spAutoFit/>
+            </a:bodyPr>
+            <a:lstStyle/>
+            <a:p>
+              <a:r>
+                <a:rPr lang="en-US" altLang="zh-CN" sz="1400" dirty="0">
+                  <a:solidFill>
+                    <a:sysClr val="windowText" lastClr="000000"/>
+                  </a:solidFill>
+                  <a:latin typeface="Times New Roman" panose="02020603050405020304" pitchFamily="18" charset="0"/>
+                  <a:ea typeface="微软雅黑" panose="020B0503020204020204" pitchFamily="34" charset="-122"/>
+                  <a:cs typeface="Times New Roman" panose="02020603050405020304" pitchFamily="18" charset="0"/>
+                </a:rPr>
+                <a:t>memory address ascending</a:t>
+              </a:r>
+              <a:endParaRPr lang="zh-CN" altLang="en-US" sz="1400" dirty="0">
+                <a:solidFill>
+                  <a:sysClr val="windowText" lastClr="000000"/>
+                </a:solidFill>
+                <a:latin typeface="Times New Roman" panose="02020603050405020304" pitchFamily="18" charset="0"/>
+                <a:ea typeface="微软雅黑" panose="020B0503020204020204" pitchFamily="34" charset="-122"/>
+                <a:cs typeface="Times New Roman" panose="02020603050405020304" pitchFamily="18" charset="0"/>
+              </a:endParaRPr>
+            </a:p>
+          </p:txBody>
+        </p:sp>
+        <p:cxnSp>
+          <p:nvCxnSpPr>
+            <p:cNvPr id="49" name="直接箭头连接符 48">
+              <a:extLst>
+                <a:ext uri="{FF2B5EF4-FFF2-40B4-BE49-F238E27FC236}">
+                  <a16:creationId xmlns:a16="http://schemas.microsoft.com/office/drawing/2014/main" id="{61B8BA00-71BD-423A-BEC5-C48B1870C7CF}"/>
+                </a:ext>
+              </a:extLst>
+            </p:cNvPr>
+            <p:cNvCxnSpPr>
+              <a:cxnSpLocks/>
+            </p:cNvCxnSpPr>
+            <p:nvPr/>
+          </p:nvCxnSpPr>
+          <p:spPr bwMode="auto">
+            <a:xfrm>
+              <a:off x="4939407" y="6217414"/>
+              <a:ext cx="2364799" cy="0"/>
+            </a:xfrm>
+            <a:prstGeom prst="straightConnector1">
+              <a:avLst/>
+            </a:prstGeom>
+            <a:ln>
+              <a:tailEnd type="triangle"/>
+            </a:ln>
+          </p:spPr>
+          <p:style>
+            <a:lnRef idx="3">
+              <a:schemeClr val="dk1"/>
+            </a:lnRef>
+            <a:fillRef idx="0">
+              <a:schemeClr val="dk1"/>
+            </a:fillRef>
+            <a:effectRef idx="2">
+              <a:schemeClr val="dk1"/>
+            </a:effectRef>
+            <a:fontRef idx="minor">
+              <a:schemeClr val="tx1"/>
+            </a:fontRef>
+          </p:style>
+        </p:cxnSp>
+      </p:grpSp>
+    </p:spTree>
+    <p:extLst>
+      <p:ext uri="{BB962C8B-B14F-4D97-AF65-F5344CB8AC3E}">
+        <p14:creationId xmlns:p14="http://schemas.microsoft.com/office/powerpoint/2010/main" val="2714934033"/>
+      </p:ext>
+    </p:extLst>
+  </p:cSld>
+  <p:clrMapOvr>
+    <a:masterClrMapping/>
+  </p:clrMapOvr>
+</p:sld>
+</file>
+
+<file path=ppt/slides/slide5.xml><?xml version="1.0" encoding="utf-8"?>
+<p:sld xmlns:a="http://schemas.openxmlformats.org/drawingml/2006/main" xmlns:r="http://schemas.openxmlformats.org/officeDocument/2006/relationships" xmlns:p="http://schemas.openxmlformats.org/presentationml/2006/main">
+  <p:cSld>
+    <p:spTree>
+      <p:nvGrpSpPr>
+        <p:cNvPr id="1" name=""/>
+        <p:cNvGrpSpPr/>
+        <p:nvPr/>
+      </p:nvGrpSpPr>
+      <p:grpSpPr>
+        <a:xfrm>
+          <a:off x="0" y="0"/>
+          <a:ext cx="0" cy="0"/>
+          <a:chOff x="0" y="0"/>
+          <a:chExt cx="0" cy="0"/>
+        </a:xfrm>
+      </p:grpSpPr>
+      <p:sp>
+        <p:nvSpPr>
+          <p:cNvPr id="42" name="矩形 41">
+            <a:extLst>
+              <a:ext uri="{FF2B5EF4-FFF2-40B4-BE49-F238E27FC236}">
+                <a16:creationId xmlns:a16="http://schemas.microsoft.com/office/drawing/2014/main" id="{D1844252-AE1A-4EB4-8927-3FB9F2F78601}"/>
+              </a:ext>
+            </a:extLst>
+          </p:cNvPr>
+          <p:cNvSpPr/>
+          <p:nvPr/>
+        </p:nvSpPr>
+        <p:spPr>
+          <a:xfrm>
+            <a:off x="7425488" y="5187600"/>
+            <a:ext cx="1422644" cy="554400"/>
+          </a:xfrm>
+          <a:prstGeom prst="rect">
+            <a:avLst/>
+          </a:prstGeom>
+          <a:solidFill>
+            <a:schemeClr val="accent4">
+              <a:lumMod val="20000"/>
+              <a:lumOff val="80000"/>
+            </a:schemeClr>
+          </a:solidFill>
+          <a:ln w="12700"/>
+        </p:spPr>
+        <p:style>
+          <a:lnRef idx="2">
+            <a:schemeClr val="dk1"/>
+          </a:lnRef>
+          <a:fillRef idx="1">
+            <a:schemeClr val="lt1"/>
+          </a:fillRef>
+          <a:effectRef idx="0">
+            <a:schemeClr val="dk1"/>
+          </a:effectRef>
+          <a:fontRef idx="minor">
+            <a:schemeClr val="dk1"/>
+          </a:fontRef>
+        </p:style>
+        <p:txBody>
+          <a:bodyPr rtlCol="0" anchor="ctr"/>
+          <a:lstStyle/>
+          <a:p>
+            <a:pPr algn="ctr"/>
+            <a:r>
+              <a:rPr lang="en-US" altLang="zh-CN" sz="1200" dirty="0">
+                <a:latin typeface="Courier New" panose="02070309020205020404" pitchFamily="49" charset="0"/>
+                <a:cs typeface="Courier New" panose="02070309020205020404" pitchFamily="49" charset="0"/>
+              </a:rPr>
+              <a:t> 000  000</a:t>
+            </a:r>
+            <a:endParaRPr lang="zh-CN" altLang="en-US" sz="1200" dirty="0">
+              <a:latin typeface="Courier New" panose="02070309020205020404" pitchFamily="49" charset="0"/>
+              <a:cs typeface="Courier New" panose="02070309020205020404" pitchFamily="49" charset="0"/>
+            </a:endParaRPr>
+          </a:p>
+        </p:txBody>
+      </p:sp>
+      <p:sp>
+        <p:nvSpPr>
+          <p:cNvPr id="23" name="矩形 22">
+            <a:extLst>
+              <a:ext uri="{FF2B5EF4-FFF2-40B4-BE49-F238E27FC236}">
+                <a16:creationId xmlns:a16="http://schemas.microsoft.com/office/drawing/2014/main" id="{DC3D7768-93D0-47CA-A86B-4F62A428815F}"/>
+              </a:ext>
+            </a:extLst>
+          </p:cNvPr>
+          <p:cNvSpPr/>
+          <p:nvPr/>
+        </p:nvSpPr>
+        <p:spPr>
+          <a:xfrm>
+            <a:off x="2471507" y="1191091"/>
+            <a:ext cx="896112" cy="329184"/>
+          </a:xfrm>
+          <a:prstGeom prst="rect">
+            <a:avLst/>
+          </a:prstGeom>
+          <a:ln w="12700">
+            <a:noFill/>
+          </a:ln>
+        </p:spPr>
+        <p:style>
+          <a:lnRef idx="2">
+            <a:schemeClr val="dk1"/>
+          </a:lnRef>
+          <a:fillRef idx="1">
+            <a:schemeClr val="lt1"/>
+          </a:fillRef>
+          <a:effectRef idx="0">
+            <a:schemeClr val="dk1"/>
+          </a:effectRef>
+          <a:fontRef idx="minor">
+            <a:schemeClr val="dk1"/>
+          </a:fontRef>
+        </p:style>
+        <p:txBody>
+          <a:bodyPr rtlCol="0" anchor="ctr"/>
+          <a:lstStyle/>
+          <a:p>
+            <a:pPr algn="ctr"/>
+            <a:endParaRPr lang="zh-CN" altLang="en-US" sz="1400" dirty="0">
+              <a:latin typeface="Times New Roman" panose="02020603050405020304" pitchFamily="18" charset="0"/>
+              <a:cs typeface="Times New Roman" panose="02020603050405020304" pitchFamily="18" charset="0"/>
+            </a:endParaRPr>
+          </a:p>
+        </p:txBody>
+      </p:sp>
+      <p:sp>
+        <p:nvSpPr>
+          <p:cNvPr id="13" name="矩形 12">
+            <a:extLst>
+              <a:ext uri="{FF2B5EF4-FFF2-40B4-BE49-F238E27FC236}">
+                <a16:creationId xmlns:a16="http://schemas.microsoft.com/office/drawing/2014/main" id="{F4CC4291-F678-4DA6-BA0B-83349308C9D7}"/>
+              </a:ext>
+            </a:extLst>
+          </p:cNvPr>
+          <p:cNvSpPr/>
+          <p:nvPr/>
+        </p:nvSpPr>
+        <p:spPr>
+          <a:xfrm>
+            <a:off x="3089855" y="4327483"/>
+            <a:ext cx="5760000" cy="553212"/>
+          </a:xfrm>
+          <a:prstGeom prst="rect">
+            <a:avLst/>
+          </a:prstGeom>
+          <a:solidFill>
+            <a:schemeClr val="accent4">
+              <a:lumMod val="20000"/>
+              <a:lumOff val="80000"/>
+            </a:schemeClr>
+          </a:solidFill>
+          <a:ln w="12700"/>
+        </p:spPr>
+        <p:style>
+          <a:lnRef idx="2">
+            <a:schemeClr val="dk1"/>
+          </a:lnRef>
+          <a:fillRef idx="1">
+            <a:schemeClr val="lt1"/>
+          </a:fillRef>
+          <a:effectRef idx="0">
+            <a:schemeClr val="dk1"/>
+          </a:effectRef>
+          <a:fontRef idx="minor">
+            <a:schemeClr val="dk1"/>
+          </a:fontRef>
+        </p:style>
+        <p:txBody>
+          <a:bodyPr rtlCol="0" anchor="ctr"/>
+          <a:lstStyle/>
+          <a:p>
+            <a:pPr algn="ctr"/>
+            <a:r>
+              <a:rPr lang="en-US" altLang="zh-CN" sz="1400" dirty="0">
+                <a:latin typeface="Courier New" panose="02070309020205020404" pitchFamily="49" charset="0"/>
+                <a:cs typeface="Courier New" panose="02070309020205020404" pitchFamily="49" charset="0"/>
+              </a:rPr>
+              <a:t>Key Fingerprint</a:t>
+            </a:r>
+            <a:endParaRPr lang="zh-CN" altLang="en-US" sz="1400" dirty="0">
+              <a:latin typeface="Courier New" panose="02070309020205020404" pitchFamily="49" charset="0"/>
+              <a:cs typeface="Courier New" panose="02070309020205020404" pitchFamily="49" charset="0"/>
+            </a:endParaRPr>
+          </a:p>
+        </p:txBody>
+      </p:sp>
+      <p:sp>
+        <p:nvSpPr>
+          <p:cNvPr id="32" name="矩形 31">
+            <a:extLst>
+              <a:ext uri="{FF2B5EF4-FFF2-40B4-BE49-F238E27FC236}">
+                <a16:creationId xmlns:a16="http://schemas.microsoft.com/office/drawing/2014/main" id="{53BE6D2F-308F-4604-A4D1-F583A1D93590}"/>
+              </a:ext>
+            </a:extLst>
+          </p:cNvPr>
+          <p:cNvSpPr/>
+          <p:nvPr/>
+        </p:nvSpPr>
+        <p:spPr>
+          <a:xfrm>
+            <a:off x="3088132" y="5188113"/>
+            <a:ext cx="4337356" cy="553212"/>
+          </a:xfrm>
+          <a:prstGeom prst="rect">
+            <a:avLst/>
+          </a:prstGeom>
+          <a:solidFill>
+            <a:schemeClr val="accent4">
+              <a:lumMod val="20000"/>
+              <a:lumOff val="80000"/>
+            </a:schemeClr>
+          </a:solidFill>
+          <a:ln w="12700"/>
+        </p:spPr>
+        <p:style>
+          <a:lnRef idx="2">
+            <a:schemeClr val="dk1"/>
+          </a:lnRef>
+          <a:fillRef idx="1">
+            <a:schemeClr val="lt1"/>
+          </a:fillRef>
+          <a:effectRef idx="0">
+            <a:schemeClr val="dk1"/>
+          </a:effectRef>
+          <a:fontRef idx="minor">
+            <a:schemeClr val="dk1"/>
+          </a:fontRef>
+        </p:style>
+        <p:txBody>
+          <a:bodyPr rtlCol="0" anchor="ctr"/>
+          <a:lstStyle/>
+          <a:p>
+            <a:pPr algn="ctr"/>
+            <a:r>
+              <a:rPr lang="en-US" altLang="zh-CN" sz="1400" dirty="0">
+                <a:latin typeface="Courier New" panose="02070309020205020404" pitchFamily="49" charset="0"/>
+                <a:cs typeface="Courier New" panose="02070309020205020404" pitchFamily="49" charset="0"/>
+              </a:rPr>
+              <a:t>Number of Slots</a:t>
+            </a:r>
+            <a:endParaRPr lang="zh-CN" altLang="en-US" sz="1400" dirty="0">
+              <a:latin typeface="Courier New" panose="02070309020205020404" pitchFamily="49" charset="0"/>
+              <a:cs typeface="Courier New" panose="02070309020205020404" pitchFamily="49" charset="0"/>
+            </a:endParaRPr>
+          </a:p>
+        </p:txBody>
+      </p:sp>
+      <p:sp>
+        <p:nvSpPr>
+          <p:cNvPr id="39" name="文本框 38">
+            <a:extLst>
+              <a:ext uri="{FF2B5EF4-FFF2-40B4-BE49-F238E27FC236}">
+                <a16:creationId xmlns:a16="http://schemas.microsoft.com/office/drawing/2014/main" id="{D9EF0919-5168-4E6A-8496-7807EE036494}"/>
+              </a:ext>
+            </a:extLst>
+          </p:cNvPr>
+          <p:cNvSpPr txBox="1"/>
+          <p:nvPr/>
+        </p:nvSpPr>
+        <p:spPr>
+          <a:xfrm>
+            <a:off x="7335488" y="5740965"/>
+            <a:ext cx="360000" cy="307777"/>
+          </a:xfrm>
+          <a:prstGeom prst="rect">
+            <a:avLst/>
+          </a:prstGeom>
+          <a:noFill/>
+        </p:spPr>
+        <p:txBody>
+          <a:bodyPr wrap="square" lIns="0" rIns="0" rtlCol="0">
+            <a:noAutofit/>
+          </a:bodyPr>
+          <a:lstStyle/>
+          <a:p>
+            <a:pPr algn="ctr"/>
+            <a:r>
+              <a:rPr lang="en-US" altLang="zh-CN" sz="1400" dirty="0">
+                <a:latin typeface="Courier New" panose="02070309020205020404" pitchFamily="49" charset="0"/>
+                <a:cs typeface="Courier New" panose="02070309020205020404" pitchFamily="49" charset="0"/>
+              </a:rPr>
+              <a:t>56</a:t>
+            </a:r>
+            <a:endParaRPr lang="zh-CN" altLang="en-US" sz="1400" dirty="0">
+              <a:latin typeface="Courier New" panose="02070309020205020404" pitchFamily="49" charset="0"/>
+              <a:cs typeface="Courier New" panose="02070309020205020404" pitchFamily="49" charset="0"/>
+            </a:endParaRPr>
+          </a:p>
+        </p:txBody>
+      </p:sp>
+      <p:sp>
+        <p:nvSpPr>
+          <p:cNvPr id="33" name="矩形 32">
+            <a:extLst>
+              <a:ext uri="{FF2B5EF4-FFF2-40B4-BE49-F238E27FC236}">
+                <a16:creationId xmlns:a16="http://schemas.microsoft.com/office/drawing/2014/main" id="{9F7D38A0-7A56-4BCC-8F04-A7DC3AE11BE2}"/>
+              </a:ext>
+            </a:extLst>
+          </p:cNvPr>
+          <p:cNvSpPr/>
+          <p:nvPr/>
+        </p:nvSpPr>
+        <p:spPr>
+          <a:xfrm>
+            <a:off x="7425489" y="5188113"/>
+            <a:ext cx="180000" cy="554400"/>
+          </a:xfrm>
+          <a:prstGeom prst="rect">
+            <a:avLst/>
+          </a:prstGeom>
+          <a:noFill/>
+          <a:ln w="6350">
+            <a:prstDash val="lgDash"/>
+            <a:extLst>
+              <a:ext uri="{C807C97D-BFC1-408E-A445-0C87EB9F89A2}">
+                <ask:lineSketchStyleProps xmlns:ask="http://schemas.microsoft.com/office/drawing/2018/sketchyshapes" sd="1219033472">
+                  <a:custGeom>
+                    <a:avLst/>
+                    <a:gdLst>
+                      <a:gd name="connsiteX0" fmla="*/ 0 w 180000"/>
+                      <a:gd name="connsiteY0" fmla="*/ 0 h 553212"/>
+                      <a:gd name="connsiteX1" fmla="*/ 180000 w 180000"/>
+                      <a:gd name="connsiteY1" fmla="*/ 0 h 553212"/>
+                      <a:gd name="connsiteX2" fmla="*/ 180000 w 180000"/>
+                      <a:gd name="connsiteY2" fmla="*/ 553212 h 553212"/>
+                      <a:gd name="connsiteX3" fmla="*/ 0 w 180000"/>
+                      <a:gd name="connsiteY3" fmla="*/ 553212 h 553212"/>
+                      <a:gd name="connsiteX4" fmla="*/ 0 w 180000"/>
+                      <a:gd name="connsiteY4" fmla="*/ 0 h 553212"/>
+                    </a:gdLst>
+                    <a:ahLst/>
+                    <a:cxnLst>
+                      <a:cxn ang="0">
+                        <a:pos x="connsiteX0" y="connsiteY0"/>
+                      </a:cxn>
+                      <a:cxn ang="0">
+                        <a:pos x="connsiteX1" y="connsiteY1"/>
+                      </a:cxn>
+                      <a:cxn ang="0">
+                        <a:pos x="connsiteX2" y="connsiteY2"/>
+                      </a:cxn>
+                      <a:cxn ang="0">
+                        <a:pos x="connsiteX3" y="connsiteY3"/>
+                      </a:cxn>
+                      <a:cxn ang="0">
+                        <a:pos x="connsiteX4" y="connsiteY4"/>
+                      </a:cxn>
+                    </a:cxnLst>
+                    <a:rect l="l" t="t" r="r" b="b"/>
+                    <a:pathLst>
+                      <a:path w="180000" h="553212" extrusionOk="0">
+                        <a:moveTo>
+                          <a:pt x="0" y="0"/>
+                        </a:moveTo>
+                        <a:cubicBezTo>
+                          <a:pt x="40310" y="8445"/>
+                          <a:pt x="130648" y="14612"/>
+                          <a:pt x="180000" y="0"/>
+                        </a:cubicBezTo>
+                        <a:cubicBezTo>
+                          <a:pt x="227752" y="213652"/>
+                          <a:pt x="154183" y="462338"/>
+                          <a:pt x="180000" y="553212"/>
+                        </a:cubicBezTo>
+                        <a:cubicBezTo>
+                          <a:pt x="142648" y="559612"/>
+                          <a:pt x="48730" y="565816"/>
+                          <a:pt x="0" y="553212"/>
+                        </a:cubicBezTo>
+                        <a:cubicBezTo>
+                          <a:pt x="-14839" y="295874"/>
+                          <a:pt x="-45456" y="134841"/>
+                          <a:pt x="0" y="0"/>
+                        </a:cubicBezTo>
+                        <a:close/>
+                      </a:path>
+                    </a:pathLst>
+                  </a:custGeom>
+                  <ask:type>
+                    <ask:lineSketchNone/>
+                  </ask:type>
+                </ask:lineSketchStyleProps>
+              </a:ext>
+            </a:extLst>
+          </a:ln>
+        </p:spPr>
+        <p:style>
+          <a:lnRef idx="2">
+            <a:schemeClr val="dk1"/>
+          </a:lnRef>
+          <a:fillRef idx="1">
+            <a:schemeClr val="lt1"/>
+          </a:fillRef>
+          <a:effectRef idx="0">
+            <a:schemeClr val="dk1"/>
+          </a:effectRef>
+          <a:fontRef idx="minor">
+            <a:schemeClr val="dk1"/>
+          </a:fontRef>
+        </p:style>
+        <p:txBody>
+          <a:bodyPr vert="eaVert" rtlCol="0" anchor="ctr"/>
+          <a:lstStyle/>
+          <a:p>
+            <a:pPr algn="ctr"/>
+            <a:r>
+              <a:rPr lang="en-US" altLang="zh-CN" sz="1200" dirty="0">
+                <a:latin typeface="Courier New" panose="02070309020205020404" pitchFamily="49" charset="0"/>
+                <a:cs typeface="Courier New" panose="02070309020205020404" pitchFamily="49" charset="0"/>
+              </a:rPr>
+              <a:t>Valid</a:t>
+            </a:r>
+            <a:endParaRPr lang="zh-CN" altLang="en-US" sz="1200" dirty="0">
+              <a:latin typeface="Courier New" panose="02070309020205020404" pitchFamily="49" charset="0"/>
+              <a:cs typeface="Courier New" panose="02070309020205020404" pitchFamily="49" charset="0"/>
+            </a:endParaRPr>
+          </a:p>
+        </p:txBody>
+      </p:sp>
+      <p:sp>
+        <p:nvSpPr>
+          <p:cNvPr id="43" name="矩形 42">
+            <a:extLst>
+              <a:ext uri="{FF2B5EF4-FFF2-40B4-BE49-F238E27FC236}">
+                <a16:creationId xmlns:a16="http://schemas.microsoft.com/office/drawing/2014/main" id="{352BF938-D524-43AF-A3F3-81776A6176B0}"/>
+              </a:ext>
+            </a:extLst>
+          </p:cNvPr>
+          <p:cNvSpPr/>
+          <p:nvPr/>
+        </p:nvSpPr>
+        <p:spPr>
+          <a:xfrm>
+            <a:off x="8669855" y="5186654"/>
+            <a:ext cx="180000" cy="553212"/>
+          </a:xfrm>
+          <a:prstGeom prst="rect">
+            <a:avLst/>
+          </a:prstGeom>
+          <a:noFill/>
+          <a:ln w="6350">
+            <a:prstDash val="lgDash"/>
+          </a:ln>
+        </p:spPr>
+        <p:style>
+          <a:lnRef idx="2">
+            <a:schemeClr val="dk1"/>
+          </a:lnRef>
+          <a:fillRef idx="1">
+            <a:schemeClr val="lt1"/>
+          </a:fillRef>
+          <a:effectRef idx="0">
+            <a:schemeClr val="dk1"/>
+          </a:effectRef>
+          <a:fontRef idx="minor">
+            <a:schemeClr val="dk1"/>
+          </a:fontRef>
+        </p:style>
+        <p:txBody>
+          <a:bodyPr vert="eaVert" rtlCol="0" anchor="ctr"/>
+          <a:lstStyle/>
+          <a:p>
+            <a:pPr algn="ctr"/>
+            <a:r>
+              <a:rPr lang="en-US" altLang="zh-CN" sz="1200" dirty="0">
+                <a:latin typeface="Courier New" panose="02070309020205020404" pitchFamily="49" charset="0"/>
+                <a:cs typeface="Courier New" panose="02070309020205020404" pitchFamily="49" charset="0"/>
+              </a:rPr>
+              <a:t>Lock</a:t>
+            </a:r>
+            <a:endParaRPr lang="zh-CN" altLang="en-US" sz="1200" dirty="0">
+              <a:latin typeface="Courier New" panose="02070309020205020404" pitchFamily="49" charset="0"/>
+              <a:cs typeface="Courier New" panose="02070309020205020404" pitchFamily="49" charset="0"/>
+            </a:endParaRPr>
+          </a:p>
+        </p:txBody>
+      </p:sp>
+      <p:sp>
+        <p:nvSpPr>
+          <p:cNvPr id="44" name="文本框 43">
+            <a:extLst>
+              <a:ext uri="{FF2B5EF4-FFF2-40B4-BE49-F238E27FC236}">
+                <a16:creationId xmlns:a16="http://schemas.microsoft.com/office/drawing/2014/main" id="{9E34E6D8-BE7C-4D1E-B325-8F2C0FE8AB46}"/>
+              </a:ext>
+            </a:extLst>
+          </p:cNvPr>
+          <p:cNvSpPr txBox="1"/>
+          <p:nvPr/>
+        </p:nvSpPr>
+        <p:spPr>
+          <a:xfrm>
+            <a:off x="8579855" y="5740966"/>
+            <a:ext cx="360000" cy="307777"/>
+          </a:xfrm>
+          <a:prstGeom prst="rect">
+            <a:avLst/>
+          </a:prstGeom>
+          <a:noFill/>
+        </p:spPr>
+        <p:txBody>
+          <a:bodyPr wrap="square" lIns="0" rIns="0" rtlCol="0">
+            <a:noAutofit/>
+          </a:bodyPr>
+          <a:lstStyle/>
+          <a:p>
+            <a:pPr algn="ctr"/>
+            <a:r>
+              <a:rPr lang="en-US" altLang="zh-CN" sz="1400" dirty="0">
+                <a:latin typeface="Courier New" panose="02070309020205020404" pitchFamily="49" charset="0"/>
+                <a:cs typeface="Courier New" panose="02070309020205020404" pitchFamily="49" charset="0"/>
+              </a:rPr>
+              <a:t>63</a:t>
+            </a:r>
+            <a:endParaRPr lang="zh-CN" altLang="en-US" sz="1400" dirty="0">
+              <a:latin typeface="Courier New" panose="02070309020205020404" pitchFamily="49" charset="0"/>
+              <a:cs typeface="Courier New" panose="02070309020205020404" pitchFamily="49" charset="0"/>
+            </a:endParaRPr>
+          </a:p>
+        </p:txBody>
+      </p:sp>
+      <p:sp>
+        <p:nvSpPr>
+          <p:cNvPr id="45" name="文本框 44">
+            <a:extLst>
+              <a:ext uri="{FF2B5EF4-FFF2-40B4-BE49-F238E27FC236}">
+                <a16:creationId xmlns:a16="http://schemas.microsoft.com/office/drawing/2014/main" id="{DCF1D8DD-5185-47FB-973D-3E871BBC2E6B}"/>
+              </a:ext>
+            </a:extLst>
+          </p:cNvPr>
+          <p:cNvSpPr txBox="1"/>
+          <p:nvPr/>
+        </p:nvSpPr>
+        <p:spPr>
+          <a:xfrm>
+            <a:off x="3000513" y="5740965"/>
+            <a:ext cx="360000" cy="307777"/>
+          </a:xfrm>
+          <a:prstGeom prst="rect">
+            <a:avLst/>
+          </a:prstGeom>
+          <a:noFill/>
+        </p:spPr>
+        <p:txBody>
+          <a:bodyPr wrap="square" lIns="0" rIns="0" rtlCol="0">
+            <a:noAutofit/>
+          </a:bodyPr>
+          <a:lstStyle/>
+          <a:p>
+            <a:pPr algn="ctr"/>
+            <a:r>
+              <a:rPr lang="en-US" altLang="zh-CN" sz="1400" dirty="0">
+                <a:latin typeface="Courier New" panose="02070309020205020404" pitchFamily="49" charset="0"/>
+                <a:cs typeface="Courier New" panose="02070309020205020404" pitchFamily="49" charset="0"/>
+              </a:rPr>
+              <a:t>32</a:t>
+            </a:r>
+            <a:endParaRPr lang="zh-CN" altLang="en-US" sz="1400" dirty="0">
+              <a:latin typeface="Courier New" panose="02070309020205020404" pitchFamily="49" charset="0"/>
+              <a:cs typeface="Courier New" panose="02070309020205020404" pitchFamily="49" charset="0"/>
+            </a:endParaRPr>
+          </a:p>
+        </p:txBody>
+      </p:sp>
+      <p:sp>
+        <p:nvSpPr>
+          <p:cNvPr id="46" name="文本框 45">
+            <a:extLst>
+              <a:ext uri="{FF2B5EF4-FFF2-40B4-BE49-F238E27FC236}">
+                <a16:creationId xmlns:a16="http://schemas.microsoft.com/office/drawing/2014/main" id="{485E8B13-8EB0-46BE-B91B-A9285C1B83E3}"/>
+              </a:ext>
+            </a:extLst>
+          </p:cNvPr>
+          <p:cNvSpPr txBox="1"/>
+          <p:nvPr/>
+        </p:nvSpPr>
+        <p:spPr>
+          <a:xfrm>
+            <a:off x="2998132" y="4880336"/>
+            <a:ext cx="360000" cy="307777"/>
+          </a:xfrm>
+          <a:prstGeom prst="rect">
+            <a:avLst/>
+          </a:prstGeom>
+          <a:noFill/>
+        </p:spPr>
+        <p:txBody>
+          <a:bodyPr wrap="square" lIns="0" rIns="0" rtlCol="0">
+            <a:noAutofit/>
+          </a:bodyPr>
+          <a:lstStyle/>
+          <a:p>
+            <a:pPr algn="ctr"/>
+            <a:r>
+              <a:rPr lang="en-US" altLang="zh-CN" sz="1400" dirty="0">
+                <a:latin typeface="Courier New" panose="02070309020205020404" pitchFamily="49" charset="0"/>
+                <a:cs typeface="Courier New" panose="02070309020205020404" pitchFamily="49" charset="0"/>
+              </a:rPr>
+              <a:t>0</a:t>
+            </a:r>
+            <a:endParaRPr lang="zh-CN" altLang="en-US" sz="1400" dirty="0">
+              <a:latin typeface="Courier New" panose="02070309020205020404" pitchFamily="49" charset="0"/>
+              <a:cs typeface="Courier New" panose="02070309020205020404" pitchFamily="49" charset="0"/>
+            </a:endParaRPr>
+          </a:p>
+        </p:txBody>
+      </p:sp>
+      <p:cxnSp>
+        <p:nvCxnSpPr>
+          <p:cNvPr id="51" name="直接连接符 50">
+            <a:extLst>
+              <a:ext uri="{FF2B5EF4-FFF2-40B4-BE49-F238E27FC236}">
+                <a16:creationId xmlns:a16="http://schemas.microsoft.com/office/drawing/2014/main" id="{1B41F268-564C-4EB9-860A-EDE24C48ECCF}"/>
+              </a:ext>
+            </a:extLst>
+          </p:cNvPr>
+          <p:cNvCxnSpPr>
+            <a:cxnSpLocks/>
+          </p:cNvCxnSpPr>
+          <p:nvPr/>
+        </p:nvCxnSpPr>
+        <p:spPr>
+          <a:xfrm flipH="1">
+            <a:off x="3089848" y="3815419"/>
+            <a:ext cx="2887616" cy="515456"/>
+          </a:xfrm>
+          <a:prstGeom prst="line">
+            <a:avLst/>
+          </a:prstGeom>
+        </p:spPr>
+        <p:style>
+          <a:lnRef idx="2">
+            <a:schemeClr val="dk1"/>
+          </a:lnRef>
+          <a:fillRef idx="0">
+            <a:schemeClr val="dk1"/>
+          </a:fillRef>
+          <a:effectRef idx="1">
+            <a:schemeClr val="dk1"/>
+          </a:effectRef>
+          <a:fontRef idx="minor">
+            <a:schemeClr val="tx1"/>
+          </a:fontRef>
+        </p:style>
+      </p:cxnSp>
+      <p:cxnSp>
+        <p:nvCxnSpPr>
+          <p:cNvPr id="52" name="直接连接符 51">
+            <a:extLst>
+              <a:ext uri="{FF2B5EF4-FFF2-40B4-BE49-F238E27FC236}">
+                <a16:creationId xmlns:a16="http://schemas.microsoft.com/office/drawing/2014/main" id="{841F2B1A-EE02-4046-97F6-C402EFA46CF6}"/>
+              </a:ext>
+            </a:extLst>
+          </p:cNvPr>
+          <p:cNvCxnSpPr>
+            <a:cxnSpLocks/>
+          </p:cNvCxnSpPr>
+          <p:nvPr/>
+        </p:nvCxnSpPr>
+        <p:spPr>
+          <a:xfrm>
+            <a:off x="7698839" y="3815212"/>
+            <a:ext cx="1151016" cy="512271"/>
+          </a:xfrm>
+          <a:prstGeom prst="line">
+            <a:avLst/>
+          </a:prstGeom>
+        </p:spPr>
+        <p:style>
+          <a:lnRef idx="2">
+            <a:schemeClr val="dk1"/>
+          </a:lnRef>
+          <a:fillRef idx="0">
+            <a:schemeClr val="dk1"/>
+          </a:fillRef>
+          <a:effectRef idx="1">
+            <a:schemeClr val="dk1"/>
+          </a:effectRef>
+          <a:fontRef idx="minor">
+            <a:schemeClr val="tx1"/>
+          </a:fontRef>
+        </p:style>
+      </p:cxnSp>
+      <p:sp>
+        <p:nvSpPr>
+          <p:cNvPr id="24" name="矩形 23">
+            <a:extLst>
+              <a:ext uri="{FF2B5EF4-FFF2-40B4-BE49-F238E27FC236}">
+                <a16:creationId xmlns:a16="http://schemas.microsoft.com/office/drawing/2014/main" id="{95A80C1B-016B-4949-AFB5-05B995EAD508}"/>
+              </a:ext>
+            </a:extLst>
+          </p:cNvPr>
+          <p:cNvSpPr/>
+          <p:nvPr/>
+        </p:nvSpPr>
+        <p:spPr>
+          <a:xfrm>
+            <a:off x="7699582" y="1191089"/>
+            <a:ext cx="896112" cy="329184"/>
+          </a:xfrm>
+          <a:prstGeom prst="rect">
+            <a:avLst/>
+          </a:prstGeom>
+          <a:ln w="12700">
+            <a:noFill/>
+          </a:ln>
+        </p:spPr>
+        <p:style>
+          <a:lnRef idx="2">
+            <a:schemeClr val="dk1"/>
+          </a:lnRef>
+          <a:fillRef idx="1">
+            <a:schemeClr val="lt1"/>
+          </a:fillRef>
+          <a:effectRef idx="0">
+            <a:schemeClr val="dk1"/>
+          </a:effectRef>
+          <a:fontRef idx="minor">
+            <a:schemeClr val="dk1"/>
+          </a:fontRef>
+        </p:style>
+        <p:txBody>
+          <a:bodyPr rtlCol="0" anchor="ctr"/>
+          <a:lstStyle/>
+          <a:p>
+            <a:pPr algn="ctr"/>
+            <a:endParaRPr lang="zh-CN" altLang="en-US" sz="1400" dirty="0">
+              <a:latin typeface="Times New Roman" panose="02020603050405020304" pitchFamily="18" charset="0"/>
+              <a:cs typeface="Times New Roman" panose="02020603050405020304" pitchFamily="18" charset="0"/>
+            </a:endParaRPr>
+          </a:p>
+        </p:txBody>
+      </p:sp>
+      <p:cxnSp>
+        <p:nvCxnSpPr>
+          <p:cNvPr id="15" name="直接连接符 14">
+            <a:extLst>
+              <a:ext uri="{FF2B5EF4-FFF2-40B4-BE49-F238E27FC236}">
+                <a16:creationId xmlns:a16="http://schemas.microsoft.com/office/drawing/2014/main" id="{63924583-6070-4BFC-A732-AD3539700A5A}"/>
+              </a:ext>
+            </a:extLst>
+          </p:cNvPr>
+          <p:cNvCxnSpPr/>
+          <p:nvPr/>
+        </p:nvCxnSpPr>
+        <p:spPr>
+          <a:xfrm flipV="1">
+            <a:off x="3367619" y="1117937"/>
+            <a:ext cx="0" cy="475488"/>
+          </a:xfrm>
+          <a:prstGeom prst="line">
+            <a:avLst/>
+          </a:prstGeom>
+          <a:ln>
+            <a:solidFill>
+              <a:schemeClr val="tx1"/>
+            </a:solidFill>
+            <a:prstDash val="dash"/>
+          </a:ln>
+        </p:spPr>
+        <p:style>
+          <a:lnRef idx="2">
+            <a:schemeClr val="dk1"/>
+          </a:lnRef>
+          <a:fillRef idx="0">
+            <a:schemeClr val="dk1"/>
+          </a:fillRef>
+          <a:effectRef idx="1">
+            <a:schemeClr val="dk1"/>
+          </a:effectRef>
+          <a:fontRef idx="minor">
+            <a:schemeClr val="tx1"/>
+          </a:fontRef>
+        </p:style>
+      </p:cxnSp>
+      <p:cxnSp>
+        <p:nvCxnSpPr>
+          <p:cNvPr id="16" name="直接连接符 15">
+            <a:extLst>
+              <a:ext uri="{FF2B5EF4-FFF2-40B4-BE49-F238E27FC236}">
+                <a16:creationId xmlns:a16="http://schemas.microsoft.com/office/drawing/2014/main" id="{5F34760A-DD1B-4E85-924F-32AA10A9E016}"/>
+              </a:ext>
+            </a:extLst>
+          </p:cNvPr>
+          <p:cNvCxnSpPr/>
+          <p:nvPr/>
+        </p:nvCxnSpPr>
+        <p:spPr>
+          <a:xfrm flipV="1">
+            <a:off x="7699582" y="1117937"/>
+            <a:ext cx="0" cy="475488"/>
+          </a:xfrm>
+          <a:prstGeom prst="line">
+            <a:avLst/>
+          </a:prstGeom>
+          <a:ln>
+            <a:prstDash val="dash"/>
+          </a:ln>
+        </p:spPr>
+        <p:style>
+          <a:lnRef idx="2">
+            <a:schemeClr val="dk1"/>
+          </a:lnRef>
+          <a:fillRef idx="0">
+            <a:schemeClr val="dk1"/>
+          </a:fillRef>
+          <a:effectRef idx="1">
+            <a:schemeClr val="dk1"/>
+          </a:effectRef>
+          <a:fontRef idx="minor">
+            <a:schemeClr val="tx1"/>
+          </a:fontRef>
+        </p:style>
+      </p:cxnSp>
+      <p:grpSp>
+        <p:nvGrpSpPr>
+          <p:cNvPr id="19" name="组合 18">
+            <a:extLst>
+              <a:ext uri="{FF2B5EF4-FFF2-40B4-BE49-F238E27FC236}">
+                <a16:creationId xmlns:a16="http://schemas.microsoft.com/office/drawing/2014/main" id="{5CC777CA-C763-4BAE-866A-C9B98A5F1E8B}"/>
+              </a:ext>
+            </a:extLst>
+          </p:cNvPr>
+          <p:cNvGrpSpPr/>
+          <p:nvPr/>
+        </p:nvGrpSpPr>
+        <p:grpSpPr>
+          <a:xfrm>
+            <a:off x="3367619" y="1593427"/>
+            <a:ext cx="4331968" cy="2221992"/>
+            <a:chOff x="3638552" y="1051560"/>
+            <a:chExt cx="4331968" cy="2221992"/>
+          </a:xfrm>
+        </p:grpSpPr>
+        <p:sp>
+          <p:nvSpPr>
+            <p:cNvPr id="4" name="矩形 3">
+              <a:extLst>
+                <a:ext uri="{FF2B5EF4-FFF2-40B4-BE49-F238E27FC236}">
+                  <a16:creationId xmlns:a16="http://schemas.microsoft.com/office/drawing/2014/main" id="{5549C889-3055-4C99-99E3-33A921910AA7}"/>
+                </a:ext>
+              </a:extLst>
+            </p:cNvPr>
+            <p:cNvSpPr/>
+            <p:nvPr/>
+          </p:nvSpPr>
+          <p:spPr>
+            <a:xfrm>
+              <a:off x="3638552" y="1051560"/>
+              <a:ext cx="2609844" cy="2221992"/>
+            </a:xfrm>
+            <a:prstGeom prst="rect">
+              <a:avLst/>
+            </a:prstGeom>
+            <a:solidFill>
+              <a:schemeClr val="accent5">
+                <a:lumMod val="20000"/>
+                <a:lumOff val="80000"/>
+              </a:schemeClr>
+            </a:solidFill>
+            <a:ln w="12700"/>
+          </p:spPr>
+          <p:style>
+            <a:lnRef idx="2">
+              <a:schemeClr val="dk1"/>
+            </a:lnRef>
+            <a:fillRef idx="1">
+              <a:schemeClr val="lt1"/>
+            </a:fillRef>
+            <a:effectRef idx="0">
+              <a:schemeClr val="dk1"/>
+            </a:effectRef>
+            <a:fontRef idx="minor">
+              <a:schemeClr val="dk1"/>
+            </a:fontRef>
+          </p:style>
+          <p:txBody>
+            <a:bodyPr rtlCol="0" anchor="ctr"/>
+            <a:lstStyle/>
+            <a:p>
+              <a:pPr algn="ctr"/>
+              <a:r>
+                <a:rPr lang="en-US" altLang="zh-CN" sz="1400" dirty="0">
+                  <a:latin typeface="Courier New" panose="02070309020205020404" pitchFamily="49" charset="0"/>
+                  <a:cs typeface="Courier New" panose="02070309020205020404" pitchFamily="49" charset="0"/>
+                </a:rPr>
+                <a:t>Value</a:t>
+              </a:r>
+              <a:endParaRPr lang="zh-CN" altLang="en-US" sz="1400" dirty="0">
+                <a:latin typeface="Courier New" panose="02070309020205020404" pitchFamily="49" charset="0"/>
+                <a:cs typeface="Courier New" panose="02070309020205020404" pitchFamily="49" charset="0"/>
+              </a:endParaRPr>
+            </a:p>
+          </p:txBody>
+        </p:sp>
+        <p:sp>
+          <p:nvSpPr>
+            <p:cNvPr id="5" name="矩形 4">
+              <a:extLst>
+                <a:ext uri="{FF2B5EF4-FFF2-40B4-BE49-F238E27FC236}">
+                  <a16:creationId xmlns:a16="http://schemas.microsoft.com/office/drawing/2014/main" id="{B1A7152B-1AA0-4A3F-B82F-5584CFFA8584}"/>
+                </a:ext>
+              </a:extLst>
+            </p:cNvPr>
+            <p:cNvSpPr/>
+            <p:nvPr/>
+          </p:nvSpPr>
+          <p:spPr>
+            <a:xfrm>
+              <a:off x="6248400" y="1051560"/>
+              <a:ext cx="1722115" cy="1281331"/>
+            </a:xfrm>
+            <a:prstGeom prst="rect">
+              <a:avLst/>
+            </a:prstGeom>
+            <a:solidFill>
+              <a:schemeClr val="accent5">
+                <a:lumMod val="20000"/>
+                <a:lumOff val="80000"/>
+              </a:schemeClr>
+            </a:solidFill>
+            <a:ln w="12700"/>
+          </p:spPr>
+          <p:style>
+            <a:lnRef idx="2">
+              <a:schemeClr val="dk1"/>
+            </a:lnRef>
+            <a:fillRef idx="1">
+              <a:schemeClr val="lt1"/>
+            </a:fillRef>
+            <a:effectRef idx="0">
+              <a:schemeClr val="dk1"/>
+            </a:effectRef>
+            <a:fontRef idx="minor">
+              <a:schemeClr val="dk1"/>
+            </a:fontRef>
+          </p:style>
+          <p:txBody>
+            <a:bodyPr rtlCol="0" anchor="ctr"/>
+            <a:lstStyle/>
+            <a:p>
+              <a:pPr algn="ctr"/>
+              <a:r>
+                <a:rPr lang="en-US" altLang="zh-CN" sz="1400" dirty="0">
+                  <a:latin typeface="Courier New" panose="02070309020205020404" pitchFamily="49" charset="0"/>
+                  <a:cs typeface="Courier New" panose="02070309020205020404" pitchFamily="49" charset="0"/>
+                </a:rPr>
+                <a:t>Key</a:t>
+              </a:r>
+              <a:endParaRPr lang="zh-CN" altLang="en-US" sz="1400" dirty="0">
+                <a:latin typeface="Courier New" panose="02070309020205020404" pitchFamily="49" charset="0"/>
+                <a:cs typeface="Courier New" panose="02070309020205020404" pitchFamily="49" charset="0"/>
+              </a:endParaRPr>
+            </a:p>
+          </p:txBody>
+        </p:sp>
+        <p:sp>
+          <p:nvSpPr>
+            <p:cNvPr id="6" name="矩形 5">
+              <a:extLst>
+                <a:ext uri="{FF2B5EF4-FFF2-40B4-BE49-F238E27FC236}">
+                  <a16:creationId xmlns:a16="http://schemas.microsoft.com/office/drawing/2014/main" id="{8C5D82BC-1AA0-4F46-B2EF-D217DFC399A7}"/>
+                </a:ext>
+              </a:extLst>
+            </p:cNvPr>
+            <p:cNvSpPr/>
+            <p:nvPr/>
+          </p:nvSpPr>
+          <p:spPr>
+            <a:xfrm>
+              <a:off x="6248401" y="2640674"/>
+              <a:ext cx="1722118" cy="320802"/>
+            </a:xfrm>
+            <a:prstGeom prst="rect">
+              <a:avLst/>
+            </a:prstGeom>
+            <a:solidFill>
+              <a:schemeClr val="accent5">
+                <a:lumMod val="20000"/>
+                <a:lumOff val="80000"/>
+              </a:schemeClr>
+            </a:solidFill>
+            <a:ln w="12700"/>
+          </p:spPr>
+          <p:style>
+            <a:lnRef idx="2">
+              <a:schemeClr val="dk1"/>
+            </a:lnRef>
+            <a:fillRef idx="1">
+              <a:schemeClr val="lt1"/>
+            </a:fillRef>
+            <a:effectRef idx="0">
+              <a:schemeClr val="dk1"/>
+            </a:effectRef>
+            <a:fontRef idx="minor">
+              <a:schemeClr val="dk1"/>
+            </a:fontRef>
+          </p:style>
+          <p:txBody>
+            <a:bodyPr rtlCol="0" anchor="ctr"/>
+            <a:lstStyle/>
+            <a:p>
+              <a:pPr algn="ctr"/>
+              <a:r>
+                <a:rPr lang="en-US" altLang="zh-CN" sz="1400" dirty="0">
+                  <a:latin typeface="Courier New" panose="02070309020205020404" pitchFamily="49" charset="0"/>
+                  <a:cs typeface="Courier New" panose="02070309020205020404" pitchFamily="49" charset="0"/>
+                </a:rPr>
+                <a:t>Value CRC</a:t>
+              </a:r>
+              <a:endParaRPr lang="zh-CN" altLang="en-US" sz="1400" dirty="0">
+                <a:latin typeface="Courier New" panose="02070309020205020404" pitchFamily="49" charset="0"/>
+                <a:cs typeface="Courier New" panose="02070309020205020404" pitchFamily="49" charset="0"/>
+              </a:endParaRPr>
+            </a:p>
+          </p:txBody>
+        </p:sp>
+        <p:sp>
+          <p:nvSpPr>
+            <p:cNvPr id="7" name="矩形 6">
+              <a:extLst>
+                <a:ext uri="{FF2B5EF4-FFF2-40B4-BE49-F238E27FC236}">
+                  <a16:creationId xmlns:a16="http://schemas.microsoft.com/office/drawing/2014/main" id="{E965998E-E9EF-48B5-83A9-7E438B0BE21D}"/>
+                </a:ext>
+              </a:extLst>
+            </p:cNvPr>
+            <p:cNvSpPr/>
+            <p:nvPr/>
+          </p:nvSpPr>
+          <p:spPr>
+            <a:xfrm>
+              <a:off x="6248402" y="2952750"/>
+              <a:ext cx="1722118" cy="320802"/>
+            </a:xfrm>
+            <a:prstGeom prst="rect">
+              <a:avLst/>
+            </a:prstGeom>
+            <a:solidFill>
+              <a:schemeClr val="accent4">
+                <a:lumMod val="20000"/>
+                <a:lumOff val="80000"/>
+              </a:schemeClr>
+            </a:solidFill>
+            <a:ln w="12700"/>
+          </p:spPr>
+          <p:style>
+            <a:lnRef idx="2">
+              <a:schemeClr val="dk1"/>
+            </a:lnRef>
+            <a:fillRef idx="1">
+              <a:schemeClr val="lt1"/>
+            </a:fillRef>
+            <a:effectRef idx="0">
+              <a:schemeClr val="dk1"/>
+            </a:effectRef>
+            <a:fontRef idx="minor">
+              <a:schemeClr val="dk1"/>
+            </a:fontRef>
+          </p:style>
+          <p:txBody>
+            <a:bodyPr rtlCol="0" anchor="ctr"/>
+            <a:lstStyle/>
+            <a:p>
+              <a:pPr algn="ctr"/>
+              <a:r>
+                <a:rPr lang="en-US" altLang="zh-CN" sz="1400" dirty="0">
+                  <a:latin typeface="Courier New" panose="02070309020205020404" pitchFamily="49" charset="0"/>
+                  <a:cs typeface="Courier New" panose="02070309020205020404" pitchFamily="49" charset="0"/>
+                </a:rPr>
+                <a:t>Consistency MD</a:t>
+              </a:r>
+              <a:endParaRPr lang="zh-CN" altLang="en-US" sz="1400" dirty="0">
+                <a:latin typeface="Courier New" panose="02070309020205020404" pitchFamily="49" charset="0"/>
+                <a:cs typeface="Courier New" panose="02070309020205020404" pitchFamily="49" charset="0"/>
+              </a:endParaRPr>
+            </a:p>
+          </p:txBody>
+        </p:sp>
+        <p:sp>
+          <p:nvSpPr>
+            <p:cNvPr id="97" name="矩形 96">
+              <a:extLst>
+                <a:ext uri="{FF2B5EF4-FFF2-40B4-BE49-F238E27FC236}">
+                  <a16:creationId xmlns:a16="http://schemas.microsoft.com/office/drawing/2014/main" id="{EDBABB25-140C-429F-81A3-5A1DDF05AA73}"/>
+                </a:ext>
+              </a:extLst>
+            </p:cNvPr>
+            <p:cNvSpPr/>
+            <p:nvPr/>
+          </p:nvSpPr>
+          <p:spPr>
+            <a:xfrm>
+              <a:off x="6247654" y="2324171"/>
+              <a:ext cx="1722118" cy="320802"/>
+            </a:xfrm>
+            <a:prstGeom prst="rect">
+              <a:avLst/>
+            </a:prstGeom>
+            <a:solidFill>
+              <a:schemeClr val="accent5">
+                <a:lumMod val="20000"/>
+                <a:lumOff val="80000"/>
+              </a:schemeClr>
+            </a:solidFill>
+            <a:ln w="12700"/>
+          </p:spPr>
+          <p:style>
+            <a:lnRef idx="2">
+              <a:schemeClr val="dk1"/>
+            </a:lnRef>
+            <a:fillRef idx="1">
+              <a:schemeClr val="lt1"/>
+            </a:fillRef>
+            <a:effectRef idx="0">
+              <a:schemeClr val="dk1"/>
+            </a:effectRef>
+            <a:fontRef idx="minor">
+              <a:schemeClr val="dk1"/>
+            </a:fontRef>
+          </p:style>
+          <p:txBody>
+            <a:bodyPr rtlCol="0" anchor="ctr"/>
+            <a:lstStyle/>
+            <a:p>
+              <a:pPr algn="ctr"/>
+              <a:r>
+                <a:rPr lang="en-US" altLang="zh-CN" sz="1400" dirty="0">
+                  <a:latin typeface="Courier New" panose="02070309020205020404" pitchFamily="49" charset="0"/>
+                  <a:cs typeface="Courier New" panose="02070309020205020404" pitchFamily="49" charset="0"/>
+                </a:rPr>
+                <a:t>Value Length</a:t>
+              </a:r>
+              <a:endParaRPr lang="zh-CN" altLang="en-US" sz="1400" dirty="0">
+                <a:latin typeface="Courier New" panose="02070309020205020404" pitchFamily="49" charset="0"/>
+                <a:cs typeface="Courier New" panose="02070309020205020404" pitchFamily="49" charset="0"/>
+              </a:endParaRPr>
+            </a:p>
+          </p:txBody>
+        </p:sp>
+      </p:grpSp>
+      <p:sp>
+        <p:nvSpPr>
+          <p:cNvPr id="17" name="矩形 16">
+            <a:extLst>
+              <a:ext uri="{FF2B5EF4-FFF2-40B4-BE49-F238E27FC236}">
+                <a16:creationId xmlns:a16="http://schemas.microsoft.com/office/drawing/2014/main" id="{004033E2-C68F-4AFB-A3DE-18AB6167950C}"/>
+              </a:ext>
+            </a:extLst>
+          </p:cNvPr>
+          <p:cNvSpPr/>
+          <p:nvPr/>
+        </p:nvSpPr>
+        <p:spPr>
+          <a:xfrm>
+            <a:off x="5082889" y="1191089"/>
+            <a:ext cx="896112" cy="329184"/>
+          </a:xfrm>
+          <a:prstGeom prst="rect">
+            <a:avLst/>
+          </a:prstGeom>
+          <a:ln w="12700">
+            <a:noFill/>
+          </a:ln>
+        </p:spPr>
+        <p:style>
+          <a:lnRef idx="2">
+            <a:schemeClr val="dk1"/>
+          </a:lnRef>
+          <a:fillRef idx="1">
+            <a:schemeClr val="lt1"/>
+          </a:fillRef>
+          <a:effectRef idx="0">
+            <a:schemeClr val="dk1"/>
+          </a:effectRef>
+          <a:fontRef idx="minor">
+            <a:schemeClr val="dk1"/>
+          </a:fontRef>
+        </p:style>
+        <p:txBody>
+          <a:bodyPr rtlCol="0" anchor="ctr"/>
+          <a:lstStyle/>
+          <a:p>
+            <a:pPr algn="ctr"/>
+            <a:r>
+              <a:rPr lang="en-US" altLang="zh-CN" sz="1400" dirty="0">
+                <a:latin typeface="Times New Roman" panose="02020603050405020304" pitchFamily="18" charset="0"/>
+                <a:cs typeface="Times New Roman" panose="02020603050405020304" pitchFamily="18" charset="0"/>
+              </a:rPr>
+              <a:t>Data Slot</a:t>
+            </a:r>
+            <a:endParaRPr lang="zh-CN" altLang="en-US" sz="1400" dirty="0">
+              <a:latin typeface="Times New Roman" panose="02020603050405020304" pitchFamily="18" charset="0"/>
+              <a:cs typeface="Times New Roman" panose="02020603050405020304" pitchFamily="18" charset="0"/>
+            </a:endParaRPr>
+          </a:p>
+        </p:txBody>
+      </p:sp>
+      <p:cxnSp>
+        <p:nvCxnSpPr>
+          <p:cNvPr id="26" name="直接箭头连接符 25">
+            <a:extLst>
+              <a:ext uri="{FF2B5EF4-FFF2-40B4-BE49-F238E27FC236}">
+                <a16:creationId xmlns:a16="http://schemas.microsoft.com/office/drawing/2014/main" id="{3A6031F9-52FE-4358-8677-FBBD94DE0559}"/>
+              </a:ext>
+            </a:extLst>
+          </p:cNvPr>
+          <p:cNvCxnSpPr>
+            <a:stCxn id="17" idx="1"/>
+            <a:endCxn id="23" idx="3"/>
+          </p:cNvCxnSpPr>
+          <p:nvPr/>
+        </p:nvCxnSpPr>
+        <p:spPr>
+          <a:xfrm flipH="1">
+            <a:off x="3367619" y="1355681"/>
+            <a:ext cx="1715270" cy="2"/>
+          </a:xfrm>
+          <a:prstGeom prst="straightConnector1">
+            <a:avLst/>
+          </a:prstGeom>
+          <a:ln>
+            <a:prstDash val="dash"/>
+            <a:tailEnd type="triangle"/>
+          </a:ln>
+        </p:spPr>
+        <p:style>
+          <a:lnRef idx="2">
+            <a:schemeClr val="dk1"/>
+          </a:lnRef>
+          <a:fillRef idx="0">
+            <a:schemeClr val="dk1"/>
+          </a:fillRef>
+          <a:effectRef idx="1">
+            <a:schemeClr val="dk1"/>
+          </a:effectRef>
+          <a:fontRef idx="minor">
+            <a:schemeClr val="tx1"/>
+          </a:fontRef>
+        </p:style>
+      </p:cxnSp>
+      <p:cxnSp>
+        <p:nvCxnSpPr>
+          <p:cNvPr id="27" name="直接箭头连接符 26">
+            <a:extLst>
+              <a:ext uri="{FF2B5EF4-FFF2-40B4-BE49-F238E27FC236}">
+                <a16:creationId xmlns:a16="http://schemas.microsoft.com/office/drawing/2014/main" id="{96C5CF1A-93FD-4264-9C72-DC0C75530A16}"/>
+              </a:ext>
+            </a:extLst>
+          </p:cNvPr>
+          <p:cNvCxnSpPr>
+            <a:cxnSpLocks/>
+            <a:stCxn id="17" idx="3"/>
+            <a:endCxn id="24" idx="1"/>
+          </p:cNvCxnSpPr>
+          <p:nvPr/>
+        </p:nvCxnSpPr>
+        <p:spPr>
+          <a:xfrm>
+            <a:off x="5979001" y="1355681"/>
+            <a:ext cx="1720581" cy="0"/>
+          </a:xfrm>
+          <a:prstGeom prst="straightConnector1">
+            <a:avLst/>
+          </a:prstGeom>
+          <a:ln>
+            <a:prstDash val="dash"/>
+            <a:tailEnd type="triangle"/>
+          </a:ln>
+        </p:spPr>
+        <p:style>
+          <a:lnRef idx="2">
+            <a:schemeClr val="dk1"/>
+          </a:lnRef>
+          <a:fillRef idx="0">
+            <a:schemeClr val="dk1"/>
+          </a:fillRef>
+          <a:effectRef idx="1">
+            <a:schemeClr val="dk1"/>
+          </a:effectRef>
+          <a:fontRef idx="minor">
+            <a:schemeClr val="tx1"/>
+          </a:fontRef>
+        </p:style>
+      </p:cxnSp>
+      <p:grpSp>
+        <p:nvGrpSpPr>
+          <p:cNvPr id="70" name="组合 69">
+            <a:extLst>
+              <a:ext uri="{FF2B5EF4-FFF2-40B4-BE49-F238E27FC236}">
+                <a16:creationId xmlns:a16="http://schemas.microsoft.com/office/drawing/2014/main" id="{D7408E95-ECAD-4195-BD26-E6881812A38E}"/>
+              </a:ext>
+            </a:extLst>
+          </p:cNvPr>
+          <p:cNvGrpSpPr/>
+          <p:nvPr/>
+        </p:nvGrpSpPr>
+        <p:grpSpPr>
+          <a:xfrm>
+            <a:off x="7698845" y="1593840"/>
+            <a:ext cx="893006" cy="2221371"/>
+            <a:chOff x="8183880" y="1051559"/>
+            <a:chExt cx="893006" cy="2221371"/>
+          </a:xfrm>
+        </p:grpSpPr>
+        <p:sp>
+          <p:nvSpPr>
+            <p:cNvPr id="10" name="矩形 9">
+              <a:extLst>
+                <a:ext uri="{FF2B5EF4-FFF2-40B4-BE49-F238E27FC236}">
+                  <a16:creationId xmlns:a16="http://schemas.microsoft.com/office/drawing/2014/main" id="{F13BA50C-D9BD-4A3A-A9CA-1DDE0FB76B72}"/>
+                </a:ext>
+              </a:extLst>
+            </p:cNvPr>
+            <p:cNvSpPr/>
+            <p:nvPr/>
+          </p:nvSpPr>
+          <p:spPr>
+            <a:xfrm>
+              <a:off x="8183880" y="1051560"/>
+              <a:ext cx="612645" cy="2221370"/>
+            </a:xfrm>
+            <a:prstGeom prst="rect">
+              <a:avLst/>
+            </a:prstGeom>
+            <a:solidFill>
+              <a:schemeClr val="accent5">
+                <a:lumMod val="40000"/>
+                <a:lumOff val="60000"/>
+              </a:schemeClr>
+            </a:solidFill>
+            <a:ln w="12700"/>
+          </p:spPr>
+          <p:style>
+            <a:lnRef idx="2">
+              <a:schemeClr val="dk1"/>
+            </a:lnRef>
+            <a:fillRef idx="1">
+              <a:schemeClr val="lt1"/>
+            </a:fillRef>
+            <a:effectRef idx="0">
+              <a:schemeClr val="dk1"/>
+            </a:effectRef>
+            <a:fontRef idx="minor">
+              <a:schemeClr val="dk1"/>
+            </a:fontRef>
+          </p:style>
+          <p:txBody>
+            <a:bodyPr rtlCol="0" anchor="ctr"/>
+            <a:lstStyle/>
+            <a:p>
+              <a:pPr algn="ctr"/>
+              <a:endParaRPr lang="zh-CN" altLang="en-US" sz="1400" dirty="0">
+                <a:latin typeface="Courier New" panose="02070309020205020404" pitchFamily="49" charset="0"/>
+                <a:cs typeface="Courier New" panose="02070309020205020404" pitchFamily="49" charset="0"/>
+              </a:endParaRPr>
+            </a:p>
+          </p:txBody>
+        </p:sp>
+        <p:sp>
+          <p:nvSpPr>
+            <p:cNvPr id="11" name="矩形 10">
+              <a:extLst>
+                <a:ext uri="{FF2B5EF4-FFF2-40B4-BE49-F238E27FC236}">
+                  <a16:creationId xmlns:a16="http://schemas.microsoft.com/office/drawing/2014/main" id="{696231C5-A110-4BE5-A1F1-B0D1973C928E}"/>
+                </a:ext>
+              </a:extLst>
+            </p:cNvPr>
+            <p:cNvSpPr/>
+            <p:nvPr/>
+          </p:nvSpPr>
+          <p:spPr>
+            <a:xfrm>
+              <a:off x="8796127" y="1051559"/>
+              <a:ext cx="280012" cy="1272198"/>
+            </a:xfrm>
+            <a:prstGeom prst="rect">
+              <a:avLst/>
+            </a:prstGeom>
+            <a:solidFill>
+              <a:schemeClr val="accent5">
+                <a:lumMod val="40000"/>
+                <a:lumOff val="60000"/>
+              </a:schemeClr>
+            </a:solidFill>
+            <a:ln w="12700"/>
+          </p:spPr>
+          <p:style>
+            <a:lnRef idx="2">
+              <a:schemeClr val="dk1"/>
+            </a:lnRef>
+            <a:fillRef idx="1">
+              <a:schemeClr val="lt1"/>
+            </a:fillRef>
+            <a:effectRef idx="0">
+              <a:schemeClr val="dk1"/>
+            </a:effectRef>
+            <a:fontRef idx="minor">
+              <a:schemeClr val="dk1"/>
+            </a:fontRef>
+          </p:style>
+          <p:txBody>
+            <a:bodyPr rtlCol="0" anchor="ctr"/>
+            <a:lstStyle/>
+            <a:p>
+              <a:pPr algn="ctr"/>
+              <a:endParaRPr lang="zh-CN" altLang="en-US" sz="1400" dirty="0">
+                <a:latin typeface="Courier New" panose="02070309020205020404" pitchFamily="49" charset="0"/>
+                <a:cs typeface="Courier New" panose="02070309020205020404" pitchFamily="49" charset="0"/>
+              </a:endParaRPr>
+            </a:p>
+          </p:txBody>
+        </p:sp>
+        <p:sp>
+          <p:nvSpPr>
+            <p:cNvPr id="68" name="矩形 67">
+              <a:extLst>
+                <a:ext uri="{FF2B5EF4-FFF2-40B4-BE49-F238E27FC236}">
+                  <a16:creationId xmlns:a16="http://schemas.microsoft.com/office/drawing/2014/main" id="{3B2C319A-6DA8-48FB-924E-F95B26D52B74}"/>
+                </a:ext>
+              </a:extLst>
+            </p:cNvPr>
+            <p:cNvSpPr/>
+            <p:nvPr/>
+          </p:nvSpPr>
+          <p:spPr>
+            <a:xfrm>
+              <a:off x="8795777" y="2323757"/>
+              <a:ext cx="281109" cy="320802"/>
+            </a:xfrm>
+            <a:prstGeom prst="rect">
+              <a:avLst/>
+            </a:prstGeom>
+            <a:solidFill>
+              <a:schemeClr val="accent5">
+                <a:lumMod val="40000"/>
+                <a:lumOff val="60000"/>
+              </a:schemeClr>
+            </a:solidFill>
+            <a:ln w="12700"/>
+          </p:spPr>
+          <p:style>
+            <a:lnRef idx="2">
+              <a:schemeClr val="dk1"/>
+            </a:lnRef>
+            <a:fillRef idx="1">
+              <a:schemeClr val="lt1"/>
+            </a:fillRef>
+            <a:effectRef idx="0">
+              <a:schemeClr val="dk1"/>
+            </a:effectRef>
+            <a:fontRef idx="minor">
+              <a:schemeClr val="dk1"/>
+            </a:fontRef>
+          </p:style>
+          <p:txBody>
+            <a:bodyPr rtlCol="0" anchor="ctr"/>
+            <a:lstStyle/>
+            <a:p>
+              <a:pPr algn="ctr"/>
+              <a:endParaRPr lang="zh-CN" altLang="en-US" sz="1400" dirty="0">
+                <a:latin typeface="Courier New" panose="02070309020205020404" pitchFamily="49" charset="0"/>
+                <a:cs typeface="Courier New" panose="02070309020205020404" pitchFamily="49" charset="0"/>
+              </a:endParaRPr>
+            </a:p>
+          </p:txBody>
+        </p:sp>
+        <p:sp>
+          <p:nvSpPr>
+            <p:cNvPr id="69" name="矩形 68">
+              <a:extLst>
+                <a:ext uri="{FF2B5EF4-FFF2-40B4-BE49-F238E27FC236}">
+                  <a16:creationId xmlns:a16="http://schemas.microsoft.com/office/drawing/2014/main" id="{CB5F0146-E3E1-45AB-9AE0-FD3675AEE4BB}"/>
+                </a:ext>
+              </a:extLst>
+            </p:cNvPr>
+            <p:cNvSpPr/>
+            <p:nvPr/>
+          </p:nvSpPr>
+          <p:spPr>
+            <a:xfrm>
+              <a:off x="8796525" y="2952128"/>
+              <a:ext cx="279637" cy="320802"/>
+            </a:xfrm>
+            <a:prstGeom prst="rect">
+              <a:avLst/>
+            </a:prstGeom>
+            <a:solidFill>
+              <a:schemeClr val="accent4">
+                <a:lumMod val="40000"/>
+                <a:lumOff val="60000"/>
+              </a:schemeClr>
+            </a:solidFill>
+            <a:ln w="12700"/>
+          </p:spPr>
+          <p:style>
+            <a:lnRef idx="2">
+              <a:schemeClr val="dk1"/>
+            </a:lnRef>
+            <a:fillRef idx="1">
+              <a:schemeClr val="lt1"/>
+            </a:fillRef>
+            <a:effectRef idx="0">
+              <a:schemeClr val="dk1"/>
+            </a:effectRef>
+            <a:fontRef idx="minor">
+              <a:schemeClr val="dk1"/>
+            </a:fontRef>
+          </p:style>
+          <p:txBody>
+            <a:bodyPr rtlCol="0" anchor="ctr"/>
+            <a:lstStyle/>
+            <a:p>
+              <a:pPr algn="ctr"/>
+              <a:endParaRPr lang="zh-CN" altLang="en-US" sz="1400" dirty="0">
+                <a:latin typeface="Courier New" panose="02070309020205020404" pitchFamily="49" charset="0"/>
+                <a:cs typeface="Courier New" panose="02070309020205020404" pitchFamily="49" charset="0"/>
+              </a:endParaRPr>
+            </a:p>
+          </p:txBody>
+        </p:sp>
+        <p:sp>
+          <p:nvSpPr>
+            <p:cNvPr id="98" name="矩形 97">
+              <a:extLst>
+                <a:ext uri="{FF2B5EF4-FFF2-40B4-BE49-F238E27FC236}">
+                  <a16:creationId xmlns:a16="http://schemas.microsoft.com/office/drawing/2014/main" id="{70ABC88D-6051-4AB7-88F3-B3FFA83281B8}"/>
+                </a:ext>
+              </a:extLst>
+            </p:cNvPr>
+            <p:cNvSpPr/>
+            <p:nvPr/>
+          </p:nvSpPr>
+          <p:spPr>
+            <a:xfrm>
+              <a:off x="8796525" y="2637943"/>
+              <a:ext cx="280361" cy="314184"/>
+            </a:xfrm>
+            <a:prstGeom prst="rect">
+              <a:avLst/>
+            </a:prstGeom>
+            <a:solidFill>
+              <a:schemeClr val="accent5">
+                <a:lumMod val="40000"/>
+                <a:lumOff val="60000"/>
+              </a:schemeClr>
+            </a:solidFill>
+            <a:ln w="12700"/>
+          </p:spPr>
+          <p:style>
+            <a:lnRef idx="2">
+              <a:schemeClr val="dk1"/>
+            </a:lnRef>
+            <a:fillRef idx="1">
+              <a:schemeClr val="lt1"/>
+            </a:fillRef>
+            <a:effectRef idx="0">
+              <a:schemeClr val="dk1"/>
+            </a:effectRef>
+            <a:fontRef idx="minor">
+              <a:schemeClr val="dk1"/>
+            </a:fontRef>
+          </p:style>
+          <p:txBody>
+            <a:bodyPr rtlCol="0" anchor="ctr"/>
+            <a:lstStyle/>
+            <a:p>
+              <a:pPr algn="ctr"/>
+              <a:endParaRPr lang="zh-CN" altLang="en-US" sz="1400" dirty="0">
+                <a:latin typeface="Courier New" panose="02070309020205020404" pitchFamily="49" charset="0"/>
+                <a:cs typeface="Courier New" panose="02070309020205020404" pitchFamily="49" charset="0"/>
+              </a:endParaRPr>
+            </a:p>
+          </p:txBody>
+        </p:sp>
+      </p:grpSp>
+      <p:grpSp>
+        <p:nvGrpSpPr>
+          <p:cNvPr id="99" name="组合 98">
+            <a:extLst>
+              <a:ext uri="{FF2B5EF4-FFF2-40B4-BE49-F238E27FC236}">
+                <a16:creationId xmlns:a16="http://schemas.microsoft.com/office/drawing/2014/main" id="{C7C91120-D132-490B-B521-546850DE2A7D}"/>
+              </a:ext>
+            </a:extLst>
+          </p:cNvPr>
+          <p:cNvGrpSpPr/>
+          <p:nvPr/>
+        </p:nvGrpSpPr>
+        <p:grpSpPr>
+          <a:xfrm>
+            <a:off x="2476235" y="1593840"/>
+            <a:ext cx="893006" cy="2221371"/>
+            <a:chOff x="8183880" y="1051559"/>
+            <a:chExt cx="893006" cy="2221371"/>
+          </a:xfrm>
+        </p:grpSpPr>
+        <p:sp>
+          <p:nvSpPr>
+            <p:cNvPr id="100" name="矩形 99">
+              <a:extLst>
+                <a:ext uri="{FF2B5EF4-FFF2-40B4-BE49-F238E27FC236}">
+                  <a16:creationId xmlns:a16="http://schemas.microsoft.com/office/drawing/2014/main" id="{858E6D01-93FA-4DBE-8C17-C210AC3A7A8F}"/>
+                </a:ext>
+              </a:extLst>
+            </p:cNvPr>
+            <p:cNvSpPr/>
+            <p:nvPr/>
+          </p:nvSpPr>
+          <p:spPr>
+            <a:xfrm>
+              <a:off x="8183880" y="1051560"/>
+              <a:ext cx="612645" cy="2221370"/>
+            </a:xfrm>
+            <a:prstGeom prst="rect">
+              <a:avLst/>
+            </a:prstGeom>
+            <a:solidFill>
+              <a:schemeClr val="accent5">
+                <a:lumMod val="40000"/>
+                <a:lumOff val="60000"/>
+              </a:schemeClr>
+            </a:solidFill>
+            <a:ln w="12700"/>
+          </p:spPr>
+          <p:style>
+            <a:lnRef idx="2">
+              <a:schemeClr val="dk1"/>
+            </a:lnRef>
+            <a:fillRef idx="1">
+              <a:schemeClr val="lt1"/>
+            </a:fillRef>
+            <a:effectRef idx="0">
+              <a:schemeClr val="dk1"/>
+            </a:effectRef>
+            <a:fontRef idx="minor">
+              <a:schemeClr val="dk1"/>
+            </a:fontRef>
+          </p:style>
+          <p:txBody>
+            <a:bodyPr rtlCol="0" anchor="ctr"/>
+            <a:lstStyle/>
+            <a:p>
+              <a:pPr algn="ctr"/>
+              <a:endParaRPr lang="zh-CN" altLang="en-US" sz="1400" dirty="0">
+                <a:latin typeface="Courier New" panose="02070309020205020404" pitchFamily="49" charset="0"/>
+                <a:cs typeface="Courier New" panose="02070309020205020404" pitchFamily="49" charset="0"/>
+              </a:endParaRPr>
+            </a:p>
+          </p:txBody>
+        </p:sp>
+        <p:sp>
+          <p:nvSpPr>
+            <p:cNvPr id="101" name="矩形 100">
+              <a:extLst>
+                <a:ext uri="{FF2B5EF4-FFF2-40B4-BE49-F238E27FC236}">
+                  <a16:creationId xmlns:a16="http://schemas.microsoft.com/office/drawing/2014/main" id="{79A702A7-9FC5-4775-BF6D-B9528C027461}"/>
+                </a:ext>
+              </a:extLst>
+            </p:cNvPr>
+            <p:cNvSpPr/>
+            <p:nvPr/>
+          </p:nvSpPr>
+          <p:spPr>
+            <a:xfrm>
+              <a:off x="8796127" y="1051559"/>
+              <a:ext cx="280012" cy="1272198"/>
+            </a:xfrm>
+            <a:prstGeom prst="rect">
+              <a:avLst/>
+            </a:prstGeom>
+            <a:solidFill>
+              <a:schemeClr val="accent5">
+                <a:lumMod val="40000"/>
+                <a:lumOff val="60000"/>
+              </a:schemeClr>
+            </a:solidFill>
+            <a:ln w="12700"/>
+          </p:spPr>
+          <p:style>
+            <a:lnRef idx="2">
+              <a:schemeClr val="dk1"/>
+            </a:lnRef>
+            <a:fillRef idx="1">
+              <a:schemeClr val="lt1"/>
+            </a:fillRef>
+            <a:effectRef idx="0">
+              <a:schemeClr val="dk1"/>
+            </a:effectRef>
+            <a:fontRef idx="minor">
+              <a:schemeClr val="dk1"/>
+            </a:fontRef>
+          </p:style>
+          <p:txBody>
+            <a:bodyPr rtlCol="0" anchor="ctr"/>
+            <a:lstStyle/>
+            <a:p>
+              <a:pPr algn="ctr"/>
+              <a:endParaRPr lang="zh-CN" altLang="en-US" sz="1400" dirty="0">
+                <a:latin typeface="Courier New" panose="02070309020205020404" pitchFamily="49" charset="0"/>
+                <a:cs typeface="Courier New" panose="02070309020205020404" pitchFamily="49" charset="0"/>
+              </a:endParaRPr>
+            </a:p>
+          </p:txBody>
+        </p:sp>
+        <p:sp>
+          <p:nvSpPr>
+            <p:cNvPr id="102" name="矩形 101">
+              <a:extLst>
+                <a:ext uri="{FF2B5EF4-FFF2-40B4-BE49-F238E27FC236}">
+                  <a16:creationId xmlns:a16="http://schemas.microsoft.com/office/drawing/2014/main" id="{D6B9B676-0E29-4197-930E-E2C3CF1FC84B}"/>
+                </a:ext>
+              </a:extLst>
+            </p:cNvPr>
+            <p:cNvSpPr/>
+            <p:nvPr/>
+          </p:nvSpPr>
+          <p:spPr>
+            <a:xfrm>
+              <a:off x="8795777" y="2323757"/>
+              <a:ext cx="281109" cy="320802"/>
+            </a:xfrm>
+            <a:prstGeom prst="rect">
+              <a:avLst/>
+            </a:prstGeom>
+            <a:solidFill>
+              <a:schemeClr val="accent5">
+                <a:lumMod val="40000"/>
+                <a:lumOff val="60000"/>
+              </a:schemeClr>
+            </a:solidFill>
+            <a:ln w="12700"/>
+          </p:spPr>
+          <p:style>
+            <a:lnRef idx="2">
+              <a:schemeClr val="dk1"/>
+            </a:lnRef>
+            <a:fillRef idx="1">
+              <a:schemeClr val="lt1"/>
+            </a:fillRef>
+            <a:effectRef idx="0">
+              <a:schemeClr val="dk1"/>
+            </a:effectRef>
+            <a:fontRef idx="minor">
+              <a:schemeClr val="dk1"/>
+            </a:fontRef>
+          </p:style>
+          <p:txBody>
+            <a:bodyPr rtlCol="0" anchor="ctr"/>
+            <a:lstStyle/>
+            <a:p>
+              <a:pPr algn="ctr"/>
+              <a:endParaRPr lang="zh-CN" altLang="en-US" sz="1400" dirty="0">
+                <a:latin typeface="Courier New" panose="02070309020205020404" pitchFamily="49" charset="0"/>
+                <a:cs typeface="Courier New" panose="02070309020205020404" pitchFamily="49" charset="0"/>
+              </a:endParaRPr>
+            </a:p>
+          </p:txBody>
+        </p:sp>
+        <p:sp>
+          <p:nvSpPr>
+            <p:cNvPr id="103" name="矩形 102">
+              <a:extLst>
+                <a:ext uri="{FF2B5EF4-FFF2-40B4-BE49-F238E27FC236}">
+                  <a16:creationId xmlns:a16="http://schemas.microsoft.com/office/drawing/2014/main" id="{DE3F4A68-1841-4785-B5ED-813BDE0C9B32}"/>
+                </a:ext>
+              </a:extLst>
+            </p:cNvPr>
+            <p:cNvSpPr/>
+            <p:nvPr/>
+          </p:nvSpPr>
+          <p:spPr>
+            <a:xfrm>
+              <a:off x="8796525" y="2952128"/>
+              <a:ext cx="279637" cy="320802"/>
+            </a:xfrm>
+            <a:prstGeom prst="rect">
+              <a:avLst/>
+            </a:prstGeom>
+            <a:solidFill>
+              <a:schemeClr val="accent4">
+                <a:lumMod val="40000"/>
+                <a:lumOff val="60000"/>
+              </a:schemeClr>
+            </a:solidFill>
+            <a:ln w="12700"/>
+          </p:spPr>
+          <p:style>
+            <a:lnRef idx="2">
+              <a:schemeClr val="dk1"/>
+            </a:lnRef>
+            <a:fillRef idx="1">
+              <a:schemeClr val="lt1"/>
+            </a:fillRef>
+            <a:effectRef idx="0">
+              <a:schemeClr val="dk1"/>
+            </a:effectRef>
+            <a:fontRef idx="minor">
+              <a:schemeClr val="dk1"/>
+            </a:fontRef>
+          </p:style>
+          <p:txBody>
+            <a:bodyPr rtlCol="0" anchor="ctr"/>
+            <a:lstStyle/>
+            <a:p>
+              <a:pPr algn="ctr"/>
+              <a:endParaRPr lang="zh-CN" altLang="en-US" sz="1400" dirty="0">
+                <a:latin typeface="Courier New" panose="02070309020205020404" pitchFamily="49" charset="0"/>
+                <a:cs typeface="Courier New" panose="02070309020205020404" pitchFamily="49" charset="0"/>
+              </a:endParaRPr>
+            </a:p>
+          </p:txBody>
+        </p:sp>
+        <p:sp>
+          <p:nvSpPr>
+            <p:cNvPr id="104" name="矩形 103">
+              <a:extLst>
+                <a:ext uri="{FF2B5EF4-FFF2-40B4-BE49-F238E27FC236}">
+                  <a16:creationId xmlns:a16="http://schemas.microsoft.com/office/drawing/2014/main" id="{08C289F0-BFD6-419D-9CBB-47A5D23DE87D}"/>
+                </a:ext>
+              </a:extLst>
+            </p:cNvPr>
+            <p:cNvSpPr/>
+            <p:nvPr/>
+          </p:nvSpPr>
+          <p:spPr>
+            <a:xfrm>
+              <a:off x="8796525" y="2637943"/>
+              <a:ext cx="280361" cy="314184"/>
+            </a:xfrm>
+            <a:prstGeom prst="rect">
+              <a:avLst/>
+            </a:prstGeom>
+            <a:solidFill>
+              <a:schemeClr val="accent5">
+                <a:lumMod val="40000"/>
+                <a:lumOff val="60000"/>
+              </a:schemeClr>
+            </a:solidFill>
+            <a:ln w="12700"/>
+          </p:spPr>
+          <p:style>
+            <a:lnRef idx="2">
+              <a:schemeClr val="dk1"/>
+            </a:lnRef>
+            <a:fillRef idx="1">
+              <a:schemeClr val="lt1"/>
+            </a:fillRef>
+            <a:effectRef idx="0">
+              <a:schemeClr val="dk1"/>
+            </a:effectRef>
+            <a:fontRef idx="minor">
+              <a:schemeClr val="dk1"/>
+            </a:fontRef>
+          </p:style>
+          <p:txBody>
+            <a:bodyPr rtlCol="0" anchor="ctr"/>
+            <a:lstStyle/>
+            <a:p>
+              <a:pPr algn="ctr"/>
+              <a:endParaRPr lang="zh-CN" altLang="en-US" sz="1400" dirty="0">
+                <a:latin typeface="Courier New" panose="02070309020205020404" pitchFamily="49" charset="0"/>
+                <a:cs typeface="Courier New" panose="02070309020205020404" pitchFamily="49" charset="0"/>
+              </a:endParaRPr>
+            </a:p>
+          </p:txBody>
+        </p:sp>
+      </p:grpSp>
+      <p:grpSp>
+        <p:nvGrpSpPr>
+          <p:cNvPr id="105" name="组合 104">
+            <a:extLst>
+              <a:ext uri="{FF2B5EF4-FFF2-40B4-BE49-F238E27FC236}">
+                <a16:creationId xmlns:a16="http://schemas.microsoft.com/office/drawing/2014/main" id="{C55C6E7A-5323-4207-B543-E052D9BD628F}"/>
+              </a:ext>
+            </a:extLst>
+          </p:cNvPr>
+          <p:cNvGrpSpPr/>
+          <p:nvPr/>
+        </p:nvGrpSpPr>
+        <p:grpSpPr>
+          <a:xfrm>
+            <a:off x="8593007" y="1593840"/>
+            <a:ext cx="893006" cy="2221371"/>
+            <a:chOff x="8183880" y="1051559"/>
+            <a:chExt cx="893006" cy="2221371"/>
+          </a:xfrm>
+        </p:grpSpPr>
+        <p:sp>
+          <p:nvSpPr>
+            <p:cNvPr id="106" name="矩形 105">
+              <a:extLst>
+                <a:ext uri="{FF2B5EF4-FFF2-40B4-BE49-F238E27FC236}">
+                  <a16:creationId xmlns:a16="http://schemas.microsoft.com/office/drawing/2014/main" id="{9205DCED-8C3A-4742-A16B-9CC33F683859}"/>
+                </a:ext>
+              </a:extLst>
+            </p:cNvPr>
+            <p:cNvSpPr/>
+            <p:nvPr/>
+          </p:nvSpPr>
+          <p:spPr>
+            <a:xfrm>
+              <a:off x="8183880" y="1051560"/>
+              <a:ext cx="612645" cy="2221370"/>
+            </a:xfrm>
+            <a:prstGeom prst="rect">
+              <a:avLst/>
+            </a:prstGeom>
+            <a:solidFill>
+              <a:schemeClr val="accent5">
+                <a:lumMod val="40000"/>
+                <a:lumOff val="60000"/>
+              </a:schemeClr>
+            </a:solidFill>
+            <a:ln w="12700"/>
+          </p:spPr>
+          <p:style>
+            <a:lnRef idx="2">
+              <a:schemeClr val="dk1"/>
+            </a:lnRef>
+            <a:fillRef idx="1">
+              <a:schemeClr val="lt1"/>
+            </a:fillRef>
+            <a:effectRef idx="0">
+              <a:schemeClr val="dk1"/>
+            </a:effectRef>
+            <a:fontRef idx="minor">
+              <a:schemeClr val="dk1"/>
+            </a:fontRef>
+          </p:style>
+          <p:txBody>
+            <a:bodyPr rtlCol="0" anchor="ctr"/>
+            <a:lstStyle/>
+            <a:p>
+              <a:pPr algn="ctr"/>
+              <a:endParaRPr lang="zh-CN" altLang="en-US" sz="1400" dirty="0">
+                <a:latin typeface="Courier New" panose="02070309020205020404" pitchFamily="49" charset="0"/>
+                <a:cs typeface="Courier New" panose="02070309020205020404" pitchFamily="49" charset="0"/>
+              </a:endParaRPr>
+            </a:p>
+          </p:txBody>
+        </p:sp>
+        <p:sp>
+          <p:nvSpPr>
+            <p:cNvPr id="107" name="矩形 106">
+              <a:extLst>
+                <a:ext uri="{FF2B5EF4-FFF2-40B4-BE49-F238E27FC236}">
+                  <a16:creationId xmlns:a16="http://schemas.microsoft.com/office/drawing/2014/main" id="{9CB067EC-71EA-4E83-8E2B-2D6897886C58}"/>
+                </a:ext>
+              </a:extLst>
+            </p:cNvPr>
+            <p:cNvSpPr/>
+            <p:nvPr/>
+          </p:nvSpPr>
+          <p:spPr>
+            <a:xfrm>
+              <a:off x="8796127" y="1051559"/>
+              <a:ext cx="280012" cy="1272198"/>
+            </a:xfrm>
+            <a:prstGeom prst="rect">
+              <a:avLst/>
+            </a:prstGeom>
+            <a:solidFill>
+              <a:schemeClr val="accent5">
+                <a:lumMod val="40000"/>
+                <a:lumOff val="60000"/>
+              </a:schemeClr>
+            </a:solidFill>
+            <a:ln w="12700"/>
+          </p:spPr>
+          <p:style>
+            <a:lnRef idx="2">
+              <a:schemeClr val="dk1"/>
+            </a:lnRef>
+            <a:fillRef idx="1">
+              <a:schemeClr val="lt1"/>
+            </a:fillRef>
+            <a:effectRef idx="0">
+              <a:schemeClr val="dk1"/>
+            </a:effectRef>
+            <a:fontRef idx="minor">
+              <a:schemeClr val="dk1"/>
+            </a:fontRef>
+          </p:style>
+          <p:txBody>
+            <a:bodyPr rtlCol="0" anchor="ctr"/>
+            <a:lstStyle/>
+            <a:p>
+              <a:pPr algn="ctr"/>
+              <a:endParaRPr lang="zh-CN" altLang="en-US" sz="1400" dirty="0">
+                <a:latin typeface="Courier New" panose="02070309020205020404" pitchFamily="49" charset="0"/>
+                <a:cs typeface="Courier New" panose="02070309020205020404" pitchFamily="49" charset="0"/>
+              </a:endParaRPr>
+            </a:p>
+          </p:txBody>
+        </p:sp>
+        <p:sp>
+          <p:nvSpPr>
+            <p:cNvPr id="108" name="矩形 107">
+              <a:extLst>
+                <a:ext uri="{FF2B5EF4-FFF2-40B4-BE49-F238E27FC236}">
+                  <a16:creationId xmlns:a16="http://schemas.microsoft.com/office/drawing/2014/main" id="{4ABB5587-0840-4A88-A4E8-B9021FB1F20E}"/>
+                </a:ext>
+              </a:extLst>
+            </p:cNvPr>
+            <p:cNvSpPr/>
+            <p:nvPr/>
+          </p:nvSpPr>
+          <p:spPr>
+            <a:xfrm>
+              <a:off x="8795777" y="2323757"/>
+              <a:ext cx="281109" cy="320802"/>
+            </a:xfrm>
+            <a:prstGeom prst="rect">
+              <a:avLst/>
+            </a:prstGeom>
+            <a:solidFill>
+              <a:schemeClr val="accent5">
+                <a:lumMod val="40000"/>
+                <a:lumOff val="60000"/>
+              </a:schemeClr>
+            </a:solidFill>
+            <a:ln w="12700"/>
+          </p:spPr>
+          <p:style>
+            <a:lnRef idx="2">
+              <a:schemeClr val="dk1"/>
+            </a:lnRef>
+            <a:fillRef idx="1">
+              <a:schemeClr val="lt1"/>
+            </a:fillRef>
+            <a:effectRef idx="0">
+              <a:schemeClr val="dk1"/>
+            </a:effectRef>
+            <a:fontRef idx="minor">
+              <a:schemeClr val="dk1"/>
+            </a:fontRef>
+          </p:style>
+          <p:txBody>
+            <a:bodyPr rtlCol="0" anchor="ctr"/>
+            <a:lstStyle/>
+            <a:p>
+              <a:pPr algn="ctr"/>
+              <a:endParaRPr lang="zh-CN" altLang="en-US" sz="1400" dirty="0">
+                <a:latin typeface="Courier New" panose="02070309020205020404" pitchFamily="49" charset="0"/>
+                <a:cs typeface="Courier New" panose="02070309020205020404" pitchFamily="49" charset="0"/>
+              </a:endParaRPr>
+            </a:p>
+          </p:txBody>
+        </p:sp>
+        <p:sp>
+          <p:nvSpPr>
+            <p:cNvPr id="109" name="矩形 108">
+              <a:extLst>
+                <a:ext uri="{FF2B5EF4-FFF2-40B4-BE49-F238E27FC236}">
+                  <a16:creationId xmlns:a16="http://schemas.microsoft.com/office/drawing/2014/main" id="{1AED4362-209D-4F1E-AAE7-E56948938F5F}"/>
+                </a:ext>
+              </a:extLst>
+            </p:cNvPr>
+            <p:cNvSpPr/>
+            <p:nvPr/>
+          </p:nvSpPr>
+          <p:spPr>
+            <a:xfrm>
+              <a:off x="8796525" y="2952128"/>
+              <a:ext cx="279637" cy="320802"/>
+            </a:xfrm>
+            <a:prstGeom prst="rect">
+              <a:avLst/>
+            </a:prstGeom>
+            <a:solidFill>
+              <a:schemeClr val="accent4">
+                <a:lumMod val="40000"/>
+                <a:lumOff val="60000"/>
+              </a:schemeClr>
+            </a:solidFill>
+            <a:ln w="12700"/>
+          </p:spPr>
+          <p:style>
+            <a:lnRef idx="2">
+              <a:schemeClr val="dk1"/>
+            </a:lnRef>
+            <a:fillRef idx="1">
+              <a:schemeClr val="lt1"/>
+            </a:fillRef>
+            <a:effectRef idx="0">
+              <a:schemeClr val="dk1"/>
+            </a:effectRef>
+            <a:fontRef idx="minor">
+              <a:schemeClr val="dk1"/>
+            </a:fontRef>
+          </p:style>
+          <p:txBody>
+            <a:bodyPr rtlCol="0" anchor="ctr"/>
+            <a:lstStyle/>
+            <a:p>
+              <a:pPr algn="ctr"/>
+              <a:endParaRPr lang="zh-CN" altLang="en-US" sz="1400" dirty="0">
+                <a:latin typeface="Courier New" panose="02070309020205020404" pitchFamily="49" charset="0"/>
+                <a:cs typeface="Courier New" panose="02070309020205020404" pitchFamily="49" charset="0"/>
+              </a:endParaRPr>
+            </a:p>
+          </p:txBody>
+        </p:sp>
+        <p:sp>
+          <p:nvSpPr>
+            <p:cNvPr id="110" name="矩形 109">
+              <a:extLst>
+                <a:ext uri="{FF2B5EF4-FFF2-40B4-BE49-F238E27FC236}">
+                  <a16:creationId xmlns:a16="http://schemas.microsoft.com/office/drawing/2014/main" id="{ECA2B974-D923-46AD-861E-1579688C7015}"/>
+                </a:ext>
+              </a:extLst>
+            </p:cNvPr>
+            <p:cNvSpPr/>
+            <p:nvPr/>
+          </p:nvSpPr>
+          <p:spPr>
+            <a:xfrm>
+              <a:off x="8796525" y="2637943"/>
+              <a:ext cx="280361" cy="314184"/>
+            </a:xfrm>
+            <a:prstGeom prst="rect">
+              <a:avLst/>
+            </a:prstGeom>
+            <a:solidFill>
+              <a:schemeClr val="accent5">
+                <a:lumMod val="40000"/>
+                <a:lumOff val="60000"/>
+              </a:schemeClr>
+            </a:solidFill>
+            <a:ln w="12700"/>
+          </p:spPr>
+          <p:style>
+            <a:lnRef idx="2">
+              <a:schemeClr val="dk1"/>
+            </a:lnRef>
+            <a:fillRef idx="1">
+              <a:schemeClr val="lt1"/>
+            </a:fillRef>
+            <a:effectRef idx="0">
+              <a:schemeClr val="dk1"/>
+            </a:effectRef>
+            <a:fontRef idx="minor">
+              <a:schemeClr val="dk1"/>
+            </a:fontRef>
+          </p:style>
+          <p:txBody>
+            <a:bodyPr rtlCol="0" anchor="ctr"/>
+            <a:lstStyle/>
+            <a:p>
+              <a:pPr algn="ctr"/>
+              <a:endParaRPr lang="zh-CN" altLang="en-US" sz="1400" dirty="0">
+                <a:latin typeface="Courier New" panose="02070309020205020404" pitchFamily="49" charset="0"/>
+                <a:cs typeface="Courier New" panose="02070309020205020404" pitchFamily="49" charset="0"/>
+              </a:endParaRPr>
+            </a:p>
+          </p:txBody>
+        </p:sp>
+      </p:grpSp>
+      <p:grpSp>
+        <p:nvGrpSpPr>
+          <p:cNvPr id="47" name="组合 46">
+            <a:extLst>
+              <a:ext uri="{FF2B5EF4-FFF2-40B4-BE49-F238E27FC236}">
+                <a16:creationId xmlns:a16="http://schemas.microsoft.com/office/drawing/2014/main" id="{D8490514-62F2-475D-8FEE-B2FB55DE65F8}"/>
+              </a:ext>
+            </a:extLst>
+          </p:cNvPr>
+          <p:cNvGrpSpPr/>
+          <p:nvPr/>
+        </p:nvGrpSpPr>
+        <p:grpSpPr>
+          <a:xfrm>
+            <a:off x="7120467" y="670287"/>
+            <a:ext cx="2364799" cy="312261"/>
+            <a:chOff x="4939407" y="5905153"/>
+            <a:chExt cx="2364799" cy="312261"/>
+          </a:xfrm>
+        </p:grpSpPr>
+        <p:sp>
+          <p:nvSpPr>
+            <p:cNvPr id="48" name="文本框 47">
+              <a:extLst>
+                <a:ext uri="{FF2B5EF4-FFF2-40B4-BE49-F238E27FC236}">
+                  <a16:creationId xmlns:a16="http://schemas.microsoft.com/office/drawing/2014/main" id="{9398798F-705E-4192-BCCB-6B8A9AC5C266}"/>
+                </a:ext>
+              </a:extLst>
+            </p:cNvPr>
+            <p:cNvSpPr txBox="1"/>
+            <p:nvPr/>
+          </p:nvSpPr>
+          <p:spPr>
+            <a:xfrm>
+              <a:off x="5171891" y="5905153"/>
+              <a:ext cx="2132315" cy="307777"/>
+            </a:xfrm>
+            <a:prstGeom prst="rect">
+              <a:avLst/>
+            </a:prstGeom>
+            <a:noFill/>
+          </p:spPr>
+          <p:txBody>
+            <a:bodyPr wrap="none" rtlCol="0" anchor="ctr" anchorCtr="1">
+              <a:spAutoFit/>
+            </a:bodyPr>
+            <a:lstStyle/>
+            <a:p>
+              <a:r>
+                <a:rPr lang="en-US" altLang="zh-CN" sz="1400" dirty="0">
+                  <a:solidFill>
+                    <a:sysClr val="windowText" lastClr="000000"/>
+                  </a:solidFill>
+                  <a:latin typeface="Times New Roman" panose="02020603050405020304" pitchFamily="18" charset="0"/>
+                  <a:ea typeface="微软雅黑" panose="020B0503020204020204" pitchFamily="34" charset="-122"/>
+                  <a:cs typeface="Times New Roman" panose="02020603050405020304" pitchFamily="18" charset="0"/>
+                </a:rPr>
+                <a:t>memory address ascending</a:t>
+              </a:r>
+              <a:endParaRPr lang="zh-CN" altLang="en-US" sz="1400" dirty="0">
+                <a:solidFill>
+                  <a:sysClr val="windowText" lastClr="000000"/>
+                </a:solidFill>
+                <a:latin typeface="Times New Roman" panose="02020603050405020304" pitchFamily="18" charset="0"/>
+                <a:ea typeface="微软雅黑" panose="020B0503020204020204" pitchFamily="34" charset="-122"/>
+                <a:cs typeface="Times New Roman" panose="02020603050405020304" pitchFamily="18" charset="0"/>
+              </a:endParaRPr>
+            </a:p>
+          </p:txBody>
+        </p:sp>
+        <p:cxnSp>
+          <p:nvCxnSpPr>
+            <p:cNvPr id="49" name="直接箭头连接符 48">
+              <a:extLst>
+                <a:ext uri="{FF2B5EF4-FFF2-40B4-BE49-F238E27FC236}">
+                  <a16:creationId xmlns:a16="http://schemas.microsoft.com/office/drawing/2014/main" id="{61B8BA00-71BD-423A-BEC5-C48B1870C7CF}"/>
+                </a:ext>
+              </a:extLst>
+            </p:cNvPr>
+            <p:cNvCxnSpPr>
+              <a:cxnSpLocks/>
+            </p:cNvCxnSpPr>
+            <p:nvPr/>
+          </p:nvCxnSpPr>
+          <p:spPr bwMode="auto">
+            <a:xfrm>
+              <a:off x="4939407" y="6217414"/>
+              <a:ext cx="2364799" cy="0"/>
+            </a:xfrm>
+            <a:prstGeom prst="straightConnector1">
+              <a:avLst/>
+            </a:prstGeom>
+            <a:ln>
+              <a:tailEnd type="triangle"/>
+            </a:ln>
+          </p:spPr>
+          <p:style>
+            <a:lnRef idx="3">
+              <a:schemeClr val="dk1"/>
+            </a:lnRef>
+            <a:fillRef idx="0">
+              <a:schemeClr val="dk1"/>
+            </a:fillRef>
+            <a:effectRef idx="2">
+              <a:schemeClr val="dk1"/>
+            </a:effectRef>
+            <a:fontRef idx="minor">
+              <a:schemeClr val="tx1"/>
+            </a:fontRef>
+          </p:style>
+        </p:cxnSp>
+      </p:grpSp>
+      <p:sp>
+        <p:nvSpPr>
+          <p:cNvPr id="50" name="文本框 49">
+            <a:extLst>
+              <a:ext uri="{FF2B5EF4-FFF2-40B4-BE49-F238E27FC236}">
+                <a16:creationId xmlns:a16="http://schemas.microsoft.com/office/drawing/2014/main" id="{86673BD2-7A7B-40B5-A10D-D648DF154224}"/>
+              </a:ext>
+            </a:extLst>
+          </p:cNvPr>
+          <p:cNvSpPr txBox="1"/>
+          <p:nvPr/>
+        </p:nvSpPr>
+        <p:spPr>
+          <a:xfrm>
+            <a:off x="8579855" y="4879977"/>
+            <a:ext cx="360000" cy="307777"/>
+          </a:xfrm>
+          <a:prstGeom prst="rect">
+            <a:avLst/>
+          </a:prstGeom>
+          <a:noFill/>
+        </p:spPr>
+        <p:txBody>
+          <a:bodyPr wrap="square" lIns="0" rIns="0" rtlCol="0">
+            <a:noAutofit/>
+          </a:bodyPr>
+          <a:lstStyle/>
+          <a:p>
+            <a:pPr algn="ctr"/>
+            <a:r>
+              <a:rPr lang="en-US" altLang="zh-CN" sz="1400" dirty="0">
+                <a:latin typeface="Courier New" panose="02070309020205020404" pitchFamily="49" charset="0"/>
+                <a:cs typeface="Courier New" panose="02070309020205020404" pitchFamily="49" charset="0"/>
+              </a:rPr>
+              <a:t>31</a:t>
+            </a:r>
+            <a:endParaRPr lang="zh-CN" altLang="en-US" sz="1400" dirty="0">
+              <a:latin typeface="Courier New" panose="02070309020205020404" pitchFamily="49" charset="0"/>
+              <a:cs typeface="Courier New" panose="02070309020205020404" pitchFamily="49" charset="0"/>
+            </a:endParaRPr>
+          </a:p>
+        </p:txBody>
+      </p:sp>
+    </p:spTree>
+    <p:extLst>
+      <p:ext uri="{BB962C8B-B14F-4D97-AF65-F5344CB8AC3E}">
+        <p14:creationId xmlns:p14="http://schemas.microsoft.com/office/powerpoint/2010/main" val="3070662920"/>
+      </p:ext>
+    </p:extLst>
+  </p:cSld>
+  <p:clrMapOvr>
+    <a:masterClrMapping/>
+  </p:clrMapOvr>
+</p:sld>
+</file>
+
+<file path=ppt/slides/slide6.xml><?xml version="1.0" encoding="utf-8"?>
+<p:sld xmlns:a="http://schemas.openxmlformats.org/drawingml/2006/main" xmlns:r="http://schemas.openxmlformats.org/officeDocument/2006/relationships" xmlns:p="http://schemas.openxmlformats.org/presentationml/2006/main">
+  <p:cSld>
+    <p:spTree>
+      <p:nvGrpSpPr>
+        <p:cNvPr id="1" name=""/>
+        <p:cNvGrpSpPr/>
+        <p:nvPr/>
+      </p:nvGrpSpPr>
+      <p:grpSpPr>
+        <a:xfrm>
+          <a:off x="0" y="0"/>
+          <a:ext cx="0" cy="0"/>
+          <a:chOff x="0" y="0"/>
+          <a:chExt cx="0" cy="0"/>
+        </a:xfrm>
+      </p:grpSpPr>
+      <p:cxnSp>
+        <p:nvCxnSpPr>
           <p:cNvPr id="6" name="直接连接符 5">
             <a:extLst>
               <a:ext uri="{FF2B5EF4-FFF2-40B4-BE49-F238E27FC236}">
@@ -6350,7 +12104,7 @@
         <p:spPr>
           <a:xfrm>
             <a:off x="2322576" y="1069848"/>
-            <a:ext cx="9537192" cy="0"/>
+            <a:ext cx="6567424" cy="0"/>
           </a:xfrm>
           <a:prstGeom prst="line">
             <a:avLst/>
@@ -6502,48 +12256,6 @@
           </a:p>
         </p:txBody>
       </p:sp>
-      <p:sp>
-        <p:nvSpPr>
-          <p:cNvPr id="12" name="文本框 11">
-            <a:extLst>
-              <a:ext uri="{FF2B5EF4-FFF2-40B4-BE49-F238E27FC236}">
-                <a16:creationId xmlns:a16="http://schemas.microsoft.com/office/drawing/2014/main" id="{7C761FCA-DA2C-4185-9864-6F09D30C9A69}"/>
-              </a:ext>
-            </a:extLst>
-          </p:cNvPr>
-          <p:cNvSpPr txBox="1"/>
-          <p:nvPr/>
-        </p:nvSpPr>
-        <p:spPr>
-          <a:xfrm>
-            <a:off x="782492" y="3297412"/>
-            <a:ext cx="1255472" cy="369332"/>
-          </a:xfrm>
-          <a:prstGeom prst="rect">
-            <a:avLst/>
-          </a:prstGeom>
-          <a:noFill/>
-        </p:spPr>
-        <p:txBody>
-          <a:bodyPr wrap="none" rtlCol="0">
-            <a:spAutoFit/>
-          </a:bodyPr>
-          <a:lstStyle/>
-          <a:p>
-            <a:r>
-              <a:rPr lang="en-US" altLang="zh-CN" dirty="0">
-                <a:latin typeface="Times New Roman" panose="02020603050405020304" pitchFamily="18" charset="0"/>
-                <a:cs typeface="Times New Roman" panose="02020603050405020304" pitchFamily="18" charset="0"/>
-              </a:rPr>
-              <a:t>3rd Replica</a:t>
-            </a:r>
-            <a:endParaRPr lang="zh-CN" altLang="en-US" dirty="0">
-              <a:latin typeface="Times New Roman" panose="02020603050405020304" pitchFamily="18" charset="0"/>
-              <a:cs typeface="Times New Roman" panose="02020603050405020304" pitchFamily="18" charset="0"/>
-            </a:endParaRPr>
-          </a:p>
-        </p:txBody>
-      </p:sp>
       <p:cxnSp>
         <p:nvCxnSpPr>
           <p:cNvPr id="14" name="直接连接符 13">
@@ -6561,7 +12273,7 @@
         <p:spPr>
           <a:xfrm>
             <a:off x="2322576" y="1883664"/>
-            <a:ext cx="9537192" cy="0"/>
+            <a:ext cx="6567424" cy="0"/>
           </a:xfrm>
           <a:prstGeom prst="line">
             <a:avLst/>
@@ -6604,6 +12316,2011 @@
         <p:spPr>
           <a:xfrm>
             <a:off x="2322576" y="2679192"/>
+            <a:ext cx="6567424" cy="0"/>
+          </a:xfrm>
+          <a:prstGeom prst="line">
+            <a:avLst/>
+          </a:prstGeom>
+          <a:ln w="28575">
+            <a:solidFill>
+              <a:schemeClr val="tx1"/>
+            </a:solidFill>
+          </a:ln>
+        </p:spPr>
+        <p:style>
+          <a:lnRef idx="1">
+            <a:schemeClr val="accent1"/>
+          </a:lnRef>
+          <a:fillRef idx="0">
+            <a:schemeClr val="accent1"/>
+          </a:fillRef>
+          <a:effectRef idx="0">
+            <a:schemeClr val="accent1"/>
+          </a:effectRef>
+          <a:fontRef idx="minor">
+            <a:schemeClr val="tx1"/>
+          </a:fontRef>
+        </p:style>
+      </p:cxnSp>
+      <p:cxnSp>
+        <p:nvCxnSpPr>
+          <p:cNvPr id="3" name="直接箭头连接符 2">
+            <a:extLst>
+              <a:ext uri="{FF2B5EF4-FFF2-40B4-BE49-F238E27FC236}">
+                <a16:creationId xmlns:a16="http://schemas.microsoft.com/office/drawing/2014/main" id="{7B0B391B-38C4-44DF-BC67-5111854DDE5E}"/>
+              </a:ext>
+            </a:extLst>
+          </p:cNvPr>
+          <p:cNvCxnSpPr>
+            <a:cxnSpLocks/>
+          </p:cNvCxnSpPr>
+          <p:nvPr/>
+        </p:nvCxnSpPr>
+        <p:spPr>
+          <a:xfrm>
+            <a:off x="3572850" y="1078992"/>
+            <a:ext cx="148363" cy="810244"/>
+          </a:xfrm>
+          <a:prstGeom prst="straightConnector1">
+            <a:avLst/>
+          </a:prstGeom>
+          <a:ln w="28575">
+            <a:solidFill>
+              <a:srgbClr val="FF0000"/>
+            </a:solidFill>
+            <a:prstDash val="lgDashDot"/>
+            <a:tailEnd type="triangle"/>
+          </a:ln>
+        </p:spPr>
+        <p:style>
+          <a:lnRef idx="1">
+            <a:schemeClr val="accent1"/>
+          </a:lnRef>
+          <a:fillRef idx="0">
+            <a:schemeClr val="accent1"/>
+          </a:fillRef>
+          <a:effectRef idx="0">
+            <a:schemeClr val="accent1"/>
+          </a:effectRef>
+          <a:fontRef idx="minor">
+            <a:schemeClr val="tx1"/>
+          </a:fontRef>
+        </p:style>
+      </p:cxnSp>
+      <p:sp>
+        <p:nvSpPr>
+          <p:cNvPr id="17" name="文本框 16">
+            <a:extLst>
+              <a:ext uri="{FF2B5EF4-FFF2-40B4-BE49-F238E27FC236}">
+                <a16:creationId xmlns:a16="http://schemas.microsoft.com/office/drawing/2014/main" id="{3FF46054-8B99-4A52-8738-84FB9E221A8A}"/>
+              </a:ext>
+            </a:extLst>
+          </p:cNvPr>
+          <p:cNvSpPr txBox="1"/>
+          <p:nvPr/>
+        </p:nvSpPr>
+        <p:spPr>
+          <a:xfrm>
+            <a:off x="3117678" y="625579"/>
+            <a:ext cx="1252651" cy="369332"/>
+          </a:xfrm>
+          <a:prstGeom prst="rect">
+            <a:avLst/>
+          </a:prstGeom>
+          <a:noFill/>
+        </p:spPr>
+        <p:txBody>
+          <a:bodyPr wrap="none" rtlCol="0">
+            <a:spAutoFit/>
+          </a:bodyPr>
+          <a:lstStyle/>
+          <a:p>
+            <a:r>
+              <a:rPr lang="en-US" altLang="zh-CN" dirty="0">
+                <a:latin typeface="Times New Roman" panose="02020603050405020304" pitchFamily="18" charset="0"/>
+                <a:cs typeface="Times New Roman" panose="02020603050405020304" pitchFamily="18" charset="0"/>
+              </a:rPr>
+              <a:t>Write-Lock</a:t>
+            </a:r>
+            <a:endParaRPr lang="zh-CN" altLang="en-US" dirty="0">
+              <a:latin typeface="Times New Roman" panose="02020603050405020304" pitchFamily="18" charset="0"/>
+              <a:cs typeface="Times New Roman" panose="02020603050405020304" pitchFamily="18" charset="0"/>
+            </a:endParaRPr>
+          </a:p>
+        </p:txBody>
+      </p:sp>
+      <p:sp>
+        <p:nvSpPr>
+          <p:cNvPr id="33" name="矩形 32">
+            <a:extLst>
+              <a:ext uri="{FF2B5EF4-FFF2-40B4-BE49-F238E27FC236}">
+                <a16:creationId xmlns:a16="http://schemas.microsoft.com/office/drawing/2014/main" id="{06691B98-A686-4D13-BFD7-378524A23D81}"/>
+              </a:ext>
+            </a:extLst>
+          </p:cNvPr>
+          <p:cNvSpPr/>
+          <p:nvPr/>
+        </p:nvSpPr>
+        <p:spPr>
+          <a:xfrm>
+            <a:off x="2546316" y="944405"/>
+            <a:ext cx="301752" cy="243316"/>
+          </a:xfrm>
+          <a:prstGeom prst="rect">
+            <a:avLst/>
+          </a:prstGeom>
+          <a:solidFill>
+            <a:schemeClr val="bg1"/>
+          </a:solidFill>
+          <a:ln w="28575"/>
+        </p:spPr>
+        <p:style>
+          <a:lnRef idx="2">
+            <a:schemeClr val="dk1">
+              <a:shade val="50000"/>
+            </a:schemeClr>
+          </a:lnRef>
+          <a:fillRef idx="1">
+            <a:schemeClr val="dk1"/>
+          </a:fillRef>
+          <a:effectRef idx="0">
+            <a:schemeClr val="dk1"/>
+          </a:effectRef>
+          <a:fontRef idx="minor">
+            <a:schemeClr val="lt1"/>
+          </a:fontRef>
+        </p:style>
+        <p:txBody>
+          <a:bodyPr rtlCol="0" anchor="ctr"/>
+          <a:lstStyle/>
+          <a:p>
+            <a:pPr algn="ctr"/>
+            <a:endParaRPr lang="zh-CN" altLang="en-US"/>
+          </a:p>
+        </p:txBody>
+      </p:sp>
+      <p:sp>
+        <p:nvSpPr>
+          <p:cNvPr id="34" name="矩形 33">
+            <a:extLst>
+              <a:ext uri="{FF2B5EF4-FFF2-40B4-BE49-F238E27FC236}">
+                <a16:creationId xmlns:a16="http://schemas.microsoft.com/office/drawing/2014/main" id="{CBFA07AA-A82E-43C7-B33B-77D82D65D97F}"/>
+              </a:ext>
+            </a:extLst>
+          </p:cNvPr>
+          <p:cNvSpPr/>
+          <p:nvPr/>
+        </p:nvSpPr>
+        <p:spPr>
+          <a:xfrm>
+            <a:off x="2546028" y="1762006"/>
+            <a:ext cx="301752" cy="243316"/>
+          </a:xfrm>
+          <a:prstGeom prst="rect">
+            <a:avLst/>
+          </a:prstGeom>
+        </p:spPr>
+        <p:style>
+          <a:lnRef idx="2">
+            <a:schemeClr val="dk1">
+              <a:shade val="50000"/>
+            </a:schemeClr>
+          </a:lnRef>
+          <a:fillRef idx="1">
+            <a:schemeClr val="dk1"/>
+          </a:fillRef>
+          <a:effectRef idx="0">
+            <a:schemeClr val="dk1"/>
+          </a:effectRef>
+          <a:fontRef idx="minor">
+            <a:schemeClr val="lt1"/>
+          </a:fontRef>
+        </p:style>
+        <p:txBody>
+          <a:bodyPr rtlCol="0" anchor="ctr"/>
+          <a:lstStyle/>
+          <a:p>
+            <a:pPr algn="ctr"/>
+            <a:endParaRPr lang="zh-CN" altLang="en-US"/>
+          </a:p>
+        </p:txBody>
+      </p:sp>
+      <p:sp>
+        <p:nvSpPr>
+          <p:cNvPr id="35" name="矩形 34">
+            <a:extLst>
+              <a:ext uri="{FF2B5EF4-FFF2-40B4-BE49-F238E27FC236}">
+                <a16:creationId xmlns:a16="http://schemas.microsoft.com/office/drawing/2014/main" id="{641AB619-B49E-4C30-ABA4-8CD8E76B5468}"/>
+              </a:ext>
+            </a:extLst>
+          </p:cNvPr>
+          <p:cNvSpPr/>
+          <p:nvPr/>
+        </p:nvSpPr>
+        <p:spPr>
+          <a:xfrm>
+            <a:off x="2546028" y="2557534"/>
+            <a:ext cx="301752" cy="243316"/>
+          </a:xfrm>
+          <a:prstGeom prst="rect">
+            <a:avLst/>
+          </a:prstGeom>
+        </p:spPr>
+        <p:style>
+          <a:lnRef idx="2">
+            <a:schemeClr val="dk1">
+              <a:shade val="50000"/>
+            </a:schemeClr>
+          </a:lnRef>
+          <a:fillRef idx="1">
+            <a:schemeClr val="dk1"/>
+          </a:fillRef>
+          <a:effectRef idx="0">
+            <a:schemeClr val="dk1"/>
+          </a:effectRef>
+          <a:fontRef idx="minor">
+            <a:schemeClr val="lt1"/>
+          </a:fontRef>
+        </p:style>
+        <p:txBody>
+          <a:bodyPr rtlCol="0" anchor="ctr"/>
+          <a:lstStyle/>
+          <a:p>
+            <a:pPr algn="ctr"/>
+            <a:endParaRPr lang="zh-CN" altLang="en-US"/>
+          </a:p>
+        </p:txBody>
+      </p:sp>
+      <p:cxnSp>
+        <p:nvCxnSpPr>
+          <p:cNvPr id="39" name="直接箭头连接符 38">
+            <a:extLst>
+              <a:ext uri="{FF2B5EF4-FFF2-40B4-BE49-F238E27FC236}">
+                <a16:creationId xmlns:a16="http://schemas.microsoft.com/office/drawing/2014/main" id="{0E1FCCD5-EC5A-4ED8-A974-A6D7C707CE83}"/>
+              </a:ext>
+            </a:extLst>
+          </p:cNvPr>
+          <p:cNvCxnSpPr>
+            <a:cxnSpLocks/>
+          </p:cNvCxnSpPr>
+          <p:nvPr/>
+        </p:nvCxnSpPr>
+        <p:spPr>
+          <a:xfrm flipV="1">
+            <a:off x="3831127" y="1084457"/>
+            <a:ext cx="106227" cy="804779"/>
+          </a:xfrm>
+          <a:prstGeom prst="straightConnector1">
+            <a:avLst/>
+          </a:prstGeom>
+          <a:ln w="28575">
+            <a:solidFill>
+              <a:schemeClr val="tx1"/>
+            </a:solidFill>
+            <a:prstDash val="dash"/>
+            <a:tailEnd type="triangle"/>
+          </a:ln>
+        </p:spPr>
+        <p:style>
+          <a:lnRef idx="1">
+            <a:schemeClr val="accent1"/>
+          </a:lnRef>
+          <a:fillRef idx="0">
+            <a:schemeClr val="accent1"/>
+          </a:fillRef>
+          <a:effectRef idx="0">
+            <a:schemeClr val="accent1"/>
+          </a:effectRef>
+          <a:fontRef idx="minor">
+            <a:schemeClr val="tx1"/>
+          </a:fontRef>
+        </p:style>
+      </p:cxnSp>
+      <p:sp>
+        <p:nvSpPr>
+          <p:cNvPr id="46" name="文本框 45">
+            <a:extLst>
+              <a:ext uri="{FF2B5EF4-FFF2-40B4-BE49-F238E27FC236}">
+                <a16:creationId xmlns:a16="http://schemas.microsoft.com/office/drawing/2014/main" id="{32518BAA-0DC5-4B9D-A8B4-C19F4803DC14}"/>
+              </a:ext>
+            </a:extLst>
+          </p:cNvPr>
+          <p:cNvSpPr txBox="1"/>
+          <p:nvPr/>
+        </p:nvSpPr>
+        <p:spPr>
+          <a:xfrm>
+            <a:off x="4906690" y="607691"/>
+            <a:ext cx="1723549" cy="369332"/>
+          </a:xfrm>
+          <a:prstGeom prst="rect">
+            <a:avLst/>
+          </a:prstGeom>
+          <a:noFill/>
+        </p:spPr>
+        <p:txBody>
+          <a:bodyPr wrap="none" rtlCol="0">
+            <a:spAutoFit/>
+          </a:bodyPr>
+          <a:lstStyle/>
+          <a:p>
+            <a:r>
+              <a:rPr lang="en-US" altLang="zh-CN" dirty="0">
+                <a:latin typeface="Times New Roman" panose="02020603050405020304" pitchFamily="18" charset="0"/>
+                <a:cs typeface="Times New Roman" panose="02020603050405020304" pitchFamily="18" charset="0"/>
+              </a:rPr>
+              <a:t>Update-Replicas</a:t>
+            </a:r>
+            <a:endParaRPr lang="zh-CN" altLang="en-US" dirty="0">
+              <a:latin typeface="Times New Roman" panose="02020603050405020304" pitchFamily="18" charset="0"/>
+              <a:cs typeface="Times New Roman" panose="02020603050405020304" pitchFamily="18" charset="0"/>
+            </a:endParaRPr>
+          </a:p>
+        </p:txBody>
+      </p:sp>
+      <p:sp>
+        <p:nvSpPr>
+          <p:cNvPr id="48" name="矩形 47">
+            <a:extLst>
+              <a:ext uri="{FF2B5EF4-FFF2-40B4-BE49-F238E27FC236}">
+                <a16:creationId xmlns:a16="http://schemas.microsoft.com/office/drawing/2014/main" id="{AA019BCC-A669-4614-8207-57EAA362AFA3}"/>
+              </a:ext>
+            </a:extLst>
+          </p:cNvPr>
+          <p:cNvSpPr/>
+          <p:nvPr/>
+        </p:nvSpPr>
+        <p:spPr>
+          <a:xfrm>
+            <a:off x="6285326" y="2556706"/>
+            <a:ext cx="301752" cy="243316"/>
+          </a:xfrm>
+          <a:prstGeom prst="rect">
+            <a:avLst/>
+          </a:prstGeom>
+          <a:solidFill>
+            <a:schemeClr val="bg1"/>
+          </a:solidFill>
+          <a:ln w="28575"/>
+        </p:spPr>
+        <p:style>
+          <a:lnRef idx="2">
+            <a:schemeClr val="dk1">
+              <a:shade val="50000"/>
+            </a:schemeClr>
+          </a:lnRef>
+          <a:fillRef idx="1">
+            <a:schemeClr val="dk1"/>
+          </a:fillRef>
+          <a:effectRef idx="0">
+            <a:schemeClr val="dk1"/>
+          </a:effectRef>
+          <a:fontRef idx="minor">
+            <a:schemeClr val="lt1"/>
+          </a:fontRef>
+        </p:style>
+        <p:txBody>
+          <a:bodyPr rtlCol="0" anchor="ctr"/>
+          <a:lstStyle/>
+          <a:p>
+            <a:pPr algn="ctr"/>
+            <a:endParaRPr lang="zh-CN" altLang="en-US"/>
+          </a:p>
+        </p:txBody>
+      </p:sp>
+      <p:cxnSp>
+        <p:nvCxnSpPr>
+          <p:cNvPr id="59" name="直接箭头连接符 58">
+            <a:extLst>
+              <a:ext uri="{FF2B5EF4-FFF2-40B4-BE49-F238E27FC236}">
+                <a16:creationId xmlns:a16="http://schemas.microsoft.com/office/drawing/2014/main" id="{2F37D0B8-6EFA-4EC8-AB55-3D3CB6055706}"/>
+              </a:ext>
+            </a:extLst>
+          </p:cNvPr>
+          <p:cNvCxnSpPr>
+            <a:cxnSpLocks/>
+          </p:cNvCxnSpPr>
+          <p:nvPr/>
+        </p:nvCxnSpPr>
+        <p:spPr>
+          <a:xfrm>
+            <a:off x="5228653" y="1071356"/>
+            <a:ext cx="112137" cy="812308"/>
+          </a:xfrm>
+          <a:prstGeom prst="straightConnector1">
+            <a:avLst/>
+          </a:prstGeom>
+          <a:ln w="28575">
+            <a:solidFill>
+              <a:schemeClr val="tx1"/>
+            </a:solidFill>
+            <a:tailEnd type="triangle"/>
+          </a:ln>
+        </p:spPr>
+        <p:style>
+          <a:lnRef idx="1">
+            <a:schemeClr val="accent1"/>
+          </a:lnRef>
+          <a:fillRef idx="0">
+            <a:schemeClr val="accent1"/>
+          </a:fillRef>
+          <a:effectRef idx="0">
+            <a:schemeClr val="accent1"/>
+          </a:effectRef>
+          <a:fontRef idx="minor">
+            <a:schemeClr val="tx1"/>
+          </a:fontRef>
+        </p:style>
+      </p:cxnSp>
+      <p:cxnSp>
+        <p:nvCxnSpPr>
+          <p:cNvPr id="60" name="直接箭头连接符 59">
+            <a:extLst>
+              <a:ext uri="{FF2B5EF4-FFF2-40B4-BE49-F238E27FC236}">
+                <a16:creationId xmlns:a16="http://schemas.microsoft.com/office/drawing/2014/main" id="{EADA0A8C-9888-4793-B45F-F1AD1B329E53}"/>
+              </a:ext>
+            </a:extLst>
+          </p:cNvPr>
+          <p:cNvCxnSpPr>
+            <a:cxnSpLocks/>
+          </p:cNvCxnSpPr>
+          <p:nvPr/>
+        </p:nvCxnSpPr>
+        <p:spPr>
+          <a:xfrm>
+            <a:off x="5324665" y="1071356"/>
+            <a:ext cx="104047" cy="802971"/>
+          </a:xfrm>
+          <a:prstGeom prst="straightConnector1">
+            <a:avLst/>
+          </a:prstGeom>
+          <a:ln w="28575">
+            <a:solidFill>
+              <a:schemeClr val="tx1"/>
+            </a:solidFill>
+            <a:tailEnd type="triangle"/>
+          </a:ln>
+        </p:spPr>
+        <p:style>
+          <a:lnRef idx="1">
+            <a:schemeClr val="accent1"/>
+          </a:lnRef>
+          <a:fillRef idx="0">
+            <a:schemeClr val="accent1"/>
+          </a:fillRef>
+          <a:effectRef idx="0">
+            <a:schemeClr val="accent1"/>
+          </a:effectRef>
+          <a:fontRef idx="minor">
+            <a:schemeClr val="tx1"/>
+          </a:fontRef>
+        </p:style>
+      </p:cxnSp>
+      <p:cxnSp>
+        <p:nvCxnSpPr>
+          <p:cNvPr id="61" name="直接箭头连接符 60">
+            <a:extLst>
+              <a:ext uri="{FF2B5EF4-FFF2-40B4-BE49-F238E27FC236}">
+                <a16:creationId xmlns:a16="http://schemas.microsoft.com/office/drawing/2014/main" id="{8286E6AE-6B43-4D84-8543-8D9337726148}"/>
+              </a:ext>
+            </a:extLst>
+          </p:cNvPr>
+          <p:cNvCxnSpPr>
+            <a:cxnSpLocks/>
+          </p:cNvCxnSpPr>
+          <p:nvPr/>
+        </p:nvCxnSpPr>
+        <p:spPr>
+          <a:xfrm flipV="1">
+            <a:off x="5925027" y="1048643"/>
+            <a:ext cx="65596" cy="834436"/>
+          </a:xfrm>
+          <a:prstGeom prst="straightConnector1">
+            <a:avLst/>
+          </a:prstGeom>
+          <a:ln w="28575">
+            <a:solidFill>
+              <a:schemeClr val="tx1"/>
+            </a:solidFill>
+            <a:prstDash val="dash"/>
+            <a:tailEnd type="triangle"/>
+          </a:ln>
+        </p:spPr>
+        <p:style>
+          <a:lnRef idx="1">
+            <a:schemeClr val="accent1"/>
+          </a:lnRef>
+          <a:fillRef idx="0">
+            <a:schemeClr val="accent1"/>
+          </a:fillRef>
+          <a:effectRef idx="0">
+            <a:schemeClr val="accent1"/>
+          </a:effectRef>
+          <a:fontRef idx="minor">
+            <a:schemeClr val="tx1"/>
+          </a:fontRef>
+        </p:style>
+      </p:cxnSp>
+      <p:cxnSp>
+        <p:nvCxnSpPr>
+          <p:cNvPr id="62" name="直接箭头连接符 61">
+            <a:extLst>
+              <a:ext uri="{FF2B5EF4-FFF2-40B4-BE49-F238E27FC236}">
+                <a16:creationId xmlns:a16="http://schemas.microsoft.com/office/drawing/2014/main" id="{04B870B9-335F-4CA5-8569-D52AE763F8E1}"/>
+              </a:ext>
+            </a:extLst>
+          </p:cNvPr>
+          <p:cNvCxnSpPr>
+            <a:cxnSpLocks/>
+          </p:cNvCxnSpPr>
+          <p:nvPr/>
+        </p:nvCxnSpPr>
+        <p:spPr>
+          <a:xfrm>
+            <a:off x="5530458" y="1061191"/>
+            <a:ext cx="199225" cy="1626188"/>
+          </a:xfrm>
+          <a:prstGeom prst="straightConnector1">
+            <a:avLst/>
+          </a:prstGeom>
+          <a:ln w="28575">
+            <a:solidFill>
+              <a:schemeClr val="tx1"/>
+            </a:solidFill>
+            <a:tailEnd type="triangle"/>
+          </a:ln>
+        </p:spPr>
+        <p:style>
+          <a:lnRef idx="1">
+            <a:schemeClr val="accent1"/>
+          </a:lnRef>
+          <a:fillRef idx="0">
+            <a:schemeClr val="accent1"/>
+          </a:fillRef>
+          <a:effectRef idx="0">
+            <a:schemeClr val="accent1"/>
+          </a:effectRef>
+          <a:fontRef idx="minor">
+            <a:schemeClr val="tx1"/>
+          </a:fontRef>
+        </p:style>
+      </p:cxnSp>
+      <p:cxnSp>
+        <p:nvCxnSpPr>
+          <p:cNvPr id="63" name="直接箭头连接符 62">
+            <a:extLst>
+              <a:ext uri="{FF2B5EF4-FFF2-40B4-BE49-F238E27FC236}">
+                <a16:creationId xmlns:a16="http://schemas.microsoft.com/office/drawing/2014/main" id="{3AC98D8E-7A79-49E5-B8AD-0DCC5D3B5126}"/>
+              </a:ext>
+            </a:extLst>
+          </p:cNvPr>
+          <p:cNvCxnSpPr>
+            <a:cxnSpLocks/>
+          </p:cNvCxnSpPr>
+          <p:nvPr/>
+        </p:nvCxnSpPr>
+        <p:spPr>
+          <a:xfrm>
+            <a:off x="5626470" y="1061191"/>
+            <a:ext cx="198998" cy="1624773"/>
+          </a:xfrm>
+          <a:prstGeom prst="straightConnector1">
+            <a:avLst/>
+          </a:prstGeom>
+          <a:ln w="28575">
+            <a:solidFill>
+              <a:schemeClr val="tx1"/>
+            </a:solidFill>
+            <a:tailEnd type="triangle"/>
+          </a:ln>
+        </p:spPr>
+        <p:style>
+          <a:lnRef idx="1">
+            <a:schemeClr val="accent1"/>
+          </a:lnRef>
+          <a:fillRef idx="0">
+            <a:schemeClr val="accent1"/>
+          </a:fillRef>
+          <a:effectRef idx="0">
+            <a:schemeClr val="accent1"/>
+          </a:effectRef>
+          <a:fontRef idx="minor">
+            <a:schemeClr val="tx1"/>
+          </a:fontRef>
+        </p:style>
+      </p:cxnSp>
+      <p:cxnSp>
+        <p:nvCxnSpPr>
+          <p:cNvPr id="69" name="直接箭头连接符 68">
+            <a:extLst>
+              <a:ext uri="{FF2B5EF4-FFF2-40B4-BE49-F238E27FC236}">
+                <a16:creationId xmlns:a16="http://schemas.microsoft.com/office/drawing/2014/main" id="{C80DB469-8129-44BF-9989-F2DDB342D48A}"/>
+              </a:ext>
+            </a:extLst>
+          </p:cNvPr>
+          <p:cNvCxnSpPr>
+            <a:cxnSpLocks/>
+          </p:cNvCxnSpPr>
+          <p:nvPr/>
+        </p:nvCxnSpPr>
+        <p:spPr>
+          <a:xfrm flipV="1">
+            <a:off x="5967912" y="1028821"/>
+            <a:ext cx="150263" cy="1640107"/>
+          </a:xfrm>
+          <a:prstGeom prst="straightConnector1">
+            <a:avLst/>
+          </a:prstGeom>
+          <a:ln w="28575">
+            <a:solidFill>
+              <a:schemeClr val="tx1"/>
+            </a:solidFill>
+            <a:prstDash val="dash"/>
+            <a:tailEnd type="triangle"/>
+          </a:ln>
+        </p:spPr>
+        <p:style>
+          <a:lnRef idx="1">
+            <a:schemeClr val="accent1"/>
+          </a:lnRef>
+          <a:fillRef idx="0">
+            <a:schemeClr val="accent1"/>
+          </a:fillRef>
+          <a:effectRef idx="0">
+            <a:schemeClr val="accent1"/>
+          </a:effectRef>
+          <a:fontRef idx="minor">
+            <a:schemeClr val="tx1"/>
+          </a:fontRef>
+        </p:style>
+      </p:cxnSp>
+      <p:cxnSp>
+        <p:nvCxnSpPr>
+          <p:cNvPr id="74" name="直接箭头连接符 73">
+            <a:extLst>
+              <a:ext uri="{FF2B5EF4-FFF2-40B4-BE49-F238E27FC236}">
+                <a16:creationId xmlns:a16="http://schemas.microsoft.com/office/drawing/2014/main" id="{AAF2611D-4E09-449F-A968-8BD848DE041C}"/>
+              </a:ext>
+            </a:extLst>
+          </p:cNvPr>
+          <p:cNvCxnSpPr>
+            <a:cxnSpLocks/>
+          </p:cNvCxnSpPr>
+          <p:nvPr/>
+        </p:nvCxnSpPr>
+        <p:spPr>
+          <a:xfrm>
+            <a:off x="7583151" y="1078992"/>
+            <a:ext cx="148363" cy="810244"/>
+          </a:xfrm>
+          <a:prstGeom prst="straightConnector1">
+            <a:avLst/>
+          </a:prstGeom>
+          <a:ln w="28575">
+            <a:solidFill>
+              <a:srgbClr val="FF0000"/>
+            </a:solidFill>
+            <a:prstDash val="lgDashDot"/>
+            <a:tailEnd type="triangle"/>
+          </a:ln>
+        </p:spPr>
+        <p:style>
+          <a:lnRef idx="1">
+            <a:schemeClr val="accent1"/>
+          </a:lnRef>
+          <a:fillRef idx="0">
+            <a:schemeClr val="accent1"/>
+          </a:fillRef>
+          <a:effectRef idx="0">
+            <a:schemeClr val="accent1"/>
+          </a:effectRef>
+          <a:fontRef idx="minor">
+            <a:schemeClr val="tx1"/>
+          </a:fontRef>
+        </p:style>
+      </p:cxnSp>
+      <p:sp>
+        <p:nvSpPr>
+          <p:cNvPr id="75" name="文本框 74">
+            <a:extLst>
+              <a:ext uri="{FF2B5EF4-FFF2-40B4-BE49-F238E27FC236}">
+                <a16:creationId xmlns:a16="http://schemas.microsoft.com/office/drawing/2014/main" id="{3D83FD09-1DD8-45F2-AD71-C8C0A5DCFADA}"/>
+              </a:ext>
+            </a:extLst>
+          </p:cNvPr>
+          <p:cNvSpPr txBox="1"/>
+          <p:nvPr/>
+        </p:nvSpPr>
+        <p:spPr>
+          <a:xfrm>
+            <a:off x="7119512" y="625579"/>
+            <a:ext cx="1457835" cy="369332"/>
+          </a:xfrm>
+          <a:prstGeom prst="rect">
+            <a:avLst/>
+          </a:prstGeom>
+          <a:noFill/>
+        </p:spPr>
+        <p:txBody>
+          <a:bodyPr wrap="none" rtlCol="0">
+            <a:spAutoFit/>
+          </a:bodyPr>
+          <a:lstStyle/>
+          <a:p>
+            <a:r>
+              <a:rPr lang="en-US" altLang="zh-CN" dirty="0">
+                <a:latin typeface="Times New Roman" panose="02020603050405020304" pitchFamily="18" charset="0"/>
+                <a:cs typeface="Times New Roman" panose="02020603050405020304" pitchFamily="18" charset="0"/>
+              </a:rPr>
+              <a:t>Write-Unlock</a:t>
+            </a:r>
+            <a:endParaRPr lang="zh-CN" altLang="en-US" dirty="0">
+              <a:latin typeface="Times New Roman" panose="02020603050405020304" pitchFamily="18" charset="0"/>
+              <a:cs typeface="Times New Roman" panose="02020603050405020304" pitchFamily="18" charset="0"/>
+            </a:endParaRPr>
+          </a:p>
+        </p:txBody>
+      </p:sp>
+      <p:cxnSp>
+        <p:nvCxnSpPr>
+          <p:cNvPr id="76" name="直接箭头连接符 75">
+            <a:extLst>
+              <a:ext uri="{FF2B5EF4-FFF2-40B4-BE49-F238E27FC236}">
+                <a16:creationId xmlns:a16="http://schemas.microsoft.com/office/drawing/2014/main" id="{37CE8A65-2421-45FC-B302-F34F68A0C0AB}"/>
+              </a:ext>
+            </a:extLst>
+          </p:cNvPr>
+          <p:cNvCxnSpPr>
+            <a:cxnSpLocks/>
+          </p:cNvCxnSpPr>
+          <p:nvPr/>
+        </p:nvCxnSpPr>
+        <p:spPr>
+          <a:xfrm flipV="1">
+            <a:off x="7832961" y="1084457"/>
+            <a:ext cx="106227" cy="804779"/>
+          </a:xfrm>
+          <a:prstGeom prst="straightConnector1">
+            <a:avLst/>
+          </a:prstGeom>
+          <a:ln w="28575">
+            <a:solidFill>
+              <a:schemeClr val="tx1"/>
+            </a:solidFill>
+            <a:prstDash val="dash"/>
+            <a:tailEnd type="triangle"/>
+          </a:ln>
+        </p:spPr>
+        <p:style>
+          <a:lnRef idx="1">
+            <a:schemeClr val="accent1"/>
+          </a:lnRef>
+          <a:fillRef idx="0">
+            <a:schemeClr val="accent1"/>
+          </a:fillRef>
+          <a:effectRef idx="0">
+            <a:schemeClr val="accent1"/>
+          </a:effectRef>
+          <a:fontRef idx="minor">
+            <a:schemeClr val="tx1"/>
+          </a:fontRef>
+        </p:style>
+      </p:cxnSp>
+      <p:sp>
+        <p:nvSpPr>
+          <p:cNvPr id="77" name="矩形 76">
+            <a:extLst>
+              <a:ext uri="{FF2B5EF4-FFF2-40B4-BE49-F238E27FC236}">
+                <a16:creationId xmlns:a16="http://schemas.microsoft.com/office/drawing/2014/main" id="{4BD5B896-C8EF-4D2D-8DC8-8D0ADC8BE552}"/>
+              </a:ext>
+            </a:extLst>
+          </p:cNvPr>
+          <p:cNvSpPr/>
+          <p:nvPr/>
+        </p:nvSpPr>
+        <p:spPr>
+          <a:xfrm>
+            <a:off x="4054896" y="1751077"/>
+            <a:ext cx="301752" cy="243316"/>
+          </a:xfrm>
+          <a:prstGeom prst="rect">
+            <a:avLst/>
+          </a:prstGeom>
+        </p:spPr>
+        <p:style>
+          <a:lnRef idx="2">
+            <a:schemeClr val="dk1">
+              <a:shade val="50000"/>
+            </a:schemeClr>
+          </a:lnRef>
+          <a:fillRef idx="1">
+            <a:schemeClr val="dk1"/>
+          </a:fillRef>
+          <a:effectRef idx="0">
+            <a:schemeClr val="dk1"/>
+          </a:effectRef>
+          <a:fontRef idx="minor">
+            <a:schemeClr val="lt1"/>
+          </a:fontRef>
+        </p:style>
+        <p:txBody>
+          <a:bodyPr rtlCol="0" anchor="ctr"/>
+          <a:lstStyle/>
+          <a:p>
+            <a:pPr algn="ctr"/>
+            <a:endParaRPr lang="zh-CN" altLang="en-US"/>
+          </a:p>
+        </p:txBody>
+      </p:sp>
+      <p:sp>
+        <p:nvSpPr>
+          <p:cNvPr id="80" name="矩形 79">
+            <a:extLst>
+              <a:ext uri="{FF2B5EF4-FFF2-40B4-BE49-F238E27FC236}">
+                <a16:creationId xmlns:a16="http://schemas.microsoft.com/office/drawing/2014/main" id="{E88080E4-C96F-4882-91BA-F317B9983E2A}"/>
+              </a:ext>
+            </a:extLst>
+          </p:cNvPr>
+          <p:cNvSpPr/>
+          <p:nvPr/>
+        </p:nvSpPr>
+        <p:spPr>
+          <a:xfrm>
+            <a:off x="8081867" y="1781635"/>
+            <a:ext cx="301752" cy="243316"/>
+          </a:xfrm>
+          <a:prstGeom prst="rect">
+            <a:avLst/>
+          </a:prstGeom>
+          <a:solidFill>
+            <a:schemeClr val="bg1"/>
+          </a:solidFill>
+          <a:ln w="28575"/>
+        </p:spPr>
+        <p:style>
+          <a:lnRef idx="2">
+            <a:schemeClr val="dk1">
+              <a:shade val="50000"/>
+            </a:schemeClr>
+          </a:lnRef>
+          <a:fillRef idx="1">
+            <a:schemeClr val="dk1"/>
+          </a:fillRef>
+          <a:effectRef idx="0">
+            <a:schemeClr val="dk1"/>
+          </a:effectRef>
+          <a:fontRef idx="minor">
+            <a:schemeClr val="lt1"/>
+          </a:fontRef>
+        </p:style>
+        <p:txBody>
+          <a:bodyPr rtlCol="0" anchor="ctr"/>
+          <a:lstStyle/>
+          <a:p>
+            <a:pPr algn="ctr"/>
+            <a:endParaRPr lang="zh-CN" altLang="en-US"/>
+          </a:p>
+        </p:txBody>
+      </p:sp>
+      <p:grpSp>
+        <p:nvGrpSpPr>
+          <p:cNvPr id="43" name="组合 42">
+            <a:extLst>
+              <a:ext uri="{FF2B5EF4-FFF2-40B4-BE49-F238E27FC236}">
+                <a16:creationId xmlns:a16="http://schemas.microsoft.com/office/drawing/2014/main" id="{6F7A5637-0C91-421E-9769-03F8F664275F}"/>
+              </a:ext>
+            </a:extLst>
+          </p:cNvPr>
+          <p:cNvGrpSpPr/>
+          <p:nvPr/>
+        </p:nvGrpSpPr>
+        <p:grpSpPr>
+          <a:xfrm>
+            <a:off x="1803538" y="3297412"/>
+            <a:ext cx="7086462" cy="1285778"/>
+            <a:chOff x="3834761" y="4299680"/>
+            <a:chExt cx="7086462" cy="1285778"/>
+          </a:xfrm>
+        </p:grpSpPr>
+        <p:cxnSp>
+          <p:nvCxnSpPr>
+            <p:cNvPr id="20" name="直接箭头连接符 19">
+              <a:extLst>
+                <a:ext uri="{FF2B5EF4-FFF2-40B4-BE49-F238E27FC236}">
+                  <a16:creationId xmlns:a16="http://schemas.microsoft.com/office/drawing/2014/main" id="{251CBB24-0E86-4CA6-8722-512A5202BA72}"/>
+                </a:ext>
+              </a:extLst>
+            </p:cNvPr>
+            <p:cNvCxnSpPr>
+              <a:cxnSpLocks/>
+            </p:cNvCxnSpPr>
+            <p:nvPr/>
+          </p:nvCxnSpPr>
+          <p:spPr>
+            <a:xfrm>
+              <a:off x="5768465" y="4941331"/>
+              <a:ext cx="586615" cy="0"/>
+            </a:xfrm>
+            <a:prstGeom prst="straightConnector1">
+              <a:avLst/>
+            </a:prstGeom>
+            <a:ln w="28575">
+              <a:solidFill>
+                <a:srgbClr val="FF0000"/>
+              </a:solidFill>
+              <a:prstDash val="lgDashDot"/>
+              <a:tailEnd type="triangle"/>
+            </a:ln>
+          </p:spPr>
+          <p:style>
+            <a:lnRef idx="1">
+              <a:schemeClr val="accent1"/>
+            </a:lnRef>
+            <a:fillRef idx="0">
+              <a:schemeClr val="accent1"/>
+            </a:fillRef>
+            <a:effectRef idx="0">
+              <a:schemeClr val="accent1"/>
+            </a:effectRef>
+            <a:fontRef idx="minor">
+              <a:schemeClr val="tx1"/>
+            </a:fontRef>
+          </p:style>
+        </p:cxnSp>
+        <p:sp>
+          <p:nvSpPr>
+            <p:cNvPr id="21" name="文本框 20">
+              <a:extLst>
+                <a:ext uri="{FF2B5EF4-FFF2-40B4-BE49-F238E27FC236}">
+                  <a16:creationId xmlns:a16="http://schemas.microsoft.com/office/drawing/2014/main" id="{BDE3A2C6-A445-4507-BE38-43A3F63D2FB4}"/>
+                </a:ext>
+              </a:extLst>
+            </p:cNvPr>
+            <p:cNvSpPr txBox="1"/>
+            <p:nvPr/>
+          </p:nvSpPr>
+          <p:spPr>
+            <a:xfrm>
+              <a:off x="6443287" y="4756665"/>
+              <a:ext cx="633507" cy="369332"/>
+            </a:xfrm>
+            <a:prstGeom prst="rect">
+              <a:avLst/>
+            </a:prstGeom>
+            <a:noFill/>
+          </p:spPr>
+          <p:txBody>
+            <a:bodyPr wrap="none" rtlCol="0">
+              <a:spAutoFit/>
+            </a:bodyPr>
+            <a:lstStyle/>
+            <a:p>
+              <a:r>
+                <a:rPr lang="en-US" altLang="zh-CN" dirty="0">
+                  <a:latin typeface="Times New Roman" panose="02020603050405020304" pitchFamily="18" charset="0"/>
+                  <a:cs typeface="Times New Roman" panose="02020603050405020304" pitchFamily="18" charset="0"/>
+                </a:rPr>
+                <a:t>CAS</a:t>
+              </a:r>
+              <a:endParaRPr lang="zh-CN" altLang="en-US" dirty="0">
+                <a:latin typeface="Times New Roman" panose="02020603050405020304" pitchFamily="18" charset="0"/>
+                <a:cs typeface="Times New Roman" panose="02020603050405020304" pitchFamily="18" charset="0"/>
+              </a:endParaRPr>
+            </a:p>
+          </p:txBody>
+        </p:sp>
+        <p:cxnSp>
+          <p:nvCxnSpPr>
+            <p:cNvPr id="22" name="直接箭头连接符 21">
+              <a:extLst>
+                <a:ext uri="{FF2B5EF4-FFF2-40B4-BE49-F238E27FC236}">
+                  <a16:creationId xmlns:a16="http://schemas.microsoft.com/office/drawing/2014/main" id="{F6F27312-3D55-41B0-BD06-1899C883C650}"/>
+                </a:ext>
+              </a:extLst>
+            </p:cNvPr>
+            <p:cNvCxnSpPr>
+              <a:cxnSpLocks/>
+            </p:cNvCxnSpPr>
+            <p:nvPr/>
+          </p:nvCxnSpPr>
+          <p:spPr>
+            <a:xfrm>
+              <a:off x="5768465" y="4497062"/>
+              <a:ext cx="586615" cy="0"/>
+            </a:xfrm>
+            <a:prstGeom prst="straightConnector1">
+              <a:avLst/>
+            </a:prstGeom>
+            <a:ln w="28575">
+              <a:solidFill>
+                <a:schemeClr val="tx1"/>
+              </a:solidFill>
+              <a:tailEnd type="triangle"/>
+            </a:ln>
+          </p:spPr>
+          <p:style>
+            <a:lnRef idx="1">
+              <a:schemeClr val="accent1"/>
+            </a:lnRef>
+            <a:fillRef idx="0">
+              <a:schemeClr val="accent1"/>
+            </a:fillRef>
+            <a:effectRef idx="0">
+              <a:schemeClr val="accent1"/>
+            </a:effectRef>
+            <a:fontRef idx="minor">
+              <a:schemeClr val="tx1"/>
+            </a:fontRef>
+          </p:style>
+        </p:cxnSp>
+        <p:sp>
+          <p:nvSpPr>
+            <p:cNvPr id="23" name="文本框 22">
+              <a:extLst>
+                <a:ext uri="{FF2B5EF4-FFF2-40B4-BE49-F238E27FC236}">
+                  <a16:creationId xmlns:a16="http://schemas.microsoft.com/office/drawing/2014/main" id="{EDC4A300-CD4C-40C8-849E-F6F6595AE172}"/>
+                </a:ext>
+              </a:extLst>
+            </p:cNvPr>
+            <p:cNvSpPr txBox="1"/>
+            <p:nvPr/>
+          </p:nvSpPr>
+          <p:spPr>
+            <a:xfrm>
+              <a:off x="6443287" y="4312396"/>
+              <a:ext cx="1713033" cy="369332"/>
+            </a:xfrm>
+            <a:prstGeom prst="rect">
+              <a:avLst/>
+            </a:prstGeom>
+            <a:noFill/>
+          </p:spPr>
+          <p:txBody>
+            <a:bodyPr wrap="none" rtlCol="0">
+              <a:spAutoFit/>
+            </a:bodyPr>
+            <a:lstStyle/>
+            <a:p>
+              <a:r>
+                <a:rPr lang="en-US" altLang="zh-CN" dirty="0">
+                  <a:latin typeface="Times New Roman" panose="02020603050405020304" pitchFamily="18" charset="0"/>
+                  <a:cs typeface="Times New Roman" panose="02020603050405020304" pitchFamily="18" charset="0"/>
+                </a:rPr>
+                <a:t>One-sided Verbs</a:t>
+              </a:r>
+              <a:endParaRPr lang="zh-CN" altLang="en-US" dirty="0">
+                <a:latin typeface="Times New Roman" panose="02020603050405020304" pitchFamily="18" charset="0"/>
+                <a:cs typeface="Times New Roman" panose="02020603050405020304" pitchFamily="18" charset="0"/>
+              </a:endParaRPr>
+            </a:p>
+          </p:txBody>
+        </p:sp>
+        <p:sp>
+          <p:nvSpPr>
+            <p:cNvPr id="26" name="文本框 25">
+              <a:extLst>
+                <a:ext uri="{FF2B5EF4-FFF2-40B4-BE49-F238E27FC236}">
+                  <a16:creationId xmlns:a16="http://schemas.microsoft.com/office/drawing/2014/main" id="{82BF28CC-04D7-47AC-BBCF-463E351AA3BC}"/>
+                </a:ext>
+              </a:extLst>
+            </p:cNvPr>
+            <p:cNvSpPr txBox="1"/>
+            <p:nvPr/>
+          </p:nvSpPr>
+          <p:spPr>
+            <a:xfrm>
+              <a:off x="9268783" y="4299680"/>
+              <a:ext cx="1652440" cy="369332"/>
+            </a:xfrm>
+            <a:prstGeom prst="rect">
+              <a:avLst/>
+            </a:prstGeom>
+            <a:noFill/>
+          </p:spPr>
+          <p:txBody>
+            <a:bodyPr wrap="none" rtlCol="0">
+              <a:spAutoFit/>
+            </a:bodyPr>
+            <a:lstStyle/>
+            <a:p>
+              <a:r>
+                <a:rPr lang="en-US" altLang="zh-CN" dirty="0">
+                  <a:latin typeface="Times New Roman" panose="02020603050405020304" pitchFamily="18" charset="0"/>
+                  <a:cs typeface="Times New Roman" panose="02020603050405020304" pitchFamily="18" charset="0"/>
+                </a:rPr>
+                <a:t>Persistent Write</a:t>
+              </a:r>
+              <a:endParaRPr lang="zh-CN" altLang="en-US" dirty="0">
+                <a:latin typeface="Times New Roman" panose="02020603050405020304" pitchFamily="18" charset="0"/>
+                <a:cs typeface="Times New Roman" panose="02020603050405020304" pitchFamily="18" charset="0"/>
+              </a:endParaRPr>
+            </a:p>
+          </p:txBody>
+        </p:sp>
+        <p:grpSp>
+          <p:nvGrpSpPr>
+            <p:cNvPr id="28" name="组合 27">
+              <a:extLst>
+                <a:ext uri="{FF2B5EF4-FFF2-40B4-BE49-F238E27FC236}">
+                  <a16:creationId xmlns:a16="http://schemas.microsoft.com/office/drawing/2014/main" id="{9FCFF264-A85F-4EDB-8E3D-D5B90B5B425F}"/>
+                </a:ext>
+              </a:extLst>
+            </p:cNvPr>
+            <p:cNvGrpSpPr/>
+            <p:nvPr/>
+          </p:nvGrpSpPr>
+          <p:grpSpPr>
+            <a:xfrm>
+              <a:off x="8593961" y="4431268"/>
+              <a:ext cx="586615" cy="106156"/>
+              <a:chOff x="4424297" y="4610362"/>
+              <a:chExt cx="586615" cy="106156"/>
+            </a:xfrm>
+          </p:grpSpPr>
+          <p:cxnSp>
+            <p:nvCxnSpPr>
+              <p:cNvPr id="25" name="直接箭头连接符 24">
+                <a:extLst>
+                  <a:ext uri="{FF2B5EF4-FFF2-40B4-BE49-F238E27FC236}">
+                    <a16:creationId xmlns:a16="http://schemas.microsoft.com/office/drawing/2014/main" id="{C7A577B2-83A6-4491-B6EB-590EA24A55DB}"/>
+                  </a:ext>
+                </a:extLst>
+              </p:cNvPr>
+              <p:cNvCxnSpPr>
+                <a:cxnSpLocks/>
+              </p:cNvCxnSpPr>
+              <p:nvPr/>
+            </p:nvCxnSpPr>
+            <p:spPr>
+              <a:xfrm>
+                <a:off x="4424297" y="4610362"/>
+                <a:ext cx="586615" cy="0"/>
+              </a:xfrm>
+              <a:prstGeom prst="straightConnector1">
+                <a:avLst/>
+              </a:prstGeom>
+              <a:ln w="28575">
+                <a:solidFill>
+                  <a:schemeClr val="tx1"/>
+                </a:solidFill>
+                <a:tailEnd type="triangle"/>
+              </a:ln>
+            </p:spPr>
+            <p:style>
+              <a:lnRef idx="1">
+                <a:schemeClr val="accent1"/>
+              </a:lnRef>
+              <a:fillRef idx="0">
+                <a:schemeClr val="accent1"/>
+              </a:fillRef>
+              <a:effectRef idx="0">
+                <a:schemeClr val="accent1"/>
+              </a:effectRef>
+              <a:fontRef idx="minor">
+                <a:schemeClr val="tx1"/>
+              </a:fontRef>
+            </p:style>
+          </p:cxnSp>
+          <p:cxnSp>
+            <p:nvCxnSpPr>
+              <p:cNvPr id="27" name="直接箭头连接符 26">
+                <a:extLst>
+                  <a:ext uri="{FF2B5EF4-FFF2-40B4-BE49-F238E27FC236}">
+                    <a16:creationId xmlns:a16="http://schemas.microsoft.com/office/drawing/2014/main" id="{79CF750C-85BD-4E5A-8CBE-29619D5624D8}"/>
+                  </a:ext>
+                </a:extLst>
+              </p:cNvPr>
+              <p:cNvCxnSpPr>
+                <a:cxnSpLocks/>
+              </p:cNvCxnSpPr>
+              <p:nvPr/>
+            </p:nvCxnSpPr>
+            <p:spPr>
+              <a:xfrm>
+                <a:off x="4424297" y="4716518"/>
+                <a:ext cx="586615" cy="0"/>
+              </a:xfrm>
+              <a:prstGeom prst="straightConnector1">
+                <a:avLst/>
+              </a:prstGeom>
+              <a:ln w="28575">
+                <a:solidFill>
+                  <a:schemeClr val="tx1"/>
+                </a:solidFill>
+                <a:tailEnd type="triangle"/>
+              </a:ln>
+            </p:spPr>
+            <p:style>
+              <a:lnRef idx="1">
+                <a:schemeClr val="accent1"/>
+              </a:lnRef>
+              <a:fillRef idx="0">
+                <a:schemeClr val="accent1"/>
+              </a:fillRef>
+              <a:effectRef idx="0">
+                <a:schemeClr val="accent1"/>
+              </a:effectRef>
+              <a:fontRef idx="minor">
+                <a:schemeClr val="tx1"/>
+              </a:fontRef>
+            </p:style>
+          </p:cxnSp>
+        </p:grpSp>
+        <p:sp>
+          <p:nvSpPr>
+            <p:cNvPr id="29" name="矩形 28">
+              <a:extLst>
+                <a:ext uri="{FF2B5EF4-FFF2-40B4-BE49-F238E27FC236}">
+                  <a16:creationId xmlns:a16="http://schemas.microsoft.com/office/drawing/2014/main" id="{DB0A00C4-D63F-4FA9-988B-CE6A7406650C}"/>
+                </a:ext>
+              </a:extLst>
+            </p:cNvPr>
+            <p:cNvSpPr/>
+            <p:nvPr/>
+          </p:nvSpPr>
+          <p:spPr>
+            <a:xfrm>
+              <a:off x="3834761" y="4375404"/>
+              <a:ext cx="301752" cy="243316"/>
+            </a:xfrm>
+            <a:prstGeom prst="rect">
+              <a:avLst/>
+            </a:prstGeom>
+          </p:spPr>
+          <p:style>
+            <a:lnRef idx="2">
+              <a:schemeClr val="dk1">
+                <a:shade val="50000"/>
+              </a:schemeClr>
+            </a:lnRef>
+            <a:fillRef idx="1">
+              <a:schemeClr val="dk1"/>
+            </a:fillRef>
+            <a:effectRef idx="0">
+              <a:schemeClr val="dk1"/>
+            </a:effectRef>
+            <a:fontRef idx="minor">
+              <a:schemeClr val="lt1"/>
+            </a:fontRef>
+          </p:style>
+          <p:txBody>
+            <a:bodyPr rtlCol="0" anchor="ctr"/>
+            <a:lstStyle/>
+            <a:p>
+              <a:pPr algn="ctr"/>
+              <a:endParaRPr lang="zh-CN" altLang="en-US"/>
+            </a:p>
+          </p:txBody>
+        </p:sp>
+        <p:sp>
+          <p:nvSpPr>
+            <p:cNvPr id="30" name="文本框 29">
+              <a:extLst>
+                <a:ext uri="{FF2B5EF4-FFF2-40B4-BE49-F238E27FC236}">
+                  <a16:creationId xmlns:a16="http://schemas.microsoft.com/office/drawing/2014/main" id="{ACC95128-BDCB-46AB-976B-0446BF3BCE57}"/>
+                </a:ext>
+              </a:extLst>
+            </p:cNvPr>
+            <p:cNvSpPr txBox="1"/>
+            <p:nvPr/>
+          </p:nvSpPr>
+          <p:spPr>
+            <a:xfrm>
+              <a:off x="4224720" y="4299680"/>
+              <a:ext cx="973343" cy="369332"/>
+            </a:xfrm>
+            <a:prstGeom prst="rect">
+              <a:avLst/>
+            </a:prstGeom>
+            <a:noFill/>
+          </p:spPr>
+          <p:txBody>
+            <a:bodyPr wrap="none" rtlCol="0">
+              <a:spAutoFit/>
+            </a:bodyPr>
+            <a:lstStyle/>
+            <a:p>
+              <a:r>
+                <a:rPr lang="en-US" altLang="zh-CN" dirty="0">
+                  <a:latin typeface="Times New Roman" panose="02020603050405020304" pitchFamily="18" charset="0"/>
+                  <a:cs typeface="Times New Roman" panose="02020603050405020304" pitchFamily="18" charset="0"/>
+                </a:rPr>
+                <a:t>Old data</a:t>
+              </a:r>
+              <a:endParaRPr lang="zh-CN" altLang="en-US" dirty="0">
+                <a:latin typeface="Times New Roman" panose="02020603050405020304" pitchFamily="18" charset="0"/>
+                <a:cs typeface="Times New Roman" panose="02020603050405020304" pitchFamily="18" charset="0"/>
+              </a:endParaRPr>
+            </a:p>
+          </p:txBody>
+        </p:sp>
+        <p:sp>
+          <p:nvSpPr>
+            <p:cNvPr id="31" name="矩形 30">
+              <a:extLst>
+                <a:ext uri="{FF2B5EF4-FFF2-40B4-BE49-F238E27FC236}">
+                  <a16:creationId xmlns:a16="http://schemas.microsoft.com/office/drawing/2014/main" id="{56746869-E49A-4743-B713-B288F876679D}"/>
+                </a:ext>
+              </a:extLst>
+            </p:cNvPr>
+            <p:cNvSpPr/>
+            <p:nvPr/>
+          </p:nvSpPr>
+          <p:spPr>
+            <a:xfrm>
+              <a:off x="3834761" y="4833627"/>
+              <a:ext cx="301752" cy="243316"/>
+            </a:xfrm>
+            <a:prstGeom prst="rect">
+              <a:avLst/>
+            </a:prstGeom>
+            <a:solidFill>
+              <a:schemeClr val="bg1"/>
+            </a:solidFill>
+            <a:ln w="28575"/>
+          </p:spPr>
+          <p:style>
+            <a:lnRef idx="2">
+              <a:schemeClr val="dk1">
+                <a:shade val="50000"/>
+              </a:schemeClr>
+            </a:lnRef>
+            <a:fillRef idx="1">
+              <a:schemeClr val="dk1"/>
+            </a:fillRef>
+            <a:effectRef idx="0">
+              <a:schemeClr val="dk1"/>
+            </a:effectRef>
+            <a:fontRef idx="minor">
+              <a:schemeClr val="lt1"/>
+            </a:fontRef>
+          </p:style>
+          <p:txBody>
+            <a:bodyPr rtlCol="0" anchor="ctr"/>
+            <a:lstStyle/>
+            <a:p>
+              <a:pPr algn="ctr"/>
+              <a:endParaRPr lang="zh-CN" altLang="en-US"/>
+            </a:p>
+          </p:txBody>
+        </p:sp>
+        <p:sp>
+          <p:nvSpPr>
+            <p:cNvPr id="32" name="文本框 31">
+              <a:extLst>
+                <a:ext uri="{FF2B5EF4-FFF2-40B4-BE49-F238E27FC236}">
+                  <a16:creationId xmlns:a16="http://schemas.microsoft.com/office/drawing/2014/main" id="{C8FA3B13-EA68-4E0E-87FD-643434BC33A8}"/>
+                </a:ext>
+              </a:extLst>
+            </p:cNvPr>
+            <p:cNvSpPr txBox="1"/>
+            <p:nvPr/>
+          </p:nvSpPr>
+          <p:spPr>
+            <a:xfrm>
+              <a:off x="4224720" y="4757903"/>
+              <a:ext cx="1063112" cy="369332"/>
+            </a:xfrm>
+            <a:prstGeom prst="rect">
+              <a:avLst/>
+            </a:prstGeom>
+            <a:noFill/>
+          </p:spPr>
+          <p:txBody>
+            <a:bodyPr wrap="none" rtlCol="0">
+              <a:spAutoFit/>
+            </a:bodyPr>
+            <a:lstStyle/>
+            <a:p>
+              <a:r>
+                <a:rPr lang="en-US" altLang="zh-CN" dirty="0">
+                  <a:latin typeface="Times New Roman" panose="02020603050405020304" pitchFamily="18" charset="0"/>
+                  <a:cs typeface="Times New Roman" panose="02020603050405020304" pitchFamily="18" charset="0"/>
+                </a:rPr>
+                <a:t>New data</a:t>
+              </a:r>
+              <a:endParaRPr lang="zh-CN" altLang="en-US" dirty="0">
+                <a:latin typeface="Times New Roman" panose="02020603050405020304" pitchFamily="18" charset="0"/>
+                <a:cs typeface="Times New Roman" panose="02020603050405020304" pitchFamily="18" charset="0"/>
+              </a:endParaRPr>
+            </a:p>
+          </p:txBody>
+        </p:sp>
+        <p:cxnSp>
+          <p:nvCxnSpPr>
+            <p:cNvPr id="57" name="直接箭头连接符 56">
+              <a:extLst>
+                <a:ext uri="{FF2B5EF4-FFF2-40B4-BE49-F238E27FC236}">
+                  <a16:creationId xmlns:a16="http://schemas.microsoft.com/office/drawing/2014/main" id="{C3531120-0210-4C63-9D3A-EB0F4D1D7D8D}"/>
+                </a:ext>
+              </a:extLst>
+            </p:cNvPr>
+            <p:cNvCxnSpPr>
+              <a:cxnSpLocks/>
+            </p:cNvCxnSpPr>
+            <p:nvPr/>
+          </p:nvCxnSpPr>
+          <p:spPr>
+            <a:xfrm>
+              <a:off x="8593961" y="4941331"/>
+              <a:ext cx="586615" cy="0"/>
+            </a:xfrm>
+            <a:prstGeom prst="straightConnector1">
+              <a:avLst/>
+            </a:prstGeom>
+            <a:ln w="28575">
+              <a:solidFill>
+                <a:schemeClr val="tx1"/>
+              </a:solidFill>
+              <a:prstDash val="dash"/>
+              <a:tailEnd type="triangle"/>
+            </a:ln>
+          </p:spPr>
+          <p:style>
+            <a:lnRef idx="1">
+              <a:schemeClr val="accent1"/>
+            </a:lnRef>
+            <a:fillRef idx="0">
+              <a:schemeClr val="accent1"/>
+            </a:fillRef>
+            <a:effectRef idx="0">
+              <a:schemeClr val="accent1"/>
+            </a:effectRef>
+            <a:fontRef idx="minor">
+              <a:schemeClr val="tx1"/>
+            </a:fontRef>
+          </p:style>
+        </p:cxnSp>
+        <p:sp>
+          <p:nvSpPr>
+            <p:cNvPr id="58" name="文本框 57">
+              <a:extLst>
+                <a:ext uri="{FF2B5EF4-FFF2-40B4-BE49-F238E27FC236}">
+                  <a16:creationId xmlns:a16="http://schemas.microsoft.com/office/drawing/2014/main" id="{D7883689-F70B-42A0-AC52-99DBD95E9161}"/>
+                </a:ext>
+              </a:extLst>
+            </p:cNvPr>
+            <p:cNvSpPr txBox="1"/>
+            <p:nvPr/>
+          </p:nvSpPr>
+          <p:spPr>
+            <a:xfrm>
+              <a:off x="9268783" y="4756665"/>
+              <a:ext cx="671979" cy="369332"/>
+            </a:xfrm>
+            <a:prstGeom prst="rect">
+              <a:avLst/>
+            </a:prstGeom>
+            <a:noFill/>
+          </p:spPr>
+          <p:txBody>
+            <a:bodyPr wrap="none" rtlCol="0">
+              <a:spAutoFit/>
+            </a:bodyPr>
+            <a:lstStyle/>
+            <a:p>
+              <a:r>
+                <a:rPr lang="en-US" altLang="zh-CN" dirty="0">
+                  <a:latin typeface="Times New Roman" panose="02020603050405020304" pitchFamily="18" charset="0"/>
+                  <a:cs typeface="Times New Roman" panose="02020603050405020304" pitchFamily="18" charset="0"/>
+                </a:rPr>
+                <a:t>ACK</a:t>
+              </a:r>
+              <a:endParaRPr lang="zh-CN" altLang="en-US" dirty="0">
+                <a:latin typeface="Times New Roman" panose="02020603050405020304" pitchFamily="18" charset="0"/>
+                <a:cs typeface="Times New Roman" panose="02020603050405020304" pitchFamily="18" charset="0"/>
+              </a:endParaRPr>
+            </a:p>
+          </p:txBody>
+        </p:sp>
+        <p:pic>
+          <p:nvPicPr>
+            <p:cNvPr id="81" name="图片 80">
+              <a:extLst>
+                <a:ext uri="{FF2B5EF4-FFF2-40B4-BE49-F238E27FC236}">
+                  <a16:creationId xmlns:a16="http://schemas.microsoft.com/office/drawing/2014/main" id="{A9EDAEC9-4593-42F6-B812-229D94DD2BDC}"/>
+                </a:ext>
+              </a:extLst>
+            </p:cNvPr>
+            <p:cNvPicPr>
+              <a:picLocks noChangeAspect="1"/>
+            </p:cNvPicPr>
+            <p:nvPr/>
+          </p:nvPicPr>
+          <p:blipFill>
+            <a:blip r:embed="rId2">
+              <a:extLst>
+                <a:ext uri="{28A0092B-C50C-407E-A947-70E740481C1C}">
+                  <a14:useLocalDpi xmlns:a14="http://schemas.microsoft.com/office/drawing/2010/main" val="0"/>
+                </a:ext>
+                <a:ext uri="{96DAC541-7B7A-43D3-8B79-37D633B846F1}">
+                  <asvg:svgBlip xmlns:asvg="http://schemas.microsoft.com/office/drawing/2016/SVG/main" r:embed="rId3"/>
+                </a:ext>
+              </a:extLst>
+            </a:blip>
+            <a:srcRect l="11033" r="11033"/>
+            <a:stretch/>
+          </p:blipFill>
+          <p:spPr>
+            <a:xfrm>
+              <a:off x="3890824" y="5274324"/>
+              <a:ext cx="189626" cy="243316"/>
+            </a:xfrm>
+            <a:prstGeom prst="rect">
+              <a:avLst/>
+            </a:prstGeom>
+          </p:spPr>
+        </p:pic>
+        <p:sp>
+          <p:nvSpPr>
+            <p:cNvPr id="82" name="文本框 81">
+              <a:extLst>
+                <a:ext uri="{FF2B5EF4-FFF2-40B4-BE49-F238E27FC236}">
+                  <a16:creationId xmlns:a16="http://schemas.microsoft.com/office/drawing/2014/main" id="{559988E8-254C-411B-944E-C7582E9A18ED}"/>
+                </a:ext>
+              </a:extLst>
+            </p:cNvPr>
+            <p:cNvSpPr txBox="1"/>
+            <p:nvPr/>
+          </p:nvSpPr>
+          <p:spPr>
+            <a:xfrm>
+              <a:off x="4224720" y="5216126"/>
+              <a:ext cx="1393715" cy="369332"/>
+            </a:xfrm>
+            <a:prstGeom prst="rect">
+              <a:avLst/>
+            </a:prstGeom>
+            <a:noFill/>
+          </p:spPr>
+          <p:txBody>
+            <a:bodyPr wrap="none" rtlCol="0">
+              <a:spAutoFit/>
+            </a:bodyPr>
+            <a:lstStyle/>
+            <a:p>
+              <a:r>
+                <a:rPr lang="en-US" altLang="zh-CN" dirty="0">
+                  <a:latin typeface="Times New Roman" panose="02020603050405020304" pitchFamily="18" charset="0"/>
+                  <a:cs typeface="Times New Roman" panose="02020603050405020304" pitchFamily="18" charset="0"/>
+                </a:rPr>
+                <a:t>Write-locked</a:t>
+              </a:r>
+              <a:endParaRPr lang="zh-CN" altLang="en-US" dirty="0">
+                <a:latin typeface="Times New Roman" panose="02020603050405020304" pitchFamily="18" charset="0"/>
+                <a:cs typeface="Times New Roman" panose="02020603050405020304" pitchFamily="18" charset="0"/>
+              </a:endParaRPr>
+            </a:p>
+          </p:txBody>
+        </p:sp>
+      </p:grpSp>
+      <p:pic>
+        <p:nvPicPr>
+          <p:cNvPr id="55" name="图片 80">
+            <a:extLst>
+              <a:ext uri="{FF2B5EF4-FFF2-40B4-BE49-F238E27FC236}">
+                <a16:creationId xmlns:a16="http://schemas.microsoft.com/office/drawing/2014/main" id="{D115E84E-B737-412C-A849-8B2B10CB9453}"/>
+              </a:ext>
+            </a:extLst>
+          </p:cNvPr>
+          <p:cNvPicPr>
+            <a:picLocks noChangeAspect="1"/>
+          </p:cNvPicPr>
+          <p:nvPr/>
+        </p:nvPicPr>
+        <p:blipFill>
+          <a:blip r:embed="rId2">
+            <a:extLst>
+              <a:ext uri="{28A0092B-C50C-407E-A947-70E740481C1C}">
+                <a14:useLocalDpi xmlns:a14="http://schemas.microsoft.com/office/drawing/2010/main" val="0"/>
+              </a:ext>
+              <a:ext uri="{96DAC541-7B7A-43D3-8B79-37D633B846F1}">
+                <asvg:svgBlip xmlns:asvg="http://schemas.microsoft.com/office/drawing/2016/SVG/main" r:embed="rId3"/>
+              </a:ext>
+            </a:extLst>
+          </a:blip>
+          <a:srcRect l="11033" r="11033"/>
+          <a:stretch/>
+        </p:blipFill>
+        <p:spPr>
+          <a:xfrm>
+            <a:off x="4429642" y="1518021"/>
+            <a:ext cx="189626" cy="243316"/>
+          </a:xfrm>
+          <a:prstGeom prst="rect">
+            <a:avLst/>
+          </a:prstGeom>
+        </p:spPr>
+      </p:pic>
+      <p:sp>
+        <p:nvSpPr>
+          <p:cNvPr id="64" name="矩形 63">
+            <a:extLst>
+              <a:ext uri="{FF2B5EF4-FFF2-40B4-BE49-F238E27FC236}">
+                <a16:creationId xmlns:a16="http://schemas.microsoft.com/office/drawing/2014/main" id="{E17D4902-961E-40C8-9E09-9327351B1EBC}"/>
+              </a:ext>
+            </a:extLst>
+          </p:cNvPr>
+          <p:cNvSpPr/>
+          <p:nvPr/>
+        </p:nvSpPr>
+        <p:spPr>
+          <a:xfrm>
+            <a:off x="6288087" y="1751077"/>
+            <a:ext cx="301752" cy="243316"/>
+          </a:xfrm>
+          <a:prstGeom prst="rect">
+            <a:avLst/>
+          </a:prstGeom>
+          <a:solidFill>
+            <a:schemeClr val="bg1"/>
+          </a:solidFill>
+          <a:ln w="28575"/>
+        </p:spPr>
+        <p:style>
+          <a:lnRef idx="2">
+            <a:schemeClr val="dk1">
+              <a:shade val="50000"/>
+            </a:schemeClr>
+          </a:lnRef>
+          <a:fillRef idx="1">
+            <a:schemeClr val="dk1"/>
+          </a:fillRef>
+          <a:effectRef idx="0">
+            <a:schemeClr val="dk1"/>
+          </a:effectRef>
+          <a:fontRef idx="minor">
+            <a:schemeClr val="lt1"/>
+          </a:fontRef>
+        </p:style>
+        <p:txBody>
+          <a:bodyPr rtlCol="0" anchor="ctr"/>
+          <a:lstStyle/>
+          <a:p>
+            <a:pPr algn="ctr"/>
+            <a:endParaRPr lang="zh-CN" altLang="en-US"/>
+          </a:p>
+        </p:txBody>
+      </p:sp>
+      <p:pic>
+        <p:nvPicPr>
+          <p:cNvPr id="65" name="图片 80">
+            <a:extLst>
+              <a:ext uri="{FF2B5EF4-FFF2-40B4-BE49-F238E27FC236}">
+                <a16:creationId xmlns:a16="http://schemas.microsoft.com/office/drawing/2014/main" id="{84660F3D-C676-4E07-93EB-6004DB1D98C7}"/>
+              </a:ext>
+            </a:extLst>
+          </p:cNvPr>
+          <p:cNvPicPr>
+            <a:picLocks noChangeAspect="1"/>
+          </p:cNvPicPr>
+          <p:nvPr/>
+        </p:nvPicPr>
+        <p:blipFill>
+          <a:blip r:embed="rId2">
+            <a:extLst>
+              <a:ext uri="{28A0092B-C50C-407E-A947-70E740481C1C}">
+                <a14:useLocalDpi xmlns:a14="http://schemas.microsoft.com/office/drawing/2010/main" val="0"/>
+              </a:ext>
+              <a:ext uri="{96DAC541-7B7A-43D3-8B79-37D633B846F1}">
+                <asvg:svgBlip xmlns:asvg="http://schemas.microsoft.com/office/drawing/2016/SVG/main" r:embed="rId3"/>
+              </a:ext>
+            </a:extLst>
+          </a:blip>
+          <a:srcRect l="11033" r="11033"/>
+          <a:stretch/>
+        </p:blipFill>
+        <p:spPr>
+          <a:xfrm>
+            <a:off x="6662833" y="1518021"/>
+            <a:ext cx="189626" cy="243316"/>
+          </a:xfrm>
+          <a:prstGeom prst="rect">
+            <a:avLst/>
+          </a:prstGeom>
+        </p:spPr>
+      </p:pic>
+    </p:spTree>
+    <p:extLst>
+      <p:ext uri="{BB962C8B-B14F-4D97-AF65-F5344CB8AC3E}">
+        <p14:creationId xmlns:p14="http://schemas.microsoft.com/office/powerpoint/2010/main" val="2304647691"/>
+      </p:ext>
+    </p:extLst>
+  </p:cSld>
+  <p:clrMapOvr>
+    <a:masterClrMapping/>
+  </p:clrMapOvr>
+</p:sld>
+</file>
+
+<file path=ppt/slides/slide7.xml><?xml version="1.0" encoding="utf-8"?>
+<p:sld xmlns:a="http://schemas.openxmlformats.org/drawingml/2006/main" xmlns:r="http://schemas.openxmlformats.org/officeDocument/2006/relationships" xmlns:p="http://schemas.openxmlformats.org/presentationml/2006/main">
+  <p:cSld>
+    <p:spTree>
+      <p:nvGrpSpPr>
+        <p:cNvPr id="1" name=""/>
+        <p:cNvGrpSpPr/>
+        <p:nvPr/>
+      </p:nvGrpSpPr>
+      <p:grpSpPr>
+        <a:xfrm>
+          <a:off x="0" y="0"/>
+          <a:ext cx="0" cy="0"/>
+          <a:chOff x="0" y="0"/>
+          <a:chExt cx="0" cy="0"/>
+        </a:xfrm>
+      </p:grpSpPr>
+      <p:cxnSp>
+        <p:nvCxnSpPr>
+          <p:cNvPr id="6" name="直接连接符 5">
+            <a:extLst>
+              <a:ext uri="{FF2B5EF4-FFF2-40B4-BE49-F238E27FC236}">
+                <a16:creationId xmlns:a16="http://schemas.microsoft.com/office/drawing/2014/main" id="{C00B3582-5D48-41E2-93F3-99E5E3DD0879}"/>
+              </a:ext>
+            </a:extLst>
+          </p:cNvPr>
+          <p:cNvCxnSpPr>
+            <a:cxnSpLocks/>
+          </p:cNvCxnSpPr>
+          <p:nvPr/>
+        </p:nvCxnSpPr>
+        <p:spPr>
+          <a:xfrm>
+            <a:off x="2322576" y="1069848"/>
+            <a:ext cx="9537192" cy="0"/>
+          </a:xfrm>
+          <a:prstGeom prst="line">
+            <a:avLst/>
+          </a:prstGeom>
+          <a:ln w="28575">
+            <a:solidFill>
+              <a:schemeClr val="tx1"/>
+            </a:solidFill>
+          </a:ln>
+        </p:spPr>
+        <p:style>
+          <a:lnRef idx="1">
+            <a:schemeClr val="accent1"/>
+          </a:lnRef>
+          <a:fillRef idx="0">
+            <a:schemeClr val="accent1"/>
+          </a:fillRef>
+          <a:effectRef idx="0">
+            <a:schemeClr val="accent1"/>
+          </a:effectRef>
+          <a:fontRef idx="minor">
+            <a:schemeClr val="tx1"/>
+          </a:fontRef>
+        </p:style>
+      </p:cxnSp>
+      <p:sp>
+        <p:nvSpPr>
+          <p:cNvPr id="8" name="文本框 7">
+            <a:extLst>
+              <a:ext uri="{FF2B5EF4-FFF2-40B4-BE49-F238E27FC236}">
+                <a16:creationId xmlns:a16="http://schemas.microsoft.com/office/drawing/2014/main" id="{D233E9E8-BF5F-4F55-9E0E-84EFE6089156}"/>
+              </a:ext>
+            </a:extLst>
+          </p:cNvPr>
+          <p:cNvSpPr txBox="1"/>
+          <p:nvPr/>
+        </p:nvSpPr>
+        <p:spPr>
+          <a:xfrm>
+            <a:off x="1289615" y="885182"/>
+            <a:ext cx="748923" cy="369332"/>
+          </a:xfrm>
+          <a:prstGeom prst="rect">
+            <a:avLst/>
+          </a:prstGeom>
+          <a:noFill/>
+        </p:spPr>
+        <p:txBody>
+          <a:bodyPr wrap="none" rtlCol="0">
+            <a:spAutoFit/>
+          </a:bodyPr>
+          <a:lstStyle/>
+          <a:p>
+            <a:r>
+              <a:rPr lang="en-US" altLang="zh-CN" dirty="0">
+                <a:latin typeface="Times New Roman" panose="02020603050405020304" pitchFamily="18" charset="0"/>
+                <a:cs typeface="Times New Roman" panose="02020603050405020304" pitchFamily="18" charset="0"/>
+              </a:rPr>
+              <a:t>Client</a:t>
+            </a:r>
+            <a:endParaRPr lang="zh-CN" altLang="en-US" dirty="0">
+              <a:latin typeface="Times New Roman" panose="02020603050405020304" pitchFamily="18" charset="0"/>
+              <a:cs typeface="Times New Roman" panose="02020603050405020304" pitchFamily="18" charset="0"/>
+            </a:endParaRPr>
+          </a:p>
+        </p:txBody>
+      </p:sp>
+      <p:sp>
+        <p:nvSpPr>
+          <p:cNvPr id="10" name="文本框 9">
+            <a:extLst>
+              <a:ext uri="{FF2B5EF4-FFF2-40B4-BE49-F238E27FC236}">
+                <a16:creationId xmlns:a16="http://schemas.microsoft.com/office/drawing/2014/main" id="{C082C749-52C1-4B59-A363-A99A7D0D0D09}"/>
+              </a:ext>
+            </a:extLst>
+          </p:cNvPr>
+          <p:cNvSpPr txBox="1"/>
+          <p:nvPr/>
+        </p:nvSpPr>
+        <p:spPr>
+          <a:xfrm>
+            <a:off x="347049" y="1698736"/>
+            <a:ext cx="1691489" cy="369332"/>
+          </a:xfrm>
+          <a:prstGeom prst="rect">
+            <a:avLst/>
+          </a:prstGeom>
+          <a:noFill/>
+        </p:spPr>
+        <p:txBody>
+          <a:bodyPr wrap="none" rtlCol="0">
+            <a:spAutoFit/>
+          </a:bodyPr>
+          <a:lstStyle/>
+          <a:p>
+            <a:r>
+              <a:rPr lang="en-US" altLang="zh-CN" dirty="0">
+                <a:latin typeface="Times New Roman" panose="02020603050405020304" pitchFamily="18" charset="0"/>
+                <a:cs typeface="Times New Roman" panose="02020603050405020304" pitchFamily="18" charset="0"/>
+              </a:rPr>
+              <a:t>Primary Replica</a:t>
+            </a:r>
+            <a:endParaRPr lang="zh-CN" altLang="en-US" dirty="0">
+              <a:latin typeface="Times New Roman" panose="02020603050405020304" pitchFamily="18" charset="0"/>
+              <a:cs typeface="Times New Roman" panose="02020603050405020304" pitchFamily="18" charset="0"/>
+            </a:endParaRPr>
+          </a:p>
+        </p:txBody>
+      </p:sp>
+      <p:sp>
+        <p:nvSpPr>
+          <p:cNvPr id="11" name="文本框 10">
+            <a:extLst>
+              <a:ext uri="{FF2B5EF4-FFF2-40B4-BE49-F238E27FC236}">
+                <a16:creationId xmlns:a16="http://schemas.microsoft.com/office/drawing/2014/main" id="{DFDD1E56-BADB-47BB-B8D4-C70D0BEF123D}"/>
+              </a:ext>
+            </a:extLst>
+          </p:cNvPr>
+          <p:cNvSpPr txBox="1"/>
+          <p:nvPr/>
+        </p:nvSpPr>
+        <p:spPr>
+          <a:xfrm>
+            <a:off x="744020" y="2498074"/>
+            <a:ext cx="1293944" cy="369332"/>
+          </a:xfrm>
+          <a:prstGeom prst="rect">
+            <a:avLst/>
+          </a:prstGeom>
+          <a:noFill/>
+        </p:spPr>
+        <p:txBody>
+          <a:bodyPr wrap="none" rtlCol="0">
+            <a:spAutoFit/>
+          </a:bodyPr>
+          <a:lstStyle/>
+          <a:p>
+            <a:r>
+              <a:rPr lang="en-US" altLang="zh-CN" dirty="0">
+                <a:latin typeface="Times New Roman" panose="02020603050405020304" pitchFamily="18" charset="0"/>
+                <a:cs typeface="Times New Roman" panose="02020603050405020304" pitchFamily="18" charset="0"/>
+              </a:rPr>
+              <a:t>2nd Replica</a:t>
+            </a:r>
+            <a:endParaRPr lang="zh-CN" altLang="en-US" dirty="0">
+              <a:latin typeface="Times New Roman" panose="02020603050405020304" pitchFamily="18" charset="0"/>
+              <a:cs typeface="Times New Roman" panose="02020603050405020304" pitchFamily="18" charset="0"/>
+            </a:endParaRPr>
+          </a:p>
+        </p:txBody>
+      </p:sp>
+      <p:sp>
+        <p:nvSpPr>
+          <p:cNvPr id="12" name="文本框 11">
+            <a:extLst>
+              <a:ext uri="{FF2B5EF4-FFF2-40B4-BE49-F238E27FC236}">
+                <a16:creationId xmlns:a16="http://schemas.microsoft.com/office/drawing/2014/main" id="{7C761FCA-DA2C-4185-9864-6F09D30C9A69}"/>
+              </a:ext>
+            </a:extLst>
+          </p:cNvPr>
+          <p:cNvSpPr txBox="1"/>
+          <p:nvPr/>
+        </p:nvSpPr>
+        <p:spPr>
+          <a:xfrm>
+            <a:off x="782492" y="3297412"/>
+            <a:ext cx="1255472" cy="369332"/>
+          </a:xfrm>
+          <a:prstGeom prst="rect">
+            <a:avLst/>
+          </a:prstGeom>
+          <a:noFill/>
+        </p:spPr>
+        <p:txBody>
+          <a:bodyPr wrap="none" rtlCol="0">
+            <a:spAutoFit/>
+          </a:bodyPr>
+          <a:lstStyle/>
+          <a:p>
+            <a:r>
+              <a:rPr lang="en-US" altLang="zh-CN" dirty="0">
+                <a:latin typeface="Times New Roman" panose="02020603050405020304" pitchFamily="18" charset="0"/>
+                <a:cs typeface="Times New Roman" panose="02020603050405020304" pitchFamily="18" charset="0"/>
+              </a:rPr>
+              <a:t>3rd Replica</a:t>
+            </a:r>
+            <a:endParaRPr lang="zh-CN" altLang="en-US" dirty="0">
+              <a:latin typeface="Times New Roman" panose="02020603050405020304" pitchFamily="18" charset="0"/>
+              <a:cs typeface="Times New Roman" panose="02020603050405020304" pitchFamily="18" charset="0"/>
+            </a:endParaRPr>
+          </a:p>
+        </p:txBody>
+      </p:sp>
+      <p:cxnSp>
+        <p:nvCxnSpPr>
+          <p:cNvPr id="14" name="直接连接符 13">
+            <a:extLst>
+              <a:ext uri="{FF2B5EF4-FFF2-40B4-BE49-F238E27FC236}">
+                <a16:creationId xmlns:a16="http://schemas.microsoft.com/office/drawing/2014/main" id="{9555AE2C-7474-452A-94C8-61451B3D2BF6}"/>
+              </a:ext>
+            </a:extLst>
+          </p:cNvPr>
+          <p:cNvCxnSpPr>
+            <a:cxnSpLocks/>
+          </p:cNvCxnSpPr>
+          <p:nvPr/>
+        </p:nvCxnSpPr>
+        <p:spPr>
+          <a:xfrm>
+            <a:off x="2322576" y="1883664"/>
+            <a:ext cx="9537192" cy="0"/>
+          </a:xfrm>
+          <a:prstGeom prst="line">
+            <a:avLst/>
+          </a:prstGeom>
+          <a:ln w="28575">
+            <a:solidFill>
+              <a:schemeClr val="tx1"/>
+            </a:solidFill>
+          </a:ln>
+        </p:spPr>
+        <p:style>
+          <a:lnRef idx="1">
+            <a:schemeClr val="accent1"/>
+          </a:lnRef>
+          <a:fillRef idx="0">
+            <a:schemeClr val="accent1"/>
+          </a:fillRef>
+          <a:effectRef idx="0">
+            <a:schemeClr val="accent1"/>
+          </a:effectRef>
+          <a:fontRef idx="minor">
+            <a:schemeClr val="tx1"/>
+          </a:fontRef>
+        </p:style>
+      </p:cxnSp>
+      <p:cxnSp>
+        <p:nvCxnSpPr>
+          <p:cNvPr id="15" name="直接连接符 14">
+            <a:extLst>
+              <a:ext uri="{FF2B5EF4-FFF2-40B4-BE49-F238E27FC236}">
+                <a16:creationId xmlns:a16="http://schemas.microsoft.com/office/drawing/2014/main" id="{082841C0-78B1-4704-8BCE-007465D0C817}"/>
+              </a:ext>
+            </a:extLst>
+          </p:cNvPr>
+          <p:cNvCxnSpPr>
+            <a:cxnSpLocks/>
+          </p:cNvCxnSpPr>
+          <p:nvPr/>
+        </p:nvCxnSpPr>
+        <p:spPr>
+          <a:xfrm>
+            <a:off x="2322576" y="2679192"/>
             <a:ext cx="9537192" cy="0"/>
           </a:xfrm>
           <a:prstGeom prst="line">
@@ -6699,6 +14416,7 @@
             <a:solidFill>
               <a:srgbClr val="FF0000"/>
             </a:solidFill>
+            <a:prstDash val="lgDashDot"/>
             <a:tailEnd type="triangle"/>
           </a:ln>
         </p:spPr>
@@ -6871,6 +14589,7 @@
             <a:solidFill>
               <a:srgbClr val="FF0000"/>
             </a:solidFill>
+            <a:prstDash val="lgDashDot"/>
             <a:tailEnd type="triangle"/>
           </a:ln>
         </p:spPr>
@@ -7830,6 +15549,7 @@
             <a:solidFill>
               <a:schemeClr val="tx1"/>
             </a:solidFill>
+            <a:prstDash val="dash"/>
             <a:tailEnd type="triangle"/>
           </a:ln>
         </p:spPr>
@@ -8230,6 +15950,7 @@
             <a:solidFill>
               <a:srgbClr val="FF0000"/>
             </a:solidFill>
+            <a:prstDash val="lgDashDot"/>
             <a:tailEnd type="triangle"/>
           </a:ln>
         </p:spPr>
